--- a/docs/groovy-tdd-installation.pptx
+++ b/docs/groovy-tdd-installation.pptx
@@ -5,7 +5,7 @@
     <p:sldMasterId id="2147483710" r:id="rId1"/>
   </p:sldMasterIdLst>
   <p:notesMasterIdLst>
-    <p:notesMasterId r:id="rId17"/>
+    <p:notesMasterId r:id="rId14"/>
   </p:notesMasterIdLst>
   <p:sldIdLst>
     <p:sldId id="256" r:id="rId2"/>
@@ -15,14 +15,11 @@
     <p:sldId id="264" r:id="rId6"/>
     <p:sldId id="262" r:id="rId7"/>
     <p:sldId id="271" r:id="rId8"/>
-    <p:sldId id="258" r:id="rId9"/>
-    <p:sldId id="259" r:id="rId10"/>
-    <p:sldId id="268" r:id="rId11"/>
-    <p:sldId id="265" r:id="rId12"/>
-    <p:sldId id="266" r:id="rId13"/>
-    <p:sldId id="272" r:id="rId14"/>
-    <p:sldId id="269" r:id="rId15"/>
-    <p:sldId id="273" r:id="rId16"/>
+    <p:sldId id="259" r:id="rId9"/>
+    <p:sldId id="265" r:id="rId10"/>
+    <p:sldId id="272" r:id="rId11"/>
+    <p:sldId id="273" r:id="rId12"/>
+    <p:sldId id="274" r:id="rId13"/>
   </p:sldIdLst>
   <p:sldSz cx="9144000" cy="6858000" type="screen4x3"/>
   <p:notesSz cx="7315200" cy="9601200"/>
@@ -3529,25 +3526,7 @@
                 </a:solidFill>
                 <a:latin typeface="Calibri" charset="0"/>
               </a:rPr>
-              <a:t>© </a:t>
-            </a:r>
-            <a:r>
-              <a:rPr lang="sv-SE" sz="1100" dirty="0" smtClean="0">
-                <a:solidFill>
-                  <a:schemeClr val="bg1"/>
-                </a:solidFill>
-                <a:latin typeface="Calibri" charset="0"/>
-              </a:rPr>
-              <a:t>2014 </a:t>
-            </a:r>
-            <a:r>
-              <a:rPr lang="sv-SE" sz="1100" dirty="0" smtClean="0">
-                <a:solidFill>
-                  <a:schemeClr val="bg1"/>
-                </a:solidFill>
-                <a:latin typeface="Calibri" charset="0"/>
-              </a:rPr>
-              <a:t>Callista Enterprise | </a:t>
+              <a:t>© 2014 Callista Enterprise | </a:t>
             </a:r>
             <a:r>
               <a:rPr lang="sv-SE" sz="1100" dirty="0" err="1" smtClean="0">
@@ -4480,650 +4459,7 @@
 </file>
 
 <file path=ppt/slides/slide10.xml><?xml version="1.0" encoding="utf-8"?>
-<p:sld xmlns:a="http://schemas.openxmlformats.org/drawingml/2006/main" xmlns:r="http://schemas.openxmlformats.org/officeDocument/2006/relationships" xmlns:p="http://schemas.openxmlformats.org/presentationml/2006/main" show="0">
-  <p:cSld>
-    <p:spTree>
-      <p:nvGrpSpPr>
-        <p:cNvPr id="1" name=""/>
-        <p:cNvGrpSpPr/>
-        <p:nvPr/>
-      </p:nvGrpSpPr>
-      <p:grpSpPr>
-        <a:xfrm>
-          <a:off x="0" y="0"/>
-          <a:ext cx="0" cy="0"/>
-          <a:chOff x="0" y="0"/>
-          <a:chExt cx="0" cy="0"/>
-        </a:xfrm>
-      </p:grpSpPr>
-      <p:sp>
-        <p:nvSpPr>
-          <p:cNvPr id="2" name="Title 1"/>
-          <p:cNvSpPr>
-            <a:spLocks noGrp="1"/>
-          </p:cNvSpPr>
-          <p:nvPr>
-            <p:ph type="ctrTitle"/>
-          </p:nvPr>
-        </p:nvSpPr>
-        <p:spPr>
-          <a:xfrm>
-            <a:off x="685800" y="570922"/>
-            <a:ext cx="7772400" cy="913862"/>
-          </a:xfrm>
-        </p:spPr>
-        <p:txBody>
-          <a:bodyPr anchor="t">
-            <a:normAutofit fontScale="90000"/>
-          </a:bodyPr>
-          <a:lstStyle/>
-          <a:p>
-            <a:r>
-              <a:rPr lang="en-US" dirty="0" smtClean="0"/>
-              <a:t>Eclipse Plugin Installation</a:t>
-            </a:r>
-            <a:br>
-              <a:rPr lang="en-US" dirty="0" smtClean="0"/>
-            </a:br>
-            <a:r>
-              <a:rPr lang="en-US" sz="2700" dirty="0" smtClean="0"/>
-              <a:t>Groovy-Eclipse</a:t>
-            </a:r>
-            <a:r>
-              <a:rPr lang="en-US" sz="2700" dirty="0"/>
-              <a:t> </a:t>
-            </a:r>
-            <a:r>
-              <a:rPr lang="en-US" sz="2700" dirty="0" smtClean="0"/>
-              <a:t>via Marketplace</a:t>
-            </a:r>
-            <a:endParaRPr lang="en-US" sz="2700" dirty="0"/>
-          </a:p>
-        </p:txBody>
-      </p:sp>
-      <p:sp>
-        <p:nvSpPr>
-          <p:cNvPr id="3" name="Text Placeholder 2"/>
-          <p:cNvSpPr>
-            <a:spLocks noGrp="1"/>
-          </p:cNvSpPr>
-          <p:nvPr>
-            <p:ph type="body" sz="quarter" idx="13"/>
-          </p:nvPr>
-        </p:nvSpPr>
-        <p:spPr>
-          <a:xfrm>
-            <a:off x="685803" y="1687029"/>
-            <a:ext cx="7721303" cy="3974219"/>
-          </a:xfrm>
-        </p:spPr>
-        <p:txBody>
-          <a:bodyPr/>
-          <a:lstStyle/>
-          <a:p>
-            <a:pPr marL="400050">
-              <a:buFont typeface="Arial"/>
-              <a:buChar char="•"/>
-            </a:pPr>
-            <a:r>
-              <a:rPr lang="en-US" sz="2000" dirty="0" smtClean="0"/>
-              <a:t>To </a:t>
-            </a:r>
-            <a:r>
-              <a:rPr lang="en-US" sz="2000" dirty="0"/>
-              <a:t>install </a:t>
-            </a:r>
-            <a:r>
-              <a:rPr lang="en-US" sz="2000" dirty="0" smtClean="0"/>
-              <a:t>the plugin, </a:t>
-            </a:r>
-            <a:r>
-              <a:rPr lang="en-US" sz="2000" dirty="0"/>
-              <a:t>select Help → </a:t>
-            </a:r>
-            <a:r>
-              <a:rPr lang="en-US" sz="2000" dirty="0" smtClean="0"/>
-              <a:t>Eclipse Marketplace.</a:t>
-            </a:r>
-            <a:r>
-              <a:rPr lang="en-US" sz="2000" dirty="0"/>
-              <a:t>..</a:t>
-            </a:r>
-            <a:r>
-              <a:rPr lang="en-US" sz="2000" dirty="0" smtClean="0"/>
-              <a:t>.</a:t>
-            </a:r>
-          </a:p>
-          <a:p>
-            <a:pPr marL="400050">
-              <a:buFont typeface="Arial"/>
-              <a:buChar char="•"/>
-            </a:pPr>
-            <a:r>
-              <a:rPr lang="en-US" sz="2000" dirty="0"/>
-              <a:t>Search for: Groovy-</a:t>
-            </a:r>
-            <a:r>
-              <a:rPr lang="en-US" sz="2000" dirty="0" smtClean="0"/>
-              <a:t>Eclipse</a:t>
-            </a:r>
-          </a:p>
-          <a:p>
-            <a:pPr marL="400050">
-              <a:buFont typeface="Arial"/>
-              <a:buChar char="•"/>
-            </a:pPr>
-            <a:r>
-              <a:rPr lang="en-US" sz="2000" dirty="0" smtClean="0"/>
-              <a:t>Choose appropriate Groovy-Eclipse plugin</a:t>
-            </a:r>
-          </a:p>
-          <a:p>
-            <a:pPr marL="400050">
-              <a:buFont typeface="Arial"/>
-              <a:buChar char="•"/>
-            </a:pPr>
-            <a:r>
-              <a:rPr lang="en-US" sz="2000" dirty="0" smtClean="0"/>
-              <a:t>Click Install</a:t>
-            </a:r>
-          </a:p>
-          <a:p>
-            <a:pPr marL="400050">
-              <a:buFont typeface="Arial"/>
-              <a:buChar char="•"/>
-            </a:pPr>
-            <a:r>
-              <a:rPr lang="en-US" sz="2000" dirty="0" smtClean="0"/>
-              <a:t>Select the features:</a:t>
-            </a:r>
-          </a:p>
-          <a:p>
-            <a:pPr marL="857250" lvl="1" indent="-342900">
-              <a:buFont typeface="Wingdings" charset="2"/>
-              <a:buChar char="q"/>
-            </a:pPr>
-            <a:r>
-              <a:rPr lang="en-US" sz="1800" dirty="0" smtClean="0"/>
-              <a:t>Groovy Compiler 2.0 Feature</a:t>
-            </a:r>
-          </a:p>
-          <a:p>
-            <a:pPr marL="857250" lvl="1" indent="-342900">
-              <a:buFont typeface="Wingdings" charset="2"/>
-              <a:buChar char="q"/>
-            </a:pPr>
-            <a:r>
-              <a:rPr lang="en-US" sz="1800" dirty="0" smtClean="0"/>
-              <a:t>Groovy-Eclipse Feature</a:t>
-            </a:r>
-            <a:endParaRPr lang="en-US" sz="1800" dirty="0"/>
-          </a:p>
-          <a:p>
-            <a:pPr marL="400050">
-              <a:buFont typeface="Lucida Grande"/>
-              <a:buChar char="-"/>
-            </a:pPr>
-            <a:endParaRPr lang="en-US" sz="2000" dirty="0" smtClean="0"/>
-          </a:p>
-        </p:txBody>
-      </p:sp>
-    </p:spTree>
-    <p:extLst>
-      <p:ext uri="{BB962C8B-B14F-4D97-AF65-F5344CB8AC3E}">
-        <p14:creationId xmlns:p14="http://schemas.microsoft.com/office/powerpoint/2010/main" val="410379906"/>
-      </p:ext>
-    </p:extLst>
-  </p:cSld>
-  <p:clrMapOvr>
-    <a:masterClrMapping/>
-  </p:clrMapOvr>
-  <mc:AlternateContent xmlns:mc="http://schemas.openxmlformats.org/markup-compatibility/2006">
-    <mc:Choice xmlns:p14="http://schemas.microsoft.com/office/powerpoint/2010/main" Requires="p14">
-      <p:transition spd="slow" p14:dur="2000"/>
-    </mc:Choice>
-    <mc:Fallback>
-      <p:transition xmlns:p14="http://schemas.microsoft.com/office/powerpoint/2010/main" spd="slow"/>
-    </mc:Fallback>
-  </mc:AlternateContent>
-  <p:timing>
-    <p:tnLst>
-      <p:par>
-        <p:cTn xmlns:p14="http://schemas.microsoft.com/office/powerpoint/2010/main" id="1" dur="indefinite" restart="never" nodeType="tmRoot"/>
-      </p:par>
-    </p:tnLst>
-  </p:timing>
-</p:sld>
-</file>
-
-<file path=ppt/slides/slide11.xml><?xml version="1.0" encoding="utf-8"?>
 <p:sld xmlns:a="http://schemas.openxmlformats.org/drawingml/2006/main" xmlns:r="http://schemas.openxmlformats.org/officeDocument/2006/relationships" xmlns:p="http://schemas.openxmlformats.org/presentationml/2006/main">
-  <p:cSld>
-    <p:spTree>
-      <p:nvGrpSpPr>
-        <p:cNvPr id="1" name=""/>
-        <p:cNvGrpSpPr/>
-        <p:nvPr/>
-      </p:nvGrpSpPr>
-      <p:grpSpPr>
-        <a:xfrm>
-          <a:off x="0" y="0"/>
-          <a:ext cx="0" cy="0"/>
-          <a:chOff x="0" y="0"/>
-          <a:chExt cx="0" cy="0"/>
-        </a:xfrm>
-      </p:grpSpPr>
-      <p:sp>
-        <p:nvSpPr>
-          <p:cNvPr id="2" name="Title 1"/>
-          <p:cNvSpPr>
-            <a:spLocks noGrp="1"/>
-          </p:cNvSpPr>
-          <p:nvPr>
-            <p:ph type="ctrTitle"/>
-          </p:nvPr>
-        </p:nvSpPr>
-        <p:spPr>
-          <a:xfrm>
-            <a:off x="685800" y="570922"/>
-            <a:ext cx="7772400" cy="1345910"/>
-          </a:xfrm>
-        </p:spPr>
-        <p:txBody>
-          <a:bodyPr anchor="t">
-            <a:normAutofit fontScale="90000"/>
-          </a:bodyPr>
-          <a:lstStyle/>
-          <a:p>
-            <a:r>
-              <a:rPr lang="en-US" dirty="0" smtClean="0"/>
-              <a:t>Eclipse </a:t>
-            </a:r>
-            <a:r>
-              <a:rPr lang="en-US" dirty="0"/>
-              <a:t>Plugin </a:t>
-            </a:r>
-            <a:r>
-              <a:rPr lang="en-US" dirty="0" smtClean="0"/>
-              <a:t>Installation</a:t>
-            </a:r>
-            <a:br>
-              <a:rPr lang="en-US" dirty="0" smtClean="0"/>
-            </a:br>
-            <a:r>
-              <a:rPr lang="en-US" sz="2700" dirty="0" smtClean="0"/>
-              <a:t>m2e connector for build</a:t>
-            </a:r>
-            <a:r>
-              <a:rPr lang="en-US" sz="2700" dirty="0"/>
-              <a:t>-helper-maven-</a:t>
-            </a:r>
-            <a:r>
-              <a:rPr lang="en-US" sz="2700" dirty="0" smtClean="0"/>
-              <a:t>plugin via Update Manager</a:t>
-            </a:r>
-            <a:endParaRPr lang="en-US" sz="2700" dirty="0"/>
-          </a:p>
-        </p:txBody>
-      </p:sp>
-      <p:sp>
-        <p:nvSpPr>
-          <p:cNvPr id="3" name="Text Placeholder 2"/>
-          <p:cNvSpPr>
-            <a:spLocks noGrp="1"/>
-          </p:cNvSpPr>
-          <p:nvPr>
-            <p:ph type="body" sz="quarter" idx="13"/>
-          </p:nvPr>
-        </p:nvSpPr>
-        <p:spPr>
-          <a:xfrm>
-            <a:off x="685803" y="1988840"/>
-            <a:ext cx="7721303" cy="3672407"/>
-          </a:xfrm>
-        </p:spPr>
-        <p:txBody>
-          <a:bodyPr/>
-          <a:lstStyle/>
-          <a:p>
-            <a:pPr marL="400050">
-              <a:buFont typeface="Arial"/>
-              <a:buChar char="•"/>
-            </a:pPr>
-            <a:r>
-              <a:rPr lang="en-US" sz="2000" dirty="0" smtClean="0"/>
-              <a:t>To </a:t>
-            </a:r>
-            <a:r>
-              <a:rPr lang="en-US" sz="2000" dirty="0"/>
-              <a:t>install a new functionality, select Help → Install New Software...</a:t>
-            </a:r>
-            <a:r>
-              <a:rPr lang="en-US" sz="2000" dirty="0" smtClean="0"/>
-              <a:t>.</a:t>
-            </a:r>
-          </a:p>
-          <a:p>
-            <a:pPr marL="400050">
-              <a:buFont typeface="Arial"/>
-              <a:buChar char="•"/>
-            </a:pPr>
-            <a:r>
-              <a:rPr lang="en-US" sz="2000" dirty="0"/>
-              <a:t>Paste the </a:t>
-            </a:r>
-            <a:r>
-              <a:rPr lang="en-US" sz="2000" dirty="0" smtClean="0"/>
-              <a:t>following </a:t>
-            </a:r>
-            <a:r>
-              <a:rPr lang="en-US" sz="2000" dirty="0"/>
-              <a:t>URL into the “Work with:” </a:t>
-            </a:r>
-            <a:r>
-              <a:rPr lang="en-US" sz="2000" dirty="0" smtClean="0"/>
-              <a:t>field</a:t>
-            </a:r>
-          </a:p>
-          <a:p>
-            <a:pPr marL="400050">
-              <a:buFont typeface="Arial"/>
-              <a:buChar char="•"/>
-            </a:pPr>
-            <a:endParaRPr lang="en-US" sz="2000" dirty="0"/>
-          </a:p>
-          <a:p>
-            <a:pPr marL="400050">
-              <a:buFont typeface="Arial"/>
-              <a:buChar char="•"/>
-            </a:pPr>
-            <a:endParaRPr lang="en-US" sz="2000" dirty="0" smtClean="0"/>
-          </a:p>
-          <a:p>
-            <a:pPr marL="400050">
-              <a:buFont typeface="Arial"/>
-              <a:buChar char="•"/>
-            </a:pPr>
-            <a:endParaRPr lang="en-US" sz="2000" dirty="0" smtClean="0"/>
-          </a:p>
-          <a:p>
-            <a:pPr marL="400050">
-              <a:buFont typeface="Arial"/>
-              <a:buChar char="•"/>
-            </a:pPr>
-            <a:r>
-              <a:rPr lang="en-US" sz="2000" dirty="0" smtClean="0"/>
-              <a:t>Install feature:</a:t>
-            </a:r>
-          </a:p>
-          <a:p>
-            <a:pPr marL="857250" lvl="1" indent="-342900">
-              <a:buFont typeface="Wingdings" charset="2"/>
-              <a:buChar char="q"/>
-            </a:pPr>
-            <a:r>
-              <a:rPr lang="en-US" sz="1800" dirty="0" smtClean="0"/>
-              <a:t>M2E </a:t>
-            </a:r>
-            <a:r>
-              <a:rPr lang="en-US" sz="1800" dirty="0" err="1" smtClean="0"/>
-              <a:t>Buildhelper</a:t>
-            </a:r>
-            <a:r>
-              <a:rPr lang="en-US" sz="1800" dirty="0" smtClean="0"/>
-              <a:t> Connector</a:t>
-            </a:r>
-            <a:endParaRPr lang="en-US" sz="1800" dirty="0" smtClean="0"/>
-          </a:p>
-          <a:p>
-            <a:pPr marL="1314450" lvl="2" indent="-342900">
-              <a:buFont typeface="Wingdings" charset="2"/>
-              <a:buChar char="q"/>
-            </a:pPr>
-            <a:r>
-              <a:rPr lang="en-US" sz="1600" dirty="0"/>
-              <a:t>m2e connector for build-helper-maven-</a:t>
-            </a:r>
-            <a:r>
-              <a:rPr lang="en-US" sz="1600" dirty="0" smtClean="0"/>
-              <a:t>plugin</a:t>
-            </a:r>
-            <a:endParaRPr lang="en-US" sz="1600" dirty="0"/>
-          </a:p>
-        </p:txBody>
-      </p:sp>
-      <p:sp>
-        <p:nvSpPr>
-          <p:cNvPr id="4" name="Text Placeholder 2"/>
-          <p:cNvSpPr txBox="1">
-            <a:spLocks/>
-          </p:cNvSpPr>
-          <p:nvPr/>
-        </p:nvSpPr>
-        <p:spPr>
-          <a:xfrm>
-            <a:off x="1187624" y="2906942"/>
-            <a:ext cx="6048672" cy="810090"/>
-          </a:xfrm>
-          <a:prstGeom prst="roundRect">
-            <a:avLst/>
-          </a:prstGeom>
-          <a:solidFill>
-            <a:schemeClr val="accent1">
-              <a:lumMod val="20000"/>
-              <a:lumOff val="80000"/>
-            </a:schemeClr>
-          </a:solidFill>
-          <a:ln w="12700" cap="rnd" cmpd="sng">
-            <a:solidFill>
-              <a:schemeClr val="tx1"/>
-            </a:solidFill>
-            <a:round/>
-          </a:ln>
-          <a:effectLst>
-            <a:outerShdw blurRad="50800" dist="38100" dir="2700000" algn="tl" rotWithShape="0">
-              <a:schemeClr val="accent1">
-                <a:lumMod val="75000"/>
-                <a:alpha val="43000"/>
-              </a:schemeClr>
-            </a:outerShdw>
-          </a:effectLst>
-        </p:spPr>
-        <p:txBody>
-          <a:bodyPr anchor="ctr"/>
-          <a:lstStyle>
-            <a:lvl1pPr marL="342900" indent="-342900" algn="l" defTabSz="457200" rtl="0" eaLnBrk="1" fontAlgn="base" hangingPunct="1">
-              <a:spcBef>
-                <a:spcPct val="20000"/>
-              </a:spcBef>
-              <a:spcAft>
-                <a:spcPct val="0"/>
-              </a:spcAft>
-              <a:buFont typeface="Arial" charset="0"/>
-              <a:buChar char="•"/>
-              <a:defRPr sz="2400" kern="1200">
-                <a:solidFill>
-                  <a:schemeClr val="tx1"/>
-                </a:solidFill>
-                <a:latin typeface="+mn-lt"/>
-                <a:ea typeface="ＭＳ Ｐゴシック" pitchFamily="-111" charset="-128"/>
-                <a:cs typeface="ＭＳ Ｐゴシック" pitchFamily="-111" charset="-128"/>
-              </a:defRPr>
-            </a:lvl1pPr>
-            <a:lvl2pPr marL="742950" indent="-285750" algn="l" defTabSz="457200" rtl="0" eaLnBrk="1" fontAlgn="base" hangingPunct="1">
-              <a:spcBef>
-                <a:spcPct val="20000"/>
-              </a:spcBef>
-              <a:spcAft>
-                <a:spcPct val="0"/>
-              </a:spcAft>
-              <a:buFont typeface="Arial" charset="0"/>
-              <a:buChar char="–"/>
-              <a:defRPr sz="2200" kern="1200">
-                <a:solidFill>
-                  <a:schemeClr val="tx1"/>
-                </a:solidFill>
-                <a:latin typeface="+mn-lt"/>
-                <a:ea typeface="ＭＳ Ｐゴシック" pitchFamily="-111" charset="-128"/>
-                <a:cs typeface="ＭＳ Ｐゴシック"/>
-              </a:defRPr>
-            </a:lvl2pPr>
-            <a:lvl3pPr marL="1143000" indent="-228600" algn="l" defTabSz="457200" rtl="0" eaLnBrk="1" fontAlgn="base" hangingPunct="1">
-              <a:spcBef>
-                <a:spcPct val="20000"/>
-              </a:spcBef>
-              <a:spcAft>
-                <a:spcPct val="0"/>
-              </a:spcAft>
-              <a:buFont typeface="Calibri" pitchFamily="34" charset="0"/>
-              <a:buChar char="»"/>
-              <a:defRPr sz="2000" kern="1200">
-                <a:solidFill>
-                  <a:schemeClr val="tx1"/>
-                </a:solidFill>
-                <a:latin typeface="+mn-lt"/>
-                <a:ea typeface="ＭＳ Ｐゴシック" pitchFamily="-111" charset="-128"/>
-                <a:cs typeface="ＭＳ Ｐゴシック"/>
-              </a:defRPr>
-            </a:lvl3pPr>
-            <a:lvl4pPr marL="1600200" indent="-228600" algn="l" defTabSz="457200" rtl="0" eaLnBrk="1" fontAlgn="base" hangingPunct="1">
-              <a:spcBef>
-                <a:spcPct val="20000"/>
-              </a:spcBef>
-              <a:spcAft>
-                <a:spcPct val="0"/>
-              </a:spcAft>
-              <a:buFont typeface="Arial" charset="0"/>
-              <a:buChar char="–"/>
-              <a:defRPr sz="1800" kern="1200">
-                <a:solidFill>
-                  <a:schemeClr val="tx1">
-                    <a:lumMod val="75000"/>
-                    <a:lumOff val="25000"/>
-                  </a:schemeClr>
-                </a:solidFill>
-                <a:latin typeface="+mn-lt"/>
-                <a:ea typeface="ＭＳ Ｐゴシック" pitchFamily="-111" charset="-128"/>
-                <a:cs typeface="ＭＳ Ｐゴシック"/>
-              </a:defRPr>
-            </a:lvl4pPr>
-            <a:lvl5pPr marL="2057400" indent="-228600" algn="l" defTabSz="457200" rtl="0" eaLnBrk="1" fontAlgn="base" hangingPunct="1">
-              <a:spcBef>
-                <a:spcPct val="20000"/>
-              </a:spcBef>
-              <a:spcAft>
-                <a:spcPct val="0"/>
-              </a:spcAft>
-              <a:buFont typeface="Arial" charset="0"/>
-              <a:buChar char="»"/>
-              <a:defRPr sz="1800" kern="1200">
-                <a:solidFill>
-                  <a:schemeClr val="tx1">
-                    <a:lumMod val="75000"/>
-                    <a:lumOff val="25000"/>
-                  </a:schemeClr>
-                </a:solidFill>
-                <a:latin typeface="+mn-lt"/>
-                <a:ea typeface="ＭＳ Ｐゴシック" pitchFamily="-111" charset="-128"/>
-                <a:cs typeface="ＭＳ Ｐゴシック"/>
-              </a:defRPr>
-            </a:lvl5pPr>
-            <a:lvl6pPr marL="2514600" indent="-228600" algn="l" defTabSz="457200" rtl="0" eaLnBrk="1" latinLnBrk="0" hangingPunct="1">
-              <a:spcBef>
-                <a:spcPct val="20000"/>
-              </a:spcBef>
-              <a:buFont typeface="Arial"/>
-              <a:buChar char="•"/>
-              <a:defRPr sz="2000" kern="1200">
-                <a:solidFill>
-                  <a:schemeClr val="tx1"/>
-                </a:solidFill>
-                <a:latin typeface="+mn-lt"/>
-                <a:ea typeface="+mn-ea"/>
-                <a:cs typeface="+mn-cs"/>
-              </a:defRPr>
-            </a:lvl6pPr>
-            <a:lvl7pPr marL="2971800" indent="-228600" algn="l" defTabSz="457200" rtl="0" eaLnBrk="1" latinLnBrk="0" hangingPunct="1">
-              <a:spcBef>
-                <a:spcPct val="20000"/>
-              </a:spcBef>
-              <a:buFont typeface="Arial"/>
-              <a:buChar char="•"/>
-              <a:defRPr sz="2000" kern="1200">
-                <a:solidFill>
-                  <a:schemeClr val="tx1"/>
-                </a:solidFill>
-                <a:latin typeface="+mn-lt"/>
-                <a:ea typeface="+mn-ea"/>
-                <a:cs typeface="+mn-cs"/>
-              </a:defRPr>
-            </a:lvl7pPr>
-            <a:lvl8pPr marL="3429000" indent="-228600" algn="l" defTabSz="457200" rtl="0" eaLnBrk="1" latinLnBrk="0" hangingPunct="1">
-              <a:spcBef>
-                <a:spcPct val="20000"/>
-              </a:spcBef>
-              <a:buFont typeface="Arial"/>
-              <a:buChar char="•"/>
-              <a:defRPr sz="2000" kern="1200">
-                <a:solidFill>
-                  <a:schemeClr val="tx1"/>
-                </a:solidFill>
-                <a:latin typeface="+mn-lt"/>
-                <a:ea typeface="+mn-ea"/>
-                <a:cs typeface="+mn-cs"/>
-              </a:defRPr>
-            </a:lvl8pPr>
-            <a:lvl9pPr marL="3886200" indent="-228600" algn="l" defTabSz="457200" rtl="0" eaLnBrk="1" latinLnBrk="0" hangingPunct="1">
-              <a:spcBef>
-                <a:spcPct val="20000"/>
-              </a:spcBef>
-              <a:buFont typeface="Arial"/>
-              <a:buChar char="•"/>
-              <a:defRPr sz="2000" kern="1200">
-                <a:solidFill>
-                  <a:schemeClr val="tx1"/>
-                </a:solidFill>
-                <a:latin typeface="+mn-lt"/>
-                <a:ea typeface="+mn-ea"/>
-                <a:cs typeface="+mn-cs"/>
-              </a:defRPr>
-            </a:lvl9pPr>
-          </a:lstStyle>
-          <a:p>
-            <a:pPr marL="0" indent="0">
-              <a:buNone/>
-            </a:pPr>
-            <a:r>
-              <a:rPr lang="en-US" sz="1800" dirty="0">
-                <a:hlinkClick r:id="rId2"/>
-              </a:rPr>
-              <a:t>http://repo1.maven.org/maven2/.m2e/connectors/m2eclipse-buildhelper/0.15.0/N/0.15.0.201207090124</a:t>
-            </a:r>
-            <a:r>
-              <a:rPr lang="en-US" sz="1800" dirty="0" smtClean="0">
-                <a:hlinkClick r:id="rId2"/>
-              </a:rPr>
-              <a:t>/</a:t>
-            </a:r>
-            <a:endParaRPr lang="en-US" sz="1800" dirty="0"/>
-          </a:p>
-        </p:txBody>
-      </p:sp>
-    </p:spTree>
-    <p:extLst>
-      <p:ext uri="{BB962C8B-B14F-4D97-AF65-F5344CB8AC3E}">
-        <p14:creationId xmlns:p14="http://schemas.microsoft.com/office/powerpoint/2010/main" val="1556050955"/>
-      </p:ext>
-    </p:extLst>
-  </p:cSld>
-  <p:clrMapOvr>
-    <a:masterClrMapping/>
-  </p:clrMapOvr>
-</p:sld>
-</file>
-
-<file path=ppt/slides/slide12.xml><?xml version="1.0" encoding="utf-8"?>
-<p:sld xmlns:a="http://schemas.openxmlformats.org/drawingml/2006/main" xmlns:r="http://schemas.openxmlformats.org/officeDocument/2006/relationships" xmlns:p="http://schemas.openxmlformats.org/presentationml/2006/main" show="0">
   <p:cSld>
     <p:spTree>
       <p:nvGrpSpPr>
@@ -5179,11 +4515,7 @@
           <a:p>
             <a:r>
               <a:rPr lang="en-US" sz="2000" dirty="0" smtClean="0"/>
-              <a:t>Download source code </a:t>
-            </a:r>
-            <a:r>
-              <a:rPr lang="en-US" sz="2000" dirty="0" smtClean="0"/>
-              <a:t>from</a:t>
+              <a:t>Download source code from</a:t>
             </a:r>
           </a:p>
           <a:p>
@@ -5200,11 +4532,7 @@
             <a:pPr lvl="1"/>
             <a:r>
               <a:rPr lang="en-US" sz="1800" dirty="0" smtClean="0"/>
-              <a:t>Zip </a:t>
-            </a:r>
-            <a:r>
-              <a:rPr lang="en-US" sz="1800" dirty="0" smtClean="0"/>
-              <a:t>file contains a Maven project</a:t>
+              <a:t>Zip file contains an Eclipse project</a:t>
             </a:r>
           </a:p>
           <a:p>
@@ -5224,7 +4552,7 @@
             </a:r>
             <a:r>
               <a:rPr lang="en-US" sz="2000" dirty="0" smtClean="0"/>
-              <a:t>a Maven project:</a:t>
+              <a:t>an Eclipse project:</a:t>
             </a:r>
           </a:p>
           <a:p>
@@ -5243,14 +4571,21 @@
             </a:r>
             <a:r>
               <a:rPr lang="en-US" sz="1800" dirty="0" smtClean="0"/>
-              <a:t>Maven → Existing Maven Projects</a:t>
+              <a:t>General → Existing Projects into Workspace</a:t>
             </a:r>
           </a:p>
           <a:p>
             <a:pPr lvl="1"/>
             <a:r>
               <a:rPr lang="en-US" sz="1800" dirty="0" smtClean="0"/>
-              <a:t>Browse to the working directory and choose the </a:t>
+              <a:t>Browse to the directory where you have unzipped the source code</a:t>
+            </a:r>
+          </a:p>
+          <a:p>
+            <a:pPr lvl="1"/>
+            <a:r>
+              <a:rPr lang="en-US" sz="1800" dirty="0" smtClean="0"/>
+              <a:t> Choose the </a:t>
             </a:r>
             <a:r>
               <a:rPr lang="en-US" sz="1800" b="1" dirty="0" smtClean="0"/>
@@ -5281,11 +4616,7 @@
             <a:pPr lvl="1"/>
             <a:r>
               <a:rPr lang="en-US" sz="1800" dirty="0" smtClean="0"/>
-              <a:t>Click Finish</a:t>
-            </a:r>
-            <a:r>
-              <a:rPr lang="en-US" sz="2000" dirty="0" smtClean="0"/>
-              <a:t> </a:t>
+              <a:t>Click Finish </a:t>
             </a:r>
           </a:p>
           <a:p>
@@ -5509,443 +4840,6 @@
     </p:spTree>
     <p:extLst>
       <p:ext uri="{BB962C8B-B14F-4D97-AF65-F5344CB8AC3E}">
-        <p14:creationId xmlns:p14="http://schemas.microsoft.com/office/powerpoint/2010/main" val="3931444764"/>
-      </p:ext>
-    </p:extLst>
-  </p:cSld>
-  <p:clrMapOvr>
-    <a:masterClrMapping/>
-  </p:clrMapOvr>
-  <mc:AlternateContent xmlns:mc="http://schemas.openxmlformats.org/markup-compatibility/2006">
-    <mc:Choice xmlns:p14="http://schemas.microsoft.com/office/powerpoint/2010/main" Requires="p14">
-      <p:transition spd="slow" p14:dur="2000"/>
-    </mc:Choice>
-    <mc:Fallback>
-      <p:transition xmlns:p14="http://schemas.microsoft.com/office/powerpoint/2010/main" spd="slow"/>
-    </mc:Fallback>
-  </mc:AlternateContent>
-</p:sld>
-</file>
-
-<file path=ppt/slides/slide13.xml><?xml version="1.0" encoding="utf-8"?>
-<p:sld xmlns:a="http://schemas.openxmlformats.org/drawingml/2006/main" xmlns:r="http://schemas.openxmlformats.org/officeDocument/2006/relationships" xmlns:p="http://schemas.openxmlformats.org/presentationml/2006/main">
-  <p:cSld>
-    <p:spTree>
-      <p:nvGrpSpPr>
-        <p:cNvPr id="1" name=""/>
-        <p:cNvGrpSpPr/>
-        <p:nvPr/>
-      </p:nvGrpSpPr>
-      <p:grpSpPr>
-        <a:xfrm>
-          <a:off x="0" y="0"/>
-          <a:ext cx="0" cy="0"/>
-          <a:chOff x="0" y="0"/>
-          <a:chExt cx="0" cy="0"/>
-        </a:xfrm>
-      </p:grpSpPr>
-      <p:sp>
-        <p:nvSpPr>
-          <p:cNvPr id="2" name="Title 1"/>
-          <p:cNvSpPr>
-            <a:spLocks noGrp="1"/>
-          </p:cNvSpPr>
-          <p:nvPr>
-            <p:ph type="ctrTitle"/>
-          </p:nvPr>
-        </p:nvSpPr>
-        <p:spPr/>
-        <p:txBody>
-          <a:bodyPr anchor="t"/>
-          <a:lstStyle/>
-          <a:p>
-            <a:r>
-              <a:rPr lang="en-US" dirty="0" smtClean="0"/>
-              <a:t>Import project into Eclipse</a:t>
-            </a:r>
-            <a:endParaRPr lang="en-US" dirty="0"/>
-          </a:p>
-        </p:txBody>
-      </p:sp>
-      <p:sp>
-        <p:nvSpPr>
-          <p:cNvPr id="3" name="Text Placeholder 2"/>
-          <p:cNvSpPr>
-            <a:spLocks noGrp="1"/>
-          </p:cNvSpPr>
-          <p:nvPr>
-            <p:ph type="body" sz="quarter" idx="13"/>
-          </p:nvPr>
-        </p:nvSpPr>
-        <p:spPr/>
-        <p:txBody>
-          <a:bodyPr/>
-          <a:lstStyle/>
-          <a:p>
-            <a:r>
-              <a:rPr lang="en-US" sz="2000" dirty="0" smtClean="0"/>
-              <a:t>Download source code </a:t>
-            </a:r>
-            <a:r>
-              <a:rPr lang="en-US" sz="2000" dirty="0" smtClean="0"/>
-              <a:t>from</a:t>
-            </a:r>
-          </a:p>
-          <a:p>
-            <a:endParaRPr lang="en-US" sz="2000" dirty="0"/>
-          </a:p>
-          <a:p>
-            <a:endParaRPr lang="en-US" sz="2000" dirty="0" smtClean="0"/>
-          </a:p>
-          <a:p>
-            <a:pPr lvl="1"/>
-            <a:endParaRPr lang="en-US" sz="2000" dirty="0" smtClean="0"/>
-          </a:p>
-          <a:p>
-            <a:pPr lvl="1"/>
-            <a:r>
-              <a:rPr lang="en-US" sz="1800" dirty="0" smtClean="0"/>
-              <a:t>Zip </a:t>
-            </a:r>
-            <a:r>
-              <a:rPr lang="en-US" sz="1800" dirty="0" smtClean="0"/>
-              <a:t>file contains </a:t>
-            </a:r>
-            <a:r>
-              <a:rPr lang="en-US" sz="1800" dirty="0" smtClean="0"/>
-              <a:t>an Eclipse </a:t>
-            </a:r>
-            <a:r>
-              <a:rPr lang="en-US" sz="1800" dirty="0" smtClean="0"/>
-              <a:t>project</a:t>
-            </a:r>
-          </a:p>
-          <a:p>
-            <a:r>
-              <a:rPr lang="en-US" sz="2000" dirty="0" smtClean="0"/>
-              <a:t>Unzip to a working directory</a:t>
-            </a:r>
-          </a:p>
-          <a:p>
-            <a:r>
-              <a:rPr lang="en-US" sz="2000" dirty="0" smtClean="0"/>
-              <a:t>To </a:t>
-            </a:r>
-            <a:r>
-              <a:rPr lang="en-US" sz="2000" dirty="0"/>
-              <a:t>import </a:t>
-            </a:r>
-            <a:r>
-              <a:rPr lang="en-US" sz="2000" dirty="0" smtClean="0"/>
-              <a:t>an Eclipse project</a:t>
-            </a:r>
-            <a:r>
-              <a:rPr lang="en-US" sz="2000" dirty="0" smtClean="0"/>
-              <a:t>:</a:t>
-            </a:r>
-          </a:p>
-          <a:p>
-            <a:pPr lvl="1"/>
-            <a:r>
-              <a:rPr lang="en-US" sz="1800" dirty="0"/>
-              <a:t>S</a:t>
-            </a:r>
-            <a:r>
-              <a:rPr lang="en-US" sz="1800" dirty="0" smtClean="0"/>
-              <a:t>elect </a:t>
-            </a:r>
-            <a:r>
-              <a:rPr lang="en-US" sz="1800" dirty="0"/>
-              <a:t>File → Import → </a:t>
-            </a:r>
-            <a:r>
-              <a:rPr lang="en-US" sz="1800" dirty="0" smtClean="0"/>
-              <a:t>General </a:t>
-            </a:r>
-            <a:r>
-              <a:rPr lang="en-US" sz="1800" dirty="0" smtClean="0"/>
-              <a:t>→ </a:t>
-            </a:r>
-            <a:r>
-              <a:rPr lang="en-US" sz="1800" dirty="0" smtClean="0"/>
-              <a:t>Existing Projects into Workspace</a:t>
-            </a:r>
-            <a:endParaRPr lang="en-US" sz="1800" dirty="0" smtClean="0"/>
-          </a:p>
-          <a:p>
-            <a:pPr lvl="1"/>
-            <a:r>
-              <a:rPr lang="en-US" sz="1800" dirty="0" smtClean="0"/>
-              <a:t>Browse to the </a:t>
-            </a:r>
-            <a:r>
-              <a:rPr lang="en-US" sz="1800" dirty="0" smtClean="0"/>
-              <a:t>directory where you have unzipped the source code</a:t>
-            </a:r>
-          </a:p>
-          <a:p>
-            <a:pPr lvl="1"/>
-            <a:r>
-              <a:rPr lang="en-US" sz="1800" dirty="0" smtClean="0"/>
-              <a:t> Choose </a:t>
-            </a:r>
-            <a:r>
-              <a:rPr lang="en-US" sz="1800" dirty="0" smtClean="0"/>
-              <a:t>the </a:t>
-            </a:r>
-            <a:r>
-              <a:rPr lang="en-US" sz="1800" b="1" dirty="0" smtClean="0"/>
-              <a:t>groovy-</a:t>
-            </a:r>
-            <a:r>
-              <a:rPr lang="en-US" sz="1800" b="1" dirty="0" err="1" smtClean="0"/>
-              <a:t>tdd</a:t>
-            </a:r>
-            <a:r>
-              <a:rPr lang="en-US" sz="1800" b="1" dirty="0" smtClean="0"/>
-              <a:t>-</a:t>
-            </a:r>
-            <a:r>
-              <a:rPr lang="en-US" sz="1800" b="1" dirty="0" err="1" smtClean="0"/>
-              <a:t>cadec</a:t>
-            </a:r>
-            <a:r>
-              <a:rPr lang="en-US" sz="1800" b="1" dirty="0" smtClean="0"/>
-              <a:t> </a:t>
-            </a:r>
-            <a:r>
-              <a:rPr lang="en-US" sz="1800" dirty="0" smtClean="0"/>
-              <a:t>project</a:t>
-            </a:r>
-          </a:p>
-          <a:p>
-            <a:pPr lvl="1"/>
-            <a:r>
-              <a:rPr lang="en-US" sz="1800" dirty="0" smtClean="0"/>
-              <a:t>Click Finish </a:t>
-            </a:r>
-          </a:p>
-          <a:p>
-            <a:endParaRPr lang="en-US" sz="2000" dirty="0"/>
-          </a:p>
-        </p:txBody>
-      </p:sp>
-      <p:sp>
-        <p:nvSpPr>
-          <p:cNvPr id="4" name="Text Placeholder 2"/>
-          <p:cNvSpPr txBox="1">
-            <a:spLocks/>
-          </p:cNvSpPr>
-          <p:nvPr/>
-        </p:nvSpPr>
-        <p:spPr>
-          <a:xfrm>
-            <a:off x="1115616" y="2060848"/>
-            <a:ext cx="6048672" cy="810090"/>
-          </a:xfrm>
-          <a:prstGeom prst="roundRect">
-            <a:avLst/>
-          </a:prstGeom>
-          <a:solidFill>
-            <a:schemeClr val="accent1">
-              <a:lumMod val="20000"/>
-              <a:lumOff val="80000"/>
-            </a:schemeClr>
-          </a:solidFill>
-          <a:ln w="12700" cap="rnd" cmpd="sng">
-            <a:solidFill>
-              <a:schemeClr val="tx1"/>
-            </a:solidFill>
-            <a:round/>
-          </a:ln>
-          <a:effectLst>
-            <a:outerShdw blurRad="50800" dist="38100" dir="2700000" algn="tl" rotWithShape="0">
-              <a:schemeClr val="accent1">
-                <a:lumMod val="75000"/>
-                <a:alpha val="43000"/>
-              </a:schemeClr>
-            </a:outerShdw>
-          </a:effectLst>
-        </p:spPr>
-        <p:txBody>
-          <a:bodyPr anchor="ctr"/>
-          <a:lstStyle>
-            <a:lvl1pPr marL="342900" indent="-342900" algn="l" defTabSz="457200" rtl="0" eaLnBrk="1" fontAlgn="base" hangingPunct="1">
-              <a:spcBef>
-                <a:spcPct val="20000"/>
-              </a:spcBef>
-              <a:spcAft>
-                <a:spcPct val="0"/>
-              </a:spcAft>
-              <a:buFont typeface="Arial" charset="0"/>
-              <a:buChar char="•"/>
-              <a:defRPr sz="2400" kern="1200">
-                <a:solidFill>
-                  <a:schemeClr val="tx1"/>
-                </a:solidFill>
-                <a:latin typeface="+mn-lt"/>
-                <a:ea typeface="ＭＳ Ｐゴシック" pitchFamily="-111" charset="-128"/>
-                <a:cs typeface="ＭＳ Ｐゴシック" pitchFamily="-111" charset="-128"/>
-              </a:defRPr>
-            </a:lvl1pPr>
-            <a:lvl2pPr marL="742950" indent="-285750" algn="l" defTabSz="457200" rtl="0" eaLnBrk="1" fontAlgn="base" hangingPunct="1">
-              <a:spcBef>
-                <a:spcPct val="20000"/>
-              </a:spcBef>
-              <a:spcAft>
-                <a:spcPct val="0"/>
-              </a:spcAft>
-              <a:buFont typeface="Arial" charset="0"/>
-              <a:buChar char="–"/>
-              <a:defRPr sz="2200" kern="1200">
-                <a:solidFill>
-                  <a:schemeClr val="tx1"/>
-                </a:solidFill>
-                <a:latin typeface="+mn-lt"/>
-                <a:ea typeface="ＭＳ Ｐゴシック" pitchFamily="-111" charset="-128"/>
-                <a:cs typeface="ＭＳ Ｐゴシック"/>
-              </a:defRPr>
-            </a:lvl2pPr>
-            <a:lvl3pPr marL="1143000" indent="-228600" algn="l" defTabSz="457200" rtl="0" eaLnBrk="1" fontAlgn="base" hangingPunct="1">
-              <a:spcBef>
-                <a:spcPct val="20000"/>
-              </a:spcBef>
-              <a:spcAft>
-                <a:spcPct val="0"/>
-              </a:spcAft>
-              <a:buFont typeface="Calibri" pitchFamily="34" charset="0"/>
-              <a:buChar char="»"/>
-              <a:defRPr sz="2000" kern="1200">
-                <a:solidFill>
-                  <a:schemeClr val="tx1"/>
-                </a:solidFill>
-                <a:latin typeface="+mn-lt"/>
-                <a:ea typeface="ＭＳ Ｐゴシック" pitchFamily="-111" charset="-128"/>
-                <a:cs typeface="ＭＳ Ｐゴシック"/>
-              </a:defRPr>
-            </a:lvl3pPr>
-            <a:lvl4pPr marL="1600200" indent="-228600" algn="l" defTabSz="457200" rtl="0" eaLnBrk="1" fontAlgn="base" hangingPunct="1">
-              <a:spcBef>
-                <a:spcPct val="20000"/>
-              </a:spcBef>
-              <a:spcAft>
-                <a:spcPct val="0"/>
-              </a:spcAft>
-              <a:buFont typeface="Arial" charset="0"/>
-              <a:buChar char="–"/>
-              <a:defRPr sz="1800" kern="1200">
-                <a:solidFill>
-                  <a:schemeClr val="tx1">
-                    <a:lumMod val="75000"/>
-                    <a:lumOff val="25000"/>
-                  </a:schemeClr>
-                </a:solidFill>
-                <a:latin typeface="+mn-lt"/>
-                <a:ea typeface="ＭＳ Ｐゴシック" pitchFamily="-111" charset="-128"/>
-                <a:cs typeface="ＭＳ Ｐゴシック"/>
-              </a:defRPr>
-            </a:lvl4pPr>
-            <a:lvl5pPr marL="2057400" indent="-228600" algn="l" defTabSz="457200" rtl="0" eaLnBrk="1" fontAlgn="base" hangingPunct="1">
-              <a:spcBef>
-                <a:spcPct val="20000"/>
-              </a:spcBef>
-              <a:spcAft>
-                <a:spcPct val="0"/>
-              </a:spcAft>
-              <a:buFont typeface="Arial" charset="0"/>
-              <a:buChar char="»"/>
-              <a:defRPr sz="1800" kern="1200">
-                <a:solidFill>
-                  <a:schemeClr val="tx1">
-                    <a:lumMod val="75000"/>
-                    <a:lumOff val="25000"/>
-                  </a:schemeClr>
-                </a:solidFill>
-                <a:latin typeface="+mn-lt"/>
-                <a:ea typeface="ＭＳ Ｐゴシック" pitchFamily="-111" charset="-128"/>
-                <a:cs typeface="ＭＳ Ｐゴシック"/>
-              </a:defRPr>
-            </a:lvl5pPr>
-            <a:lvl6pPr marL="2514600" indent="-228600" algn="l" defTabSz="457200" rtl="0" eaLnBrk="1" latinLnBrk="0" hangingPunct="1">
-              <a:spcBef>
-                <a:spcPct val="20000"/>
-              </a:spcBef>
-              <a:buFont typeface="Arial"/>
-              <a:buChar char="•"/>
-              <a:defRPr sz="2000" kern="1200">
-                <a:solidFill>
-                  <a:schemeClr val="tx1"/>
-                </a:solidFill>
-                <a:latin typeface="+mn-lt"/>
-                <a:ea typeface="+mn-ea"/>
-                <a:cs typeface="+mn-cs"/>
-              </a:defRPr>
-            </a:lvl6pPr>
-            <a:lvl7pPr marL="2971800" indent="-228600" algn="l" defTabSz="457200" rtl="0" eaLnBrk="1" latinLnBrk="0" hangingPunct="1">
-              <a:spcBef>
-                <a:spcPct val="20000"/>
-              </a:spcBef>
-              <a:buFont typeface="Arial"/>
-              <a:buChar char="•"/>
-              <a:defRPr sz="2000" kern="1200">
-                <a:solidFill>
-                  <a:schemeClr val="tx1"/>
-                </a:solidFill>
-                <a:latin typeface="+mn-lt"/>
-                <a:ea typeface="+mn-ea"/>
-                <a:cs typeface="+mn-cs"/>
-              </a:defRPr>
-            </a:lvl7pPr>
-            <a:lvl8pPr marL="3429000" indent="-228600" algn="l" defTabSz="457200" rtl="0" eaLnBrk="1" latinLnBrk="0" hangingPunct="1">
-              <a:spcBef>
-                <a:spcPct val="20000"/>
-              </a:spcBef>
-              <a:buFont typeface="Arial"/>
-              <a:buChar char="•"/>
-              <a:defRPr sz="2000" kern="1200">
-                <a:solidFill>
-                  <a:schemeClr val="tx1"/>
-                </a:solidFill>
-                <a:latin typeface="+mn-lt"/>
-                <a:ea typeface="+mn-ea"/>
-                <a:cs typeface="+mn-cs"/>
-              </a:defRPr>
-            </a:lvl8pPr>
-            <a:lvl9pPr marL="3886200" indent="-228600" algn="l" defTabSz="457200" rtl="0" eaLnBrk="1" latinLnBrk="0" hangingPunct="1">
-              <a:spcBef>
-                <a:spcPct val="20000"/>
-              </a:spcBef>
-              <a:buFont typeface="Arial"/>
-              <a:buChar char="•"/>
-              <a:defRPr sz="2000" kern="1200">
-                <a:solidFill>
-                  <a:schemeClr val="tx1"/>
-                </a:solidFill>
-                <a:latin typeface="+mn-lt"/>
-                <a:ea typeface="+mn-ea"/>
-                <a:cs typeface="+mn-cs"/>
-              </a:defRPr>
-            </a:lvl9pPr>
-          </a:lstStyle>
-          <a:p>
-            <a:pPr marL="0" lvl="1" indent="0">
-              <a:buNone/>
-            </a:pPr>
-            <a:r>
-              <a:rPr lang="en-US" sz="2000" dirty="0"/>
-              <a:t>http://www.callistaenterprise.se/vadgorvi/cadec/xxxxxxxx/</a:t>
-            </a:r>
-            <a:r>
-              <a:rPr lang="en-US" sz="2000" dirty="0" smtClean="0"/>
-              <a:t>cadec2014_groovy_tdd.zip</a:t>
-            </a:r>
-            <a:endParaRPr lang="en-US" sz="2000" dirty="0"/>
-          </a:p>
-        </p:txBody>
-      </p:sp>
-    </p:spTree>
-    <p:extLst>
-      <p:ext uri="{BB962C8B-B14F-4D97-AF65-F5344CB8AC3E}">
         <p14:creationId xmlns:p14="http://schemas.microsoft.com/office/powerpoint/2010/main" val="1085299031"/>
       </p:ext>
     </p:extLst>
@@ -5956,8 +4850,8 @@
 </p:sld>
 </file>
 
-<file path=ppt/slides/slide14.xml><?xml version="1.0" encoding="utf-8"?>
-<p:sld xmlns:a="http://schemas.openxmlformats.org/drawingml/2006/main" xmlns:r="http://schemas.openxmlformats.org/officeDocument/2006/relationships" xmlns:p="http://schemas.openxmlformats.org/presentationml/2006/main" show="0">
+<file path=ppt/slides/slide11.xml><?xml version="1.0" encoding="utf-8"?>
+<p:sld xmlns:a="http://schemas.openxmlformats.org/drawingml/2006/main" xmlns:r="http://schemas.openxmlformats.org/officeDocument/2006/relationships" xmlns:p="http://schemas.openxmlformats.org/presentationml/2006/main">
   <p:cSld>
     <p:spTree>
       <p:nvGrpSpPr>
@@ -5997,15 +4891,18 @@
           <a:p>
             <a:r>
               <a:rPr lang="en-US" dirty="0" smtClean="0"/>
-              <a:t>Start web application</a:t>
+              <a:t>Eclipse problems</a:t>
             </a:r>
             <a:br>
               <a:rPr lang="en-US" dirty="0" smtClean="0"/>
             </a:br>
             <a:r>
               <a:rPr lang="en-US" sz="2700" dirty="0" smtClean="0"/>
-              <a:t>From inside Eclipse</a:t>
-            </a:r>
+              <a:t>Groovy compiler mismatch</a:t>
+            </a:r>
+            <a:br>
+              <a:rPr lang="en-US" sz="2700" dirty="0" smtClean="0"/>
+            </a:br>
             <a:endParaRPr lang="en-US" sz="2700" dirty="0"/>
           </a:p>
         </p:txBody>
@@ -6022,7 +4919,7 @@
         </p:nvSpPr>
         <p:spPr>
           <a:xfrm>
-            <a:off x="685803" y="1628800"/>
+            <a:off x="685803" y="1484784"/>
             <a:ext cx="7721303" cy="4032448"/>
           </a:xfrm>
         </p:spPr>
@@ -6030,18 +4927,60 @@
           <a:bodyPr/>
           <a:lstStyle/>
           <a:p>
+            <a:pPr marL="0" indent="0">
+              <a:buNone/>
+            </a:pPr>
+            <a:r>
+              <a:rPr lang="en-US" sz="2000" dirty="0" smtClean="0"/>
+              <a:t>If Eclipse reports a </a:t>
+            </a:r>
+            <a:r>
+              <a:rPr lang="en-US" sz="2000" dirty="0" smtClean="0"/>
+              <a:t>mismatch</a:t>
+            </a:r>
+            <a:r>
+              <a:rPr lang="en-US" sz="2000" dirty="0"/>
+              <a:t> </a:t>
+            </a:r>
+            <a:r>
+              <a:rPr lang="en-US" sz="2000" dirty="0" smtClean="0"/>
+              <a:t>between the project’s and workspace’s Groovy compiler, you </a:t>
+            </a:r>
+            <a:r>
+              <a:rPr lang="en-US" sz="2000" dirty="0" smtClean="0"/>
+              <a:t>need to correct it:</a:t>
+            </a:r>
+          </a:p>
+          <a:p>
             <a:pPr marL="457200" indent="-457200">
               <a:buFont typeface="+mj-lt"/>
               <a:buAutoNum type="arabicPeriod"/>
             </a:pPr>
             <a:r>
-              <a:rPr lang="en-US" sz="2000" dirty="0"/>
-              <a:t>Select Run </a:t>
-            </a:r>
-            <a:r>
-              <a:rPr lang="en-US" sz="2000" dirty="0" smtClean="0"/>
-              <a:t>→ Run Configurations…</a:t>
-            </a:r>
+              <a:rPr lang="en-US" sz="1800" dirty="0" smtClean="0"/>
+              <a:t>Right click</a:t>
+            </a:r>
+            <a:r>
+              <a:rPr lang="en-US" sz="1800" b="1" dirty="0"/>
+              <a:t> </a:t>
+            </a:r>
+            <a:r>
+              <a:rPr lang="en-US" sz="1800" b="1" dirty="0" smtClean="0"/>
+              <a:t>groovy-</a:t>
+            </a:r>
+            <a:r>
+              <a:rPr lang="en-US" sz="1800" b="1" dirty="0" err="1" smtClean="0"/>
+              <a:t>tdd</a:t>
+            </a:r>
+            <a:r>
+              <a:rPr lang="en-US" sz="1800" b="1" dirty="0" smtClean="0"/>
+              <a:t>-</a:t>
+            </a:r>
+            <a:r>
+              <a:rPr lang="en-US" sz="1800" b="1" dirty="0" err="1" smtClean="0"/>
+              <a:t>cadec</a:t>
+            </a:r>
+            <a:endParaRPr lang="en-US" sz="1800" dirty="0" smtClean="0"/>
           </a:p>
           <a:p>
             <a:pPr marL="457200" indent="-457200">
@@ -6049,8 +4988,18 @@
               <a:buAutoNum type="arabicPeriod"/>
             </a:pPr>
             <a:r>
-              <a:rPr lang="en-US" sz="2000" dirty="0" smtClean="0"/>
-              <a:t>Choose Maven Build</a:t>
+              <a:rPr lang="en-US" sz="1800" dirty="0"/>
+              <a:t>Select </a:t>
+            </a:r>
+            <a:r>
+              <a:rPr lang="en-US" sz="1800" dirty="0" smtClean="0"/>
+              <a:t>→ Properties </a:t>
+            </a:r>
+            <a:r>
+              <a:rPr lang="en-US" sz="1800" dirty="0" smtClean="0">
+                <a:sym typeface="Wingdings"/>
+              </a:rPr>
+              <a:t>Groovy Compiler</a:t>
             </a:r>
           </a:p>
           <a:p>
@@ -6059,391 +5008,52 @@
               <a:buAutoNum type="arabicPeriod"/>
             </a:pPr>
             <a:r>
-              <a:rPr lang="en-US" sz="2000" dirty="0" smtClean="0"/>
-              <a:t>Press the ‘New’ button</a:t>
-            </a:r>
-          </a:p>
-          <a:p>
-            <a:pPr marL="857250" lvl="1" indent="-457200"/>
-            <a:r>
-              <a:rPr lang="en-US" sz="1800" dirty="0" smtClean="0"/>
-              <a:t>Name: </a:t>
-            </a:r>
-            <a:r>
-              <a:rPr lang="en-US" sz="1800" i="1" dirty="0" smtClean="0"/>
-              <a:t>groovy</a:t>
-            </a:r>
-            <a:r>
-              <a:rPr lang="en-US" sz="1800" i="1" dirty="0"/>
-              <a:t>-</a:t>
-            </a:r>
-            <a:r>
-              <a:rPr lang="en-US" sz="1800" i="1" dirty="0" err="1"/>
-              <a:t>tdd</a:t>
-            </a:r>
-            <a:r>
-              <a:rPr lang="en-US" sz="1800" i="1" dirty="0"/>
-              <a:t>-</a:t>
-            </a:r>
-            <a:r>
-              <a:rPr lang="en-US" sz="1800" i="1" dirty="0" err="1"/>
-              <a:t>cadec</a:t>
-            </a:r>
-            <a:r>
-              <a:rPr lang="en-US" sz="1800" i="1" dirty="0"/>
-              <a:t> </a:t>
-            </a:r>
-            <a:r>
-              <a:rPr lang="en-US" sz="1800" i="1" dirty="0" smtClean="0"/>
-              <a:t>Tomcat7</a:t>
-            </a:r>
-          </a:p>
-          <a:p>
-            <a:pPr marL="857250" lvl="1" indent="-457200"/>
-            <a:r>
-              <a:rPr lang="en-US" sz="1800" dirty="0" smtClean="0"/>
-              <a:t>Base directory</a:t>
-            </a:r>
-            <a:r>
-              <a:rPr lang="en-US" sz="1800" dirty="0" smtClean="0"/>
-              <a:t>: </a:t>
-            </a:r>
-            <a:r>
-              <a:rPr lang="en-US" sz="1800" i="1" dirty="0" smtClean="0"/>
-              <a:t>$</a:t>
-            </a:r>
-            <a:r>
-              <a:rPr lang="en-US" sz="1800" i="1" dirty="0"/>
-              <a:t>{</a:t>
-            </a:r>
-            <a:r>
-              <a:rPr lang="en-US" sz="1800" i="1" dirty="0" err="1"/>
-              <a:t>workspace_loc</a:t>
-            </a:r>
-            <a:r>
-              <a:rPr lang="en-US" sz="1800" i="1" dirty="0"/>
-              <a:t>:/groovy-</a:t>
-            </a:r>
-            <a:r>
-              <a:rPr lang="en-US" sz="1800" i="1" dirty="0" err="1"/>
-              <a:t>tdd</a:t>
-            </a:r>
-            <a:r>
-              <a:rPr lang="en-US" sz="1800" i="1" dirty="0"/>
-              <a:t>-</a:t>
-            </a:r>
-            <a:r>
-              <a:rPr lang="en-US" sz="1800" i="1" dirty="0" err="1"/>
-              <a:t>cadec</a:t>
-            </a:r>
-            <a:r>
-              <a:rPr lang="en-US" sz="1800" i="1" dirty="0" smtClean="0"/>
-              <a:t>}</a:t>
-            </a:r>
-          </a:p>
-          <a:p>
-            <a:pPr marL="857250" lvl="1" indent="-457200"/>
-            <a:r>
-              <a:rPr lang="en-US" sz="1800" dirty="0" smtClean="0"/>
-              <a:t>Goals: </a:t>
-            </a:r>
-            <a:r>
-              <a:rPr lang="en-US" sz="1800" i="1" dirty="0" smtClean="0"/>
-              <a:t>tomcat7</a:t>
-            </a:r>
-            <a:r>
-              <a:rPr lang="en-US" sz="1800" i="1" dirty="0"/>
-              <a:t>:</a:t>
-            </a:r>
-            <a:r>
-              <a:rPr lang="en-US" sz="1800" i="1" dirty="0" smtClean="0"/>
-              <a:t>run</a:t>
-            </a:r>
-            <a:endParaRPr lang="en-US" sz="1800" dirty="0" smtClean="0"/>
-          </a:p>
-          <a:p>
-            <a:pPr marL="857250" lvl="1" indent="-457200"/>
-            <a:r>
-              <a:rPr lang="en-US" sz="1800" dirty="0" smtClean="0"/>
-              <a:t>Profiles: </a:t>
-            </a:r>
-            <a:r>
-              <a:rPr lang="en-US" sz="1800" i="1" dirty="0" err="1" smtClean="0"/>
-              <a:t>testdata</a:t>
-            </a:r>
-            <a:endParaRPr lang="en-US" sz="1800" i="1" dirty="0" smtClean="0"/>
-          </a:p>
-          <a:p>
-            <a:pPr marL="457200" indent="-457200">
-              <a:buFont typeface="+mj-lt"/>
-              <a:buAutoNum type="arabicPeriod"/>
-            </a:pPr>
-            <a:r>
-              <a:rPr lang="en-US" sz="2000" dirty="0" smtClean="0"/>
-              <a:t>Click </a:t>
-            </a:r>
-            <a:r>
-              <a:rPr lang="en-US" sz="2000" dirty="0" smtClean="0"/>
-              <a:t>Apply and the Run</a:t>
-            </a:r>
-            <a:endParaRPr lang="en-US" sz="2000" dirty="0" smtClean="0"/>
-          </a:p>
-          <a:p>
-            <a:pPr marL="457200" indent="-457200">
-              <a:buFont typeface="+mj-lt"/>
-              <a:buAutoNum type="arabicPeriod"/>
-            </a:pPr>
-            <a:r>
-              <a:rPr lang="en-US" sz="2000" dirty="0" smtClean="0"/>
-              <a:t>Open a browser and </a:t>
-            </a:r>
-            <a:r>
-              <a:rPr lang="en-US" sz="2000" dirty="0" err="1" smtClean="0"/>
-              <a:t>goto</a:t>
-            </a:r>
-            <a:endParaRPr lang="en-US" sz="2000" dirty="0"/>
+              <a:rPr lang="en-US" sz="1800" dirty="0" smtClean="0">
+                <a:sym typeface="Wingdings"/>
+              </a:rPr>
+              <a:t>Make sure Groovy compiler is set to version 2.0</a:t>
+            </a:r>
           </a:p>
         </p:txBody>
       </p:sp>
-      <p:sp>
-        <p:nvSpPr>
-          <p:cNvPr id="4" name="Text Placeholder 2"/>
-          <p:cNvSpPr txBox="1">
-            <a:spLocks/>
-          </p:cNvSpPr>
+      <p:pic>
+        <p:nvPicPr>
+          <p:cNvPr id="5" name="Picture 4"/>
+          <p:cNvPicPr>
+            <a:picLocks noChangeAspect="1"/>
+          </p:cNvPicPr>
           <p:nvPr/>
-        </p:nvSpPr>
+        </p:nvPicPr>
+        <p:blipFill>
+          <a:blip r:embed="rId2"/>
+          <a:stretch>
+            <a:fillRect/>
+          </a:stretch>
+        </p:blipFill>
         <p:spPr>
           <a:xfrm>
-            <a:off x="1259632" y="4941168"/>
-            <a:ext cx="4896544" cy="522058"/>
+            <a:off x="1259632" y="3287348"/>
+            <a:ext cx="4392488" cy="2373900"/>
           </a:xfrm>
-          <a:prstGeom prst="roundRect">
+          <a:prstGeom prst="rect">
             <a:avLst/>
           </a:prstGeom>
-          <a:solidFill>
-            <a:schemeClr val="accent1">
-              <a:lumMod val="20000"/>
-              <a:lumOff val="80000"/>
-            </a:schemeClr>
-          </a:solidFill>
-          <a:ln w="12700" cap="rnd" cmpd="sng">
-            <a:solidFill>
-              <a:schemeClr val="tx1"/>
-            </a:solidFill>
-            <a:round/>
-          </a:ln>
-          <a:effectLst>
-            <a:outerShdw blurRad="50800" dist="38100" dir="2700000" algn="tl" rotWithShape="0">
-              <a:schemeClr val="accent1">
-                <a:lumMod val="75000"/>
-                <a:alpha val="43000"/>
-              </a:schemeClr>
-            </a:outerShdw>
-          </a:effectLst>
         </p:spPr>
-        <p:txBody>
-          <a:bodyPr anchor="ctr"/>
-          <a:lstStyle>
-            <a:lvl1pPr marL="342900" indent="-342900" algn="l" defTabSz="457200" rtl="0" eaLnBrk="1" fontAlgn="base" hangingPunct="1">
-              <a:spcBef>
-                <a:spcPct val="20000"/>
-              </a:spcBef>
-              <a:spcAft>
-                <a:spcPct val="0"/>
-              </a:spcAft>
-              <a:buFont typeface="Arial" charset="0"/>
-              <a:buChar char="•"/>
-              <a:defRPr sz="2400" kern="1200">
-                <a:solidFill>
-                  <a:schemeClr val="tx1"/>
-                </a:solidFill>
-                <a:latin typeface="+mn-lt"/>
-                <a:ea typeface="ＭＳ Ｐゴシック" pitchFamily="-111" charset="-128"/>
-                <a:cs typeface="ＭＳ Ｐゴシック" pitchFamily="-111" charset="-128"/>
-              </a:defRPr>
-            </a:lvl1pPr>
-            <a:lvl2pPr marL="742950" indent="-285750" algn="l" defTabSz="457200" rtl="0" eaLnBrk="1" fontAlgn="base" hangingPunct="1">
-              <a:spcBef>
-                <a:spcPct val="20000"/>
-              </a:spcBef>
-              <a:spcAft>
-                <a:spcPct val="0"/>
-              </a:spcAft>
-              <a:buFont typeface="Arial" charset="0"/>
-              <a:buChar char="–"/>
-              <a:defRPr sz="2200" kern="1200">
-                <a:solidFill>
-                  <a:schemeClr val="tx1"/>
-                </a:solidFill>
-                <a:latin typeface="+mn-lt"/>
-                <a:ea typeface="ＭＳ Ｐゴシック" pitchFamily="-111" charset="-128"/>
-                <a:cs typeface="ＭＳ Ｐゴシック"/>
-              </a:defRPr>
-            </a:lvl2pPr>
-            <a:lvl3pPr marL="1143000" indent="-228600" algn="l" defTabSz="457200" rtl="0" eaLnBrk="1" fontAlgn="base" hangingPunct="1">
-              <a:spcBef>
-                <a:spcPct val="20000"/>
-              </a:spcBef>
-              <a:spcAft>
-                <a:spcPct val="0"/>
-              </a:spcAft>
-              <a:buFont typeface="Calibri" pitchFamily="34" charset="0"/>
-              <a:buChar char="»"/>
-              <a:defRPr sz="2000" kern="1200">
-                <a:solidFill>
-                  <a:schemeClr val="tx1"/>
-                </a:solidFill>
-                <a:latin typeface="+mn-lt"/>
-                <a:ea typeface="ＭＳ Ｐゴシック" pitchFamily="-111" charset="-128"/>
-                <a:cs typeface="ＭＳ Ｐゴシック"/>
-              </a:defRPr>
-            </a:lvl3pPr>
-            <a:lvl4pPr marL="1600200" indent="-228600" algn="l" defTabSz="457200" rtl="0" eaLnBrk="1" fontAlgn="base" hangingPunct="1">
-              <a:spcBef>
-                <a:spcPct val="20000"/>
-              </a:spcBef>
-              <a:spcAft>
-                <a:spcPct val="0"/>
-              </a:spcAft>
-              <a:buFont typeface="Arial" charset="0"/>
-              <a:buChar char="–"/>
-              <a:defRPr sz="1800" kern="1200">
-                <a:solidFill>
-                  <a:schemeClr val="tx1">
-                    <a:lumMod val="75000"/>
-                    <a:lumOff val="25000"/>
-                  </a:schemeClr>
-                </a:solidFill>
-                <a:latin typeface="+mn-lt"/>
-                <a:ea typeface="ＭＳ Ｐゴシック" pitchFamily="-111" charset="-128"/>
-                <a:cs typeface="ＭＳ Ｐゴシック"/>
-              </a:defRPr>
-            </a:lvl4pPr>
-            <a:lvl5pPr marL="2057400" indent="-228600" algn="l" defTabSz="457200" rtl="0" eaLnBrk="1" fontAlgn="base" hangingPunct="1">
-              <a:spcBef>
-                <a:spcPct val="20000"/>
-              </a:spcBef>
-              <a:spcAft>
-                <a:spcPct val="0"/>
-              </a:spcAft>
-              <a:buFont typeface="Arial" charset="0"/>
-              <a:buChar char="»"/>
-              <a:defRPr sz="1800" kern="1200">
-                <a:solidFill>
-                  <a:schemeClr val="tx1">
-                    <a:lumMod val="75000"/>
-                    <a:lumOff val="25000"/>
-                  </a:schemeClr>
-                </a:solidFill>
-                <a:latin typeface="+mn-lt"/>
-                <a:ea typeface="ＭＳ Ｐゴシック" pitchFamily="-111" charset="-128"/>
-                <a:cs typeface="ＭＳ Ｐゴシック"/>
-              </a:defRPr>
-            </a:lvl5pPr>
-            <a:lvl6pPr marL="2514600" indent="-228600" algn="l" defTabSz="457200" rtl="0" eaLnBrk="1" latinLnBrk="0" hangingPunct="1">
-              <a:spcBef>
-                <a:spcPct val="20000"/>
-              </a:spcBef>
-              <a:buFont typeface="Arial"/>
-              <a:buChar char="•"/>
-              <a:defRPr sz="2000" kern="1200">
-                <a:solidFill>
-                  <a:schemeClr val="tx1"/>
-                </a:solidFill>
-                <a:latin typeface="+mn-lt"/>
-                <a:ea typeface="+mn-ea"/>
-                <a:cs typeface="+mn-cs"/>
-              </a:defRPr>
-            </a:lvl6pPr>
-            <a:lvl7pPr marL="2971800" indent="-228600" algn="l" defTabSz="457200" rtl="0" eaLnBrk="1" latinLnBrk="0" hangingPunct="1">
-              <a:spcBef>
-                <a:spcPct val="20000"/>
-              </a:spcBef>
-              <a:buFont typeface="Arial"/>
-              <a:buChar char="•"/>
-              <a:defRPr sz="2000" kern="1200">
-                <a:solidFill>
-                  <a:schemeClr val="tx1"/>
-                </a:solidFill>
-                <a:latin typeface="+mn-lt"/>
-                <a:ea typeface="+mn-ea"/>
-                <a:cs typeface="+mn-cs"/>
-              </a:defRPr>
-            </a:lvl7pPr>
-            <a:lvl8pPr marL="3429000" indent="-228600" algn="l" defTabSz="457200" rtl="0" eaLnBrk="1" latinLnBrk="0" hangingPunct="1">
-              <a:spcBef>
-                <a:spcPct val="20000"/>
-              </a:spcBef>
-              <a:buFont typeface="Arial"/>
-              <a:buChar char="•"/>
-              <a:defRPr sz="2000" kern="1200">
-                <a:solidFill>
-                  <a:schemeClr val="tx1"/>
-                </a:solidFill>
-                <a:latin typeface="+mn-lt"/>
-                <a:ea typeface="+mn-ea"/>
-                <a:cs typeface="+mn-cs"/>
-              </a:defRPr>
-            </a:lvl8pPr>
-            <a:lvl9pPr marL="3886200" indent="-228600" algn="l" defTabSz="457200" rtl="0" eaLnBrk="1" latinLnBrk="0" hangingPunct="1">
-              <a:spcBef>
-                <a:spcPct val="20000"/>
-              </a:spcBef>
-              <a:buFont typeface="Arial"/>
-              <a:buChar char="•"/>
-              <a:defRPr sz="2000" kern="1200">
-                <a:solidFill>
-                  <a:schemeClr val="tx1"/>
-                </a:solidFill>
-                <a:latin typeface="+mn-lt"/>
-                <a:ea typeface="+mn-ea"/>
-                <a:cs typeface="+mn-cs"/>
-              </a:defRPr>
-            </a:lvl9pPr>
-          </a:lstStyle>
-          <a:p>
-            <a:pPr marL="0" lvl="1" indent="0">
-              <a:buNone/>
-            </a:pPr>
-            <a:r>
-              <a:rPr lang="en-US" sz="1800" dirty="0"/>
-              <a:t>http://localhost:9966/</a:t>
-            </a:r>
-            <a:r>
-              <a:rPr lang="en-US" sz="1800" dirty="0" err="1"/>
-              <a:t>petclinic</a:t>
-            </a:r>
-            <a:r>
-              <a:rPr lang="en-US" sz="1800" dirty="0" smtClean="0"/>
-              <a:t>/</a:t>
-            </a:r>
-            <a:endParaRPr lang="en-US" sz="1800" dirty="0"/>
-          </a:p>
-        </p:txBody>
-      </p:sp>
+      </p:pic>
     </p:spTree>
     <p:extLst>
       <p:ext uri="{BB962C8B-B14F-4D97-AF65-F5344CB8AC3E}">
-        <p14:creationId xmlns:p14="http://schemas.microsoft.com/office/powerpoint/2010/main" val="3421901182"/>
+        <p14:creationId xmlns:p14="http://schemas.microsoft.com/office/powerpoint/2010/main" val="1148949615"/>
       </p:ext>
     </p:extLst>
   </p:cSld>
   <p:clrMapOvr>
     <a:masterClrMapping/>
   </p:clrMapOvr>
-  <mc:AlternateContent xmlns:mc="http://schemas.openxmlformats.org/markup-compatibility/2006">
-    <mc:Choice xmlns:p14="http://schemas.microsoft.com/office/powerpoint/2010/main" Requires="p14">
-      <p:transition spd="slow" p14:dur="2000"/>
-    </mc:Choice>
-    <mc:Fallback>
-      <p:transition xmlns:p14="http://schemas.microsoft.com/office/powerpoint/2010/main" spd="slow"/>
-    </mc:Fallback>
-  </mc:AlternateContent>
 </p:sld>
 </file>
 
-<file path=ppt/slides/slide15.xml><?xml version="1.0" encoding="utf-8"?>
+<file path=ppt/slides/slide12.xml><?xml version="1.0" encoding="utf-8"?>
 <p:sld xmlns:a="http://schemas.openxmlformats.org/drawingml/2006/main" xmlns:r="http://schemas.openxmlformats.org/officeDocument/2006/relationships" xmlns:p="http://schemas.openxmlformats.org/presentationml/2006/main">
   <p:cSld>
     <p:spTree>
@@ -6833,7 +5443,7 @@
     </p:spTree>
     <p:extLst>
       <p:ext uri="{BB962C8B-B14F-4D97-AF65-F5344CB8AC3E}">
-        <p14:creationId xmlns:p14="http://schemas.microsoft.com/office/powerpoint/2010/main" val="1148949615"/>
+        <p14:creationId xmlns:p14="http://schemas.microsoft.com/office/powerpoint/2010/main" val="3198024922"/>
       </p:ext>
     </p:extLst>
   </p:cSld>
@@ -6927,11 +5537,7 @@
           <a:p>
             <a:r>
               <a:rPr lang="en-US" sz="2200" dirty="0" smtClean="0"/>
-              <a:t>Eclipse </a:t>
-            </a:r>
-            <a:r>
-              <a:rPr lang="en-US" sz="2200" dirty="0" smtClean="0"/>
-              <a:t>Plugin Installation</a:t>
+              <a:t>Eclipse Plugin Installation</a:t>
             </a:r>
           </a:p>
           <a:p>
@@ -6965,9 +5571,15 @@
           <a:p>
             <a:r>
               <a:rPr lang="en-US" sz="2200" dirty="0" smtClean="0"/>
+              <a:t>Eclipse problems</a:t>
+            </a:r>
+            <a:endParaRPr lang="en-US" sz="2200" dirty="0" smtClean="0"/>
+          </a:p>
+          <a:p>
+            <a:r>
+              <a:rPr lang="en-US" sz="2200" dirty="0" smtClean="0"/>
               <a:t>Start web application</a:t>
             </a:r>
-            <a:endParaRPr lang="en-US" sz="2200" dirty="0" smtClean="0"/>
           </a:p>
         </p:txBody>
       </p:sp>
@@ -7547,11 +6159,7 @@
             </a:br>
             <a:r>
               <a:rPr lang="en-US" sz="2700" dirty="0" smtClean="0"/>
-              <a:t>Download Eclipse (</a:t>
-            </a:r>
-            <a:r>
-              <a:rPr lang="en-US" sz="2700" dirty="0" smtClean="0"/>
-              <a:t>contd.)</a:t>
+              <a:t>Download Eclipse (contd.)</a:t>
             </a:r>
             <a:endParaRPr lang="en-US" sz="2700" dirty="0"/>
           </a:p>
@@ -7913,11 +6521,7 @@
             </a:br>
             <a:r>
               <a:rPr lang="en-US" sz="2700" dirty="0" smtClean="0"/>
-              <a:t>Install </a:t>
-            </a:r>
-            <a:r>
-              <a:rPr lang="en-US" sz="2700" dirty="0" smtClean="0"/>
-              <a:t>Eclipse (contd.)</a:t>
+              <a:t>Install Eclipse (contd.)</a:t>
             </a:r>
             <a:endParaRPr lang="en-US" sz="2700" dirty="0"/>
           </a:p>
@@ -7997,7 +6601,7 @@
 </file>
 
 <file path=ppt/slides/slide8.xml><?xml version="1.0" encoding="utf-8"?>
-<p:sld xmlns:a="http://schemas.openxmlformats.org/drawingml/2006/main" xmlns:r="http://schemas.openxmlformats.org/officeDocument/2006/relationships" xmlns:p="http://schemas.openxmlformats.org/presentationml/2006/main" show="0">
+<p:sld xmlns:a="http://schemas.openxmlformats.org/drawingml/2006/main" xmlns:r="http://schemas.openxmlformats.org/officeDocument/2006/relationships" xmlns:p="http://schemas.openxmlformats.org/presentationml/2006/main">
   <p:cSld>
     <p:spTree>
       <p:nvGrpSpPr>
@@ -8023,16 +6627,38 @@
             <p:ph type="ctrTitle"/>
           </p:nvPr>
         </p:nvSpPr>
-        <p:spPr/>
+        <p:spPr>
+          <a:xfrm>
+            <a:off x="685800" y="570922"/>
+            <a:ext cx="7772400" cy="913862"/>
+          </a:xfrm>
+        </p:spPr>
         <p:txBody>
-          <a:bodyPr anchor="t"/>
+          <a:bodyPr anchor="t">
+            <a:normAutofit fontScale="90000"/>
+          </a:bodyPr>
           <a:lstStyle/>
           <a:p>
             <a:r>
               <a:rPr lang="en-US" dirty="0" smtClean="0"/>
-              <a:t>Groovy Installation</a:t>
-            </a:r>
-            <a:endParaRPr lang="en-US" dirty="0"/>
+              <a:t>Eclipse Plugin Installation</a:t>
+            </a:r>
+            <a:br>
+              <a:rPr lang="en-US" dirty="0" smtClean="0"/>
+            </a:br>
+            <a:r>
+              <a:rPr lang="en-US" sz="2700" dirty="0" smtClean="0"/>
+              <a:t>Groovy-Eclipse</a:t>
+            </a:r>
+            <a:r>
+              <a:rPr lang="en-US" sz="2700" dirty="0"/>
+              <a:t> </a:t>
+            </a:r>
+            <a:r>
+              <a:rPr lang="en-US" sz="2700" dirty="0" smtClean="0"/>
+              <a:t>via Update Manager</a:t>
+            </a:r>
+            <a:endParaRPr lang="en-US" sz="2700" dirty="0"/>
           </a:p>
         </p:txBody>
       </p:sp>
@@ -8046,128 +6672,171 @@
             <p:ph type="body" sz="quarter" idx="13"/>
           </p:nvPr>
         </p:nvSpPr>
-        <p:spPr/>
+        <p:spPr>
+          <a:xfrm>
+            <a:off x="731574" y="1556792"/>
+            <a:ext cx="7721303" cy="4248472"/>
+          </a:xfrm>
+        </p:spPr>
         <p:txBody>
           <a:bodyPr/>
           <a:lstStyle/>
           <a:p>
-            <a:pPr marL="457200" indent="-457200">
-              <a:buFont typeface="+mj-lt"/>
-              <a:buAutoNum type="arabicPeriod"/>
+            <a:pPr marL="400050">
+              <a:buFont typeface="Arial"/>
+              <a:buChar char="•"/>
             </a:pPr>
             <a:r>
               <a:rPr lang="en-US" sz="2000" dirty="0" smtClean="0"/>
-              <a:t>Download a binary distribution of Groovy version 2.0.7</a:t>
-            </a:r>
-          </a:p>
-          <a:p>
-            <a:pPr marL="457200" indent="-457200">
-              <a:buFont typeface="+mj-lt"/>
-              <a:buAutoNum type="arabicPeriod"/>
+              <a:t>Open a browser and </a:t>
+            </a:r>
+            <a:r>
+              <a:rPr lang="en-US" sz="2000" dirty="0" err="1" smtClean="0"/>
+              <a:t>goto</a:t>
+            </a:r>
+            <a:r>
+              <a:rPr lang="en-US" sz="2000" dirty="0" smtClean="0"/>
+              <a:t>:</a:t>
+            </a:r>
+          </a:p>
+          <a:p>
+            <a:pPr marL="400050">
+              <a:buFont typeface="Arial"/>
+              <a:buChar char="•"/>
+            </a:pPr>
+            <a:endParaRPr lang="en-US" sz="2000" dirty="0"/>
+          </a:p>
+          <a:p>
+            <a:pPr marL="400050">
+              <a:buFont typeface="Arial"/>
+              <a:buChar char="•"/>
             </a:pPr>
             <a:endParaRPr lang="en-US" sz="2000" dirty="0" smtClean="0"/>
           </a:p>
           <a:p>
-            <a:pPr marL="457200" indent="-457200">
-              <a:buFont typeface="+mj-lt"/>
-              <a:buAutoNum type="arabicPeriod"/>
+            <a:pPr marL="400050">
+              <a:buFont typeface="Arial"/>
+              <a:buChar char="•"/>
             </a:pPr>
-            <a:endParaRPr lang="en-US" sz="2000" dirty="0"/>
-          </a:p>
-          <a:p>
-            <a:pPr marL="457200" indent="-457200">
-              <a:buFont typeface="+mj-lt"/>
-              <a:buAutoNum type="arabicPeriod"/>
+            <a:r>
+              <a:rPr lang="en-US" sz="2000" dirty="0" smtClean="0"/>
+              <a:t>Copy the </a:t>
+            </a:r>
+            <a:r>
+              <a:rPr lang="en-US" sz="2000" dirty="0"/>
+              <a:t>Groovy-Eclipse </a:t>
+            </a:r>
+            <a:r>
+              <a:rPr lang="en-US" sz="2000" dirty="0" smtClean="0"/>
+              <a:t>release URL appropriate to your Eclipse version</a:t>
+            </a:r>
+          </a:p>
+          <a:p>
+            <a:pPr marL="400050">
+              <a:buFont typeface="Arial"/>
+              <a:buChar char="•"/>
+            </a:pPr>
+            <a:r>
+              <a:rPr lang="en-US" sz="2000" dirty="0" smtClean="0"/>
+              <a:t>To </a:t>
+            </a:r>
+            <a:r>
+              <a:rPr lang="en-US" sz="2000" dirty="0"/>
+              <a:t>install </a:t>
+            </a:r>
+            <a:r>
+              <a:rPr lang="en-US" sz="2000" dirty="0" smtClean="0"/>
+              <a:t>the plugin, </a:t>
+            </a:r>
+            <a:r>
+              <a:rPr lang="en-US" sz="2000" dirty="0"/>
+              <a:t>select Help → </a:t>
+            </a:r>
+            <a:r>
+              <a:rPr lang="en-US" sz="2000" dirty="0" smtClean="0"/>
+              <a:t>Install </a:t>
+            </a:r>
+            <a:r>
+              <a:rPr lang="en-US" sz="2000" dirty="0"/>
+              <a:t>New Software</a:t>
+            </a:r>
+            <a:r>
+              <a:rPr lang="en-US" sz="2000" dirty="0" smtClean="0"/>
+              <a:t>...</a:t>
+            </a:r>
+          </a:p>
+          <a:p>
+            <a:pPr marL="400050">
+              <a:buFont typeface="Arial"/>
+              <a:buChar char="•"/>
+            </a:pPr>
+            <a:r>
+              <a:rPr lang="en-US" sz="2000" dirty="0" smtClean="0"/>
+              <a:t>Paste the Groovy-Eclipse release URL into the “Work with:” field and hit Enter</a:t>
+            </a:r>
+          </a:p>
+          <a:p>
+            <a:pPr marL="400050">
+              <a:buFont typeface="Arial"/>
+              <a:buChar char="•"/>
+            </a:pPr>
+            <a:r>
+              <a:rPr lang="en-US" sz="2000" dirty="0" smtClean="0"/>
+              <a:t>Select the features:</a:t>
+            </a:r>
+          </a:p>
+          <a:p>
+            <a:pPr marL="857250" lvl="1" indent="-342900">
+              <a:buFont typeface="Wingdings" charset="2"/>
+              <a:buChar char="q"/>
+            </a:pPr>
+            <a:r>
+              <a:rPr lang="en-US" sz="1800" dirty="0" smtClean="0"/>
+              <a:t>Extra Groovy compilers (Optional)</a:t>
+            </a:r>
+          </a:p>
+          <a:p>
+            <a:pPr marL="1314450" lvl="2" indent="-342900">
+              <a:buFont typeface="Wingdings" charset="2"/>
+              <a:buChar char="q"/>
+            </a:pPr>
+            <a:r>
+              <a:rPr lang="en-US" sz="1600" dirty="0" smtClean="0"/>
+              <a:t>Groovy Compiler 2.0 Feature</a:t>
+            </a:r>
+          </a:p>
+          <a:p>
+            <a:pPr marL="857250" lvl="1" indent="-342900">
+              <a:buFont typeface="Wingdings" charset="2"/>
+              <a:buChar char="q"/>
+            </a:pPr>
+            <a:r>
+              <a:rPr lang="en-US" sz="1800" dirty="0" smtClean="0"/>
+              <a:t>Groovy-Eclipse (Required)</a:t>
+            </a:r>
+          </a:p>
+          <a:p>
+            <a:pPr marL="1314450" lvl="2" indent="-342900">
+              <a:buFont typeface="Wingdings" charset="2"/>
+              <a:buChar char="q"/>
+            </a:pPr>
+            <a:r>
+              <a:rPr lang="en-US" sz="1600" dirty="0" smtClean="0"/>
+              <a:t>Groovy Eclipse Feature</a:t>
+            </a:r>
+          </a:p>
+          <a:p>
+            <a:pPr marL="400050">
+              <a:buFont typeface="Lucida Grande"/>
+              <a:buChar char="-"/>
             </a:pPr>
             <a:endParaRPr lang="en-US" sz="2000" dirty="0" smtClean="0"/>
-          </a:p>
-          <a:p>
-            <a:pPr marL="457200" indent="-457200">
-              <a:buFont typeface="+mj-lt"/>
-              <a:buAutoNum type="arabicPeriod"/>
-            </a:pPr>
-            <a:r>
-              <a:rPr lang="en-US" sz="2000" dirty="0" smtClean="0"/>
-              <a:t>Unzip file to a directory on your local file system</a:t>
-            </a:r>
-            <a:endParaRPr lang="en-US" sz="2000" dirty="0"/>
-          </a:p>
-          <a:p>
-            <a:pPr marL="457200" indent="-457200">
-              <a:buFont typeface="+mj-lt"/>
-              <a:buAutoNum type="arabicPeriod"/>
-            </a:pPr>
-            <a:r>
-              <a:rPr lang="en-US" sz="2000" dirty="0" smtClean="0"/>
-              <a:t>Set </a:t>
-            </a:r>
-            <a:r>
-              <a:rPr lang="en-US" sz="2000" dirty="0"/>
-              <a:t>the GROOVY_HOME environment </a:t>
-            </a:r>
-            <a:r>
-              <a:rPr lang="en-US" sz="2000" dirty="0" smtClean="0"/>
-              <a:t>variable to the directory you unzipped the distribution</a:t>
-            </a:r>
-          </a:p>
-          <a:p>
-            <a:pPr marL="457200" indent="-457200">
-              <a:buFont typeface="+mj-lt"/>
-              <a:buAutoNum type="arabicPeriod"/>
-            </a:pPr>
-            <a:r>
-              <a:rPr lang="en-US" sz="2000" dirty="0" smtClean="0"/>
-              <a:t>Add %</a:t>
-            </a:r>
-            <a:r>
-              <a:rPr lang="en-US" sz="2000" dirty="0"/>
-              <a:t>GROOVY_HOME%/bin to your </a:t>
-            </a:r>
-            <a:r>
-              <a:rPr lang="en-US" sz="2000" dirty="0" smtClean="0"/>
-              <a:t>PATH environment variable</a:t>
-            </a:r>
-          </a:p>
-          <a:p>
-            <a:pPr marL="457200" indent="-457200">
-              <a:buFont typeface="+mj-lt"/>
-              <a:buAutoNum type="arabicPeriod"/>
-            </a:pPr>
-            <a:r>
-              <a:rPr lang="en-US" sz="2000" dirty="0"/>
-              <a:t>Set the </a:t>
-            </a:r>
-            <a:r>
-              <a:rPr lang="en-US" sz="2000" dirty="0" smtClean="0"/>
-              <a:t>JAVA_HOME </a:t>
-            </a:r>
-            <a:r>
-              <a:rPr lang="en-US" sz="2000" dirty="0"/>
-              <a:t>environment variable to </a:t>
-            </a:r>
-            <a:r>
-              <a:rPr lang="en-US" sz="2000" dirty="0" smtClean="0"/>
-              <a:t>point to your JDK</a:t>
-            </a:r>
-            <a:endParaRPr lang="en-US" sz="2000" dirty="0"/>
-          </a:p>
-          <a:p>
-            <a:pPr marL="0" indent="0">
-              <a:buNone/>
-            </a:pPr>
-            <a:endParaRPr lang="en-US" sz="2000" dirty="0"/>
-          </a:p>
-          <a:p>
-            <a:pPr marL="0" indent="0">
-              <a:buNone/>
-            </a:pPr>
-            <a:endParaRPr lang="en-US" sz="2000" dirty="0"/>
           </a:p>
         </p:txBody>
       </p:sp>
       <p:sp>
         <p:nvSpPr>
-          <p:cNvPr id="4" name="Text Placeholder 2"/>
+          <p:cNvPr id="6" name="Text Placeholder 2"/>
           <p:cNvSpPr txBox="1">
             <a:spLocks/>
           </p:cNvSpPr>
@@ -8175,8 +6844,8 @@
         </p:nvSpPr>
         <p:spPr>
           <a:xfrm>
-            <a:off x="1259632" y="2132856"/>
-            <a:ext cx="6120680" cy="648072"/>
+            <a:off x="1259632" y="1988840"/>
+            <a:ext cx="6048672" cy="504056"/>
           </a:xfrm>
           <a:prstGeom prst="roundRect">
             <a:avLst/>
@@ -8363,15 +7032,20 @@
             </a:lvl9pPr>
           </a:lstStyle>
           <a:p>
-            <a:pPr marL="0" indent="0">
-              <a:buFont typeface="Arial" charset="0"/>
+            <a:pPr marL="57150" indent="0">
               <a:buNone/>
             </a:pPr>
             <a:r>
               <a:rPr lang="en-US" sz="1800" dirty="0" smtClean="0">
                 <a:hlinkClick r:id="rId2"/>
               </a:rPr>
-              <a:t>http://dist.codehaus.org/groovy/distributions/groovy-binary-2.0.7.zip</a:t>
+              <a:t>http</a:t>
+            </a:r>
+            <a:r>
+              <a:rPr lang="en-US" sz="1800" dirty="0">
+                <a:hlinkClick r:id="rId2"/>
+              </a:rPr>
+              <a:t>://groovy.codehaus.org/Eclipse+Plugin</a:t>
             </a:r>
             <a:endParaRPr lang="en-US" sz="1800" dirty="0"/>
           </a:p>
@@ -8380,21 +7054,13 @@
     </p:spTree>
     <p:extLst>
       <p:ext uri="{BB962C8B-B14F-4D97-AF65-F5344CB8AC3E}">
-        <p14:creationId xmlns:p14="http://schemas.microsoft.com/office/powerpoint/2010/main" val="176859852"/>
+        <p14:creationId xmlns:p14="http://schemas.microsoft.com/office/powerpoint/2010/main" val="455540188"/>
       </p:ext>
     </p:extLst>
   </p:cSld>
   <p:clrMapOvr>
     <a:masterClrMapping/>
   </p:clrMapOvr>
-  <mc:AlternateContent xmlns:mc="http://schemas.openxmlformats.org/markup-compatibility/2006">
-    <mc:Choice xmlns:p14="http://schemas.microsoft.com/office/powerpoint/2010/main" Requires="p14">
-      <p:transition spd="slow" p14:dur="2000"/>
-    </mc:Choice>
-    <mc:Fallback>
-      <p:transition xmlns:p14="http://schemas.microsoft.com/office/powerpoint/2010/main" spd="slow"/>
-    </mc:Fallback>
-  </mc:AlternateContent>
   <p:timing>
     <p:tnLst>
       <p:par>
@@ -8435,7 +7101,7 @@
         <p:spPr>
           <a:xfrm>
             <a:off x="685800" y="570922"/>
-            <a:ext cx="7772400" cy="913862"/>
+            <a:ext cx="7772400" cy="1345910"/>
           </a:xfrm>
         </p:spPr>
         <p:txBody>
@@ -8446,22 +7112,30 @@
           <a:p>
             <a:r>
               <a:rPr lang="en-US" dirty="0" smtClean="0"/>
-              <a:t>Eclipse Plugin Installation</a:t>
+              <a:t>Eclipse </a:t>
+            </a:r>
+            <a:r>
+              <a:rPr lang="en-US" dirty="0"/>
+              <a:t>Plugin </a:t>
+            </a:r>
+            <a:r>
+              <a:rPr lang="en-US" dirty="0" smtClean="0"/>
+              <a:t>Installation</a:t>
             </a:r>
             <a:br>
               <a:rPr lang="en-US" dirty="0" smtClean="0"/>
             </a:br>
             <a:r>
               <a:rPr lang="en-US" sz="2700" dirty="0" smtClean="0"/>
-              <a:t>Groovy-Eclipse</a:t>
+              <a:t>m2e connector for build</a:t>
             </a:r>
             <a:r>
               <a:rPr lang="en-US" sz="2700" dirty="0"/>
-              <a:t> </a:t>
+              <a:t>-helper-maven-</a:t>
             </a:r>
             <a:r>
               <a:rPr lang="en-US" sz="2700" dirty="0" smtClean="0"/>
-              <a:t>via Update Manager</a:t>
+              <a:t>plugin via Update Manager</a:t>
             </a:r>
             <a:endParaRPr lang="en-US" sz="2700" dirty="0"/>
           </a:p>
@@ -8479,8 +7153,8 @@
         </p:nvSpPr>
         <p:spPr>
           <a:xfrm>
-            <a:off x="731574" y="1556792"/>
-            <a:ext cx="7721303" cy="4248472"/>
+            <a:off x="685803" y="1988840"/>
+            <a:ext cx="7721303" cy="3672407"/>
           </a:xfrm>
         </p:spPr>
         <p:txBody>
@@ -8493,15 +7167,45 @@
             </a:pPr>
             <a:r>
               <a:rPr lang="en-US" sz="2000" dirty="0" smtClean="0"/>
-              <a:t>Open a browser and </a:t>
-            </a:r>
-            <a:r>
-              <a:rPr lang="en-US" sz="2000" dirty="0" err="1" smtClean="0"/>
-              <a:t>goto</a:t>
+              <a:t>To </a:t>
+            </a:r>
+            <a:r>
+              <a:rPr lang="en-US" sz="2000" dirty="0"/>
+              <a:t>install the plugin, select Help → Install New </a:t>
             </a:r>
             <a:r>
               <a:rPr lang="en-US" sz="2000" dirty="0" smtClean="0"/>
-              <a:t>:</a:t>
+              <a:t>Software.</a:t>
+            </a:r>
+            <a:r>
+              <a:rPr lang="en-US" sz="2000" dirty="0"/>
+              <a:t>.</a:t>
+            </a:r>
+            <a:r>
+              <a:rPr lang="en-US" sz="2000" dirty="0" smtClean="0"/>
+              <a:t>.</a:t>
+            </a:r>
+          </a:p>
+          <a:p>
+            <a:pPr marL="400050">
+              <a:buFont typeface="Arial"/>
+              <a:buChar char="•"/>
+            </a:pPr>
+            <a:r>
+              <a:rPr lang="en-US" sz="2000" dirty="0"/>
+              <a:t>Paste the </a:t>
+            </a:r>
+            <a:r>
+              <a:rPr lang="en-US" sz="2000" dirty="0" smtClean="0"/>
+              <a:t>following </a:t>
+            </a:r>
+            <a:r>
+              <a:rPr lang="en-US" sz="2000" dirty="0"/>
+              <a:t>URL into the “Work with:” </a:t>
+            </a:r>
+            <a:r>
+              <a:rPr lang="en-US" sz="2000" dirty="0" smtClean="0"/>
+              <a:t>field and hit Enter</a:t>
             </a:r>
           </a:p>
           <a:p>
@@ -8523,18 +7227,7 @@
               <a:buFont typeface="Arial"/>
               <a:buChar char="•"/>
             </a:pPr>
-            <a:r>
-              <a:rPr lang="en-US" sz="2000" dirty="0" smtClean="0"/>
-              <a:t>Copy the </a:t>
-            </a:r>
-            <a:r>
-              <a:rPr lang="en-US" sz="2000" dirty="0"/>
-              <a:t>Groovy-Eclipse </a:t>
-            </a:r>
-            <a:r>
-              <a:rPr lang="en-US" sz="2000" dirty="0" smtClean="0"/>
-              <a:t>release URL appropriate to your Eclipse version</a:t>
-            </a:r>
+            <a:endParaRPr lang="en-US" sz="2000" dirty="0" smtClean="0"/>
           </a:p>
           <a:p>
             <a:pPr marL="400050">
@@ -8543,51 +7236,7 @@
             </a:pPr>
             <a:r>
               <a:rPr lang="en-US" sz="2000" dirty="0" smtClean="0"/>
-              <a:t>To </a:t>
-            </a:r>
-            <a:r>
-              <a:rPr lang="en-US" sz="2000" dirty="0"/>
-              <a:t>install </a:t>
-            </a:r>
-            <a:r>
-              <a:rPr lang="en-US" sz="2000" dirty="0" smtClean="0"/>
-              <a:t>the plugin, </a:t>
-            </a:r>
-            <a:r>
-              <a:rPr lang="en-US" sz="2000" dirty="0"/>
-              <a:t>select Help → </a:t>
-            </a:r>
-            <a:r>
-              <a:rPr lang="en-US" sz="2000" dirty="0" smtClean="0"/>
-              <a:t>Install </a:t>
-            </a:r>
-            <a:r>
-              <a:rPr lang="en-US" sz="2000" dirty="0"/>
-              <a:t>New Software...</a:t>
-            </a:r>
-            <a:r>
-              <a:rPr lang="en-US" sz="2000" dirty="0" smtClean="0"/>
-              <a:t>.</a:t>
-            </a:r>
-          </a:p>
-          <a:p>
-            <a:pPr marL="400050">
-              <a:buFont typeface="Arial"/>
-              <a:buChar char="•"/>
-            </a:pPr>
-            <a:r>
-              <a:rPr lang="en-US" sz="2000" dirty="0" smtClean="0"/>
-              <a:t>Paste the Groovy-Eclipse release URL into the “Work with:” field</a:t>
-            </a:r>
-          </a:p>
-          <a:p>
-            <a:pPr marL="400050">
-              <a:buFont typeface="Arial"/>
-              <a:buChar char="•"/>
-            </a:pPr>
-            <a:r>
-              <a:rPr lang="en-US" sz="2000" dirty="0" smtClean="0"/>
-              <a:t>Select the features:</a:t>
+              <a:t>Install feature:</a:t>
             </a:r>
           </a:p>
           <a:p>
@@ -8597,13 +7246,16 @@
             </a:pPr>
             <a:r>
               <a:rPr lang="en-US" sz="1800" dirty="0" smtClean="0"/>
-              <a:t>Extra Groovy </a:t>
+              <a:t>M2E </a:t>
+            </a:r>
+            <a:r>
+              <a:rPr lang="en-US" sz="1800" dirty="0" err="1" smtClean="0"/>
+              <a:t>Buildhelper</a:t>
             </a:r>
             <a:r>
               <a:rPr lang="en-US" sz="1800" dirty="0" smtClean="0"/>
-              <a:t>compilers (Optional)</a:t>
-            </a:r>
-            <a:endParaRPr lang="en-US" sz="1800" dirty="0" smtClean="0"/>
+              <a:t> Connector</a:t>
+            </a:r>
           </a:p>
           <a:p>
             <a:pPr marL="1314450" lvl="2" indent="-342900">
@@ -8611,47 +7263,20 @@
               <a:buChar char="q"/>
             </a:pPr>
             <a:r>
+              <a:rPr lang="en-US" sz="1600" dirty="0"/>
+              <a:t>m2e connector for build-helper-maven-</a:t>
+            </a:r>
+            <a:r>
               <a:rPr lang="en-US" sz="1600" dirty="0" smtClean="0"/>
-              <a:t>Groovy Compiler 2.0 Feature</a:t>
-            </a:r>
-          </a:p>
-          <a:p>
-            <a:pPr marL="857250" lvl="1" indent="-342900">
-              <a:buFont typeface="Wingdings" charset="2"/>
-              <a:buChar char="q"/>
-            </a:pPr>
-            <a:r>
-              <a:rPr lang="en-US" sz="1800" dirty="0" smtClean="0"/>
-              <a:t>Groovy-</a:t>
-            </a:r>
-            <a:r>
-              <a:rPr lang="en-US" sz="1800" dirty="0" smtClean="0"/>
-              <a:t>Eclipse (Required)</a:t>
-            </a:r>
-            <a:endParaRPr lang="en-US" sz="1800" dirty="0" smtClean="0"/>
-          </a:p>
-          <a:p>
-            <a:pPr marL="1314450" lvl="2" indent="-342900">
-              <a:buFont typeface="Wingdings" charset="2"/>
-              <a:buChar char="q"/>
-            </a:pPr>
-            <a:r>
-              <a:rPr lang="en-US" sz="1600" dirty="0" smtClean="0"/>
-              <a:t>Groovy Eclipse Feature</a:t>
-            </a:r>
-          </a:p>
-          <a:p>
-            <a:pPr marL="400050">
-              <a:buFont typeface="Lucida Grande"/>
-              <a:buChar char="-"/>
-            </a:pPr>
-            <a:endParaRPr lang="en-US" sz="2000" dirty="0" smtClean="0"/>
+              <a:t>plugin</a:t>
+            </a:r>
+            <a:endParaRPr lang="en-US" sz="1600" dirty="0"/>
           </a:p>
         </p:txBody>
       </p:sp>
       <p:sp>
         <p:nvSpPr>
-          <p:cNvPr id="6" name="Text Placeholder 2"/>
+          <p:cNvPr id="4" name="Text Placeholder 2"/>
           <p:cNvSpPr txBox="1">
             <a:spLocks/>
           </p:cNvSpPr>
@@ -8659,8 +7284,8 @@
         </p:nvSpPr>
         <p:spPr>
           <a:xfrm>
-            <a:off x="1259632" y="2060848"/>
-            <a:ext cx="6048672" cy="504056"/>
+            <a:off x="1187624" y="2906942"/>
+            <a:ext cx="6048672" cy="810090"/>
           </a:xfrm>
           <a:prstGeom prst="roundRect">
             <a:avLst/>
@@ -8847,20 +7472,20 @@
             </a:lvl9pPr>
           </a:lstStyle>
           <a:p>
-            <a:pPr marL="57150" indent="0">
+            <a:pPr marL="0" indent="0">
               <a:buNone/>
             </a:pPr>
+            <a:r>
+              <a:rPr lang="en-US" sz="1800" dirty="0">
+                <a:hlinkClick r:id="rId2"/>
+              </a:rPr>
+              <a:t>http://repo1.maven.org/maven2/.m2e/connectors/m2eclipse-buildhelper/0.15.0/N/0.15.0.201207090124</a:t>
+            </a:r>
             <a:r>
               <a:rPr lang="en-US" sz="1800" dirty="0" smtClean="0">
                 <a:hlinkClick r:id="rId2"/>
               </a:rPr>
-              <a:t>http</a:t>
-            </a:r>
-            <a:r>
-              <a:rPr lang="en-US" sz="1800" dirty="0">
-                <a:hlinkClick r:id="rId2"/>
-              </a:rPr>
-              <a:t>://groovy.codehaus.org/Eclipse+Plugin</a:t>
+              <a:t>/</a:t>
             </a:r>
             <a:endParaRPr lang="en-US" sz="1800" dirty="0"/>
           </a:p>
@@ -8869,20 +7494,13 @@
     </p:spTree>
     <p:extLst>
       <p:ext uri="{BB962C8B-B14F-4D97-AF65-F5344CB8AC3E}">
-        <p14:creationId xmlns:p14="http://schemas.microsoft.com/office/powerpoint/2010/main" val="455540188"/>
+        <p14:creationId xmlns:p14="http://schemas.microsoft.com/office/powerpoint/2010/main" val="1556050955"/>
       </p:ext>
     </p:extLst>
   </p:cSld>
   <p:clrMapOvr>
     <a:masterClrMapping/>
   </p:clrMapOvr>
-  <p:timing>
-    <p:tnLst>
-      <p:par>
-        <p:cTn xmlns:p14="http://schemas.microsoft.com/office/powerpoint/2010/main" id="1" dur="indefinite" restart="never" nodeType="tmRoot"/>
-      </p:par>
-    </p:tnLst>
-  </p:timing>
 </p:sld>
 </file>
 

--- a/docs/groovy-tdd-installation.pptx
+++ b/docs/groovy-tdd-installation.pptx
@@ -5,7 +5,7 @@
     <p:sldMasterId id="2147483710" r:id="rId1"/>
   </p:sldMasterIdLst>
   <p:notesMasterIdLst>
-    <p:notesMasterId r:id="rId14"/>
+    <p:notesMasterId r:id="rId17"/>
   </p:notesMasterIdLst>
   <p:sldIdLst>
     <p:sldId id="256" r:id="rId2"/>
@@ -17,9 +17,12 @@
     <p:sldId id="271" r:id="rId8"/>
     <p:sldId id="259" r:id="rId9"/>
     <p:sldId id="265" r:id="rId10"/>
-    <p:sldId id="272" r:id="rId11"/>
-    <p:sldId id="273" r:id="rId12"/>
-    <p:sldId id="274" r:id="rId13"/>
+    <p:sldId id="275" r:id="rId11"/>
+    <p:sldId id="276" r:id="rId12"/>
+    <p:sldId id="277" r:id="rId13"/>
+    <p:sldId id="272" r:id="rId14"/>
+    <p:sldId id="273" r:id="rId15"/>
+    <p:sldId id="274" r:id="rId16"/>
   </p:sldIdLst>
   <p:sldSz cx="9144000" cy="6858000" type="screen4x3"/>
   <p:notesSz cx="7315200" cy="9601200"/>
@@ -4485,6 +4488,1189 @@
             <p:ph type="ctrTitle"/>
           </p:nvPr>
         </p:nvSpPr>
+        <p:spPr>
+          <a:xfrm>
+            <a:off x="685800" y="570922"/>
+            <a:ext cx="7772400" cy="985870"/>
+          </a:xfrm>
+        </p:spPr>
+        <p:txBody>
+          <a:bodyPr anchor="t">
+            <a:normAutofit fontScale="90000"/>
+          </a:bodyPr>
+          <a:lstStyle/>
+          <a:p>
+            <a:r>
+              <a:rPr lang="en-US" dirty="0" smtClean="0"/>
+              <a:t>Eclipse </a:t>
+            </a:r>
+            <a:r>
+              <a:rPr lang="en-US" dirty="0"/>
+              <a:t>Plugin </a:t>
+            </a:r>
+            <a:r>
+              <a:rPr lang="en-US" dirty="0" smtClean="0"/>
+              <a:t>Installation</a:t>
+            </a:r>
+            <a:br>
+              <a:rPr lang="en-US" dirty="0" smtClean="0"/>
+            </a:br>
+            <a:r>
+              <a:rPr lang="en-US" sz="2700" dirty="0" smtClean="0"/>
+              <a:t>Maven Integration for Eclipse via Update Manager</a:t>
+            </a:r>
+            <a:endParaRPr lang="en-US" sz="2700" dirty="0"/>
+          </a:p>
+        </p:txBody>
+      </p:sp>
+      <p:sp>
+        <p:nvSpPr>
+          <p:cNvPr id="3" name="Text Placeholder 2"/>
+          <p:cNvSpPr>
+            <a:spLocks noGrp="1"/>
+          </p:cNvSpPr>
+          <p:nvPr>
+            <p:ph type="body" sz="quarter" idx="13"/>
+          </p:nvPr>
+        </p:nvSpPr>
+        <p:spPr>
+          <a:xfrm>
+            <a:off x="685803" y="1628800"/>
+            <a:ext cx="7721303" cy="4104456"/>
+          </a:xfrm>
+        </p:spPr>
+        <p:txBody>
+          <a:bodyPr/>
+          <a:lstStyle/>
+          <a:p>
+            <a:pPr marL="57150" indent="0">
+              <a:buNone/>
+            </a:pPr>
+            <a:r>
+              <a:rPr lang="en-US" sz="2000" dirty="0" smtClean="0"/>
+              <a:t>This plugin is necessary to install if you use the </a:t>
+            </a:r>
+            <a:r>
+              <a:rPr lang="en-US" sz="2000" b="1" dirty="0" smtClean="0"/>
+              <a:t>Eclipse Standard </a:t>
+            </a:r>
+            <a:r>
+              <a:rPr lang="en-US" sz="2000" dirty="0" smtClean="0"/>
+              <a:t>package. The plugin </a:t>
+            </a:r>
+            <a:r>
+              <a:rPr lang="en-US" sz="2000" dirty="0"/>
+              <a:t>provides comprehensive Maven integration for </a:t>
+            </a:r>
+            <a:r>
+              <a:rPr lang="en-US" sz="2000" dirty="0" smtClean="0"/>
+              <a:t>Eclipse.</a:t>
+            </a:r>
+          </a:p>
+          <a:p>
+            <a:pPr marL="57150" indent="0">
+              <a:buNone/>
+            </a:pPr>
+            <a:endParaRPr lang="en-US" sz="2000" dirty="0"/>
+          </a:p>
+          <a:p>
+            <a:pPr marL="400050">
+              <a:buFont typeface="Arial"/>
+              <a:buChar char="•"/>
+            </a:pPr>
+            <a:r>
+              <a:rPr lang="en-US" sz="2000" dirty="0"/>
+              <a:t>To install the plugin, select Help → Install New Software...</a:t>
+            </a:r>
+          </a:p>
+          <a:p>
+            <a:pPr marL="400050">
+              <a:buFont typeface="Arial"/>
+              <a:buChar char="•"/>
+            </a:pPr>
+            <a:r>
+              <a:rPr lang="en-US" sz="2000" dirty="0"/>
+              <a:t>Paste the following URL into the “Work with:” field and hit Enter</a:t>
+            </a:r>
+          </a:p>
+          <a:p>
+            <a:pPr marL="400050">
+              <a:buFont typeface="Arial"/>
+              <a:buChar char="•"/>
+            </a:pPr>
+            <a:endParaRPr lang="en-US" sz="2000" dirty="0"/>
+          </a:p>
+          <a:p>
+            <a:pPr marL="400050">
+              <a:buFont typeface="Arial"/>
+              <a:buChar char="•"/>
+            </a:pPr>
+            <a:endParaRPr lang="en-US" sz="2000" dirty="0"/>
+          </a:p>
+          <a:p>
+            <a:pPr marL="400050">
+              <a:buFont typeface="Arial"/>
+              <a:buChar char="•"/>
+            </a:pPr>
+            <a:r>
+              <a:rPr lang="en-US" sz="2000" dirty="0" smtClean="0"/>
+              <a:t>Install </a:t>
+            </a:r>
+            <a:r>
+              <a:rPr lang="en-US" sz="2000" dirty="0"/>
+              <a:t>feature:</a:t>
+            </a:r>
+          </a:p>
+          <a:p>
+            <a:pPr marL="857250" lvl="1" indent="-342900">
+              <a:buFont typeface="Wingdings" charset="2"/>
+              <a:buChar char="q"/>
+            </a:pPr>
+            <a:r>
+              <a:rPr lang="en-US" sz="1800" dirty="0" smtClean="0"/>
+              <a:t>Maven Integration for </a:t>
+            </a:r>
+            <a:r>
+              <a:rPr lang="en-US" sz="1800" dirty="0" err="1" smtClean="0"/>
+              <a:t>Eclispe</a:t>
+            </a:r>
+            <a:endParaRPr lang="en-US" sz="1800" dirty="0"/>
+          </a:p>
+          <a:p>
+            <a:pPr marL="1314450" lvl="2" indent="-342900">
+              <a:buFont typeface="Wingdings" charset="2"/>
+              <a:buChar char="q"/>
+            </a:pPr>
+            <a:r>
+              <a:rPr lang="en-US" sz="1600" dirty="0"/>
+              <a:t>m</a:t>
+            </a:r>
+            <a:r>
+              <a:rPr lang="en-US" sz="1600" dirty="0" smtClean="0"/>
+              <a:t>2e -  Maven Integrations for Eclipse v1.4.0</a:t>
+            </a:r>
+          </a:p>
+          <a:p>
+            <a:pPr marL="1314450" lvl="2" indent="-342900">
+              <a:buFont typeface="Wingdings" charset="2"/>
+              <a:buChar char="q"/>
+            </a:pPr>
+            <a:r>
+              <a:rPr lang="en-US" sz="1600" dirty="0"/>
+              <a:t>m</a:t>
+            </a:r>
+            <a:r>
+              <a:rPr lang="en-US" sz="1600" dirty="0" smtClean="0"/>
+              <a:t>2e – slf4j over </a:t>
+            </a:r>
+            <a:r>
+              <a:rPr lang="en-US" sz="1600" dirty="0" err="1" smtClean="0"/>
+              <a:t>logback</a:t>
+            </a:r>
+            <a:r>
+              <a:rPr lang="en-US" sz="1600" dirty="0" smtClean="0"/>
+              <a:t> logging (Optional) v1.4.0</a:t>
+            </a:r>
+          </a:p>
+          <a:p>
+            <a:pPr marL="1314450" lvl="2" indent="-342900">
+              <a:buFont typeface="Wingdings" charset="2"/>
+              <a:buChar char="q"/>
+            </a:pPr>
+            <a:endParaRPr lang="en-US" sz="1600" dirty="0"/>
+          </a:p>
+        </p:txBody>
+      </p:sp>
+      <p:sp>
+        <p:nvSpPr>
+          <p:cNvPr id="4" name="Text Placeholder 2"/>
+          <p:cNvSpPr txBox="1">
+            <a:spLocks/>
+          </p:cNvSpPr>
+          <p:nvPr/>
+        </p:nvSpPr>
+        <p:spPr>
+          <a:xfrm>
+            <a:off x="1187624" y="3789040"/>
+            <a:ext cx="6048672" cy="594066"/>
+          </a:xfrm>
+          <a:prstGeom prst="roundRect">
+            <a:avLst/>
+          </a:prstGeom>
+          <a:solidFill>
+            <a:schemeClr val="accent1">
+              <a:lumMod val="20000"/>
+              <a:lumOff val="80000"/>
+            </a:schemeClr>
+          </a:solidFill>
+          <a:ln w="12700" cap="rnd" cmpd="sng">
+            <a:solidFill>
+              <a:schemeClr val="tx1"/>
+            </a:solidFill>
+            <a:round/>
+          </a:ln>
+          <a:effectLst>
+            <a:outerShdw blurRad="50800" dist="38100" dir="2700000" algn="tl" rotWithShape="0">
+              <a:schemeClr val="accent1">
+                <a:lumMod val="75000"/>
+                <a:alpha val="43000"/>
+              </a:schemeClr>
+            </a:outerShdw>
+          </a:effectLst>
+        </p:spPr>
+        <p:txBody>
+          <a:bodyPr anchor="ctr"/>
+          <a:lstStyle>
+            <a:lvl1pPr marL="342900" indent="-342900" algn="l" defTabSz="457200" rtl="0" eaLnBrk="1" fontAlgn="base" hangingPunct="1">
+              <a:spcBef>
+                <a:spcPct val="20000"/>
+              </a:spcBef>
+              <a:spcAft>
+                <a:spcPct val="0"/>
+              </a:spcAft>
+              <a:buFont typeface="Arial" charset="0"/>
+              <a:buChar char="•"/>
+              <a:defRPr sz="2400" kern="1200">
+                <a:solidFill>
+                  <a:schemeClr val="tx1"/>
+                </a:solidFill>
+                <a:latin typeface="+mn-lt"/>
+                <a:ea typeface="ＭＳ Ｐゴシック" pitchFamily="-111" charset="-128"/>
+                <a:cs typeface="ＭＳ Ｐゴシック" pitchFamily="-111" charset="-128"/>
+              </a:defRPr>
+            </a:lvl1pPr>
+            <a:lvl2pPr marL="742950" indent="-285750" algn="l" defTabSz="457200" rtl="0" eaLnBrk="1" fontAlgn="base" hangingPunct="1">
+              <a:spcBef>
+                <a:spcPct val="20000"/>
+              </a:spcBef>
+              <a:spcAft>
+                <a:spcPct val="0"/>
+              </a:spcAft>
+              <a:buFont typeface="Arial" charset="0"/>
+              <a:buChar char="–"/>
+              <a:defRPr sz="2200" kern="1200">
+                <a:solidFill>
+                  <a:schemeClr val="tx1"/>
+                </a:solidFill>
+                <a:latin typeface="+mn-lt"/>
+                <a:ea typeface="ＭＳ Ｐゴシック" pitchFamily="-111" charset="-128"/>
+                <a:cs typeface="ＭＳ Ｐゴシック"/>
+              </a:defRPr>
+            </a:lvl2pPr>
+            <a:lvl3pPr marL="1143000" indent="-228600" algn="l" defTabSz="457200" rtl="0" eaLnBrk="1" fontAlgn="base" hangingPunct="1">
+              <a:spcBef>
+                <a:spcPct val="20000"/>
+              </a:spcBef>
+              <a:spcAft>
+                <a:spcPct val="0"/>
+              </a:spcAft>
+              <a:buFont typeface="Calibri" pitchFamily="34" charset="0"/>
+              <a:buChar char="»"/>
+              <a:defRPr sz="2000" kern="1200">
+                <a:solidFill>
+                  <a:schemeClr val="tx1"/>
+                </a:solidFill>
+                <a:latin typeface="+mn-lt"/>
+                <a:ea typeface="ＭＳ Ｐゴシック" pitchFamily="-111" charset="-128"/>
+                <a:cs typeface="ＭＳ Ｐゴシック"/>
+              </a:defRPr>
+            </a:lvl3pPr>
+            <a:lvl4pPr marL="1600200" indent="-228600" algn="l" defTabSz="457200" rtl="0" eaLnBrk="1" fontAlgn="base" hangingPunct="1">
+              <a:spcBef>
+                <a:spcPct val="20000"/>
+              </a:spcBef>
+              <a:spcAft>
+                <a:spcPct val="0"/>
+              </a:spcAft>
+              <a:buFont typeface="Arial" charset="0"/>
+              <a:buChar char="–"/>
+              <a:defRPr sz="1800" kern="1200">
+                <a:solidFill>
+                  <a:schemeClr val="tx1">
+                    <a:lumMod val="75000"/>
+                    <a:lumOff val="25000"/>
+                  </a:schemeClr>
+                </a:solidFill>
+                <a:latin typeface="+mn-lt"/>
+                <a:ea typeface="ＭＳ Ｐゴシック" pitchFamily="-111" charset="-128"/>
+                <a:cs typeface="ＭＳ Ｐゴシック"/>
+              </a:defRPr>
+            </a:lvl4pPr>
+            <a:lvl5pPr marL="2057400" indent="-228600" algn="l" defTabSz="457200" rtl="0" eaLnBrk="1" fontAlgn="base" hangingPunct="1">
+              <a:spcBef>
+                <a:spcPct val="20000"/>
+              </a:spcBef>
+              <a:spcAft>
+                <a:spcPct val="0"/>
+              </a:spcAft>
+              <a:buFont typeface="Arial" charset="0"/>
+              <a:buChar char="»"/>
+              <a:defRPr sz="1800" kern="1200">
+                <a:solidFill>
+                  <a:schemeClr val="tx1">
+                    <a:lumMod val="75000"/>
+                    <a:lumOff val="25000"/>
+                  </a:schemeClr>
+                </a:solidFill>
+                <a:latin typeface="+mn-lt"/>
+                <a:ea typeface="ＭＳ Ｐゴシック" pitchFamily="-111" charset="-128"/>
+                <a:cs typeface="ＭＳ Ｐゴシック"/>
+              </a:defRPr>
+            </a:lvl5pPr>
+            <a:lvl6pPr marL="2514600" indent="-228600" algn="l" defTabSz="457200" rtl="0" eaLnBrk="1" latinLnBrk="0" hangingPunct="1">
+              <a:spcBef>
+                <a:spcPct val="20000"/>
+              </a:spcBef>
+              <a:buFont typeface="Arial"/>
+              <a:buChar char="•"/>
+              <a:defRPr sz="2000" kern="1200">
+                <a:solidFill>
+                  <a:schemeClr val="tx1"/>
+                </a:solidFill>
+                <a:latin typeface="+mn-lt"/>
+                <a:ea typeface="+mn-ea"/>
+                <a:cs typeface="+mn-cs"/>
+              </a:defRPr>
+            </a:lvl6pPr>
+            <a:lvl7pPr marL="2971800" indent="-228600" algn="l" defTabSz="457200" rtl="0" eaLnBrk="1" latinLnBrk="0" hangingPunct="1">
+              <a:spcBef>
+                <a:spcPct val="20000"/>
+              </a:spcBef>
+              <a:buFont typeface="Arial"/>
+              <a:buChar char="•"/>
+              <a:defRPr sz="2000" kern="1200">
+                <a:solidFill>
+                  <a:schemeClr val="tx1"/>
+                </a:solidFill>
+                <a:latin typeface="+mn-lt"/>
+                <a:ea typeface="+mn-ea"/>
+                <a:cs typeface="+mn-cs"/>
+              </a:defRPr>
+            </a:lvl7pPr>
+            <a:lvl8pPr marL="3429000" indent="-228600" algn="l" defTabSz="457200" rtl="0" eaLnBrk="1" latinLnBrk="0" hangingPunct="1">
+              <a:spcBef>
+                <a:spcPct val="20000"/>
+              </a:spcBef>
+              <a:buFont typeface="Arial"/>
+              <a:buChar char="•"/>
+              <a:defRPr sz="2000" kern="1200">
+                <a:solidFill>
+                  <a:schemeClr val="tx1"/>
+                </a:solidFill>
+                <a:latin typeface="+mn-lt"/>
+                <a:ea typeface="+mn-ea"/>
+                <a:cs typeface="+mn-cs"/>
+              </a:defRPr>
+            </a:lvl8pPr>
+            <a:lvl9pPr marL="3886200" indent="-228600" algn="l" defTabSz="457200" rtl="0" eaLnBrk="1" latinLnBrk="0" hangingPunct="1">
+              <a:spcBef>
+                <a:spcPct val="20000"/>
+              </a:spcBef>
+              <a:buFont typeface="Arial"/>
+              <a:buChar char="•"/>
+              <a:defRPr sz="2000" kern="1200">
+                <a:solidFill>
+                  <a:schemeClr val="tx1"/>
+                </a:solidFill>
+                <a:latin typeface="+mn-lt"/>
+                <a:ea typeface="+mn-ea"/>
+                <a:cs typeface="+mn-cs"/>
+              </a:defRPr>
+            </a:lvl9pPr>
+          </a:lstStyle>
+          <a:p>
+            <a:pPr marL="0" indent="0">
+              <a:buNone/>
+            </a:pPr>
+            <a:r>
+              <a:rPr lang="en-US" sz="1800" dirty="0"/>
+              <a:t>http://</a:t>
+            </a:r>
+            <a:r>
+              <a:rPr lang="en-US" sz="1800" dirty="0" err="1"/>
+              <a:t>download.eclipse.org</a:t>
+            </a:r>
+            <a:r>
+              <a:rPr lang="en-US" sz="1800" dirty="0"/>
+              <a:t>/technology/m2e/releases</a:t>
+            </a:r>
+          </a:p>
+        </p:txBody>
+      </p:sp>
+    </p:spTree>
+    <p:extLst>
+      <p:ext uri="{BB962C8B-B14F-4D97-AF65-F5344CB8AC3E}">
+        <p14:creationId xmlns:p14="http://schemas.microsoft.com/office/powerpoint/2010/main" val="376868499"/>
+      </p:ext>
+    </p:extLst>
+  </p:cSld>
+  <p:clrMapOvr>
+    <a:masterClrMapping/>
+  </p:clrMapOvr>
+  <mc:AlternateContent xmlns:mc="http://schemas.openxmlformats.org/markup-compatibility/2006" xmlns:p14="http://schemas.microsoft.com/office/powerpoint/2010/main">
+    <mc:Choice Requires="p14">
+      <p:transition spd="slow" p14:dur="2000"/>
+    </mc:Choice>
+    <mc:Fallback xmlns="">
+      <p:transition xmlns:p14="http://schemas.microsoft.com/office/powerpoint/2010/main" spd="slow"/>
+    </mc:Fallback>
+  </mc:AlternateContent>
+</p:sld>
+</file>
+
+<file path=ppt/slides/slide11.xml><?xml version="1.0" encoding="utf-8"?>
+<p:sld xmlns:a="http://schemas.openxmlformats.org/drawingml/2006/main" xmlns:r="http://schemas.openxmlformats.org/officeDocument/2006/relationships" xmlns:p="http://schemas.openxmlformats.org/presentationml/2006/main">
+  <p:cSld>
+    <p:spTree>
+      <p:nvGrpSpPr>
+        <p:cNvPr id="1" name=""/>
+        <p:cNvGrpSpPr/>
+        <p:nvPr/>
+      </p:nvGrpSpPr>
+      <p:grpSpPr>
+        <a:xfrm>
+          <a:off x="0" y="0"/>
+          <a:ext cx="0" cy="0"/>
+          <a:chOff x="0" y="0"/>
+          <a:chExt cx="0" cy="0"/>
+        </a:xfrm>
+      </p:grpSpPr>
+      <p:sp>
+        <p:nvSpPr>
+          <p:cNvPr id="2" name="Title 1"/>
+          <p:cNvSpPr>
+            <a:spLocks noGrp="1"/>
+          </p:cNvSpPr>
+          <p:nvPr>
+            <p:ph type="ctrTitle"/>
+          </p:nvPr>
+        </p:nvSpPr>
+        <p:spPr>
+          <a:xfrm>
+            <a:off x="685800" y="570922"/>
+            <a:ext cx="7772400" cy="985870"/>
+          </a:xfrm>
+        </p:spPr>
+        <p:txBody>
+          <a:bodyPr anchor="t">
+            <a:normAutofit fontScale="90000"/>
+          </a:bodyPr>
+          <a:lstStyle/>
+          <a:p>
+            <a:r>
+              <a:rPr lang="en-US" dirty="0" smtClean="0"/>
+              <a:t>Firefox Installation</a:t>
+            </a:r>
+            <a:br>
+              <a:rPr lang="en-US" dirty="0" smtClean="0"/>
+            </a:br>
+            <a:r>
+              <a:rPr lang="en-US" sz="2700" dirty="0" smtClean="0"/>
+              <a:t>Windows</a:t>
+            </a:r>
+            <a:endParaRPr lang="en-US" sz="2700" dirty="0"/>
+          </a:p>
+        </p:txBody>
+      </p:sp>
+      <p:sp>
+        <p:nvSpPr>
+          <p:cNvPr id="3" name="Text Placeholder 2"/>
+          <p:cNvSpPr>
+            <a:spLocks noGrp="1"/>
+          </p:cNvSpPr>
+          <p:nvPr>
+            <p:ph type="body" sz="quarter" idx="13"/>
+          </p:nvPr>
+        </p:nvSpPr>
+        <p:spPr/>
+        <p:txBody>
+          <a:bodyPr/>
+          <a:lstStyle/>
+          <a:p>
+            <a:pPr marL="457200" indent="-457200">
+              <a:buFont typeface="+mj-lt"/>
+              <a:buAutoNum type="arabicPeriod"/>
+            </a:pPr>
+            <a:r>
+              <a:rPr lang="en-US" sz="2000" dirty="0"/>
+              <a:t>Visit the Firefox download page</a:t>
+            </a:r>
+          </a:p>
+          <a:p>
+            <a:pPr marL="457200" indent="-457200">
+              <a:buFont typeface="+mj-lt"/>
+              <a:buAutoNum type="arabicPeriod"/>
+            </a:pPr>
+            <a:endParaRPr lang="en-US" sz="2000" dirty="0" smtClean="0"/>
+          </a:p>
+          <a:p>
+            <a:pPr marL="457200" indent="-457200">
+              <a:buFont typeface="+mj-lt"/>
+              <a:buAutoNum type="arabicPeriod"/>
+            </a:pPr>
+            <a:endParaRPr lang="en-US" sz="2000" dirty="0" smtClean="0"/>
+          </a:p>
+          <a:p>
+            <a:pPr marL="457200" indent="-457200">
+              <a:buFont typeface="+mj-lt"/>
+              <a:buAutoNum type="arabicPeriod"/>
+            </a:pPr>
+            <a:r>
+              <a:rPr lang="en-US" sz="2000" dirty="0"/>
+              <a:t>Click on the green download link to download the Firefox </a:t>
+            </a:r>
+            <a:r>
+              <a:rPr lang="en-US" sz="2000" dirty="0" smtClean="0"/>
+              <a:t>installer</a:t>
+            </a:r>
+          </a:p>
+          <a:p>
+            <a:pPr marL="457200" indent="-457200">
+              <a:buFont typeface="+mj-lt"/>
+              <a:buAutoNum type="arabicPeriod"/>
+            </a:pPr>
+            <a:r>
+              <a:rPr lang="en-US" sz="2000" dirty="0" smtClean="0"/>
+              <a:t>Start the process by running the installer</a:t>
+            </a:r>
+          </a:p>
+          <a:p>
+            <a:pPr marL="457200" indent="-457200">
+              <a:buFont typeface="+mj-lt"/>
+              <a:buAutoNum type="arabicPeriod"/>
+            </a:pPr>
+            <a:r>
+              <a:rPr lang="en-US" sz="2000" dirty="0" smtClean="0"/>
+              <a:t>Then, just follow the steps…</a:t>
+            </a:r>
+          </a:p>
+          <a:p>
+            <a:pPr marL="457200" indent="-457200">
+              <a:buFont typeface="+mj-lt"/>
+              <a:buAutoNum type="arabicPeriod"/>
+            </a:pPr>
+            <a:endParaRPr lang="en-US" sz="2000" dirty="0"/>
+          </a:p>
+        </p:txBody>
+      </p:sp>
+      <p:sp>
+        <p:nvSpPr>
+          <p:cNvPr id="4" name="Text Placeholder 2"/>
+          <p:cNvSpPr txBox="1">
+            <a:spLocks/>
+          </p:cNvSpPr>
+          <p:nvPr/>
+        </p:nvSpPr>
+        <p:spPr>
+          <a:xfrm>
+            <a:off x="1261865" y="2060848"/>
+            <a:ext cx="5830415" cy="576064"/>
+          </a:xfrm>
+          <a:prstGeom prst="roundRect">
+            <a:avLst/>
+          </a:prstGeom>
+          <a:solidFill>
+            <a:schemeClr val="accent1">
+              <a:lumMod val="20000"/>
+              <a:lumOff val="80000"/>
+            </a:schemeClr>
+          </a:solidFill>
+          <a:ln w="12700" cap="rnd" cmpd="sng">
+            <a:solidFill>
+              <a:schemeClr val="tx1"/>
+            </a:solidFill>
+            <a:round/>
+          </a:ln>
+          <a:effectLst>
+            <a:outerShdw blurRad="50800" dist="38100" dir="2700000" algn="tl" rotWithShape="0">
+              <a:schemeClr val="accent1">
+                <a:lumMod val="75000"/>
+                <a:alpha val="43000"/>
+              </a:schemeClr>
+            </a:outerShdw>
+          </a:effectLst>
+        </p:spPr>
+        <p:txBody>
+          <a:bodyPr anchor="ctr"/>
+          <a:lstStyle>
+            <a:lvl1pPr marL="342900" indent="-342900" algn="l" defTabSz="457200" rtl="0" eaLnBrk="1" fontAlgn="base" hangingPunct="1">
+              <a:spcBef>
+                <a:spcPct val="20000"/>
+              </a:spcBef>
+              <a:spcAft>
+                <a:spcPct val="0"/>
+              </a:spcAft>
+              <a:buFont typeface="Arial" charset="0"/>
+              <a:buChar char="•"/>
+              <a:defRPr sz="2400" kern="1200">
+                <a:solidFill>
+                  <a:schemeClr val="tx1"/>
+                </a:solidFill>
+                <a:latin typeface="+mn-lt"/>
+                <a:ea typeface="ＭＳ Ｐゴシック" pitchFamily="-111" charset="-128"/>
+                <a:cs typeface="ＭＳ Ｐゴシック" pitchFamily="-111" charset="-128"/>
+              </a:defRPr>
+            </a:lvl1pPr>
+            <a:lvl2pPr marL="742950" indent="-285750" algn="l" defTabSz="457200" rtl="0" eaLnBrk="1" fontAlgn="base" hangingPunct="1">
+              <a:spcBef>
+                <a:spcPct val="20000"/>
+              </a:spcBef>
+              <a:spcAft>
+                <a:spcPct val="0"/>
+              </a:spcAft>
+              <a:buFont typeface="Arial" charset="0"/>
+              <a:buChar char="–"/>
+              <a:defRPr sz="2200" kern="1200">
+                <a:solidFill>
+                  <a:schemeClr val="tx1"/>
+                </a:solidFill>
+                <a:latin typeface="+mn-lt"/>
+                <a:ea typeface="ＭＳ Ｐゴシック" pitchFamily="-111" charset="-128"/>
+                <a:cs typeface="ＭＳ Ｐゴシック"/>
+              </a:defRPr>
+            </a:lvl2pPr>
+            <a:lvl3pPr marL="1143000" indent="-228600" algn="l" defTabSz="457200" rtl="0" eaLnBrk="1" fontAlgn="base" hangingPunct="1">
+              <a:spcBef>
+                <a:spcPct val="20000"/>
+              </a:spcBef>
+              <a:spcAft>
+                <a:spcPct val="0"/>
+              </a:spcAft>
+              <a:buFont typeface="Calibri" pitchFamily="34" charset="0"/>
+              <a:buChar char="»"/>
+              <a:defRPr sz="2000" kern="1200">
+                <a:solidFill>
+                  <a:schemeClr val="tx1"/>
+                </a:solidFill>
+                <a:latin typeface="+mn-lt"/>
+                <a:ea typeface="ＭＳ Ｐゴシック" pitchFamily="-111" charset="-128"/>
+                <a:cs typeface="ＭＳ Ｐゴシック"/>
+              </a:defRPr>
+            </a:lvl3pPr>
+            <a:lvl4pPr marL="1600200" indent="-228600" algn="l" defTabSz="457200" rtl="0" eaLnBrk="1" fontAlgn="base" hangingPunct="1">
+              <a:spcBef>
+                <a:spcPct val="20000"/>
+              </a:spcBef>
+              <a:spcAft>
+                <a:spcPct val="0"/>
+              </a:spcAft>
+              <a:buFont typeface="Arial" charset="0"/>
+              <a:buChar char="–"/>
+              <a:defRPr sz="1800" kern="1200">
+                <a:solidFill>
+                  <a:schemeClr val="tx1">
+                    <a:lumMod val="75000"/>
+                    <a:lumOff val="25000"/>
+                  </a:schemeClr>
+                </a:solidFill>
+                <a:latin typeface="+mn-lt"/>
+                <a:ea typeface="ＭＳ Ｐゴシック" pitchFamily="-111" charset="-128"/>
+                <a:cs typeface="ＭＳ Ｐゴシック"/>
+              </a:defRPr>
+            </a:lvl4pPr>
+            <a:lvl5pPr marL="2057400" indent="-228600" algn="l" defTabSz="457200" rtl="0" eaLnBrk="1" fontAlgn="base" hangingPunct="1">
+              <a:spcBef>
+                <a:spcPct val="20000"/>
+              </a:spcBef>
+              <a:spcAft>
+                <a:spcPct val="0"/>
+              </a:spcAft>
+              <a:buFont typeface="Arial" charset="0"/>
+              <a:buChar char="»"/>
+              <a:defRPr sz="1800" kern="1200">
+                <a:solidFill>
+                  <a:schemeClr val="tx1">
+                    <a:lumMod val="75000"/>
+                    <a:lumOff val="25000"/>
+                  </a:schemeClr>
+                </a:solidFill>
+                <a:latin typeface="+mn-lt"/>
+                <a:ea typeface="ＭＳ Ｐゴシック" pitchFamily="-111" charset="-128"/>
+                <a:cs typeface="ＭＳ Ｐゴシック"/>
+              </a:defRPr>
+            </a:lvl5pPr>
+            <a:lvl6pPr marL="2514600" indent="-228600" algn="l" defTabSz="457200" rtl="0" eaLnBrk="1" latinLnBrk="0" hangingPunct="1">
+              <a:spcBef>
+                <a:spcPct val="20000"/>
+              </a:spcBef>
+              <a:buFont typeface="Arial"/>
+              <a:buChar char="•"/>
+              <a:defRPr sz="2000" kern="1200">
+                <a:solidFill>
+                  <a:schemeClr val="tx1"/>
+                </a:solidFill>
+                <a:latin typeface="+mn-lt"/>
+                <a:ea typeface="+mn-ea"/>
+                <a:cs typeface="+mn-cs"/>
+              </a:defRPr>
+            </a:lvl6pPr>
+            <a:lvl7pPr marL="2971800" indent="-228600" algn="l" defTabSz="457200" rtl="0" eaLnBrk="1" latinLnBrk="0" hangingPunct="1">
+              <a:spcBef>
+                <a:spcPct val="20000"/>
+              </a:spcBef>
+              <a:buFont typeface="Arial"/>
+              <a:buChar char="•"/>
+              <a:defRPr sz="2000" kern="1200">
+                <a:solidFill>
+                  <a:schemeClr val="tx1"/>
+                </a:solidFill>
+                <a:latin typeface="+mn-lt"/>
+                <a:ea typeface="+mn-ea"/>
+                <a:cs typeface="+mn-cs"/>
+              </a:defRPr>
+            </a:lvl7pPr>
+            <a:lvl8pPr marL="3429000" indent="-228600" algn="l" defTabSz="457200" rtl="0" eaLnBrk="1" latinLnBrk="0" hangingPunct="1">
+              <a:spcBef>
+                <a:spcPct val="20000"/>
+              </a:spcBef>
+              <a:buFont typeface="Arial"/>
+              <a:buChar char="•"/>
+              <a:defRPr sz="2000" kern="1200">
+                <a:solidFill>
+                  <a:schemeClr val="tx1"/>
+                </a:solidFill>
+                <a:latin typeface="+mn-lt"/>
+                <a:ea typeface="+mn-ea"/>
+                <a:cs typeface="+mn-cs"/>
+              </a:defRPr>
+            </a:lvl8pPr>
+            <a:lvl9pPr marL="3886200" indent="-228600" algn="l" defTabSz="457200" rtl="0" eaLnBrk="1" latinLnBrk="0" hangingPunct="1">
+              <a:spcBef>
+                <a:spcPct val="20000"/>
+              </a:spcBef>
+              <a:buFont typeface="Arial"/>
+              <a:buChar char="•"/>
+              <a:defRPr sz="2000" kern="1200">
+                <a:solidFill>
+                  <a:schemeClr val="tx1"/>
+                </a:solidFill>
+                <a:latin typeface="+mn-lt"/>
+                <a:ea typeface="+mn-ea"/>
+                <a:cs typeface="+mn-cs"/>
+              </a:defRPr>
+            </a:lvl9pPr>
+          </a:lstStyle>
+          <a:p>
+            <a:pPr marL="0" indent="0">
+              <a:buNone/>
+            </a:pPr>
+            <a:r>
+              <a:rPr lang="en-US" sz="1800" dirty="0"/>
+              <a:t>http://</a:t>
+            </a:r>
+            <a:r>
+              <a:rPr lang="en-US" sz="1800" dirty="0" err="1"/>
+              <a:t>www.getfirefox.com</a:t>
+            </a:r>
+            <a:r>
+              <a:rPr lang="en-US" sz="1800" dirty="0"/>
+              <a:t>/</a:t>
+            </a:r>
+            <a:endParaRPr lang="en-US" sz="1800" dirty="0"/>
+          </a:p>
+        </p:txBody>
+      </p:sp>
+    </p:spTree>
+    <p:extLst>
+      <p:ext uri="{BB962C8B-B14F-4D97-AF65-F5344CB8AC3E}">
+        <p14:creationId xmlns:p14="http://schemas.microsoft.com/office/powerpoint/2010/main" val="3592842182"/>
+      </p:ext>
+    </p:extLst>
+  </p:cSld>
+  <p:clrMapOvr>
+    <a:masterClrMapping/>
+  </p:clrMapOvr>
+</p:sld>
+</file>
+
+<file path=ppt/slides/slide12.xml><?xml version="1.0" encoding="utf-8"?>
+<p:sld xmlns:a="http://schemas.openxmlformats.org/drawingml/2006/main" xmlns:r="http://schemas.openxmlformats.org/officeDocument/2006/relationships" xmlns:p="http://schemas.openxmlformats.org/presentationml/2006/main">
+  <p:cSld>
+    <p:spTree>
+      <p:nvGrpSpPr>
+        <p:cNvPr id="1" name=""/>
+        <p:cNvGrpSpPr/>
+        <p:nvPr/>
+      </p:nvGrpSpPr>
+      <p:grpSpPr>
+        <a:xfrm>
+          <a:off x="0" y="0"/>
+          <a:ext cx="0" cy="0"/>
+          <a:chOff x="0" y="0"/>
+          <a:chExt cx="0" cy="0"/>
+        </a:xfrm>
+      </p:grpSpPr>
+      <p:sp>
+        <p:nvSpPr>
+          <p:cNvPr id="2" name="Title 1"/>
+          <p:cNvSpPr>
+            <a:spLocks noGrp="1"/>
+          </p:cNvSpPr>
+          <p:nvPr>
+            <p:ph type="ctrTitle"/>
+          </p:nvPr>
+        </p:nvSpPr>
+        <p:spPr>
+          <a:xfrm>
+            <a:off x="685800" y="570922"/>
+            <a:ext cx="7772400" cy="985870"/>
+          </a:xfrm>
+        </p:spPr>
+        <p:txBody>
+          <a:bodyPr anchor="t">
+            <a:normAutofit fontScale="90000"/>
+          </a:bodyPr>
+          <a:lstStyle/>
+          <a:p>
+            <a:r>
+              <a:rPr lang="en-US" dirty="0" smtClean="0"/>
+              <a:t>Firefox Installation</a:t>
+            </a:r>
+            <a:br>
+              <a:rPr lang="en-US" dirty="0" smtClean="0"/>
+            </a:br>
+            <a:r>
+              <a:rPr lang="en-US" sz="2700" dirty="0" smtClean="0"/>
+              <a:t>Mac OS X</a:t>
+            </a:r>
+            <a:endParaRPr lang="en-US" sz="2700" dirty="0"/>
+          </a:p>
+        </p:txBody>
+      </p:sp>
+      <p:sp>
+        <p:nvSpPr>
+          <p:cNvPr id="3" name="Text Placeholder 2"/>
+          <p:cNvSpPr>
+            <a:spLocks noGrp="1"/>
+          </p:cNvSpPr>
+          <p:nvPr>
+            <p:ph type="body" sz="quarter" idx="13"/>
+          </p:nvPr>
+        </p:nvSpPr>
+        <p:spPr/>
+        <p:txBody>
+          <a:bodyPr/>
+          <a:lstStyle/>
+          <a:p>
+            <a:pPr marL="457200" indent="-457200">
+              <a:buFont typeface="+mj-lt"/>
+              <a:buAutoNum type="arabicPeriod"/>
+            </a:pPr>
+            <a:r>
+              <a:rPr lang="en-US" sz="2000" dirty="0"/>
+              <a:t>Visit the Firefox download page</a:t>
+            </a:r>
+          </a:p>
+          <a:p>
+            <a:pPr marL="457200" indent="-457200">
+              <a:buFont typeface="+mj-lt"/>
+              <a:buAutoNum type="arabicPeriod"/>
+            </a:pPr>
+            <a:endParaRPr lang="en-US" sz="2000" dirty="0" smtClean="0"/>
+          </a:p>
+          <a:p>
+            <a:pPr marL="457200" indent="-457200">
+              <a:buFont typeface="+mj-lt"/>
+              <a:buAutoNum type="arabicPeriod"/>
+            </a:pPr>
+            <a:endParaRPr lang="en-US" sz="2000" dirty="0" smtClean="0"/>
+          </a:p>
+          <a:p>
+            <a:pPr marL="457200" indent="-457200">
+              <a:buFont typeface="+mj-lt"/>
+              <a:buAutoNum type="arabicPeriod"/>
+            </a:pPr>
+            <a:r>
+              <a:rPr lang="en-US" sz="2000" dirty="0"/>
+              <a:t>Click on the green download link to download </a:t>
+            </a:r>
+            <a:r>
+              <a:rPr lang="en-US" sz="2000" dirty="0" smtClean="0"/>
+              <a:t>Firefox</a:t>
+            </a:r>
+          </a:p>
+          <a:p>
+            <a:pPr marL="457200" indent="-457200">
+              <a:buFont typeface="+mj-lt"/>
+              <a:buAutoNum type="arabicPeriod"/>
+            </a:pPr>
+            <a:r>
+              <a:rPr lang="en-US" sz="2000" dirty="0"/>
+              <a:t>Once the download has completed, the file (</a:t>
+            </a:r>
+            <a:r>
+              <a:rPr lang="en-US" sz="2000" dirty="0" err="1"/>
+              <a:t>Firefox.dmg</a:t>
+            </a:r>
+            <a:r>
+              <a:rPr lang="en-US" sz="2000" dirty="0"/>
+              <a:t>) should open by itself and pop open a Finder window containing the Firefox application. Drag the Firefox Icon on top of the Applications folder in order to copy it </a:t>
+            </a:r>
+            <a:r>
+              <a:rPr lang="en-US" sz="2000" dirty="0" smtClean="0"/>
+              <a:t>there</a:t>
+            </a:r>
+            <a:endParaRPr lang="en-US" sz="2000" dirty="0"/>
+          </a:p>
+        </p:txBody>
+      </p:sp>
+      <p:sp>
+        <p:nvSpPr>
+          <p:cNvPr id="4" name="Text Placeholder 2"/>
+          <p:cNvSpPr txBox="1">
+            <a:spLocks/>
+          </p:cNvSpPr>
+          <p:nvPr/>
+        </p:nvSpPr>
+        <p:spPr>
+          <a:xfrm>
+            <a:off x="1261865" y="2060848"/>
+            <a:ext cx="5830415" cy="576064"/>
+          </a:xfrm>
+          <a:prstGeom prst="roundRect">
+            <a:avLst/>
+          </a:prstGeom>
+          <a:solidFill>
+            <a:schemeClr val="accent1">
+              <a:lumMod val="20000"/>
+              <a:lumOff val="80000"/>
+            </a:schemeClr>
+          </a:solidFill>
+          <a:ln w="12700" cap="rnd" cmpd="sng">
+            <a:solidFill>
+              <a:schemeClr val="tx1"/>
+            </a:solidFill>
+            <a:round/>
+          </a:ln>
+          <a:effectLst>
+            <a:outerShdw blurRad="50800" dist="38100" dir="2700000" algn="tl" rotWithShape="0">
+              <a:schemeClr val="accent1">
+                <a:lumMod val="75000"/>
+                <a:alpha val="43000"/>
+              </a:schemeClr>
+            </a:outerShdw>
+          </a:effectLst>
+        </p:spPr>
+        <p:txBody>
+          <a:bodyPr anchor="ctr"/>
+          <a:lstStyle>
+            <a:lvl1pPr marL="342900" indent="-342900" algn="l" defTabSz="457200" rtl="0" eaLnBrk="1" fontAlgn="base" hangingPunct="1">
+              <a:spcBef>
+                <a:spcPct val="20000"/>
+              </a:spcBef>
+              <a:spcAft>
+                <a:spcPct val="0"/>
+              </a:spcAft>
+              <a:buFont typeface="Arial" charset="0"/>
+              <a:buChar char="•"/>
+              <a:defRPr sz="2400" kern="1200">
+                <a:solidFill>
+                  <a:schemeClr val="tx1"/>
+                </a:solidFill>
+                <a:latin typeface="+mn-lt"/>
+                <a:ea typeface="ＭＳ Ｐゴシック" pitchFamily="-111" charset="-128"/>
+                <a:cs typeface="ＭＳ Ｐゴシック" pitchFamily="-111" charset="-128"/>
+              </a:defRPr>
+            </a:lvl1pPr>
+            <a:lvl2pPr marL="742950" indent="-285750" algn="l" defTabSz="457200" rtl="0" eaLnBrk="1" fontAlgn="base" hangingPunct="1">
+              <a:spcBef>
+                <a:spcPct val="20000"/>
+              </a:spcBef>
+              <a:spcAft>
+                <a:spcPct val="0"/>
+              </a:spcAft>
+              <a:buFont typeface="Arial" charset="0"/>
+              <a:buChar char="–"/>
+              <a:defRPr sz="2200" kern="1200">
+                <a:solidFill>
+                  <a:schemeClr val="tx1"/>
+                </a:solidFill>
+                <a:latin typeface="+mn-lt"/>
+                <a:ea typeface="ＭＳ Ｐゴシック" pitchFamily="-111" charset="-128"/>
+                <a:cs typeface="ＭＳ Ｐゴシック"/>
+              </a:defRPr>
+            </a:lvl2pPr>
+            <a:lvl3pPr marL="1143000" indent="-228600" algn="l" defTabSz="457200" rtl="0" eaLnBrk="1" fontAlgn="base" hangingPunct="1">
+              <a:spcBef>
+                <a:spcPct val="20000"/>
+              </a:spcBef>
+              <a:spcAft>
+                <a:spcPct val="0"/>
+              </a:spcAft>
+              <a:buFont typeface="Calibri" pitchFamily="34" charset="0"/>
+              <a:buChar char="»"/>
+              <a:defRPr sz="2000" kern="1200">
+                <a:solidFill>
+                  <a:schemeClr val="tx1"/>
+                </a:solidFill>
+                <a:latin typeface="+mn-lt"/>
+                <a:ea typeface="ＭＳ Ｐゴシック" pitchFamily="-111" charset="-128"/>
+                <a:cs typeface="ＭＳ Ｐゴシック"/>
+              </a:defRPr>
+            </a:lvl3pPr>
+            <a:lvl4pPr marL="1600200" indent="-228600" algn="l" defTabSz="457200" rtl="0" eaLnBrk="1" fontAlgn="base" hangingPunct="1">
+              <a:spcBef>
+                <a:spcPct val="20000"/>
+              </a:spcBef>
+              <a:spcAft>
+                <a:spcPct val="0"/>
+              </a:spcAft>
+              <a:buFont typeface="Arial" charset="0"/>
+              <a:buChar char="–"/>
+              <a:defRPr sz="1800" kern="1200">
+                <a:solidFill>
+                  <a:schemeClr val="tx1">
+                    <a:lumMod val="75000"/>
+                    <a:lumOff val="25000"/>
+                  </a:schemeClr>
+                </a:solidFill>
+                <a:latin typeface="+mn-lt"/>
+                <a:ea typeface="ＭＳ Ｐゴシック" pitchFamily="-111" charset="-128"/>
+                <a:cs typeface="ＭＳ Ｐゴシック"/>
+              </a:defRPr>
+            </a:lvl4pPr>
+            <a:lvl5pPr marL="2057400" indent="-228600" algn="l" defTabSz="457200" rtl="0" eaLnBrk="1" fontAlgn="base" hangingPunct="1">
+              <a:spcBef>
+                <a:spcPct val="20000"/>
+              </a:spcBef>
+              <a:spcAft>
+                <a:spcPct val="0"/>
+              </a:spcAft>
+              <a:buFont typeface="Arial" charset="0"/>
+              <a:buChar char="»"/>
+              <a:defRPr sz="1800" kern="1200">
+                <a:solidFill>
+                  <a:schemeClr val="tx1">
+                    <a:lumMod val="75000"/>
+                    <a:lumOff val="25000"/>
+                  </a:schemeClr>
+                </a:solidFill>
+                <a:latin typeface="+mn-lt"/>
+                <a:ea typeface="ＭＳ Ｐゴシック" pitchFamily="-111" charset="-128"/>
+                <a:cs typeface="ＭＳ Ｐゴシック"/>
+              </a:defRPr>
+            </a:lvl5pPr>
+            <a:lvl6pPr marL="2514600" indent="-228600" algn="l" defTabSz="457200" rtl="0" eaLnBrk="1" latinLnBrk="0" hangingPunct="1">
+              <a:spcBef>
+                <a:spcPct val="20000"/>
+              </a:spcBef>
+              <a:buFont typeface="Arial"/>
+              <a:buChar char="•"/>
+              <a:defRPr sz="2000" kern="1200">
+                <a:solidFill>
+                  <a:schemeClr val="tx1"/>
+                </a:solidFill>
+                <a:latin typeface="+mn-lt"/>
+                <a:ea typeface="+mn-ea"/>
+                <a:cs typeface="+mn-cs"/>
+              </a:defRPr>
+            </a:lvl6pPr>
+            <a:lvl7pPr marL="2971800" indent="-228600" algn="l" defTabSz="457200" rtl="0" eaLnBrk="1" latinLnBrk="0" hangingPunct="1">
+              <a:spcBef>
+                <a:spcPct val="20000"/>
+              </a:spcBef>
+              <a:buFont typeface="Arial"/>
+              <a:buChar char="•"/>
+              <a:defRPr sz="2000" kern="1200">
+                <a:solidFill>
+                  <a:schemeClr val="tx1"/>
+                </a:solidFill>
+                <a:latin typeface="+mn-lt"/>
+                <a:ea typeface="+mn-ea"/>
+                <a:cs typeface="+mn-cs"/>
+              </a:defRPr>
+            </a:lvl7pPr>
+            <a:lvl8pPr marL="3429000" indent="-228600" algn="l" defTabSz="457200" rtl="0" eaLnBrk="1" latinLnBrk="0" hangingPunct="1">
+              <a:spcBef>
+                <a:spcPct val="20000"/>
+              </a:spcBef>
+              <a:buFont typeface="Arial"/>
+              <a:buChar char="•"/>
+              <a:defRPr sz="2000" kern="1200">
+                <a:solidFill>
+                  <a:schemeClr val="tx1"/>
+                </a:solidFill>
+                <a:latin typeface="+mn-lt"/>
+                <a:ea typeface="+mn-ea"/>
+                <a:cs typeface="+mn-cs"/>
+              </a:defRPr>
+            </a:lvl8pPr>
+            <a:lvl9pPr marL="3886200" indent="-228600" algn="l" defTabSz="457200" rtl="0" eaLnBrk="1" latinLnBrk="0" hangingPunct="1">
+              <a:spcBef>
+                <a:spcPct val="20000"/>
+              </a:spcBef>
+              <a:buFont typeface="Arial"/>
+              <a:buChar char="•"/>
+              <a:defRPr sz="2000" kern="1200">
+                <a:solidFill>
+                  <a:schemeClr val="tx1"/>
+                </a:solidFill>
+                <a:latin typeface="+mn-lt"/>
+                <a:ea typeface="+mn-ea"/>
+                <a:cs typeface="+mn-cs"/>
+              </a:defRPr>
+            </a:lvl9pPr>
+          </a:lstStyle>
+          <a:p>
+            <a:pPr marL="0" indent="0">
+              <a:buNone/>
+            </a:pPr>
+            <a:r>
+              <a:rPr lang="en-US" sz="1800" dirty="0"/>
+              <a:t>http://</a:t>
+            </a:r>
+            <a:r>
+              <a:rPr lang="en-US" sz="1800" dirty="0" err="1"/>
+              <a:t>www.getfirefox.com</a:t>
+            </a:r>
+            <a:r>
+              <a:rPr lang="en-US" sz="1800" dirty="0"/>
+              <a:t>/</a:t>
+            </a:r>
+            <a:endParaRPr lang="en-US" sz="1800" dirty="0"/>
+          </a:p>
+        </p:txBody>
+      </p:sp>
+    </p:spTree>
+    <p:extLst>
+      <p:ext uri="{BB962C8B-B14F-4D97-AF65-F5344CB8AC3E}">
+        <p14:creationId xmlns:p14="http://schemas.microsoft.com/office/powerpoint/2010/main" val="1427391776"/>
+      </p:ext>
+    </p:extLst>
+  </p:cSld>
+  <p:clrMapOvr>
+    <a:masterClrMapping/>
+  </p:clrMapOvr>
+</p:sld>
+</file>
+
+<file path=ppt/slides/slide13.xml><?xml version="1.0" encoding="utf-8"?>
+<p:sld xmlns:a="http://schemas.openxmlformats.org/drawingml/2006/main" xmlns:r="http://schemas.openxmlformats.org/officeDocument/2006/relationships" xmlns:p="http://schemas.openxmlformats.org/presentationml/2006/main">
+  <p:cSld>
+    <p:spTree>
+      <p:nvGrpSpPr>
+        <p:cNvPr id="1" name=""/>
+        <p:cNvGrpSpPr/>
+        <p:nvPr/>
+      </p:nvGrpSpPr>
+      <p:grpSpPr>
+        <a:xfrm>
+          <a:off x="0" y="0"/>
+          <a:ext cx="0" cy="0"/>
+          <a:chOff x="0" y="0"/>
+          <a:chExt cx="0" cy="0"/>
+        </a:xfrm>
+      </p:grpSpPr>
+      <p:sp>
+        <p:nvSpPr>
+          <p:cNvPr id="2" name="Title 1"/>
+          <p:cNvSpPr>
+            <a:spLocks noGrp="1"/>
+          </p:cNvSpPr>
+          <p:nvPr>
+            <p:ph type="ctrTitle"/>
+          </p:nvPr>
+        </p:nvSpPr>
         <p:spPr/>
         <p:txBody>
           <a:bodyPr anchor="t"/>
@@ -4850,7 +6036,7 @@
 </p:sld>
 </file>
 
-<file path=ppt/slides/slide11.xml><?xml version="1.0" encoding="utf-8"?>
+<file path=ppt/slides/slide14.xml><?xml version="1.0" encoding="utf-8"?>
 <p:sld xmlns:a="http://schemas.openxmlformats.org/drawingml/2006/main" xmlns:r="http://schemas.openxmlformats.org/officeDocument/2006/relationships" xmlns:p="http://schemas.openxmlformats.org/presentationml/2006/main">
   <p:cSld>
     <p:spTree>
@@ -4932,11 +6118,7 @@
             </a:pPr>
             <a:r>
               <a:rPr lang="en-US" sz="2000" dirty="0" smtClean="0"/>
-              <a:t>If Eclipse reports a </a:t>
-            </a:r>
-            <a:r>
-              <a:rPr lang="en-US" sz="2000" dirty="0" smtClean="0"/>
-              <a:t>mismatch</a:t>
+              <a:t>If Eclipse reports a mismatch</a:t>
             </a:r>
             <a:r>
               <a:rPr lang="en-US" sz="2000" dirty="0"/>
@@ -4944,11 +6126,7 @@
             </a:r>
             <a:r>
               <a:rPr lang="en-US" sz="2000" dirty="0" smtClean="0"/>
-              <a:t>between the project’s and workspace’s Groovy compiler, you </a:t>
-            </a:r>
-            <a:r>
-              <a:rPr lang="en-US" sz="2000" dirty="0" smtClean="0"/>
-              <a:t>need to correct it:</a:t>
+              <a:t>between the project’s and workspace’s Groovy compiler, you need to correct it:</a:t>
             </a:r>
           </a:p>
           <a:p>
@@ -5053,7 +6231,7 @@
 </p:sld>
 </file>
 
-<file path=ppt/slides/slide12.xml><?xml version="1.0" encoding="utf-8"?>
+<file path=ppt/slides/slide15.xml><?xml version="1.0" encoding="utf-8"?>
 <p:sld xmlns:a="http://schemas.openxmlformats.org/drawingml/2006/main" xmlns:r="http://schemas.openxmlformats.org/officeDocument/2006/relationships" xmlns:p="http://schemas.openxmlformats.org/presentationml/2006/main">
   <p:cSld>
     <p:spTree>
@@ -5503,81 +6681,110 @@
             <p:ph type="body" sz="quarter" idx="13"/>
           </p:nvPr>
         </p:nvSpPr>
-        <p:spPr/>
+        <p:spPr>
+          <a:xfrm>
+            <a:off x="685803" y="1340768"/>
+            <a:ext cx="7721303" cy="4334259"/>
+          </a:xfrm>
+        </p:spPr>
         <p:txBody>
           <a:bodyPr/>
           <a:lstStyle/>
           <a:p>
             <a:r>
-              <a:rPr lang="en-US" sz="2200" dirty="0" smtClean="0"/>
+              <a:rPr lang="en-US" sz="1800" dirty="0" smtClean="0"/>
               <a:t>Eclipse Installation</a:t>
             </a:r>
           </a:p>
           <a:p>
             <a:pPr marL="857250" lvl="1" indent="-457200"/>
             <a:r>
-              <a:rPr lang="en-US" sz="2000" dirty="0" smtClean="0"/>
+              <a:rPr lang="en-US" sz="1600" dirty="0" smtClean="0"/>
               <a:t>Java requirements</a:t>
             </a:r>
           </a:p>
           <a:p>
             <a:pPr marL="857250" lvl="1" indent="-457200"/>
             <a:r>
-              <a:rPr lang="en-US" sz="2000" dirty="0" smtClean="0"/>
+              <a:rPr lang="en-US" sz="1600" dirty="0" smtClean="0"/>
               <a:t>Download Eclipse</a:t>
             </a:r>
           </a:p>
           <a:p>
             <a:pPr marL="857250" lvl="1" indent="-457200"/>
             <a:r>
-              <a:rPr lang="en-US" sz="2000" dirty="0" smtClean="0"/>
+              <a:rPr lang="en-US" sz="1600" dirty="0" smtClean="0"/>
               <a:t>Install Eclipse</a:t>
             </a:r>
           </a:p>
           <a:p>
             <a:r>
-              <a:rPr lang="en-US" sz="2200" dirty="0" smtClean="0"/>
+              <a:rPr lang="en-US" sz="1800" dirty="0" smtClean="0"/>
               <a:t>Eclipse Plugin Installation</a:t>
             </a:r>
           </a:p>
           <a:p>
             <a:pPr lvl="1"/>
             <a:r>
-              <a:rPr lang="en-US" sz="2000" dirty="0" smtClean="0"/>
+              <a:rPr lang="en-US" sz="1600" dirty="0" smtClean="0"/>
               <a:t>Groovy-Eclipse</a:t>
             </a:r>
           </a:p>
           <a:p>
             <a:pPr lvl="1"/>
             <a:r>
-              <a:rPr lang="en-US" sz="2000" dirty="0"/>
+              <a:rPr lang="en-US" sz="1600" dirty="0"/>
               <a:t>m2e connector for build-helper-maven-</a:t>
             </a:r>
             <a:r>
-              <a:rPr lang="en-US" sz="2000" dirty="0" smtClean="0"/>
+              <a:rPr lang="en-US" sz="1600" dirty="0" smtClean="0"/>
               <a:t>plugin</a:t>
             </a:r>
           </a:p>
           <a:p>
-            <a:r>
-              <a:rPr lang="en-US" sz="2200" dirty="0" smtClean="0"/>
-              <a:t>Import project into </a:t>
-            </a:r>
-            <a:r>
-              <a:rPr lang="en-US" sz="2200" dirty="0" smtClean="0"/>
-              <a:t>Eclipse</a:t>
-            </a:r>
-          </a:p>
-          <a:p>
-            <a:r>
-              <a:rPr lang="en-US" sz="2200" dirty="0" smtClean="0"/>
+            <a:pPr lvl="1"/>
+            <a:r>
+              <a:rPr lang="en-US" sz="1600" dirty="0" smtClean="0"/>
+              <a:t>Maven Integration for Eclipse</a:t>
+            </a:r>
+            <a:endParaRPr lang="en-US" sz="1600" dirty="0" smtClean="0"/>
+          </a:p>
+          <a:p>
+            <a:r>
+              <a:rPr lang="en-US" sz="1800" dirty="0" smtClean="0"/>
+              <a:t>Firefox Installation</a:t>
+            </a:r>
+          </a:p>
+          <a:p>
+            <a:pPr lvl="1"/>
+            <a:r>
+              <a:rPr lang="en-US" sz="1600" dirty="0" smtClean="0"/>
+              <a:t>Windows</a:t>
+            </a:r>
+          </a:p>
+          <a:p>
+            <a:pPr lvl="1"/>
+            <a:r>
+              <a:rPr lang="en-US" sz="1600" dirty="0" smtClean="0"/>
+              <a:t>Mac OS X</a:t>
+            </a:r>
+            <a:endParaRPr lang="en-US" sz="1600" dirty="0" smtClean="0"/>
+          </a:p>
+          <a:p>
+            <a:r>
+              <a:rPr lang="en-US" sz="1800" dirty="0" smtClean="0"/>
+              <a:t>Import project into Eclipse</a:t>
+            </a:r>
+          </a:p>
+          <a:p>
+            <a:r>
+              <a:rPr lang="en-US" sz="1800" dirty="0" smtClean="0"/>
               <a:t>Eclipse problems</a:t>
             </a:r>
-            <a:endParaRPr lang="en-US" sz="2200" dirty="0" smtClean="0"/>
-          </a:p>
-          <a:p>
-            <a:r>
-              <a:rPr lang="en-US" sz="2200" dirty="0" smtClean="0"/>
+          </a:p>
+          <a:p>
+            <a:r>
+              <a:rPr lang="en-US" sz="1800" dirty="0" smtClean="0"/>
               <a:t>Start web application</a:t>
             </a:r>
           </a:p>
@@ -5882,7 +7089,7 @@
         </p:nvSpPr>
         <p:spPr>
           <a:xfrm>
-            <a:off x="829817" y="4653136"/>
+            <a:off x="829817" y="4581128"/>
             <a:ext cx="5830415" cy="576064"/>
           </a:xfrm>
           <a:prstGeom prst="roundRect">
@@ -6691,13 +7898,10 @@
               <a:t>Open a browser and </a:t>
             </a:r>
             <a:r>
-              <a:rPr lang="en-US" sz="2000" dirty="0" err="1" smtClean="0"/>
-              <a:t>goto</a:t>
-            </a:r>
-            <a:r>
               <a:rPr lang="en-US" sz="2000" dirty="0" smtClean="0"/>
-              <a:t>:</a:t>
-            </a:r>
+              <a:t>visit:</a:t>
+            </a:r>
+            <a:endParaRPr lang="en-US" sz="2000" dirty="0" smtClean="0"/>
           </a:p>
           <a:p>
             <a:pPr marL="400050">

--- a/docs/groovy-tdd-installation.pptx
+++ b/docs/groovy-tdd-installation.pptx
@@ -5,7 +5,7 @@
     <p:sldMasterId id="2147483710" r:id="rId1"/>
   </p:sldMasterIdLst>
   <p:notesMasterIdLst>
-    <p:notesMasterId r:id="rId17"/>
+    <p:notesMasterId r:id="rId15"/>
   </p:notesMasterIdLst>
   <p:sldIdLst>
     <p:sldId id="256" r:id="rId2"/>
@@ -18,11 +18,9 @@
     <p:sldId id="259" r:id="rId9"/>
     <p:sldId id="265" r:id="rId10"/>
     <p:sldId id="275" r:id="rId11"/>
-    <p:sldId id="276" r:id="rId12"/>
-    <p:sldId id="277" r:id="rId13"/>
-    <p:sldId id="272" r:id="rId14"/>
-    <p:sldId id="273" r:id="rId15"/>
-    <p:sldId id="274" r:id="rId16"/>
+    <p:sldId id="272" r:id="rId12"/>
+    <p:sldId id="273" r:id="rId13"/>
+    <p:sldId id="274" r:id="rId14"/>
   </p:sldIdLst>
   <p:sldSz cx="9144000" cy="6858000" type="screen4x3"/>
   <p:notesSz cx="7315200" cy="9601200"/>
@@ -4548,7 +4546,15 @@
             </a:pPr>
             <a:r>
               <a:rPr lang="en-US" sz="2000" dirty="0" smtClean="0"/>
-              <a:t>This plugin is necessary to install if you use the </a:t>
+              <a:t>This plugin is </a:t>
+            </a:r>
+            <a:r>
+              <a:rPr lang="en-US" sz="2000" dirty="0" smtClean="0"/>
+              <a:t>only necessary </a:t>
+            </a:r>
+            <a:r>
+              <a:rPr lang="en-US" sz="2000" dirty="0" smtClean="0"/>
+              <a:t>to install if you use the </a:t>
             </a:r>
             <a:r>
               <a:rPr lang="en-US" sz="2000" b="1" dirty="0" smtClean="0"/>
@@ -4556,7 +4562,27 @@
             </a:r>
             <a:r>
               <a:rPr lang="en-US" sz="2000" dirty="0" smtClean="0"/>
-              <a:t>package. The plugin </a:t>
+              <a:t>package (i.e. </a:t>
+            </a:r>
+            <a:r>
+              <a:rPr lang="en-US" sz="2000" dirty="0" smtClean="0"/>
+              <a:t>if you are </a:t>
+            </a:r>
+            <a:r>
+              <a:rPr lang="en-US" sz="2000" b="1" dirty="0" smtClean="0"/>
+              <a:t>not</a:t>
+            </a:r>
+            <a:r>
+              <a:rPr lang="en-US" sz="2000" dirty="0" smtClean="0"/>
+              <a:t> using the Java or Java EE eclipse package)</a:t>
+            </a:r>
+            <a:r>
+              <a:rPr lang="en-US" sz="2000" dirty="0" smtClean="0"/>
+              <a:t>. </a:t>
+            </a:r>
+            <a:r>
+              <a:rPr lang="en-US" sz="2000" dirty="0" smtClean="0"/>
+              <a:t>The plugin </a:t>
             </a:r>
             <a:r>
               <a:rPr lang="en-US" sz="2000" dirty="0"/>
@@ -4945,30 +4971,16 @@
             <p:ph type="ctrTitle"/>
           </p:nvPr>
         </p:nvSpPr>
-        <p:spPr>
-          <a:xfrm>
-            <a:off x="685800" y="570922"/>
-            <a:ext cx="7772400" cy="985870"/>
-          </a:xfrm>
-        </p:spPr>
+        <p:spPr/>
         <p:txBody>
-          <a:bodyPr anchor="t">
-            <a:normAutofit fontScale="90000"/>
-          </a:bodyPr>
+          <a:bodyPr anchor="t"/>
           <a:lstStyle/>
           <a:p>
             <a:r>
               <a:rPr lang="en-US" dirty="0" smtClean="0"/>
-              <a:t>Firefox Installation</a:t>
-            </a:r>
-            <a:br>
-              <a:rPr lang="en-US" dirty="0" smtClean="0"/>
-            </a:br>
-            <a:r>
-              <a:rPr lang="en-US" sz="2700" dirty="0" smtClean="0"/>
-              <a:t>Windows</a:t>
-            </a:r>
-            <a:endParaRPr lang="en-US" sz="2700" dirty="0"/>
+              <a:t>Import project into Eclipse</a:t>
+            </a:r>
+            <a:endParaRPr lang="en-US" dirty="0"/>
           </a:p>
         </p:txBody>
       </p:sp>
@@ -4987,722 +4999,19 @@
           <a:bodyPr/>
           <a:lstStyle/>
           <a:p>
-            <a:pPr marL="457200" indent="-457200">
-              <a:buFont typeface="+mj-lt"/>
-              <a:buAutoNum type="arabicPeriod"/>
-            </a:pPr>
-            <a:r>
-              <a:rPr lang="en-US" sz="2000" dirty="0"/>
-              <a:t>Visit the Firefox download page</a:t>
-            </a:r>
-          </a:p>
-          <a:p>
-            <a:pPr marL="457200" indent="-457200">
-              <a:buFont typeface="+mj-lt"/>
-              <a:buAutoNum type="arabicPeriod"/>
-            </a:pPr>
+            <a:r>
+              <a:rPr lang="en-US" sz="2000" smtClean="0"/>
+              <a:t>Download </a:t>
+            </a:r>
+            <a:r>
+              <a:rPr lang="en-US" sz="2000" smtClean="0"/>
+              <a:t>example </a:t>
+            </a:r>
+            <a:r>
+              <a:rPr lang="en-US" sz="2000" dirty="0" smtClean="0"/>
+              <a:t>project from</a:t>
+            </a:r>
             <a:endParaRPr lang="en-US" sz="2000" dirty="0" smtClean="0"/>
-          </a:p>
-          <a:p>
-            <a:pPr marL="457200" indent="-457200">
-              <a:buFont typeface="+mj-lt"/>
-              <a:buAutoNum type="arabicPeriod"/>
-            </a:pPr>
-            <a:endParaRPr lang="en-US" sz="2000" dirty="0" smtClean="0"/>
-          </a:p>
-          <a:p>
-            <a:pPr marL="457200" indent="-457200">
-              <a:buFont typeface="+mj-lt"/>
-              <a:buAutoNum type="arabicPeriod"/>
-            </a:pPr>
-            <a:r>
-              <a:rPr lang="en-US" sz="2000" dirty="0"/>
-              <a:t>Click on the green download link to download the Firefox </a:t>
-            </a:r>
-            <a:r>
-              <a:rPr lang="en-US" sz="2000" dirty="0" smtClean="0"/>
-              <a:t>installer</a:t>
-            </a:r>
-          </a:p>
-          <a:p>
-            <a:pPr marL="457200" indent="-457200">
-              <a:buFont typeface="+mj-lt"/>
-              <a:buAutoNum type="arabicPeriod"/>
-            </a:pPr>
-            <a:r>
-              <a:rPr lang="en-US" sz="2000" dirty="0" smtClean="0"/>
-              <a:t>Start the process by running the installer</a:t>
-            </a:r>
-          </a:p>
-          <a:p>
-            <a:pPr marL="457200" indent="-457200">
-              <a:buFont typeface="+mj-lt"/>
-              <a:buAutoNum type="arabicPeriod"/>
-            </a:pPr>
-            <a:r>
-              <a:rPr lang="en-US" sz="2000" dirty="0" smtClean="0"/>
-              <a:t>Then, just follow the steps…</a:t>
-            </a:r>
-          </a:p>
-          <a:p>
-            <a:pPr marL="457200" indent="-457200">
-              <a:buFont typeface="+mj-lt"/>
-              <a:buAutoNum type="arabicPeriod"/>
-            </a:pPr>
-            <a:endParaRPr lang="en-US" sz="2000" dirty="0"/>
-          </a:p>
-        </p:txBody>
-      </p:sp>
-      <p:sp>
-        <p:nvSpPr>
-          <p:cNvPr id="4" name="Text Placeholder 2"/>
-          <p:cNvSpPr txBox="1">
-            <a:spLocks/>
-          </p:cNvSpPr>
-          <p:nvPr/>
-        </p:nvSpPr>
-        <p:spPr>
-          <a:xfrm>
-            <a:off x="1261865" y="2060848"/>
-            <a:ext cx="5830415" cy="576064"/>
-          </a:xfrm>
-          <a:prstGeom prst="roundRect">
-            <a:avLst/>
-          </a:prstGeom>
-          <a:solidFill>
-            <a:schemeClr val="accent1">
-              <a:lumMod val="20000"/>
-              <a:lumOff val="80000"/>
-            </a:schemeClr>
-          </a:solidFill>
-          <a:ln w="12700" cap="rnd" cmpd="sng">
-            <a:solidFill>
-              <a:schemeClr val="tx1"/>
-            </a:solidFill>
-            <a:round/>
-          </a:ln>
-          <a:effectLst>
-            <a:outerShdw blurRad="50800" dist="38100" dir="2700000" algn="tl" rotWithShape="0">
-              <a:schemeClr val="accent1">
-                <a:lumMod val="75000"/>
-                <a:alpha val="43000"/>
-              </a:schemeClr>
-            </a:outerShdw>
-          </a:effectLst>
-        </p:spPr>
-        <p:txBody>
-          <a:bodyPr anchor="ctr"/>
-          <a:lstStyle>
-            <a:lvl1pPr marL="342900" indent="-342900" algn="l" defTabSz="457200" rtl="0" eaLnBrk="1" fontAlgn="base" hangingPunct="1">
-              <a:spcBef>
-                <a:spcPct val="20000"/>
-              </a:spcBef>
-              <a:spcAft>
-                <a:spcPct val="0"/>
-              </a:spcAft>
-              <a:buFont typeface="Arial" charset="0"/>
-              <a:buChar char="•"/>
-              <a:defRPr sz="2400" kern="1200">
-                <a:solidFill>
-                  <a:schemeClr val="tx1"/>
-                </a:solidFill>
-                <a:latin typeface="+mn-lt"/>
-                <a:ea typeface="ＭＳ Ｐゴシック" pitchFamily="-111" charset="-128"/>
-                <a:cs typeface="ＭＳ Ｐゴシック" pitchFamily="-111" charset="-128"/>
-              </a:defRPr>
-            </a:lvl1pPr>
-            <a:lvl2pPr marL="742950" indent="-285750" algn="l" defTabSz="457200" rtl="0" eaLnBrk="1" fontAlgn="base" hangingPunct="1">
-              <a:spcBef>
-                <a:spcPct val="20000"/>
-              </a:spcBef>
-              <a:spcAft>
-                <a:spcPct val="0"/>
-              </a:spcAft>
-              <a:buFont typeface="Arial" charset="0"/>
-              <a:buChar char="–"/>
-              <a:defRPr sz="2200" kern="1200">
-                <a:solidFill>
-                  <a:schemeClr val="tx1"/>
-                </a:solidFill>
-                <a:latin typeface="+mn-lt"/>
-                <a:ea typeface="ＭＳ Ｐゴシック" pitchFamily="-111" charset="-128"/>
-                <a:cs typeface="ＭＳ Ｐゴシック"/>
-              </a:defRPr>
-            </a:lvl2pPr>
-            <a:lvl3pPr marL="1143000" indent="-228600" algn="l" defTabSz="457200" rtl="0" eaLnBrk="1" fontAlgn="base" hangingPunct="1">
-              <a:spcBef>
-                <a:spcPct val="20000"/>
-              </a:spcBef>
-              <a:spcAft>
-                <a:spcPct val="0"/>
-              </a:spcAft>
-              <a:buFont typeface="Calibri" pitchFamily="34" charset="0"/>
-              <a:buChar char="»"/>
-              <a:defRPr sz="2000" kern="1200">
-                <a:solidFill>
-                  <a:schemeClr val="tx1"/>
-                </a:solidFill>
-                <a:latin typeface="+mn-lt"/>
-                <a:ea typeface="ＭＳ Ｐゴシック" pitchFamily="-111" charset="-128"/>
-                <a:cs typeface="ＭＳ Ｐゴシック"/>
-              </a:defRPr>
-            </a:lvl3pPr>
-            <a:lvl4pPr marL="1600200" indent="-228600" algn="l" defTabSz="457200" rtl="0" eaLnBrk="1" fontAlgn="base" hangingPunct="1">
-              <a:spcBef>
-                <a:spcPct val="20000"/>
-              </a:spcBef>
-              <a:spcAft>
-                <a:spcPct val="0"/>
-              </a:spcAft>
-              <a:buFont typeface="Arial" charset="0"/>
-              <a:buChar char="–"/>
-              <a:defRPr sz="1800" kern="1200">
-                <a:solidFill>
-                  <a:schemeClr val="tx1">
-                    <a:lumMod val="75000"/>
-                    <a:lumOff val="25000"/>
-                  </a:schemeClr>
-                </a:solidFill>
-                <a:latin typeface="+mn-lt"/>
-                <a:ea typeface="ＭＳ Ｐゴシック" pitchFamily="-111" charset="-128"/>
-                <a:cs typeface="ＭＳ Ｐゴシック"/>
-              </a:defRPr>
-            </a:lvl4pPr>
-            <a:lvl5pPr marL="2057400" indent="-228600" algn="l" defTabSz="457200" rtl="0" eaLnBrk="1" fontAlgn="base" hangingPunct="1">
-              <a:spcBef>
-                <a:spcPct val="20000"/>
-              </a:spcBef>
-              <a:spcAft>
-                <a:spcPct val="0"/>
-              </a:spcAft>
-              <a:buFont typeface="Arial" charset="0"/>
-              <a:buChar char="»"/>
-              <a:defRPr sz="1800" kern="1200">
-                <a:solidFill>
-                  <a:schemeClr val="tx1">
-                    <a:lumMod val="75000"/>
-                    <a:lumOff val="25000"/>
-                  </a:schemeClr>
-                </a:solidFill>
-                <a:latin typeface="+mn-lt"/>
-                <a:ea typeface="ＭＳ Ｐゴシック" pitchFamily="-111" charset="-128"/>
-                <a:cs typeface="ＭＳ Ｐゴシック"/>
-              </a:defRPr>
-            </a:lvl5pPr>
-            <a:lvl6pPr marL="2514600" indent="-228600" algn="l" defTabSz="457200" rtl="0" eaLnBrk="1" latinLnBrk="0" hangingPunct="1">
-              <a:spcBef>
-                <a:spcPct val="20000"/>
-              </a:spcBef>
-              <a:buFont typeface="Arial"/>
-              <a:buChar char="•"/>
-              <a:defRPr sz="2000" kern="1200">
-                <a:solidFill>
-                  <a:schemeClr val="tx1"/>
-                </a:solidFill>
-                <a:latin typeface="+mn-lt"/>
-                <a:ea typeface="+mn-ea"/>
-                <a:cs typeface="+mn-cs"/>
-              </a:defRPr>
-            </a:lvl6pPr>
-            <a:lvl7pPr marL="2971800" indent="-228600" algn="l" defTabSz="457200" rtl="0" eaLnBrk="1" latinLnBrk="0" hangingPunct="1">
-              <a:spcBef>
-                <a:spcPct val="20000"/>
-              </a:spcBef>
-              <a:buFont typeface="Arial"/>
-              <a:buChar char="•"/>
-              <a:defRPr sz="2000" kern="1200">
-                <a:solidFill>
-                  <a:schemeClr val="tx1"/>
-                </a:solidFill>
-                <a:latin typeface="+mn-lt"/>
-                <a:ea typeface="+mn-ea"/>
-                <a:cs typeface="+mn-cs"/>
-              </a:defRPr>
-            </a:lvl7pPr>
-            <a:lvl8pPr marL="3429000" indent="-228600" algn="l" defTabSz="457200" rtl="0" eaLnBrk="1" latinLnBrk="0" hangingPunct="1">
-              <a:spcBef>
-                <a:spcPct val="20000"/>
-              </a:spcBef>
-              <a:buFont typeface="Arial"/>
-              <a:buChar char="•"/>
-              <a:defRPr sz="2000" kern="1200">
-                <a:solidFill>
-                  <a:schemeClr val="tx1"/>
-                </a:solidFill>
-                <a:latin typeface="+mn-lt"/>
-                <a:ea typeface="+mn-ea"/>
-                <a:cs typeface="+mn-cs"/>
-              </a:defRPr>
-            </a:lvl8pPr>
-            <a:lvl9pPr marL="3886200" indent="-228600" algn="l" defTabSz="457200" rtl="0" eaLnBrk="1" latinLnBrk="0" hangingPunct="1">
-              <a:spcBef>
-                <a:spcPct val="20000"/>
-              </a:spcBef>
-              <a:buFont typeface="Arial"/>
-              <a:buChar char="•"/>
-              <a:defRPr sz="2000" kern="1200">
-                <a:solidFill>
-                  <a:schemeClr val="tx1"/>
-                </a:solidFill>
-                <a:latin typeface="+mn-lt"/>
-                <a:ea typeface="+mn-ea"/>
-                <a:cs typeface="+mn-cs"/>
-              </a:defRPr>
-            </a:lvl9pPr>
-          </a:lstStyle>
-          <a:p>
-            <a:pPr marL="0" indent="0">
-              <a:buNone/>
-            </a:pPr>
-            <a:r>
-              <a:rPr lang="en-US" sz="1800" dirty="0"/>
-              <a:t>http://</a:t>
-            </a:r>
-            <a:r>
-              <a:rPr lang="en-US" sz="1800" dirty="0" err="1"/>
-              <a:t>www.getfirefox.com</a:t>
-            </a:r>
-            <a:r>
-              <a:rPr lang="en-US" sz="1800" dirty="0"/>
-              <a:t>/</a:t>
-            </a:r>
-            <a:endParaRPr lang="en-US" sz="1800" dirty="0"/>
-          </a:p>
-        </p:txBody>
-      </p:sp>
-    </p:spTree>
-    <p:extLst>
-      <p:ext uri="{BB962C8B-B14F-4D97-AF65-F5344CB8AC3E}">
-        <p14:creationId xmlns:p14="http://schemas.microsoft.com/office/powerpoint/2010/main" val="3592842182"/>
-      </p:ext>
-    </p:extLst>
-  </p:cSld>
-  <p:clrMapOvr>
-    <a:masterClrMapping/>
-  </p:clrMapOvr>
-</p:sld>
-</file>
-
-<file path=ppt/slides/slide12.xml><?xml version="1.0" encoding="utf-8"?>
-<p:sld xmlns:a="http://schemas.openxmlformats.org/drawingml/2006/main" xmlns:r="http://schemas.openxmlformats.org/officeDocument/2006/relationships" xmlns:p="http://schemas.openxmlformats.org/presentationml/2006/main">
-  <p:cSld>
-    <p:spTree>
-      <p:nvGrpSpPr>
-        <p:cNvPr id="1" name=""/>
-        <p:cNvGrpSpPr/>
-        <p:nvPr/>
-      </p:nvGrpSpPr>
-      <p:grpSpPr>
-        <a:xfrm>
-          <a:off x="0" y="0"/>
-          <a:ext cx="0" cy="0"/>
-          <a:chOff x="0" y="0"/>
-          <a:chExt cx="0" cy="0"/>
-        </a:xfrm>
-      </p:grpSpPr>
-      <p:sp>
-        <p:nvSpPr>
-          <p:cNvPr id="2" name="Title 1"/>
-          <p:cNvSpPr>
-            <a:spLocks noGrp="1"/>
-          </p:cNvSpPr>
-          <p:nvPr>
-            <p:ph type="ctrTitle"/>
-          </p:nvPr>
-        </p:nvSpPr>
-        <p:spPr>
-          <a:xfrm>
-            <a:off x="685800" y="570922"/>
-            <a:ext cx="7772400" cy="985870"/>
-          </a:xfrm>
-        </p:spPr>
-        <p:txBody>
-          <a:bodyPr anchor="t">
-            <a:normAutofit fontScale="90000"/>
-          </a:bodyPr>
-          <a:lstStyle/>
-          <a:p>
-            <a:r>
-              <a:rPr lang="en-US" dirty="0" smtClean="0"/>
-              <a:t>Firefox Installation</a:t>
-            </a:r>
-            <a:br>
-              <a:rPr lang="en-US" dirty="0" smtClean="0"/>
-            </a:br>
-            <a:r>
-              <a:rPr lang="en-US" sz="2700" dirty="0" smtClean="0"/>
-              <a:t>Mac OS X</a:t>
-            </a:r>
-            <a:endParaRPr lang="en-US" sz="2700" dirty="0"/>
-          </a:p>
-        </p:txBody>
-      </p:sp>
-      <p:sp>
-        <p:nvSpPr>
-          <p:cNvPr id="3" name="Text Placeholder 2"/>
-          <p:cNvSpPr>
-            <a:spLocks noGrp="1"/>
-          </p:cNvSpPr>
-          <p:nvPr>
-            <p:ph type="body" sz="quarter" idx="13"/>
-          </p:nvPr>
-        </p:nvSpPr>
-        <p:spPr/>
-        <p:txBody>
-          <a:bodyPr/>
-          <a:lstStyle/>
-          <a:p>
-            <a:pPr marL="457200" indent="-457200">
-              <a:buFont typeface="+mj-lt"/>
-              <a:buAutoNum type="arabicPeriod"/>
-            </a:pPr>
-            <a:r>
-              <a:rPr lang="en-US" sz="2000" dirty="0"/>
-              <a:t>Visit the Firefox download page</a:t>
-            </a:r>
-          </a:p>
-          <a:p>
-            <a:pPr marL="457200" indent="-457200">
-              <a:buFont typeface="+mj-lt"/>
-              <a:buAutoNum type="arabicPeriod"/>
-            </a:pPr>
-            <a:endParaRPr lang="en-US" sz="2000" dirty="0" smtClean="0"/>
-          </a:p>
-          <a:p>
-            <a:pPr marL="457200" indent="-457200">
-              <a:buFont typeface="+mj-lt"/>
-              <a:buAutoNum type="arabicPeriod"/>
-            </a:pPr>
-            <a:endParaRPr lang="en-US" sz="2000" dirty="0" smtClean="0"/>
-          </a:p>
-          <a:p>
-            <a:pPr marL="457200" indent="-457200">
-              <a:buFont typeface="+mj-lt"/>
-              <a:buAutoNum type="arabicPeriod"/>
-            </a:pPr>
-            <a:r>
-              <a:rPr lang="en-US" sz="2000" dirty="0"/>
-              <a:t>Click on the green download link to download </a:t>
-            </a:r>
-            <a:r>
-              <a:rPr lang="en-US" sz="2000" dirty="0" smtClean="0"/>
-              <a:t>Firefox</a:t>
-            </a:r>
-          </a:p>
-          <a:p>
-            <a:pPr marL="457200" indent="-457200">
-              <a:buFont typeface="+mj-lt"/>
-              <a:buAutoNum type="arabicPeriod"/>
-            </a:pPr>
-            <a:r>
-              <a:rPr lang="en-US" sz="2000" dirty="0"/>
-              <a:t>Once the download has completed, the file (</a:t>
-            </a:r>
-            <a:r>
-              <a:rPr lang="en-US" sz="2000" dirty="0" err="1"/>
-              <a:t>Firefox.dmg</a:t>
-            </a:r>
-            <a:r>
-              <a:rPr lang="en-US" sz="2000" dirty="0"/>
-              <a:t>) should open by itself and pop open a Finder window containing the Firefox application. Drag the Firefox Icon on top of the Applications folder in order to copy it </a:t>
-            </a:r>
-            <a:r>
-              <a:rPr lang="en-US" sz="2000" dirty="0" smtClean="0"/>
-              <a:t>there</a:t>
-            </a:r>
-            <a:endParaRPr lang="en-US" sz="2000" dirty="0"/>
-          </a:p>
-        </p:txBody>
-      </p:sp>
-      <p:sp>
-        <p:nvSpPr>
-          <p:cNvPr id="4" name="Text Placeholder 2"/>
-          <p:cNvSpPr txBox="1">
-            <a:spLocks/>
-          </p:cNvSpPr>
-          <p:nvPr/>
-        </p:nvSpPr>
-        <p:spPr>
-          <a:xfrm>
-            <a:off x="1261865" y="2060848"/>
-            <a:ext cx="5830415" cy="576064"/>
-          </a:xfrm>
-          <a:prstGeom prst="roundRect">
-            <a:avLst/>
-          </a:prstGeom>
-          <a:solidFill>
-            <a:schemeClr val="accent1">
-              <a:lumMod val="20000"/>
-              <a:lumOff val="80000"/>
-            </a:schemeClr>
-          </a:solidFill>
-          <a:ln w="12700" cap="rnd" cmpd="sng">
-            <a:solidFill>
-              <a:schemeClr val="tx1"/>
-            </a:solidFill>
-            <a:round/>
-          </a:ln>
-          <a:effectLst>
-            <a:outerShdw blurRad="50800" dist="38100" dir="2700000" algn="tl" rotWithShape="0">
-              <a:schemeClr val="accent1">
-                <a:lumMod val="75000"/>
-                <a:alpha val="43000"/>
-              </a:schemeClr>
-            </a:outerShdw>
-          </a:effectLst>
-        </p:spPr>
-        <p:txBody>
-          <a:bodyPr anchor="ctr"/>
-          <a:lstStyle>
-            <a:lvl1pPr marL="342900" indent="-342900" algn="l" defTabSz="457200" rtl="0" eaLnBrk="1" fontAlgn="base" hangingPunct="1">
-              <a:spcBef>
-                <a:spcPct val="20000"/>
-              </a:spcBef>
-              <a:spcAft>
-                <a:spcPct val="0"/>
-              </a:spcAft>
-              <a:buFont typeface="Arial" charset="0"/>
-              <a:buChar char="•"/>
-              <a:defRPr sz="2400" kern="1200">
-                <a:solidFill>
-                  <a:schemeClr val="tx1"/>
-                </a:solidFill>
-                <a:latin typeface="+mn-lt"/>
-                <a:ea typeface="ＭＳ Ｐゴシック" pitchFamily="-111" charset="-128"/>
-                <a:cs typeface="ＭＳ Ｐゴシック" pitchFamily="-111" charset="-128"/>
-              </a:defRPr>
-            </a:lvl1pPr>
-            <a:lvl2pPr marL="742950" indent="-285750" algn="l" defTabSz="457200" rtl="0" eaLnBrk="1" fontAlgn="base" hangingPunct="1">
-              <a:spcBef>
-                <a:spcPct val="20000"/>
-              </a:spcBef>
-              <a:spcAft>
-                <a:spcPct val="0"/>
-              </a:spcAft>
-              <a:buFont typeface="Arial" charset="0"/>
-              <a:buChar char="–"/>
-              <a:defRPr sz="2200" kern="1200">
-                <a:solidFill>
-                  <a:schemeClr val="tx1"/>
-                </a:solidFill>
-                <a:latin typeface="+mn-lt"/>
-                <a:ea typeface="ＭＳ Ｐゴシック" pitchFamily="-111" charset="-128"/>
-                <a:cs typeface="ＭＳ Ｐゴシック"/>
-              </a:defRPr>
-            </a:lvl2pPr>
-            <a:lvl3pPr marL="1143000" indent="-228600" algn="l" defTabSz="457200" rtl="0" eaLnBrk="1" fontAlgn="base" hangingPunct="1">
-              <a:spcBef>
-                <a:spcPct val="20000"/>
-              </a:spcBef>
-              <a:spcAft>
-                <a:spcPct val="0"/>
-              </a:spcAft>
-              <a:buFont typeface="Calibri" pitchFamily="34" charset="0"/>
-              <a:buChar char="»"/>
-              <a:defRPr sz="2000" kern="1200">
-                <a:solidFill>
-                  <a:schemeClr val="tx1"/>
-                </a:solidFill>
-                <a:latin typeface="+mn-lt"/>
-                <a:ea typeface="ＭＳ Ｐゴシック" pitchFamily="-111" charset="-128"/>
-                <a:cs typeface="ＭＳ Ｐゴシック"/>
-              </a:defRPr>
-            </a:lvl3pPr>
-            <a:lvl4pPr marL="1600200" indent="-228600" algn="l" defTabSz="457200" rtl="0" eaLnBrk="1" fontAlgn="base" hangingPunct="1">
-              <a:spcBef>
-                <a:spcPct val="20000"/>
-              </a:spcBef>
-              <a:spcAft>
-                <a:spcPct val="0"/>
-              </a:spcAft>
-              <a:buFont typeface="Arial" charset="0"/>
-              <a:buChar char="–"/>
-              <a:defRPr sz="1800" kern="1200">
-                <a:solidFill>
-                  <a:schemeClr val="tx1">
-                    <a:lumMod val="75000"/>
-                    <a:lumOff val="25000"/>
-                  </a:schemeClr>
-                </a:solidFill>
-                <a:latin typeface="+mn-lt"/>
-                <a:ea typeface="ＭＳ Ｐゴシック" pitchFamily="-111" charset="-128"/>
-                <a:cs typeface="ＭＳ Ｐゴシック"/>
-              </a:defRPr>
-            </a:lvl4pPr>
-            <a:lvl5pPr marL="2057400" indent="-228600" algn="l" defTabSz="457200" rtl="0" eaLnBrk="1" fontAlgn="base" hangingPunct="1">
-              <a:spcBef>
-                <a:spcPct val="20000"/>
-              </a:spcBef>
-              <a:spcAft>
-                <a:spcPct val="0"/>
-              </a:spcAft>
-              <a:buFont typeface="Arial" charset="0"/>
-              <a:buChar char="»"/>
-              <a:defRPr sz="1800" kern="1200">
-                <a:solidFill>
-                  <a:schemeClr val="tx1">
-                    <a:lumMod val="75000"/>
-                    <a:lumOff val="25000"/>
-                  </a:schemeClr>
-                </a:solidFill>
-                <a:latin typeface="+mn-lt"/>
-                <a:ea typeface="ＭＳ Ｐゴシック" pitchFamily="-111" charset="-128"/>
-                <a:cs typeface="ＭＳ Ｐゴシック"/>
-              </a:defRPr>
-            </a:lvl5pPr>
-            <a:lvl6pPr marL="2514600" indent="-228600" algn="l" defTabSz="457200" rtl="0" eaLnBrk="1" latinLnBrk="0" hangingPunct="1">
-              <a:spcBef>
-                <a:spcPct val="20000"/>
-              </a:spcBef>
-              <a:buFont typeface="Arial"/>
-              <a:buChar char="•"/>
-              <a:defRPr sz="2000" kern="1200">
-                <a:solidFill>
-                  <a:schemeClr val="tx1"/>
-                </a:solidFill>
-                <a:latin typeface="+mn-lt"/>
-                <a:ea typeface="+mn-ea"/>
-                <a:cs typeface="+mn-cs"/>
-              </a:defRPr>
-            </a:lvl6pPr>
-            <a:lvl7pPr marL="2971800" indent="-228600" algn="l" defTabSz="457200" rtl="0" eaLnBrk="1" latinLnBrk="0" hangingPunct="1">
-              <a:spcBef>
-                <a:spcPct val="20000"/>
-              </a:spcBef>
-              <a:buFont typeface="Arial"/>
-              <a:buChar char="•"/>
-              <a:defRPr sz="2000" kern="1200">
-                <a:solidFill>
-                  <a:schemeClr val="tx1"/>
-                </a:solidFill>
-                <a:latin typeface="+mn-lt"/>
-                <a:ea typeface="+mn-ea"/>
-                <a:cs typeface="+mn-cs"/>
-              </a:defRPr>
-            </a:lvl7pPr>
-            <a:lvl8pPr marL="3429000" indent="-228600" algn="l" defTabSz="457200" rtl="0" eaLnBrk="1" latinLnBrk="0" hangingPunct="1">
-              <a:spcBef>
-                <a:spcPct val="20000"/>
-              </a:spcBef>
-              <a:buFont typeface="Arial"/>
-              <a:buChar char="•"/>
-              <a:defRPr sz="2000" kern="1200">
-                <a:solidFill>
-                  <a:schemeClr val="tx1"/>
-                </a:solidFill>
-                <a:latin typeface="+mn-lt"/>
-                <a:ea typeface="+mn-ea"/>
-                <a:cs typeface="+mn-cs"/>
-              </a:defRPr>
-            </a:lvl8pPr>
-            <a:lvl9pPr marL="3886200" indent="-228600" algn="l" defTabSz="457200" rtl="0" eaLnBrk="1" latinLnBrk="0" hangingPunct="1">
-              <a:spcBef>
-                <a:spcPct val="20000"/>
-              </a:spcBef>
-              <a:buFont typeface="Arial"/>
-              <a:buChar char="•"/>
-              <a:defRPr sz="2000" kern="1200">
-                <a:solidFill>
-                  <a:schemeClr val="tx1"/>
-                </a:solidFill>
-                <a:latin typeface="+mn-lt"/>
-                <a:ea typeface="+mn-ea"/>
-                <a:cs typeface="+mn-cs"/>
-              </a:defRPr>
-            </a:lvl9pPr>
-          </a:lstStyle>
-          <a:p>
-            <a:pPr marL="0" indent="0">
-              <a:buNone/>
-            </a:pPr>
-            <a:r>
-              <a:rPr lang="en-US" sz="1800" dirty="0"/>
-              <a:t>http://</a:t>
-            </a:r>
-            <a:r>
-              <a:rPr lang="en-US" sz="1800" dirty="0" err="1"/>
-              <a:t>www.getfirefox.com</a:t>
-            </a:r>
-            <a:r>
-              <a:rPr lang="en-US" sz="1800" dirty="0"/>
-              <a:t>/</a:t>
-            </a:r>
-            <a:endParaRPr lang="en-US" sz="1800" dirty="0"/>
-          </a:p>
-        </p:txBody>
-      </p:sp>
-    </p:spTree>
-    <p:extLst>
-      <p:ext uri="{BB962C8B-B14F-4D97-AF65-F5344CB8AC3E}">
-        <p14:creationId xmlns:p14="http://schemas.microsoft.com/office/powerpoint/2010/main" val="1427391776"/>
-      </p:ext>
-    </p:extLst>
-  </p:cSld>
-  <p:clrMapOvr>
-    <a:masterClrMapping/>
-  </p:clrMapOvr>
-</p:sld>
-</file>
-
-<file path=ppt/slides/slide13.xml><?xml version="1.0" encoding="utf-8"?>
-<p:sld xmlns:a="http://schemas.openxmlformats.org/drawingml/2006/main" xmlns:r="http://schemas.openxmlformats.org/officeDocument/2006/relationships" xmlns:p="http://schemas.openxmlformats.org/presentationml/2006/main">
-  <p:cSld>
-    <p:spTree>
-      <p:nvGrpSpPr>
-        <p:cNvPr id="1" name=""/>
-        <p:cNvGrpSpPr/>
-        <p:nvPr/>
-      </p:nvGrpSpPr>
-      <p:grpSpPr>
-        <a:xfrm>
-          <a:off x="0" y="0"/>
-          <a:ext cx="0" cy="0"/>
-          <a:chOff x="0" y="0"/>
-          <a:chExt cx="0" cy="0"/>
-        </a:xfrm>
-      </p:grpSpPr>
-      <p:sp>
-        <p:nvSpPr>
-          <p:cNvPr id="2" name="Title 1"/>
-          <p:cNvSpPr>
-            <a:spLocks noGrp="1"/>
-          </p:cNvSpPr>
-          <p:nvPr>
-            <p:ph type="ctrTitle"/>
-          </p:nvPr>
-        </p:nvSpPr>
-        <p:spPr/>
-        <p:txBody>
-          <a:bodyPr anchor="t"/>
-          <a:lstStyle/>
-          <a:p>
-            <a:r>
-              <a:rPr lang="en-US" dirty="0" smtClean="0"/>
-              <a:t>Import project into Eclipse</a:t>
-            </a:r>
-            <a:endParaRPr lang="en-US" dirty="0"/>
-          </a:p>
-        </p:txBody>
-      </p:sp>
-      <p:sp>
-        <p:nvSpPr>
-          <p:cNvPr id="3" name="Text Placeholder 2"/>
-          <p:cNvSpPr>
-            <a:spLocks noGrp="1"/>
-          </p:cNvSpPr>
-          <p:nvPr>
-            <p:ph type="body" sz="quarter" idx="13"/>
-          </p:nvPr>
-        </p:nvSpPr>
-        <p:spPr/>
-        <p:txBody>
-          <a:bodyPr/>
-          <a:lstStyle/>
-          <a:p>
-            <a:r>
-              <a:rPr lang="en-US" sz="2000" dirty="0" smtClean="0"/>
-              <a:t>Download source code from</a:t>
-            </a:r>
           </a:p>
           <a:p>
             <a:endParaRPr lang="en-US" sz="2000" dirty="0"/>
@@ -5724,8 +5033,13 @@
           <a:p>
             <a:r>
               <a:rPr lang="en-US" sz="2000" dirty="0" smtClean="0"/>
-              <a:t>Unzip to a working directory</a:t>
-            </a:r>
+              <a:t>Unzip to a working </a:t>
+            </a:r>
+            <a:r>
+              <a:rPr lang="en-US" sz="2000" dirty="0" smtClean="0"/>
+              <a:t>directory of your choice</a:t>
+            </a:r>
+            <a:endParaRPr lang="en-US" sz="2000" dirty="0" smtClean="0"/>
           </a:p>
           <a:p>
             <a:r>
@@ -6013,11 +5327,27 @@
             </a:pPr>
             <a:r>
               <a:rPr lang="en-US" sz="2000" dirty="0"/>
-              <a:t>http://www.callistaenterprise.se/vadgorvi/cadec/xxxxxxxx/</a:t>
-            </a:r>
-            <a:r>
-              <a:rPr lang="en-US" sz="2000" dirty="0" smtClean="0"/>
-              <a:t>cadec2014_groovy_tdd.zip</a:t>
+              <a:t>https://</a:t>
+            </a:r>
+            <a:r>
+              <a:rPr lang="en-US" sz="2000" dirty="0" err="1"/>
+              <a:t>callista.adaptavist.com</a:t>
+            </a:r>
+            <a:r>
+              <a:rPr lang="en-US" sz="2000" dirty="0"/>
+              <a:t>/download/attachments/20907671/groovy-</a:t>
+            </a:r>
+            <a:r>
+              <a:rPr lang="en-US" sz="2000" dirty="0" err="1"/>
+              <a:t>tdd</a:t>
+            </a:r>
+            <a:r>
+              <a:rPr lang="en-US" sz="2000" dirty="0"/>
+              <a:t>-</a:t>
+            </a:r>
+            <a:r>
+              <a:rPr lang="en-US" sz="2000" dirty="0" err="1" smtClean="0"/>
+              <a:t>cadec.zip</a:t>
             </a:r>
             <a:endParaRPr lang="en-US" sz="2000" dirty="0"/>
           </a:p>
@@ -6036,7 +5366,7 @@
 </p:sld>
 </file>
 
-<file path=ppt/slides/slide14.xml><?xml version="1.0" encoding="utf-8"?>
+<file path=ppt/slides/slide12.xml><?xml version="1.0" encoding="utf-8"?>
 <p:sld xmlns:a="http://schemas.openxmlformats.org/drawingml/2006/main" xmlns:r="http://schemas.openxmlformats.org/officeDocument/2006/relationships" xmlns:p="http://schemas.openxmlformats.org/presentationml/2006/main">
   <p:cSld>
     <p:spTree>
@@ -6231,7 +5561,7 @@
 </p:sld>
 </file>
 
-<file path=ppt/slides/slide15.xml><?xml version="1.0" encoding="utf-8"?>
+<file path=ppt/slides/slide13.xml><?xml version="1.0" encoding="utf-8"?>
 <p:sld xmlns:a="http://schemas.openxmlformats.org/drawingml/2006/main" xmlns:r="http://schemas.openxmlformats.org/officeDocument/2006/relationships" xmlns:p="http://schemas.openxmlformats.org/presentationml/2006/main">
   <p:cSld>
     <p:spTree>
@@ -6747,7 +6077,6 @@
               <a:rPr lang="en-US" sz="1600" dirty="0" smtClean="0"/>
               <a:t>Maven Integration for Eclipse</a:t>
             </a:r>
-            <a:endParaRPr lang="en-US" sz="1600" dirty="0" smtClean="0"/>
           </a:p>
           <a:p>
             <a:r>
@@ -6768,7 +6097,6 @@
               <a:rPr lang="en-US" sz="1600" dirty="0" smtClean="0"/>
               <a:t>Mac OS X</a:t>
             </a:r>
-            <a:endParaRPr lang="en-US" sz="1600" dirty="0" smtClean="0"/>
           </a:p>
           <a:p>
             <a:r>
@@ -7052,11 +6380,31 @@
             </a:r>
             <a:r>
               <a:rPr lang="en-US" sz="2000" b="1" dirty="0"/>
-              <a:t>Eclipse IDE for Java EE Developers </a:t>
+              <a:t>Eclipse IDE for Java </a:t>
+            </a:r>
+            <a:r>
+              <a:rPr lang="en-US" sz="2000" b="1" dirty="0"/>
+              <a:t>Developers </a:t>
+            </a:r>
+            <a:r>
+              <a:rPr lang="en-US" sz="2000" dirty="0" smtClean="0"/>
+              <a:t>or </a:t>
+            </a:r>
+            <a:r>
+              <a:rPr lang="en-US" sz="2000" b="1" dirty="0" smtClean="0"/>
+              <a:t>Eclipse </a:t>
+            </a:r>
+            <a:r>
+              <a:rPr lang="en-US" sz="2000" b="1" dirty="0"/>
+              <a:t>IDE for Java EE Developers </a:t>
+            </a:r>
+            <a:r>
+              <a:rPr lang="en-US" sz="2000" dirty="0" smtClean="0"/>
+              <a:t>package from </a:t>
             </a:r>
             <a:r>
               <a:rPr lang="en-US" sz="2000" dirty="0"/>
-              <a:t>package from the following URL. </a:t>
+              <a:t>the following URL. </a:t>
             </a:r>
             <a:r>
               <a:rPr lang="en-US" sz="2000" dirty="0" smtClean="0"/>
@@ -7895,13 +7243,8 @@
             </a:pPr>
             <a:r>
               <a:rPr lang="en-US" sz="2000" dirty="0" smtClean="0"/>
-              <a:t>Open a browser and </a:t>
-            </a:r>
-            <a:r>
-              <a:rPr lang="en-US" sz="2000" dirty="0" smtClean="0"/>
-              <a:t>visit:</a:t>
-            </a:r>
-            <a:endParaRPr lang="en-US" sz="2000" dirty="0" smtClean="0"/>
+              <a:t>Open a browser and visit:</a:t>
+            </a:r>
           </a:p>
           <a:p>
             <a:pPr marL="400050">

--- a/docs/groovy-tdd-installation.pptx
+++ b/docs/groovy-tdd-installation.pptx
@@ -40,8 +40,8 @@
           <a:srgbClr val="000000"/>
         </a:solidFill>
         <a:latin typeface="Arial" charset="0"/>
-        <a:ea typeface="ＭＳ Ｐゴシック" charset="0"/>
-        <a:cs typeface="ＭＳ Ｐゴシック" charset="0"/>
+        <a:ea typeface="ＭＳ Ｐゴシック"/>
+        <a:cs typeface="ＭＳ Ｐゴシック"/>
         <a:sym typeface="Arial" charset="0"/>
       </a:defRPr>
     </a:lvl1pPr>
@@ -57,8 +57,8 @@
           <a:srgbClr val="000000"/>
         </a:solidFill>
         <a:latin typeface="Arial" charset="0"/>
-        <a:ea typeface="ＭＳ Ｐゴシック" charset="0"/>
-        <a:cs typeface="ＭＳ Ｐゴシック" charset="0"/>
+        <a:ea typeface="ＭＳ Ｐゴシック"/>
+        <a:cs typeface="ＭＳ Ｐゴシック"/>
         <a:sym typeface="Arial" charset="0"/>
       </a:defRPr>
     </a:lvl2pPr>
@@ -74,8 +74,8 @@
           <a:srgbClr val="000000"/>
         </a:solidFill>
         <a:latin typeface="Arial" charset="0"/>
-        <a:ea typeface="ＭＳ Ｐゴシック" charset="0"/>
-        <a:cs typeface="ＭＳ Ｐゴシック" charset="0"/>
+        <a:ea typeface="ＭＳ Ｐゴシック"/>
+        <a:cs typeface="ＭＳ Ｐゴシック"/>
         <a:sym typeface="Arial" charset="0"/>
       </a:defRPr>
     </a:lvl3pPr>
@@ -91,8 +91,8 @@
           <a:srgbClr val="000000"/>
         </a:solidFill>
         <a:latin typeface="Arial" charset="0"/>
-        <a:ea typeface="ＭＳ Ｐゴシック" charset="0"/>
-        <a:cs typeface="ＭＳ Ｐゴシック" charset="0"/>
+        <a:ea typeface="ＭＳ Ｐゴシック"/>
+        <a:cs typeface="ＭＳ Ｐゴシック"/>
         <a:sym typeface="Arial" charset="0"/>
       </a:defRPr>
     </a:lvl4pPr>
@@ -108,52 +108,52 @@
           <a:srgbClr val="000000"/>
         </a:solidFill>
         <a:latin typeface="Arial" charset="0"/>
-        <a:ea typeface="ＭＳ Ｐゴシック" charset="0"/>
-        <a:cs typeface="ＭＳ Ｐゴシック" charset="0"/>
+        <a:ea typeface="ＭＳ Ｐゴシック"/>
+        <a:cs typeface="ＭＳ Ｐゴシック"/>
         <a:sym typeface="Arial" charset="0"/>
       </a:defRPr>
     </a:lvl5pPr>
-    <a:lvl6pPr marL="2286000" algn="l" defTabSz="457200" rtl="0" eaLnBrk="1" latinLnBrk="0" hangingPunct="1">
+    <a:lvl6pPr marL="2286000" algn="l" defTabSz="914400" rtl="0" eaLnBrk="1" latinLnBrk="0" hangingPunct="1">
       <a:defRPr kern="1200">
         <a:solidFill>
           <a:srgbClr val="000000"/>
         </a:solidFill>
         <a:latin typeface="Arial" charset="0"/>
-        <a:ea typeface="ＭＳ Ｐゴシック" charset="0"/>
-        <a:cs typeface="ＭＳ Ｐゴシック" charset="0"/>
+        <a:ea typeface="ＭＳ Ｐゴシック"/>
+        <a:cs typeface="ＭＳ Ｐゴシック"/>
         <a:sym typeface="Arial" charset="0"/>
       </a:defRPr>
     </a:lvl6pPr>
-    <a:lvl7pPr marL="2743200" algn="l" defTabSz="457200" rtl="0" eaLnBrk="1" latinLnBrk="0" hangingPunct="1">
+    <a:lvl7pPr marL="2743200" algn="l" defTabSz="914400" rtl="0" eaLnBrk="1" latinLnBrk="0" hangingPunct="1">
       <a:defRPr kern="1200">
         <a:solidFill>
           <a:srgbClr val="000000"/>
         </a:solidFill>
         <a:latin typeface="Arial" charset="0"/>
-        <a:ea typeface="ＭＳ Ｐゴシック" charset="0"/>
-        <a:cs typeface="ＭＳ Ｐゴシック" charset="0"/>
+        <a:ea typeface="ＭＳ Ｐゴシック"/>
+        <a:cs typeface="ＭＳ Ｐゴシック"/>
         <a:sym typeface="Arial" charset="0"/>
       </a:defRPr>
     </a:lvl7pPr>
-    <a:lvl8pPr marL="3200400" algn="l" defTabSz="457200" rtl="0" eaLnBrk="1" latinLnBrk="0" hangingPunct="1">
+    <a:lvl8pPr marL="3200400" algn="l" defTabSz="914400" rtl="0" eaLnBrk="1" latinLnBrk="0" hangingPunct="1">
       <a:defRPr kern="1200">
         <a:solidFill>
           <a:srgbClr val="000000"/>
         </a:solidFill>
         <a:latin typeface="Arial" charset="0"/>
-        <a:ea typeface="ＭＳ Ｐゴシック" charset="0"/>
-        <a:cs typeface="ＭＳ Ｐゴシック" charset="0"/>
+        <a:ea typeface="ＭＳ Ｐゴシック"/>
+        <a:cs typeface="ＭＳ Ｐゴシック"/>
         <a:sym typeface="Arial" charset="0"/>
       </a:defRPr>
     </a:lvl8pPr>
-    <a:lvl9pPr marL="3657600" algn="l" defTabSz="457200" rtl="0" eaLnBrk="1" latinLnBrk="0" hangingPunct="1">
+    <a:lvl9pPr marL="3657600" algn="l" defTabSz="914400" rtl="0" eaLnBrk="1" latinLnBrk="0" hangingPunct="1">
       <a:defRPr kern="1200">
         <a:solidFill>
           <a:srgbClr val="000000"/>
         </a:solidFill>
         <a:latin typeface="Arial" charset="0"/>
-        <a:ea typeface="ＭＳ Ｐゴシック" charset="0"/>
-        <a:cs typeface="ＭＳ Ｐゴシック" charset="0"/>
+        <a:ea typeface="ＭＳ Ｐゴシック"/>
+        <a:cs typeface="ＭＳ Ｐゴシック"/>
         <a:sym typeface="Arial" charset="0"/>
       </a:defRPr>
     </a:lvl9pPr>
@@ -188,7 +188,7 @@
       </p:grpSpPr>
       <p:sp>
         <p:nvSpPr>
-          <p:cNvPr id="17410" name="Rectangle 1"/>
+          <p:cNvPr id="12290" name="Rectangle 1"/>
           <p:cNvSpPr>
             <a:spLocks noGrp="1" noRot="1" noChangeAspect="1" noChangeArrowheads="1" noTextEdit="1"/>
           </p:cNvSpPr>
@@ -213,33 +213,6 @@
             <a:headEnd/>
             <a:tailEnd/>
           </a:ln>
-          <a:effectLst/>
-          <a:extLst>
-            <a:ext uri="{909E8E84-426E-40dd-AFC4-6F175D3DCCD1}">
-              <a14:hiddenFill xmlns:a14="http://schemas.microsoft.com/office/drawing/2010/main">
-                <a:solidFill>
-                  <a:srgbClr val="FFFFFF"/>
-                </a:solidFill>
-              </a14:hiddenFill>
-            </a:ext>
-            <a:ext uri="{AF507438-7753-43e0-B8FC-AC1667EBCBE1}">
-              <a14:hiddenEffects xmlns:a14="http://schemas.microsoft.com/office/drawing/2010/main">
-                <a:effectLst>
-                  <a:outerShdw blurRad="63500" dist="38099" dir="2700000" algn="ctr" rotWithShape="0">
-                    <a:srgbClr val="000000">
-                      <a:alpha val="74998"/>
-                    </a:srgbClr>
-                  </a:outerShdw>
-                </a:effectLst>
-              </a14:hiddenEffects>
-            </a:ext>
-            <a:ext uri="{53640926-AAD7-44d8-BBD7-CCE9431645EC}">
-              <a14:shadowObscured xmlns:a14="http://schemas.microsoft.com/office/drawing/2010/main" val="1"/>
-            </a:ext>
-            <a:ext uri="{FAA26D3D-D897-4be2-8F04-BA451C77F1D7}">
-              <ma14:placeholderFlag xmlns:ma14="http://schemas.microsoft.com/office/mac/drawingml/2011/main" val="1"/>
-            </a:ext>
-          </a:extLst>
         </p:spPr>
       </p:sp>
       <p:sp>
@@ -266,35 +239,10 @@
           </a:ln>
           <a:effectLst/>
           <a:extLst>
-            <a:ext uri="{909E8E84-426E-40dd-AFC4-6F175D3DCCD1}">
-              <a14:hiddenFill xmlns:a14="http://schemas.microsoft.com/office/drawing/2010/main">
-                <a:solidFill>
-                  <a:srgbClr val="FFFFFF"/>
-                </a:solidFill>
-              </a14:hiddenFill>
-            </a:ext>
-            <a:ext uri="{91240B29-F687-4f45-9708-019B960494DF}">
-              <a14:hiddenLine xmlns:a14="http://schemas.microsoft.com/office/drawing/2010/main" w="9525">
-                <a:solidFill>
-                  <a:srgbClr val="000000"/>
-                </a:solidFill>
-                <a:miter lim="800000"/>
-                <a:headEnd/>
-                <a:tailEnd/>
-              </a14:hiddenLine>
-            </a:ext>
-            <a:ext uri="{AF507438-7753-43e0-B8FC-AC1667EBCBE1}">
-              <a14:hiddenEffects xmlns:a14="http://schemas.microsoft.com/office/drawing/2010/main">
-                <a:effectLst>
-                  <a:outerShdw dist="35921" dir="2700000" algn="ctr" rotWithShape="0">
-                    <a:srgbClr val="808080"/>
-                  </a:outerShdw>
-                </a:effectLst>
-              </a14:hiddenEffects>
-            </a:ext>
-            <a:ext uri="{53640926-AAD7-44d8-BBD7-CCE9431645EC}">
-              <a14:shadowObscured xmlns:a14="http://schemas.microsoft.com/office/drawing/2010/main" val="1"/>
-            </a:ext>
+            <a:ext uri="{909E8E84-426E-40dd-AFC4-6F175D3DCCD1}"/>
+            <a:ext uri="{91240B29-F687-4f45-9708-019B960494DF}"/>
+            <a:ext uri="{AF507438-7753-43e0-B8FC-AC1667EBCBE1}"/>
+            <a:ext uri="{53640926-AAD7-44d8-BBD7-CCE9431645EC}"/>
           </a:extLst>
         </p:spPr>
         <p:txBody>
@@ -342,11 +290,6 @@
         </p:txBody>
       </p:sp>
     </p:spTree>
-    <p:extLst>
-      <p:ext uri="{BB962C8B-B14F-4D97-AF65-F5344CB8AC3E}">
-        <p14:creationId xmlns:p14="http://schemas.microsoft.com/office/powerpoint/2010/main" val="624819797"/>
-      </p:ext>
-    </p:extLst>
   </p:cSld>
   <p:clrMap bg1="lt1" tx1="dk1" bg2="lt2" tx2="dk2" accent1="accent1" accent2="accent2" accent3="accent3" accent4="accent4" accent5="accent5" accent6="accent6" hlink="hlink" folHlink="folHlink"/>
   <p:notesStyle>
@@ -379,7 +322,7 @@
         </a:solidFill>
         <a:latin typeface="Arial" charset="0"/>
         <a:ea typeface="ＭＳ Ｐゴシック" charset="0"/>
-        <a:cs typeface="+mn-cs"/>
+        <a:cs typeface="ＭＳ Ｐゴシック"/>
       </a:defRPr>
     </a:lvl2pPr>
     <a:lvl3pPr marL="914400" algn="l" rtl="0" eaLnBrk="0" fontAlgn="base" hangingPunct="0">
@@ -395,7 +338,7 @@
         </a:solidFill>
         <a:latin typeface="Arial" charset="0"/>
         <a:ea typeface="ＭＳ Ｐゴシック" charset="0"/>
-        <a:cs typeface="+mn-cs"/>
+        <a:cs typeface="ＭＳ Ｐゴシック"/>
       </a:defRPr>
     </a:lvl3pPr>
     <a:lvl4pPr marL="1371600" algn="l" rtl="0" eaLnBrk="0" fontAlgn="base" hangingPunct="0">
@@ -411,7 +354,7 @@
         </a:solidFill>
         <a:latin typeface="Arial" charset="0"/>
         <a:ea typeface="ＭＳ Ｐゴシック" charset="0"/>
-        <a:cs typeface="+mn-cs"/>
+        <a:cs typeface="ＭＳ Ｐゴシック"/>
       </a:defRPr>
     </a:lvl4pPr>
     <a:lvl5pPr marL="1828800" algn="l" rtl="0" eaLnBrk="0" fontAlgn="base" hangingPunct="0">
@@ -427,7 +370,7 @@
         </a:solidFill>
         <a:latin typeface="Arial" charset="0"/>
         <a:ea typeface="ＭＳ Ｐゴシック" charset="0"/>
-        <a:cs typeface="+mn-cs"/>
+        <a:cs typeface="ＭＳ Ｐゴシック"/>
       </a:defRPr>
     </a:lvl5pPr>
     <a:lvl6pPr marL="2286000" algn="l" defTabSz="914400" rtl="0" eaLnBrk="1" latinLnBrk="0" hangingPunct="1">
@@ -512,13 +455,7 @@
           <p:nvPr/>
         </p:nvPicPr>
         <p:blipFill>
-          <a:blip r:embed="rId3">
-            <a:extLst>
-              <a:ext uri="{28A0092B-C50C-407E-A947-70E740481C1C}">
-                <a14:useLocalDpi xmlns:a14="http://schemas.microsoft.com/office/drawing/2010/main" val="0"/>
-              </a:ext>
-            </a:extLst>
-          </a:blip>
+          <a:blip r:embed="rId3"/>
           <a:srcRect/>
           <a:stretch>
             <a:fillRect/>
@@ -526,35 +463,19 @@
         </p:blipFill>
         <p:spPr bwMode="auto">
           <a:xfrm>
-            <a:off x="233366" y="5689600"/>
+            <a:off x="233363" y="5689600"/>
             <a:ext cx="1374775" cy="844550"/>
           </a:xfrm>
           <a:prstGeom prst="rect">
             <a:avLst/>
           </a:prstGeom>
           <a:noFill/>
-          <a:ln>
+          <a:ln w="9525">
             <a:noFill/>
+            <a:miter lim="800000"/>
+            <a:headEnd/>
+            <a:tailEnd/>
           </a:ln>
-          <a:extLst>
-            <a:ext uri="{909E8E84-426E-40dd-AFC4-6F175D3DCCD1}">
-              <a14:hiddenFill xmlns:a14="http://schemas.microsoft.com/office/drawing/2010/main">
-                <a:solidFill>
-                  <a:srgbClr val="FFFFFF"/>
-                </a:solidFill>
-              </a14:hiddenFill>
-            </a:ext>
-            <a:ext uri="{91240B29-F687-4f45-9708-019B960494DF}">
-              <a14:hiddenLine xmlns:a14="http://schemas.microsoft.com/office/drawing/2010/main" w="9525">
-                <a:solidFill>
-                  <a:srgbClr val="000000"/>
-                </a:solidFill>
-                <a:miter lim="800000"/>
-                <a:headEnd/>
-                <a:tailEnd/>
-              </a14:hiddenLine>
-            </a:ext>
-          </a:extLst>
         </p:spPr>
       </p:pic>
       <p:sp>
@@ -693,11 +614,6 @@
         </p:txBody>
       </p:sp>
     </p:spTree>
-    <p:extLst>
-      <p:ext uri="{BB962C8B-B14F-4D97-AF65-F5344CB8AC3E}">
-        <p14:creationId xmlns:p14="http://schemas.microsoft.com/office/powerpoint/2010/main" val="3147666781"/>
-      </p:ext>
-    </p:extLst>
   </p:cSld>
   <p:clrMapOvr>
     <a:masterClrMapping/>
@@ -736,11 +652,6 @@
         </a:xfrm>
       </p:grpSpPr>
     </p:spTree>
-    <p:extLst>
-      <p:ext uri="{BB962C8B-B14F-4D97-AF65-F5344CB8AC3E}">
-        <p14:creationId xmlns:p14="http://schemas.microsoft.com/office/powerpoint/2010/main" val="3733485212"/>
-      </p:ext>
-    </p:extLst>
   </p:cSld>
   <p:clrMapOvr>
     <a:masterClrMapping/>
@@ -789,7 +700,7 @@
         <p:spPr bwMode="auto">
           <a:xfrm>
             <a:off x="1803400" y="6697663"/>
-            <a:ext cx="184666" cy="369332"/>
+            <a:ext cx="184150" cy="369887"/>
           </a:xfrm>
           <a:prstGeom prst="rect">
             <a:avLst/>
@@ -799,23 +710,8 @@
             <a:noFill/>
           </a:ln>
           <a:extLst>
-            <a:ext uri="{909E8E84-426E-40dd-AFC4-6F175D3DCCD1}">
-              <a14:hiddenFill xmlns:a14="http://schemas.microsoft.com/office/drawing/2010/main">
-                <a:solidFill>
-                  <a:srgbClr val="FFFFFF"/>
-                </a:solidFill>
-              </a14:hiddenFill>
-            </a:ext>
-            <a:ext uri="{91240B29-F687-4f45-9708-019B960494DF}">
-              <a14:hiddenLine xmlns:a14="http://schemas.microsoft.com/office/drawing/2010/main" w="9525">
-                <a:solidFill>
-                  <a:srgbClr val="000000"/>
-                </a:solidFill>
-                <a:miter lim="800000"/>
-                <a:headEnd/>
-                <a:tailEnd/>
-              </a14:hiddenLine>
-            </a:ext>
+            <a:ext uri="{909E8E84-426E-40dd-AFC4-6F175D3DCCD1}"/>
+            <a:ext uri="{91240B29-F687-4f45-9708-019B960494DF}"/>
           </a:extLst>
         </p:spPr>
         <p:txBody>
@@ -956,13 +852,7 @@
           <p:nvPr/>
         </p:nvPicPr>
         <p:blipFill>
-          <a:blip r:embed="rId3">
-            <a:extLst>
-              <a:ext uri="{28A0092B-C50C-407E-A947-70E740481C1C}">
-                <a14:useLocalDpi xmlns:a14="http://schemas.microsoft.com/office/drawing/2010/main" val="0"/>
-              </a:ext>
-            </a:extLst>
-          </a:blip>
+          <a:blip r:embed="rId3"/>
           <a:srcRect/>
           <a:stretch>
             <a:fillRect/>
@@ -970,35 +860,19 @@
         </p:blipFill>
         <p:spPr bwMode="auto">
           <a:xfrm>
-            <a:off x="233366" y="5689600"/>
+            <a:off x="233363" y="5689600"/>
             <a:ext cx="1374775" cy="844550"/>
           </a:xfrm>
           <a:prstGeom prst="rect">
             <a:avLst/>
           </a:prstGeom>
           <a:noFill/>
-          <a:ln>
+          <a:ln w="9525">
             <a:noFill/>
+            <a:miter lim="800000"/>
+            <a:headEnd/>
+            <a:tailEnd/>
           </a:ln>
-          <a:extLst>
-            <a:ext uri="{909E8E84-426E-40dd-AFC4-6F175D3DCCD1}">
-              <a14:hiddenFill xmlns:a14="http://schemas.microsoft.com/office/drawing/2010/main">
-                <a:solidFill>
-                  <a:srgbClr val="FFFFFF"/>
-                </a:solidFill>
-              </a14:hiddenFill>
-            </a:ext>
-            <a:ext uri="{91240B29-F687-4f45-9708-019B960494DF}">
-              <a14:hiddenLine xmlns:a14="http://schemas.microsoft.com/office/drawing/2010/main" w="9525">
-                <a:solidFill>
-                  <a:srgbClr val="000000"/>
-                </a:solidFill>
-                <a:miter lim="800000"/>
-                <a:headEnd/>
-                <a:tailEnd/>
-              </a14:hiddenLine>
-            </a:ext>
-          </a:extLst>
         </p:spPr>
       </p:pic>
       <p:sp>
@@ -1137,11 +1011,6 @@
         </p:txBody>
       </p:sp>
     </p:spTree>
-    <p:extLst>
-      <p:ext uri="{BB962C8B-B14F-4D97-AF65-F5344CB8AC3E}">
-        <p14:creationId xmlns:p14="http://schemas.microsoft.com/office/powerpoint/2010/main" val="4110629876"/>
-      </p:ext>
-    </p:extLst>
   </p:cSld>
   <p:clrMapOvr>
     <a:masterClrMapping/>
@@ -1318,11 +1187,6 @@
         </p:txBody>
       </p:sp>
     </p:spTree>
-    <p:extLst>
-      <p:ext uri="{BB962C8B-B14F-4D97-AF65-F5344CB8AC3E}">
-        <p14:creationId xmlns:p14="http://schemas.microsoft.com/office/powerpoint/2010/main" val="3015311469"/>
-      </p:ext>
-    </p:extLst>
   </p:cSld>
   <p:clrMapOvr>
     <a:masterClrMapping/>
@@ -1594,11 +1458,6 @@
         </p:txBody>
       </p:sp>
     </p:spTree>
-    <p:extLst>
-      <p:ext uri="{BB962C8B-B14F-4D97-AF65-F5344CB8AC3E}">
-        <p14:creationId xmlns:p14="http://schemas.microsoft.com/office/powerpoint/2010/main" val="1610025093"/>
-      </p:ext>
-    </p:extLst>
   </p:cSld>
   <p:clrMapOvr>
     <a:masterClrMapping/>
@@ -1680,11 +1539,6 @@
         </p:txBody>
       </p:sp>
     </p:spTree>
-    <p:extLst>
-      <p:ext uri="{BB962C8B-B14F-4D97-AF65-F5344CB8AC3E}">
-        <p14:creationId xmlns:p14="http://schemas.microsoft.com/office/powerpoint/2010/main" val="2185345551"/>
-      </p:ext>
-    </p:extLst>
   </p:cSld>
   <p:clrMapOvr>
     <a:masterClrMapping/>
@@ -1731,13 +1585,7 @@
           <p:nvPr/>
         </p:nvPicPr>
         <p:blipFill>
-          <a:blip r:embed="rId3">
-            <a:extLst>
-              <a:ext uri="{28A0092B-C50C-407E-A947-70E740481C1C}">
-                <a14:useLocalDpi xmlns:a14="http://schemas.microsoft.com/office/drawing/2010/main" val="0"/>
-              </a:ext>
-            </a:extLst>
-          </a:blip>
+          <a:blip r:embed="rId3"/>
           <a:srcRect/>
           <a:stretch>
             <a:fillRect/>
@@ -1745,35 +1593,19 @@
         </p:blipFill>
         <p:spPr bwMode="auto">
           <a:xfrm>
-            <a:off x="233366" y="5689600"/>
+            <a:off x="233363" y="5689600"/>
             <a:ext cx="1374775" cy="844550"/>
           </a:xfrm>
           <a:prstGeom prst="rect">
             <a:avLst/>
           </a:prstGeom>
           <a:noFill/>
-          <a:ln>
+          <a:ln w="9525">
             <a:noFill/>
+            <a:miter lim="800000"/>
+            <a:headEnd/>
+            <a:tailEnd/>
           </a:ln>
-          <a:extLst>
-            <a:ext uri="{909E8E84-426E-40dd-AFC4-6F175D3DCCD1}">
-              <a14:hiddenFill xmlns:a14="http://schemas.microsoft.com/office/drawing/2010/main">
-                <a:solidFill>
-                  <a:srgbClr val="FFFFFF"/>
-                </a:solidFill>
-              </a14:hiddenFill>
-            </a:ext>
-            <a:ext uri="{91240B29-F687-4f45-9708-019B960494DF}">
-              <a14:hiddenLine xmlns:a14="http://schemas.microsoft.com/office/drawing/2010/main" w="9525">
-                <a:solidFill>
-                  <a:srgbClr val="000000"/>
-                </a:solidFill>
-                <a:miter lim="800000"/>
-                <a:headEnd/>
-                <a:tailEnd/>
-              </a14:hiddenLine>
-            </a:ext>
-          </a:extLst>
         </p:spPr>
       </p:pic>
       <p:sp>
@@ -1787,7 +1619,7 @@
         <p:spPr bwMode="auto">
           <a:xfrm>
             <a:off x="1803400" y="6697663"/>
-            <a:ext cx="184666" cy="369332"/>
+            <a:ext cx="184150" cy="369887"/>
           </a:xfrm>
           <a:prstGeom prst="rect">
             <a:avLst/>
@@ -1797,23 +1629,8 @@
             <a:noFill/>
           </a:ln>
           <a:extLst>
-            <a:ext uri="{909E8E84-426E-40dd-AFC4-6F175D3DCCD1}">
-              <a14:hiddenFill xmlns:a14="http://schemas.microsoft.com/office/drawing/2010/main">
-                <a:solidFill>
-                  <a:srgbClr val="FFFFFF"/>
-                </a:solidFill>
-              </a14:hiddenFill>
-            </a:ext>
-            <a:ext uri="{91240B29-F687-4f45-9708-019B960494DF}">
-              <a14:hiddenLine xmlns:a14="http://schemas.microsoft.com/office/drawing/2010/main" w="9525">
-                <a:solidFill>
-                  <a:srgbClr val="000000"/>
-                </a:solidFill>
-                <a:miter lim="800000"/>
-                <a:headEnd/>
-                <a:tailEnd/>
-              </a14:hiddenLine>
-            </a:ext>
+            <a:ext uri="{909E8E84-426E-40dd-AFC4-6F175D3DCCD1}"/>
+            <a:ext uri="{91240B29-F687-4f45-9708-019B960494DF}"/>
           </a:extLst>
         </p:spPr>
         <p:txBody>
@@ -2206,11 +2023,6 @@
         </p:txBody>
       </p:sp>
     </p:spTree>
-    <p:extLst>
-      <p:ext uri="{BB962C8B-B14F-4D97-AF65-F5344CB8AC3E}">
-        <p14:creationId xmlns:p14="http://schemas.microsoft.com/office/powerpoint/2010/main" val="3488286884"/>
-      </p:ext>
-    </p:extLst>
   </p:cSld>
   <p:clrMapOvr>
     <a:masterClrMapping/>
@@ -2512,11 +2324,6 @@
         </p:txBody>
       </p:sp>
     </p:spTree>
-    <p:extLst>
-      <p:ext uri="{BB962C8B-B14F-4D97-AF65-F5344CB8AC3E}">
-        <p14:creationId xmlns:p14="http://schemas.microsoft.com/office/powerpoint/2010/main" val="2467360805"/>
-      </p:ext>
-    </p:extLst>
   </p:cSld>
   <p:clrMapOvr>
     <a:masterClrMapping/>
@@ -2913,11 +2720,6 @@
         </p:txBody>
       </p:sp>
     </p:spTree>
-    <p:extLst>
-      <p:ext uri="{BB962C8B-B14F-4D97-AF65-F5344CB8AC3E}">
-        <p14:creationId xmlns:p14="http://schemas.microsoft.com/office/powerpoint/2010/main" val="4167806186"/>
-      </p:ext>
-    </p:extLst>
   </p:cSld>
   <p:clrMapOvr>
     <a:masterClrMapping/>
@@ -3124,11 +2926,6 @@
         </p:txBody>
       </p:sp>
     </p:spTree>
-    <p:extLst>
-      <p:ext uri="{BB962C8B-B14F-4D97-AF65-F5344CB8AC3E}">
-        <p14:creationId xmlns:p14="http://schemas.microsoft.com/office/powerpoint/2010/main" val="620772541"/>
-      </p:ext>
-    </p:extLst>
   </p:cSld>
   <p:clrMapOvr>
     <a:masterClrMapping/>
@@ -3176,7 +2973,7 @@
         </p:nvSpPr>
         <p:spPr>
           <a:xfrm>
-            <a:off x="875605" y="6600683"/>
+            <a:off x="876300" y="6600825"/>
             <a:ext cx="3408363" cy="252413"/>
           </a:xfrm>
           <a:prstGeom prst="rect">
@@ -3314,28 +3111,37 @@
                 </a:solidFill>
                 <a:latin typeface="Calibri" charset="0"/>
               </a:rPr>
-              <a:t>TDD++ Test Driven</a:t>
-            </a:r>
-            <a:r>
-              <a:rPr lang="sv-SE" sz="1100" baseline="0" dirty="0" smtClean="0">
+              <a:t>TDD++ Test Driven </a:t>
+            </a:r>
+            <a:r>
+              <a:rPr lang="sv-SE" sz="1100" dirty="0" err="1" smtClean="0">
                 <a:solidFill>
                   <a:schemeClr val="bg1"/>
                 </a:solidFill>
                 <a:latin typeface="Calibri" charset="0"/>
               </a:rPr>
+              <a:t>Development</a:t>
+            </a:r>
+            <a:r>
+              <a:rPr lang="sv-SE" sz="1100" dirty="0" smtClean="0">
+                <a:solidFill>
+                  <a:schemeClr val="bg1"/>
+                </a:solidFill>
+                <a:latin typeface="Calibri" charset="0"/>
+              </a:rPr>
               <a:t> </a:t>
             </a:r>
             <a:r>
-              <a:rPr lang="sv-SE" sz="1100" baseline="0" dirty="0" err="1" smtClean="0">
+              <a:rPr lang="sv-SE" sz="1100" dirty="0" err="1" smtClean="0">
                 <a:solidFill>
                   <a:schemeClr val="bg1"/>
                 </a:solidFill>
                 <a:latin typeface="Calibri" charset="0"/>
               </a:rPr>
-              <a:t>Development</a:t>
-            </a:r>
-            <a:r>
-              <a:rPr lang="sv-SE" sz="1100" baseline="0" dirty="0" smtClean="0">
+              <a:t>with</a:t>
+            </a:r>
+            <a:r>
+              <a:rPr lang="sv-SE" sz="1100" dirty="0" smtClean="0">
                 <a:solidFill>
                   <a:schemeClr val="bg1"/>
                 </a:solidFill>
@@ -3344,25 +3150,7 @@
               <a:t> </a:t>
             </a:r>
             <a:r>
-              <a:rPr lang="sv-SE" sz="1100" baseline="0" dirty="0" err="1" smtClean="0">
-                <a:solidFill>
-                  <a:schemeClr val="bg1"/>
-                </a:solidFill>
-                <a:latin typeface="Calibri" charset="0"/>
-              </a:rPr>
-              <a:t>with</a:t>
-            </a:r>
-            <a:r>
-              <a:rPr lang="sv-SE" sz="1100" baseline="0" dirty="0" smtClean="0">
-                <a:solidFill>
-                  <a:schemeClr val="bg1"/>
-                </a:solidFill>
-                <a:latin typeface="Calibri" charset="0"/>
-              </a:rPr>
-              <a:t> </a:t>
-            </a:r>
-            <a:r>
-              <a:rPr lang="sv-SE" sz="1100" baseline="0" dirty="0" err="1" smtClean="0">
+              <a:rPr lang="sv-SE" sz="1100" dirty="0" err="1" smtClean="0">
                 <a:solidFill>
                   <a:schemeClr val="bg1"/>
                 </a:solidFill>
@@ -3389,8 +3177,8 @@
         </p:nvSpPr>
         <p:spPr>
           <a:xfrm>
-            <a:off x="4764021" y="6600683"/>
-            <a:ext cx="4176000" cy="252413"/>
+            <a:off x="4764088" y="6600825"/>
+            <a:ext cx="4176712" cy="252413"/>
           </a:xfrm>
           <a:prstGeom prst="rect">
             <a:avLst/>
@@ -3557,8 +3345,8 @@
         </p:nvSpPr>
         <p:spPr>
           <a:xfrm>
-            <a:off x="323851" y="6597352"/>
-            <a:ext cx="528000" cy="252412"/>
+            <a:off x="323850" y="6597650"/>
+            <a:ext cx="528638" cy="252413"/>
           </a:xfrm>
           <a:prstGeom prst="rect">
             <a:avLst/>
@@ -3688,7 +3476,7 @@
               <a:buNone/>
               <a:defRPr/>
             </a:pPr>
-            <a:fld id="{C2F0566F-DC0D-2F40-98C7-B2FC197350FE}" type="slidenum">
+            <a:fld id="{3E1E53BC-DA73-455B-9EE7-476C3513FF5A}" type="slidenum">
               <a:rPr lang="en-US" sz="1100" smtClean="0">
                 <a:solidFill>
                   <a:schemeClr val="bg1"/>
@@ -3721,21 +3509,21 @@
   </p:cSld>
   <p:clrMap bg1="lt1" tx1="dk1" bg2="lt2" tx2="dk2" accent1="accent1" accent2="accent2" accent3="accent3" accent4="accent4" accent5="accent5" accent6="accent6" hlink="hlink" folHlink="folHlink"/>
   <p:sldLayoutIdLst>
-    <p:sldLayoutId id="2147483767" r:id="rId1"/>
-    <p:sldLayoutId id="2147483768" r:id="rId2"/>
-    <p:sldLayoutId id="2147483769" r:id="rId3"/>
-    <p:sldLayoutId id="2147483770" r:id="rId4"/>
-    <p:sldLayoutId id="2147483771" r:id="rId5"/>
-    <p:sldLayoutId id="2147483772" r:id="rId6"/>
-    <p:sldLayoutId id="2147483773" r:id="rId7"/>
-    <p:sldLayoutId id="2147483774" r:id="rId8"/>
-    <p:sldLayoutId id="2147483775" r:id="rId9"/>
-    <p:sldLayoutId id="2147483776" r:id="rId10"/>
+    <p:sldLayoutId id="2147483721" r:id="rId1"/>
+    <p:sldLayoutId id="2147483722" r:id="rId2"/>
+    <p:sldLayoutId id="2147483723" r:id="rId3"/>
+    <p:sldLayoutId id="2147483724" r:id="rId4"/>
+    <p:sldLayoutId id="2147483725" r:id="rId5"/>
+    <p:sldLayoutId id="2147483726" r:id="rId6"/>
+    <p:sldLayoutId id="2147483727" r:id="rId7"/>
+    <p:sldLayoutId id="2147483728" r:id="rId8"/>
+    <p:sldLayoutId id="2147483729" r:id="rId9"/>
+    <p:sldLayoutId id="2147483730" r:id="rId10"/>
   </p:sldLayoutIdLst>
   <p:hf hdr="0" ftr="0" dt="0"/>
   <p:txStyles>
     <p:titleStyle>
-      <a:lvl1pPr algn="l" defTabSz="457200" rtl="0" eaLnBrk="1" fontAlgn="base" hangingPunct="1">
+      <a:lvl1pPr algn="l" defTabSz="457200" rtl="0" fontAlgn="base">
         <a:spcBef>
           <a:spcPct val="0"/>
         </a:spcBef>
@@ -3751,7 +3539,7 @@
           <a:cs typeface="Cambria Bold"/>
         </a:defRPr>
       </a:lvl1pPr>
-      <a:lvl2pPr algn="l" defTabSz="457200" rtl="0" eaLnBrk="1" fontAlgn="base" hangingPunct="1">
+      <a:lvl2pPr algn="l" defTabSz="457200" rtl="0" fontAlgn="base">
         <a:spcBef>
           <a:spcPct val="0"/>
         </a:spcBef>
@@ -3767,7 +3555,7 @@
           <a:cs typeface="Cambria Bold" pitchFamily="18" charset="0"/>
         </a:defRPr>
       </a:lvl2pPr>
-      <a:lvl3pPr algn="l" defTabSz="457200" rtl="0" eaLnBrk="1" fontAlgn="base" hangingPunct="1">
+      <a:lvl3pPr algn="l" defTabSz="457200" rtl="0" fontAlgn="base">
         <a:spcBef>
           <a:spcPct val="0"/>
         </a:spcBef>
@@ -3783,7 +3571,7 @@
           <a:cs typeface="Cambria Bold" pitchFamily="18" charset="0"/>
         </a:defRPr>
       </a:lvl3pPr>
-      <a:lvl4pPr algn="l" defTabSz="457200" rtl="0" eaLnBrk="1" fontAlgn="base" hangingPunct="1">
+      <a:lvl4pPr algn="l" defTabSz="457200" rtl="0" fontAlgn="base">
         <a:spcBef>
           <a:spcPct val="0"/>
         </a:spcBef>
@@ -3799,7 +3587,7 @@
           <a:cs typeface="Cambria Bold" pitchFamily="18" charset="0"/>
         </a:defRPr>
       </a:lvl4pPr>
-      <a:lvl5pPr algn="l" defTabSz="457200" rtl="0" eaLnBrk="1" fontAlgn="base" hangingPunct="1">
+      <a:lvl5pPr algn="l" defTabSz="457200" rtl="0" fontAlgn="base">
         <a:spcBef>
           <a:spcPct val="0"/>
         </a:spcBef>
@@ -3881,7 +3669,7 @@
       </a:lvl9pPr>
     </p:titleStyle>
     <p:bodyStyle>
-      <a:lvl1pPr marL="342900" indent="-342900" algn="l" defTabSz="457200" rtl="0" eaLnBrk="1" fontAlgn="base" hangingPunct="1">
+      <a:lvl1pPr marL="342900" indent="-342900" algn="l" defTabSz="457200" rtl="0" fontAlgn="base">
         <a:spcBef>
           <a:spcPct val="20000"/>
         </a:spcBef>
@@ -3899,7 +3687,7 @@
           <a:cs typeface="ＭＳ Ｐゴシック" pitchFamily="-111" charset="-128"/>
         </a:defRPr>
       </a:lvl1pPr>
-      <a:lvl2pPr marL="742950" indent="-285750" algn="l" defTabSz="457200" rtl="0" eaLnBrk="1" fontAlgn="base" hangingPunct="1">
+      <a:lvl2pPr marL="742950" indent="-285750" algn="l" defTabSz="457200" rtl="0" fontAlgn="base">
         <a:spcBef>
           <a:spcPct val="20000"/>
         </a:spcBef>
@@ -3917,7 +3705,7 @@
           <a:cs typeface="ＭＳ Ｐゴシック"/>
         </a:defRPr>
       </a:lvl2pPr>
-      <a:lvl3pPr marL="1143000" indent="-228600" algn="l" defTabSz="457200" rtl="0" eaLnBrk="1" fontAlgn="base" hangingPunct="1">
+      <a:lvl3pPr marL="1143000" indent="-228600" algn="l" defTabSz="457200" rtl="0" fontAlgn="base">
         <a:spcBef>
           <a:spcPct val="20000"/>
         </a:spcBef>
@@ -3935,7 +3723,7 @@
           <a:cs typeface="ＭＳ Ｐゴシック"/>
         </a:defRPr>
       </a:lvl3pPr>
-      <a:lvl4pPr marL="1600200" indent="-228600" algn="l" defTabSz="457200" rtl="0" eaLnBrk="1" fontAlgn="base" hangingPunct="1">
+      <a:lvl4pPr marL="1600200" indent="-228600" algn="l" defTabSz="457200" rtl="0" fontAlgn="base">
         <a:spcBef>
           <a:spcPct val="20000"/>
         </a:spcBef>
@@ -3953,7 +3741,7 @@
           <a:cs typeface="ＭＳ Ｐゴシック"/>
         </a:defRPr>
       </a:lvl4pPr>
-      <a:lvl5pPr marL="2057400" indent="-228600" algn="l" defTabSz="457200" rtl="0" eaLnBrk="1" fontAlgn="base" hangingPunct="1">
+      <a:lvl5pPr marL="2057400" indent="-228600" algn="l" defTabSz="457200" rtl="0" fontAlgn="base">
         <a:spcBef>
           <a:spcPct val="20000"/>
         </a:spcBef>
@@ -4150,7 +3938,7 @@
       </p:grpSpPr>
       <p:sp>
         <p:nvSpPr>
-          <p:cNvPr id="12289" name="Title 1"/>
+          <p:cNvPr id="13313" name="Title 1"/>
           <p:cNvSpPr>
             <a:spLocks noGrp="1"/>
           </p:cNvSpPr>
@@ -4160,32 +3948,15 @@
         </p:nvSpPr>
         <p:spPr bwMode="auto">
           <a:xfrm>
-            <a:off x="746127" y="1219200"/>
-            <a:ext cx="7702551" cy="1270000"/>
+            <a:off x="746125" y="1219200"/>
+            <a:ext cx="7702550" cy="1270000"/>
           </a:xfrm>
           <a:noFill/>
-          <a:extLst>
-            <a:ext uri="{909E8E84-426E-40dd-AFC4-6F175D3DCCD1}">
-              <a14:hiddenFill xmlns:a14="http://schemas.microsoft.com/office/drawing/2010/main">
-                <a:solidFill>
-                  <a:srgbClr val="FFFFFF"/>
-                </a:solidFill>
-              </a14:hiddenFill>
-            </a:ext>
-            <a:ext uri="{91240B29-F687-4f45-9708-019B960494DF}">
-              <a14:hiddenLine xmlns:a14="http://schemas.microsoft.com/office/drawing/2010/main" w="9525">
-                <a:solidFill>
-                  <a:srgbClr val="000000"/>
-                </a:solidFill>
-                <a:miter lim="800000"/>
-                <a:headEnd/>
-                <a:tailEnd/>
-              </a14:hiddenLine>
-            </a:ext>
-            <a:ext uri="{FAA26D3D-D897-4be2-8F04-BA451C77F1D7}">
-              <ma14:placeholderFlag xmlns:ma14="http://schemas.microsoft.com/office/mac/drawingml/2011/main" val="1"/>
-            </a:ext>
-          </a:extLst>
+          <a:ln>
+            <a:miter lim="800000"/>
+            <a:headEnd/>
+            <a:tailEnd/>
+          </a:ln>
         </p:spPr>
         <p:txBody>
           <a:bodyPr vert="horz" wrap="square" lIns="91440" tIns="45720" rIns="91440" bIns="45720" numCol="1" anchorCtr="0" compatLnSpc="1">
@@ -4196,18 +3967,13 @@
           <a:lstStyle/>
           <a:p>
             <a:r>
-              <a:rPr lang="en-US" dirty="0" smtClean="0">
-                <a:latin typeface="Cambria" charset="0"/>
-                <a:ea typeface="ＭＳ Ｐゴシック" charset="0"/>
-                <a:cs typeface="Cambria" charset="0"/>
+              <a:rPr lang="en-US" smtClean="0">
+                <a:latin typeface="Cambria" pitchFamily="18" charset="0"/>
+                <a:ea typeface="ＭＳ Ｐゴシック"/>
+                <a:cs typeface="Cambria Bold" pitchFamily="18" charset="0"/>
               </a:rPr>
               <a:t>Groovy with Eclipse IDE</a:t>
             </a:r>
-            <a:endParaRPr lang="en-US" dirty="0">
-              <a:latin typeface="Cambria" charset="0"/>
-              <a:ea typeface="ＭＳ Ｐゴシック" charset="0"/>
-              <a:cs typeface="Cambria" charset="0"/>
-            </a:endParaRPr>
           </a:p>
         </p:txBody>
       </p:sp>
@@ -4223,8 +3989,8 @@
         </p:nvSpPr>
         <p:spPr>
           <a:xfrm>
-            <a:off x="746127" y="2489202"/>
-            <a:ext cx="7702551" cy="671513"/>
+            <a:off x="746125" y="2489200"/>
+            <a:ext cx="7702550" cy="671513"/>
           </a:xfrm>
         </p:spPr>
         <p:txBody>
@@ -4247,17 +4013,11 @@
           <p:cNvGraphicFramePr>
             <a:graphicFrameLocks noGrp="1"/>
           </p:cNvGraphicFramePr>
-          <p:nvPr>
-            <p:extLst>
-              <p:ext uri="{D42A27DB-BD31-4B8C-83A1-F6EECF244321}">
-                <p14:modId xmlns:p14="http://schemas.microsoft.com/office/powerpoint/2010/main" val="3382957527"/>
-              </p:ext>
-            </p:extLst>
-          </p:nvPr>
+          <p:nvPr/>
         </p:nvGraphicFramePr>
         <p:xfrm>
-          <a:off x="827584" y="3523290"/>
-          <a:ext cx="4968552" cy="457200"/>
+          <a:off x="827088" y="3522663"/>
+          <a:ext cx="4968875" cy="457200"/>
         </p:xfrm>
         <a:graphic>
           <a:graphicData uri="http://schemas.openxmlformats.org/drawingml/2006/table">
@@ -4452,7 +4212,7 @@
   <p:timing>
     <p:tnLst>
       <p:par>
-        <p:cTn xmlns:p14="http://schemas.microsoft.com/office/powerpoint/2010/main" id="1" dur="indefinite" restart="never" nodeType="tmRoot"/>
+        <p:cTn id="1" dur="indefinite" restart="never" nodeType="tmRoot"/>
       </p:par>
     </p:tnLst>
   </p:timing>
@@ -4488,8 +4248,8 @@
         </p:nvSpPr>
         <p:spPr>
           <a:xfrm>
-            <a:off x="685800" y="570922"/>
-            <a:ext cx="7772400" cy="985870"/>
+            <a:off x="685800" y="571500"/>
+            <a:ext cx="7772400" cy="985838"/>
           </a:xfrm>
         </p:spPr>
         <p:txBody>
@@ -4498,6 +4258,9 @@
           </a:bodyPr>
           <a:lstStyle/>
           <a:p>
+            <a:pPr>
+              <a:defRPr/>
+            </a:pPr>
             <a:r>
               <a:rPr lang="en-US" dirty="0" smtClean="0"/>
               <a:t>Eclipse </a:t>
@@ -4533,177 +4296,419 @@
         </p:nvSpPr>
         <p:spPr>
           <a:xfrm>
-            <a:off x="685803" y="1628800"/>
-            <a:ext cx="7721303" cy="4104456"/>
+            <a:off x="685800" y="1628775"/>
+            <a:ext cx="7721600" cy="4103688"/>
           </a:xfrm>
         </p:spPr>
         <p:txBody>
-          <a:bodyPr/>
+          <a:bodyPr vert="horz" wrap="square" lIns="91440" tIns="45720" rIns="91440" bIns="45720" numCol="1" anchor="t" anchorCtr="0" compatLnSpc="1">
+            <a:prstTxWarp prst="textNoShape">
+              <a:avLst/>
+            </a:prstTxWarp>
+          </a:bodyPr>
           <a:lstStyle/>
           <a:p>
             <a:pPr marL="57150" indent="0">
+              <a:lnSpc>
+                <a:spcPct val="90000"/>
+              </a:lnSpc>
+              <a:buFont typeface="Arial" charset="0"/>
               <a:buNone/>
             </a:pPr>
             <a:r>
-              <a:rPr lang="en-US" sz="2000" dirty="0" smtClean="0"/>
-              <a:t>This plugin is </a:t>
-            </a:r>
-            <a:r>
-              <a:rPr lang="en-US" sz="2000" dirty="0" smtClean="0"/>
-              <a:t>only necessary </a:t>
-            </a:r>
-            <a:r>
-              <a:rPr lang="en-US" sz="2000" dirty="0" smtClean="0"/>
-              <a:t>to install if you use the </a:t>
-            </a:r>
-            <a:r>
-              <a:rPr lang="en-US" sz="2000" b="1" dirty="0" smtClean="0"/>
+              <a:rPr lang="en-US" sz="2000" smtClean="0">
+                <a:ea typeface="ＭＳ Ｐゴシック"/>
+                <a:cs typeface="ＭＳ Ｐゴシック"/>
+              </a:rPr>
+              <a:t>This plugin is only necessary to install if you use the </a:t>
+            </a:r>
+            <a:r>
+              <a:rPr lang="en-US" sz="2000" b="1" smtClean="0">
+                <a:ea typeface="ＭＳ Ｐゴシック"/>
+                <a:cs typeface="ＭＳ Ｐゴシック"/>
+              </a:rPr>
               <a:t>Eclipse Standard </a:t>
             </a:r>
             <a:r>
-              <a:rPr lang="en-US" sz="2000" dirty="0" smtClean="0"/>
-              <a:t>package (i.e. </a:t>
-            </a:r>
-            <a:r>
-              <a:rPr lang="en-US" sz="2000" dirty="0" smtClean="0"/>
-              <a:t>if you are </a:t>
-            </a:r>
-            <a:r>
-              <a:rPr lang="en-US" sz="2000" b="1" dirty="0" smtClean="0"/>
+              <a:rPr lang="en-US" sz="2000" smtClean="0">
+                <a:ea typeface="ＭＳ Ｐゴシック"/>
+                <a:cs typeface="ＭＳ Ｐゴシック"/>
+              </a:rPr>
+              <a:t>package (i.e. if you are </a:t>
+            </a:r>
+            <a:r>
+              <a:rPr lang="en-US" sz="2000" b="1" smtClean="0">
+                <a:ea typeface="ＭＳ Ｐゴシック"/>
+                <a:cs typeface="ＭＳ Ｐゴシック"/>
+              </a:rPr>
               <a:t>not</a:t>
             </a:r>
             <a:r>
-              <a:rPr lang="en-US" sz="2000" dirty="0" smtClean="0"/>
-              <a:t> using the Java or Java EE eclipse package)</a:t>
-            </a:r>
-            <a:r>
-              <a:rPr lang="en-US" sz="2000" dirty="0" smtClean="0"/>
-              <a:t>. </a:t>
-            </a:r>
-            <a:r>
-              <a:rPr lang="en-US" sz="2000" dirty="0" smtClean="0"/>
-              <a:t>The plugin </a:t>
-            </a:r>
-            <a:r>
-              <a:rPr lang="en-US" sz="2000" dirty="0"/>
-              <a:t>provides comprehensive Maven integration for </a:t>
-            </a:r>
-            <a:r>
-              <a:rPr lang="en-US" sz="2000" dirty="0" smtClean="0"/>
-              <a:t>Eclipse.</a:t>
+              <a:rPr lang="en-US" sz="2000" smtClean="0">
+                <a:ea typeface="ＭＳ Ｐゴシック"/>
+                <a:cs typeface="ＭＳ Ｐゴシック"/>
+              </a:rPr>
+              <a:t> using the Java or Java EE eclipse package). The plugin provides comprehensive Maven integration for Eclipse.</a:t>
             </a:r>
           </a:p>
           <a:p>
             <a:pPr marL="57150" indent="0">
+              <a:lnSpc>
+                <a:spcPct val="90000"/>
+              </a:lnSpc>
+              <a:buFont typeface="Arial" charset="0"/>
               <a:buNone/>
             </a:pPr>
-            <a:endParaRPr lang="en-US" sz="2000" dirty="0"/>
-          </a:p>
-          <a:p>
-            <a:pPr marL="400050">
-              <a:buFont typeface="Arial"/>
-              <a:buChar char="•"/>
+            <a:endParaRPr lang="en-US" sz="2000" smtClean="0">
+              <a:ea typeface="ＭＳ Ｐゴシック"/>
+              <a:cs typeface="ＭＳ Ｐゴシック"/>
+            </a:endParaRPr>
+          </a:p>
+          <a:p>
+            <a:pPr marL="57150" indent="0">
+              <a:lnSpc>
+                <a:spcPct val="90000"/>
+              </a:lnSpc>
             </a:pPr>
             <a:r>
-              <a:rPr lang="en-US" sz="2000" dirty="0"/>
+              <a:rPr lang="en-US" sz="2000" smtClean="0">
+                <a:ea typeface="ＭＳ Ｐゴシック"/>
+                <a:cs typeface="ＭＳ Ｐゴシック"/>
+              </a:rPr>
               <a:t>To install the plugin, select Help → Install New Software...</a:t>
             </a:r>
           </a:p>
           <a:p>
-            <a:pPr marL="400050">
-              <a:buFont typeface="Arial"/>
-              <a:buChar char="•"/>
+            <a:pPr marL="57150" indent="0">
+              <a:lnSpc>
+                <a:spcPct val="90000"/>
+              </a:lnSpc>
             </a:pPr>
             <a:r>
-              <a:rPr lang="en-US" sz="2000" dirty="0"/>
+              <a:rPr lang="en-US" sz="2000" smtClean="0">
+                <a:ea typeface="ＭＳ Ｐゴシック"/>
+                <a:cs typeface="ＭＳ Ｐゴシック"/>
+              </a:rPr>
               <a:t>Paste the following URL into the “Work with:” field and hit Enter</a:t>
             </a:r>
           </a:p>
           <a:p>
-            <a:pPr marL="400050">
-              <a:buFont typeface="Arial"/>
-              <a:buChar char="•"/>
+            <a:pPr marL="57150" indent="0">
+              <a:lnSpc>
+                <a:spcPct val="90000"/>
+              </a:lnSpc>
             </a:pPr>
-            <a:endParaRPr lang="en-US" sz="2000" dirty="0"/>
-          </a:p>
-          <a:p>
-            <a:pPr marL="400050">
-              <a:buFont typeface="Arial"/>
-              <a:buChar char="•"/>
+            <a:endParaRPr lang="sv-SE" sz="2000" smtClean="0">
+              <a:ea typeface="ＭＳ Ｐゴシック"/>
+              <a:cs typeface="ＭＳ Ｐゴシック"/>
+            </a:endParaRPr>
+          </a:p>
+          <a:p>
+            <a:pPr marL="857250" lvl="1" indent="-342900">
+              <a:lnSpc>
+                <a:spcPct val="90000"/>
+              </a:lnSpc>
+              <a:buFont typeface="Arial" charset="0"/>
+              <a:buNone/>
             </a:pPr>
-            <a:endParaRPr lang="en-US" sz="2000" dirty="0"/>
-          </a:p>
-          <a:p>
-            <a:pPr marL="400050">
-              <a:buFont typeface="Arial"/>
-              <a:buChar char="•"/>
+            <a:r>
+              <a:rPr lang="en-US" sz="1800" smtClean="0">
+                <a:ea typeface="ＭＳ Ｐゴシック"/>
+                <a:sym typeface="Arial" charset="0"/>
+              </a:rPr>
+              <a:t>http://download.eclipse.org/technology/m2e/releases</a:t>
+            </a:r>
+            <a:endParaRPr lang="en-US" sz="1800" smtClean="0">
+              <a:ea typeface="ＭＳ Ｐゴシック"/>
+            </a:endParaRPr>
+          </a:p>
+          <a:p>
+            <a:pPr marL="57150" indent="0">
+              <a:lnSpc>
+                <a:spcPct val="90000"/>
+              </a:lnSpc>
             </a:pPr>
-            <a:r>
-              <a:rPr lang="en-US" sz="2000" dirty="0" smtClean="0"/>
-              <a:t>Install </a:t>
-            </a:r>
-            <a:r>
-              <a:rPr lang="en-US" sz="2000" dirty="0"/>
-              <a:t>feature:</a:t>
+            <a:endParaRPr lang="en-US" sz="2000" smtClean="0">
+              <a:ea typeface="ＭＳ Ｐゴシック"/>
+              <a:cs typeface="ＭＳ Ｐゴシック"/>
+            </a:endParaRPr>
+          </a:p>
+          <a:p>
+            <a:pPr marL="57150" indent="0">
+              <a:lnSpc>
+                <a:spcPct val="90000"/>
+              </a:lnSpc>
+            </a:pPr>
+            <a:r>
+              <a:rPr lang="en-US" sz="2000" smtClean="0">
+                <a:ea typeface="ＭＳ Ｐゴシック"/>
+                <a:cs typeface="ＭＳ Ｐゴシック"/>
+              </a:rPr>
+              <a:t>Install feature:</a:t>
             </a:r>
           </a:p>
           <a:p>
             <a:pPr marL="857250" lvl="1" indent="-342900">
-              <a:buFont typeface="Wingdings" charset="2"/>
+              <a:lnSpc>
+                <a:spcPct val="90000"/>
+              </a:lnSpc>
+              <a:buFont typeface="Wingdings" pitchFamily="2" charset="2"/>
               <a:buChar char="q"/>
             </a:pPr>
             <a:r>
-              <a:rPr lang="en-US" sz="1800" dirty="0" smtClean="0"/>
-              <a:t>Maven Integration for </a:t>
-            </a:r>
-            <a:r>
-              <a:rPr lang="en-US" sz="1800" dirty="0" err="1" smtClean="0"/>
-              <a:t>Eclispe</a:t>
-            </a:r>
-            <a:endParaRPr lang="en-US" sz="1800" dirty="0"/>
+              <a:rPr lang="en-US" sz="1800" smtClean="0">
+                <a:ea typeface="ＭＳ Ｐゴシック"/>
+              </a:rPr>
+              <a:t>Maven Integration for Eclispe</a:t>
+            </a:r>
           </a:p>
           <a:p>
             <a:pPr marL="1314450" lvl="2" indent="-342900">
-              <a:buFont typeface="Wingdings" charset="2"/>
+              <a:lnSpc>
+                <a:spcPct val="90000"/>
+              </a:lnSpc>
+              <a:buFont typeface="Wingdings" pitchFamily="2" charset="2"/>
               <a:buChar char="q"/>
             </a:pPr>
             <a:r>
-              <a:rPr lang="en-US" sz="1600" dirty="0"/>
-              <a:t>m</a:t>
-            </a:r>
-            <a:r>
-              <a:rPr lang="en-US" sz="1600" dirty="0" smtClean="0"/>
-              <a:t>2e -  Maven Integrations for Eclipse v1.4.0</a:t>
+              <a:rPr lang="en-US" sz="1600" smtClean="0">
+                <a:ea typeface="ＭＳ Ｐゴシック"/>
+              </a:rPr>
+              <a:t>m2e -  Maven Integrations for Eclipse v1.4.0</a:t>
             </a:r>
           </a:p>
           <a:p>
             <a:pPr marL="1314450" lvl="2" indent="-342900">
-              <a:buFont typeface="Wingdings" charset="2"/>
+              <a:lnSpc>
+                <a:spcPct val="90000"/>
+              </a:lnSpc>
+              <a:buFont typeface="Wingdings" pitchFamily="2" charset="2"/>
               <a:buChar char="q"/>
             </a:pPr>
             <a:r>
-              <a:rPr lang="en-US" sz="1600" dirty="0"/>
-              <a:t>m</a:t>
-            </a:r>
-            <a:r>
-              <a:rPr lang="en-US" sz="1600" dirty="0" smtClean="0"/>
-              <a:t>2e – slf4j over </a:t>
-            </a:r>
-            <a:r>
-              <a:rPr lang="en-US" sz="1600" dirty="0" err="1" smtClean="0"/>
-              <a:t>logback</a:t>
-            </a:r>
-            <a:r>
-              <a:rPr lang="en-US" sz="1600" dirty="0" smtClean="0"/>
-              <a:t> logging (Optional) v1.4.0</a:t>
+              <a:rPr lang="en-US" sz="1600" smtClean="0">
+                <a:ea typeface="ＭＳ Ｐゴシック"/>
+              </a:rPr>
+              <a:t>m2e – slf4j over logback logging (Optional) v1.4.0</a:t>
             </a:r>
           </a:p>
           <a:p>
             <a:pPr marL="1314450" lvl="2" indent="-342900">
-              <a:buFont typeface="Wingdings" charset="2"/>
+              <a:lnSpc>
+                <a:spcPct val="90000"/>
+              </a:lnSpc>
+              <a:buFont typeface="Wingdings" pitchFamily="2" charset="2"/>
               <a:buChar char="q"/>
             </a:pPr>
-            <a:endParaRPr lang="en-US" sz="1600" dirty="0"/>
+            <a:endParaRPr lang="en-US" sz="1600" smtClean="0">
+              <a:ea typeface="ＭＳ Ｐゴシック"/>
+            </a:endParaRPr>
+          </a:p>
+        </p:txBody>
+      </p:sp>
+    </p:spTree>
+  </p:cSld>
+  <p:clrMapOvr>
+    <a:masterClrMapping/>
+  </p:clrMapOvr>
+  <p:transition spd="slow"/>
+</p:sld>
+</file>
+
+<file path=ppt/slides/slide11.xml><?xml version="1.0" encoding="utf-8"?>
+<p:sld xmlns:a="http://schemas.openxmlformats.org/drawingml/2006/main" xmlns:r="http://schemas.openxmlformats.org/officeDocument/2006/relationships" xmlns:p="http://schemas.openxmlformats.org/presentationml/2006/main">
+  <p:cSld>
+    <p:spTree>
+      <p:nvGrpSpPr>
+        <p:cNvPr id="1" name=""/>
+        <p:cNvGrpSpPr/>
+        <p:nvPr/>
+      </p:nvGrpSpPr>
+      <p:grpSpPr>
+        <a:xfrm>
+          <a:off x="0" y="0"/>
+          <a:ext cx="0" cy="0"/>
+          <a:chOff x="0" y="0"/>
+          <a:chExt cx="0" cy="0"/>
+        </a:xfrm>
+      </p:grpSpPr>
+      <p:sp>
+        <p:nvSpPr>
+          <p:cNvPr id="23553" name="Title 1"/>
+          <p:cNvSpPr>
+            <a:spLocks noGrp="1"/>
+          </p:cNvSpPr>
+          <p:nvPr>
+            <p:ph type="ctrTitle"/>
+          </p:nvPr>
+        </p:nvSpPr>
+        <p:spPr bwMode="auto">
+          <a:xfrm>
+            <a:off x="685800" y="571500"/>
+            <a:ext cx="7772400" cy="757238"/>
+          </a:xfrm>
+          <a:noFill/>
+          <a:ln>
+            <a:miter lim="800000"/>
+            <a:headEnd/>
+            <a:tailEnd/>
+          </a:ln>
+        </p:spPr>
+        <p:txBody>
+          <a:bodyPr vert="horz" wrap="square" lIns="91440" tIns="45720" rIns="91440" bIns="45720" numCol="1" anchor="t" anchorCtr="0" compatLnSpc="1">
+            <a:prstTxWarp prst="textNoShape">
+              <a:avLst/>
+            </a:prstTxWarp>
+          </a:bodyPr>
+          <a:lstStyle/>
+          <a:p>
+            <a:r>
+              <a:rPr lang="en-US" smtClean="0">
+                <a:latin typeface="Cambria" pitchFamily="18" charset="0"/>
+                <a:ea typeface="ＭＳ Ｐゴシック"/>
+                <a:cs typeface="Cambria Bold" pitchFamily="18" charset="0"/>
+              </a:rPr>
+              <a:t>Import project into Eclipse</a:t>
+            </a:r>
+          </a:p>
+        </p:txBody>
+      </p:sp>
+      <p:sp>
+        <p:nvSpPr>
+          <p:cNvPr id="23554" name="Text Placeholder 2"/>
+          <p:cNvSpPr>
+            <a:spLocks noGrp="1"/>
+          </p:cNvSpPr>
+          <p:nvPr>
+            <p:ph type="body" sz="quarter" idx="13"/>
+          </p:nvPr>
+        </p:nvSpPr>
+        <p:spPr bwMode="auto">
+          <a:xfrm>
+            <a:off x="685800" y="1557338"/>
+            <a:ext cx="7721600" cy="4117975"/>
+          </a:xfrm>
+          <a:noFill/>
+          <a:ln>
+            <a:miter lim="800000"/>
+            <a:headEnd/>
+            <a:tailEnd/>
+          </a:ln>
+        </p:spPr>
+        <p:txBody>
+          <a:bodyPr vert="horz" wrap="square" lIns="91440" tIns="45720" rIns="91440" bIns="45720" numCol="1" anchor="t" anchorCtr="0" compatLnSpc="1">
+            <a:prstTxWarp prst="textNoShape">
+              <a:avLst/>
+            </a:prstTxWarp>
+          </a:bodyPr>
+          <a:lstStyle/>
+          <a:p>
+            <a:r>
+              <a:rPr lang="en-US" sz="2000" smtClean="0">
+                <a:ea typeface="ＭＳ Ｐゴシック"/>
+                <a:cs typeface="ＭＳ Ｐゴシック"/>
+              </a:rPr>
+              <a:t>Download example project from</a:t>
+            </a:r>
+          </a:p>
+          <a:p>
+            <a:endParaRPr lang="en-US" sz="2000" smtClean="0">
+              <a:ea typeface="ＭＳ Ｐゴシック"/>
+              <a:cs typeface="ＭＳ Ｐゴシック"/>
+            </a:endParaRPr>
+          </a:p>
+          <a:p>
+            <a:endParaRPr lang="en-US" sz="2000" smtClean="0">
+              <a:ea typeface="ＭＳ Ｐゴシック"/>
+              <a:cs typeface="ＭＳ Ｐゴシック"/>
+            </a:endParaRPr>
+          </a:p>
+          <a:p>
+            <a:pPr lvl="1"/>
+            <a:endParaRPr lang="en-US" sz="2000" smtClean="0">
+              <a:ea typeface="ＭＳ Ｐゴシック"/>
+            </a:endParaRPr>
+          </a:p>
+          <a:p>
+            <a:pPr lvl="1"/>
+            <a:r>
+              <a:rPr lang="en-US" sz="1800" smtClean="0">
+                <a:ea typeface="ＭＳ Ｐゴシック"/>
+              </a:rPr>
+              <a:t>Zip file contains an Eclipse project</a:t>
+            </a:r>
+          </a:p>
+          <a:p>
+            <a:r>
+              <a:rPr lang="en-US" sz="2000" smtClean="0">
+                <a:ea typeface="ＭＳ Ｐゴシック"/>
+                <a:cs typeface="ＭＳ Ｐゴシック"/>
+              </a:rPr>
+              <a:t>Unzip to a working directory of your choice</a:t>
+            </a:r>
+          </a:p>
+          <a:p>
+            <a:r>
+              <a:rPr lang="en-US" sz="2000" smtClean="0">
+                <a:ea typeface="ＭＳ Ｐゴシック"/>
+                <a:cs typeface="ＭＳ Ｐゴシック"/>
+              </a:rPr>
+              <a:t>To import an Eclipse project:</a:t>
+            </a:r>
+          </a:p>
+          <a:p>
+            <a:pPr lvl="1"/>
+            <a:r>
+              <a:rPr lang="en-US" sz="1800" smtClean="0">
+                <a:ea typeface="ＭＳ Ｐゴシック"/>
+              </a:rPr>
+              <a:t>Select File → Import → General → Existing Projects into Workspace</a:t>
+            </a:r>
+          </a:p>
+          <a:p>
+            <a:pPr lvl="1"/>
+            <a:r>
+              <a:rPr lang="en-US" sz="1800" smtClean="0">
+                <a:ea typeface="ＭＳ Ｐゴシック"/>
+              </a:rPr>
+              <a:t>Browse to the directory where you have unzipped the source code</a:t>
+            </a:r>
+          </a:p>
+          <a:p>
+            <a:pPr lvl="1"/>
+            <a:r>
+              <a:rPr lang="en-US" sz="1800" smtClean="0">
+                <a:ea typeface="ＭＳ Ｐゴシック"/>
+              </a:rPr>
+              <a:t> Choose the </a:t>
+            </a:r>
+            <a:r>
+              <a:rPr lang="en-US" sz="1800" b="1" smtClean="0">
+                <a:ea typeface="ＭＳ Ｐゴシック"/>
+              </a:rPr>
+              <a:t>groovy-tdd-cadec </a:t>
+            </a:r>
+            <a:r>
+              <a:rPr lang="en-US" sz="1800" smtClean="0">
+                <a:ea typeface="ＭＳ Ｐゴシック"/>
+              </a:rPr>
+              <a:t>project</a:t>
+            </a:r>
+          </a:p>
+          <a:p>
+            <a:pPr lvl="1"/>
+            <a:r>
+              <a:rPr lang="en-US" sz="1800" smtClean="0">
+                <a:ea typeface="ＭＳ Ｐゴシック"/>
+              </a:rPr>
+              <a:t>Click Finish </a:t>
+            </a:r>
+          </a:p>
+          <a:p>
+            <a:endParaRPr lang="en-US" sz="2000" smtClean="0">
+              <a:ea typeface="ＭＳ Ｐゴシック"/>
+              <a:cs typeface="ＭＳ Ｐゴシック"/>
+            </a:endParaRPr>
           </a:p>
         </p:txBody>
       </p:sp>
@@ -4717,8 +4722,8 @@
         </p:nvSpPr>
         <p:spPr>
           <a:xfrm>
-            <a:off x="1187624" y="3789040"/>
-            <a:ext cx="6048672" cy="594066"/>
+            <a:off x="1116013" y="2060575"/>
+            <a:ext cx="6048375" cy="809625"/>
           </a:xfrm>
           <a:prstGeom prst="roundRect">
             <a:avLst/>
@@ -4905,46 +4910,60 @@
             </a:lvl9pPr>
           </a:lstStyle>
           <a:p>
-            <a:pPr marL="0" indent="0">
+            <a:pPr marL="0" lvl="1" indent="0">
+              <a:buFont typeface="Arial" charset="0"/>
               <a:buNone/>
+              <a:defRPr/>
             </a:pPr>
             <a:r>
-              <a:rPr lang="en-US" sz="1800" dirty="0"/>
-              <a:t>http://</a:t>
-            </a:r>
-            <a:r>
-              <a:rPr lang="en-US" sz="1800" dirty="0" err="1"/>
-              <a:t>download.eclipse.org</a:t>
-            </a:r>
-            <a:r>
-              <a:rPr lang="en-US" sz="1800" dirty="0"/>
-              <a:t>/technology/m2e/releases</a:t>
-            </a:r>
+              <a:rPr lang="en-US" sz="2000" dirty="0">
+                <a:hlinkClick r:id="rId2"/>
+              </a:rPr>
+              <a:t>https://</a:t>
+            </a:r>
+            <a:r>
+              <a:rPr lang="en-US" sz="2000" dirty="0" err="1">
+                <a:hlinkClick r:id="rId2"/>
+              </a:rPr>
+              <a:t>callista.adaptavist.com</a:t>
+            </a:r>
+            <a:r>
+              <a:rPr lang="en-US" sz="2000" dirty="0">
+                <a:hlinkClick r:id="rId2"/>
+              </a:rPr>
+              <a:t>/download/attachments/20907671/groovy-</a:t>
+            </a:r>
+            <a:r>
+              <a:rPr lang="en-US" sz="2000" dirty="0" err="1">
+                <a:hlinkClick r:id="rId2"/>
+              </a:rPr>
+              <a:t>tdd</a:t>
+            </a:r>
+            <a:r>
+              <a:rPr lang="en-US" sz="2000" dirty="0">
+                <a:hlinkClick r:id="rId2"/>
+              </a:rPr>
+              <a:t>-</a:t>
+            </a:r>
+            <a:r>
+              <a:rPr lang="en-US" sz="2000" dirty="0" err="1" smtClean="0">
+                <a:hlinkClick r:id="rId2"/>
+              </a:rPr>
+              <a:t>cadec.zip</a:t>
+            </a:r>
+            <a:endParaRPr lang="en-US" sz="2000" dirty="0"/>
           </a:p>
         </p:txBody>
       </p:sp>
     </p:spTree>
-    <p:extLst>
-      <p:ext uri="{BB962C8B-B14F-4D97-AF65-F5344CB8AC3E}">
-        <p14:creationId xmlns:p14="http://schemas.microsoft.com/office/powerpoint/2010/main" val="376868499"/>
-      </p:ext>
-    </p:extLst>
   </p:cSld>
   <p:clrMapOvr>
     <a:masterClrMapping/>
   </p:clrMapOvr>
-  <mc:AlternateContent xmlns:mc="http://schemas.openxmlformats.org/markup-compatibility/2006" xmlns:p14="http://schemas.microsoft.com/office/powerpoint/2010/main">
-    <mc:Choice Requires="p14">
-      <p:transition spd="slow" p14:dur="2000"/>
-    </mc:Choice>
-    <mc:Fallback xmlns="">
-      <p:transition xmlns:p14="http://schemas.microsoft.com/office/powerpoint/2010/main" spd="slow"/>
-    </mc:Fallback>
-  </mc:AlternateContent>
 </p:sld>
 </file>
 
-<file path=ppt/slides/slide11.xml><?xml version="1.0" encoding="utf-8"?>
+<file path=ppt/slides/slide12.xml><?xml version="1.0" encoding="utf-8"?>
 <p:sld xmlns:a="http://schemas.openxmlformats.org/drawingml/2006/main" xmlns:r="http://schemas.openxmlformats.org/officeDocument/2006/relationships" xmlns:p="http://schemas.openxmlformats.org/presentationml/2006/main">
   <p:cSld>
     <p:spTree>
@@ -4971,16 +4990,36 @@
             <p:ph type="ctrTitle"/>
           </p:nvPr>
         </p:nvSpPr>
-        <p:spPr/>
+        <p:spPr>
+          <a:xfrm>
+            <a:off x="685800" y="571500"/>
+            <a:ext cx="7772400" cy="912813"/>
+          </a:xfrm>
+        </p:spPr>
         <p:txBody>
-          <a:bodyPr anchor="t"/>
+          <a:bodyPr anchor="t">
+            <a:normAutofit fontScale="90000"/>
+          </a:bodyPr>
           <a:lstStyle/>
           <a:p>
+            <a:pPr>
+              <a:defRPr/>
+            </a:pPr>
             <a:r>
               <a:rPr lang="en-US" dirty="0" smtClean="0"/>
-              <a:t>Import project into Eclipse</a:t>
-            </a:r>
-            <a:endParaRPr lang="en-US" dirty="0"/>
+              <a:t>Eclipse problems</a:t>
+            </a:r>
+            <a:br>
+              <a:rPr lang="en-US" dirty="0" smtClean="0"/>
+            </a:br>
+            <a:r>
+              <a:rPr lang="en-US" sz="2700" dirty="0" smtClean="0"/>
+              <a:t>Groovy compiler mismatch</a:t>
+            </a:r>
+            <a:br>
+              <a:rPr lang="en-US" sz="2700" dirty="0" smtClean="0"/>
+            </a:br>
+            <a:endParaRPr lang="en-US" sz="2700" dirty="0"/>
           </a:p>
         </p:txBody>
       </p:sp>
@@ -4994,98 +5033,47 @@
             <p:ph type="body" sz="quarter" idx="13"/>
           </p:nvPr>
         </p:nvSpPr>
-        <p:spPr/>
+        <p:spPr>
+          <a:xfrm>
+            <a:off x="685800" y="1484313"/>
+            <a:ext cx="7721600" cy="4032250"/>
+          </a:xfrm>
+        </p:spPr>
         <p:txBody>
           <a:bodyPr/>
           <a:lstStyle/>
           <a:p>
-            <a:r>
-              <a:rPr lang="en-US" sz="2000" smtClean="0"/>
-              <a:t>Download </a:t>
-            </a:r>
-            <a:r>
-              <a:rPr lang="en-US" sz="2000" smtClean="0"/>
-              <a:t>example </a:t>
-            </a:r>
+            <a:pPr marL="0" indent="0">
+              <a:buFont typeface="Arial" charset="0"/>
+              <a:buNone/>
+              <a:defRPr/>
+            </a:pPr>
             <a:r>
               <a:rPr lang="en-US" sz="2000" dirty="0" smtClean="0"/>
-              <a:t>project from</a:t>
-            </a:r>
-            <a:endParaRPr lang="en-US" sz="2000" dirty="0" smtClean="0"/>
-          </a:p>
-          <a:p>
-            <a:endParaRPr lang="en-US" sz="2000" dirty="0"/>
-          </a:p>
-          <a:p>
-            <a:endParaRPr lang="en-US" sz="2000" dirty="0" smtClean="0"/>
-          </a:p>
-          <a:p>
-            <a:pPr lvl="1"/>
-            <a:endParaRPr lang="en-US" sz="2000" dirty="0" smtClean="0"/>
-          </a:p>
-          <a:p>
-            <a:pPr lvl="1"/>
+              <a:t>If Eclipse reports a mismatch</a:t>
+            </a:r>
+            <a:r>
+              <a:rPr lang="en-US" sz="2000" dirty="0"/>
+              <a:t> </a:t>
+            </a:r>
+            <a:r>
+              <a:rPr lang="en-US" sz="2000" dirty="0" smtClean="0"/>
+              <a:t>between the project’s and workspace’s Groovy compiler, you need to correct it:</a:t>
+            </a:r>
+          </a:p>
+          <a:p>
+            <a:pPr marL="457200" indent="-457200">
+              <a:buFont typeface="+mj-lt"/>
+              <a:buAutoNum type="arabicPeriod"/>
+              <a:defRPr/>
+            </a:pPr>
             <a:r>
               <a:rPr lang="en-US" sz="1800" dirty="0" smtClean="0"/>
-              <a:t>Zip file contains an Eclipse project</a:t>
-            </a:r>
-          </a:p>
-          <a:p>
-            <a:r>
-              <a:rPr lang="en-US" sz="2000" dirty="0" smtClean="0"/>
-              <a:t>Unzip to a working </a:t>
-            </a:r>
-            <a:r>
-              <a:rPr lang="en-US" sz="2000" dirty="0" smtClean="0"/>
-              <a:t>directory of your choice</a:t>
-            </a:r>
-            <a:endParaRPr lang="en-US" sz="2000" dirty="0" smtClean="0"/>
-          </a:p>
-          <a:p>
-            <a:r>
-              <a:rPr lang="en-US" sz="2000" dirty="0" smtClean="0"/>
-              <a:t>To </a:t>
-            </a:r>
-            <a:r>
-              <a:rPr lang="en-US" sz="2000" dirty="0"/>
-              <a:t>import </a:t>
-            </a:r>
-            <a:r>
-              <a:rPr lang="en-US" sz="2000" dirty="0" smtClean="0"/>
-              <a:t>an Eclipse project:</a:t>
-            </a:r>
-          </a:p>
-          <a:p>
-            <a:pPr lvl="1"/>
-            <a:r>
-              <a:rPr lang="en-US" sz="1800" dirty="0"/>
-              <a:t>S</a:t>
-            </a:r>
-            <a:r>
-              <a:rPr lang="en-US" sz="1800" dirty="0" smtClean="0"/>
-              <a:t>elect </a:t>
-            </a:r>
-            <a:r>
-              <a:rPr lang="en-US" sz="1800" dirty="0"/>
-              <a:t>File → Import → </a:t>
-            </a:r>
-            <a:r>
-              <a:rPr lang="en-US" sz="1800" dirty="0" smtClean="0"/>
-              <a:t>General → Existing Projects into Workspace</a:t>
-            </a:r>
-          </a:p>
-          <a:p>
-            <a:pPr lvl="1"/>
-            <a:r>
-              <a:rPr lang="en-US" sz="1800" dirty="0" smtClean="0"/>
-              <a:t>Browse to the directory where you have unzipped the source code</a:t>
-            </a:r>
-          </a:p>
-          <a:p>
-            <a:pPr lvl="1"/>
-            <a:r>
-              <a:rPr lang="en-US" sz="1800" dirty="0" smtClean="0"/>
-              <a:t> Choose the </a:t>
+              <a:t>Right click</a:t>
+            </a:r>
+            <a:r>
+              <a:rPr lang="en-US" sz="1800" b="1" dirty="0"/>
+              <a:t> </a:t>
             </a:r>
             <a:r>
               <a:rPr lang="en-US" sz="1800" b="1" dirty="0" smtClean="0"/>
@@ -5103,23 +5091,258 @@
               <a:rPr lang="en-US" sz="1800" b="1" dirty="0" err="1" smtClean="0"/>
               <a:t>cadec</a:t>
             </a:r>
-            <a:r>
-              <a:rPr lang="en-US" sz="1800" b="1" dirty="0" smtClean="0"/>
+            <a:endParaRPr lang="en-US" sz="1800" dirty="0" smtClean="0"/>
+          </a:p>
+          <a:p>
+            <a:pPr marL="457200" indent="-457200">
+              <a:buFont typeface="+mj-lt"/>
+              <a:buAutoNum type="arabicPeriod"/>
+              <a:defRPr/>
+            </a:pPr>
+            <a:r>
+              <a:rPr lang="en-US" sz="1800" dirty="0"/>
+              <a:t>Select </a:t>
+            </a:r>
+            <a:r>
+              <a:rPr lang="en-US" sz="1800" dirty="0" smtClean="0"/>
+              <a:t>→ Properties </a:t>
+            </a:r>
+            <a:r>
+              <a:rPr lang="en-US" sz="1800" dirty="0" smtClean="0">
+                <a:sym typeface="Wingdings"/>
+              </a:rPr>
+              <a:t>Groovy Compiler</a:t>
+            </a:r>
+          </a:p>
+          <a:p>
+            <a:pPr marL="457200" indent="-457200">
+              <a:buFont typeface="+mj-lt"/>
+              <a:buAutoNum type="arabicPeriod"/>
+              <a:defRPr/>
+            </a:pPr>
+            <a:r>
+              <a:rPr lang="en-US" sz="1800" dirty="0" smtClean="0">
+                <a:sym typeface="Wingdings"/>
+              </a:rPr>
+              <a:t>Make sure Groovy compiler is set to version 2.0</a:t>
+            </a:r>
+          </a:p>
+        </p:txBody>
+      </p:sp>
+      <p:pic>
+        <p:nvPicPr>
+          <p:cNvPr id="24579" name="Picture 4"/>
+          <p:cNvPicPr>
+            <a:picLocks noChangeAspect="1"/>
+          </p:cNvPicPr>
+          <p:nvPr/>
+        </p:nvPicPr>
+        <p:blipFill>
+          <a:blip r:embed="rId2"/>
+          <a:srcRect/>
+          <a:stretch>
+            <a:fillRect/>
+          </a:stretch>
+        </p:blipFill>
+        <p:spPr bwMode="auto">
+          <a:xfrm>
+            <a:off x="1258888" y="3287713"/>
+            <a:ext cx="4392612" cy="2373312"/>
+          </a:xfrm>
+          <a:prstGeom prst="rect">
+            <a:avLst/>
+          </a:prstGeom>
+          <a:noFill/>
+          <a:ln w="9525">
+            <a:noFill/>
+            <a:miter lim="800000"/>
+            <a:headEnd/>
+            <a:tailEnd/>
+          </a:ln>
+        </p:spPr>
+      </p:pic>
+    </p:spTree>
+  </p:cSld>
+  <p:clrMapOvr>
+    <a:masterClrMapping/>
+  </p:clrMapOvr>
+</p:sld>
+</file>
+
+<file path=ppt/slides/slide13.xml><?xml version="1.0" encoding="utf-8"?>
+<p:sld xmlns:a="http://schemas.openxmlformats.org/drawingml/2006/main" xmlns:r="http://schemas.openxmlformats.org/officeDocument/2006/relationships" xmlns:p="http://schemas.openxmlformats.org/presentationml/2006/main">
+  <p:cSld>
+    <p:spTree>
+      <p:nvGrpSpPr>
+        <p:cNvPr id="1" name=""/>
+        <p:cNvGrpSpPr/>
+        <p:nvPr/>
+      </p:nvGrpSpPr>
+      <p:grpSpPr>
+        <a:xfrm>
+          <a:off x="0" y="0"/>
+          <a:ext cx="0" cy="0"/>
+          <a:chOff x="0" y="0"/>
+          <a:chExt cx="0" cy="0"/>
+        </a:xfrm>
+      </p:grpSpPr>
+      <p:sp>
+        <p:nvSpPr>
+          <p:cNvPr id="2" name="Title 1"/>
+          <p:cNvSpPr>
+            <a:spLocks noGrp="1"/>
+          </p:cNvSpPr>
+          <p:nvPr>
+            <p:ph type="ctrTitle"/>
+          </p:nvPr>
+        </p:nvSpPr>
+        <p:spPr>
+          <a:xfrm>
+            <a:off x="685800" y="571500"/>
+            <a:ext cx="7772400" cy="912813"/>
+          </a:xfrm>
+        </p:spPr>
+        <p:txBody>
+          <a:bodyPr anchor="t">
+            <a:normAutofit fontScale="90000"/>
+          </a:bodyPr>
+          <a:lstStyle/>
+          <a:p>
+            <a:pPr>
+              <a:defRPr/>
+            </a:pPr>
+            <a:r>
+              <a:rPr lang="en-US" dirty="0" smtClean="0"/>
+              <a:t>Start web application</a:t>
+            </a:r>
+            <a:br>
+              <a:rPr lang="en-US" dirty="0" smtClean="0"/>
+            </a:br>
+            <a:r>
+              <a:rPr lang="en-US" sz="2700" dirty="0" smtClean="0"/>
+              <a:t>From inside Eclipse</a:t>
+            </a:r>
+            <a:endParaRPr lang="en-US" sz="2700" dirty="0"/>
+          </a:p>
+        </p:txBody>
+      </p:sp>
+      <p:sp>
+        <p:nvSpPr>
+          <p:cNvPr id="3" name="Text Placeholder 2"/>
+          <p:cNvSpPr>
+            <a:spLocks noGrp="1"/>
+          </p:cNvSpPr>
+          <p:nvPr>
+            <p:ph type="body" sz="quarter" idx="13"/>
+          </p:nvPr>
+        </p:nvSpPr>
+        <p:spPr>
+          <a:xfrm>
+            <a:off x="685800" y="1628775"/>
+            <a:ext cx="7721600" cy="4032250"/>
+          </a:xfrm>
+        </p:spPr>
+        <p:txBody>
+          <a:bodyPr/>
+          <a:lstStyle/>
+          <a:p>
+            <a:pPr marL="457200" indent="-457200">
+              <a:buFont typeface="+mj-lt"/>
+              <a:buAutoNum type="arabicPeriod"/>
+              <a:defRPr/>
+            </a:pPr>
+            <a:r>
+              <a:rPr lang="en-US" sz="2000" dirty="0" smtClean="0"/>
+              <a:t>In Project Explorer </a:t>
+            </a:r>
+            <a:r>
+              <a:rPr lang="en-US" sz="2000" dirty="0"/>
+              <a:t>view, right click </a:t>
+            </a:r>
+            <a:r>
+              <a:rPr lang="en-US" sz="2000" b="1" dirty="0"/>
+              <a:t>groovy-</a:t>
+            </a:r>
+            <a:r>
+              <a:rPr lang="en-US" sz="2000" b="1" dirty="0" err="1"/>
+              <a:t>tdd</a:t>
+            </a:r>
+            <a:r>
+              <a:rPr lang="en-US" sz="2000" b="1" dirty="0"/>
+              <a:t>-</a:t>
+            </a:r>
+            <a:r>
+              <a:rPr lang="en-US" sz="2000" b="1" dirty="0" err="1"/>
+              <a:t>cadec</a:t>
+            </a:r>
+            <a:r>
+              <a:rPr lang="en-US" sz="2000" b="1" dirty="0"/>
+              <a:t> Tomcat7.launch</a:t>
+            </a:r>
+            <a:r>
+              <a:rPr lang="en-US" sz="2000" dirty="0"/>
               <a:t> </a:t>
             </a:r>
-            <a:r>
-              <a:rPr lang="en-US" sz="1800" dirty="0" smtClean="0"/>
-              <a:t>project</a:t>
-            </a:r>
-          </a:p>
-          <a:p>
-            <a:pPr lvl="1"/>
-            <a:r>
-              <a:rPr lang="en-US" sz="1800" dirty="0" smtClean="0"/>
-              <a:t>Click Finish </a:t>
-            </a:r>
-          </a:p>
-          <a:p>
+            <a:endParaRPr lang="en-US" sz="2000" dirty="0" smtClean="0"/>
+          </a:p>
+          <a:p>
+            <a:pPr marL="457200" indent="-457200">
+              <a:buFont typeface="+mj-lt"/>
+              <a:buAutoNum type="arabicPeriod"/>
+              <a:defRPr/>
+            </a:pPr>
+            <a:r>
+              <a:rPr lang="en-US" sz="2000" dirty="0"/>
+              <a:t>Select </a:t>
+            </a:r>
+            <a:r>
+              <a:rPr lang="en-US" sz="2000" dirty="0" smtClean="0"/>
+              <a:t>→ Run As → (m2) groovy</a:t>
+            </a:r>
+            <a:r>
+              <a:rPr lang="en-US" sz="2000" dirty="0"/>
+              <a:t>-</a:t>
+            </a:r>
+            <a:r>
+              <a:rPr lang="en-US" sz="2000" dirty="0" err="1"/>
+              <a:t>tdd</a:t>
+            </a:r>
+            <a:r>
+              <a:rPr lang="en-US" sz="2000" dirty="0"/>
+              <a:t>-</a:t>
+            </a:r>
+            <a:r>
+              <a:rPr lang="en-US" sz="2000" dirty="0" err="1"/>
+              <a:t>cadec</a:t>
+            </a:r>
+            <a:r>
+              <a:rPr lang="en-US" sz="2000" dirty="0"/>
+              <a:t> Tomcat7</a:t>
+            </a:r>
+            <a:endParaRPr lang="en-US" sz="2000" dirty="0" smtClean="0"/>
+          </a:p>
+          <a:p>
+            <a:pPr marL="457200" indent="-457200">
+              <a:buFont typeface="+mj-lt"/>
+              <a:buAutoNum type="arabicPeriod"/>
+              <a:defRPr/>
+            </a:pPr>
+            <a:r>
+              <a:rPr lang="en-US" sz="2000" dirty="0" smtClean="0"/>
+              <a:t>Open a browser and </a:t>
+            </a:r>
+            <a:r>
+              <a:rPr lang="en-US" sz="2000" dirty="0" err="1" smtClean="0"/>
+              <a:t>goto</a:t>
+            </a:r>
+            <a:endParaRPr lang="en-US" sz="2000" dirty="0" smtClean="0"/>
+          </a:p>
+          <a:p>
+            <a:pPr marL="0" indent="0">
+              <a:buFont typeface="Arial" charset="0"/>
+              <a:buNone/>
+              <a:defRPr/>
+            </a:pPr>
             <a:endParaRPr lang="en-US" sz="2000" dirty="0"/>
           </a:p>
         </p:txBody>
@@ -5134,8 +5357,8 @@
         </p:nvSpPr>
         <p:spPr>
           <a:xfrm>
-            <a:off x="1115616" y="2060848"/>
-            <a:ext cx="6048672" cy="810090"/>
+            <a:off x="1258888" y="3213100"/>
+            <a:ext cx="4897437" cy="522288"/>
           </a:xfrm>
           <a:prstGeom prst="roundRect">
             <a:avLst/>
@@ -5323,42 +5546,33 @@
           </a:lstStyle>
           <a:p>
             <a:pPr marL="0" lvl="1" indent="0">
+              <a:buFont typeface="Arial" charset="0"/>
               <a:buNone/>
+              <a:defRPr/>
             </a:pPr>
             <a:r>
-              <a:rPr lang="en-US" sz="2000" dirty="0"/>
-              <a:t>https://</a:t>
-            </a:r>
-            <a:r>
-              <a:rPr lang="en-US" sz="2000" dirty="0" err="1"/>
-              <a:t>callista.adaptavist.com</a:t>
-            </a:r>
-            <a:r>
-              <a:rPr lang="en-US" sz="2000" dirty="0"/>
-              <a:t>/download/attachments/20907671/groovy-</a:t>
-            </a:r>
-            <a:r>
-              <a:rPr lang="en-US" sz="2000" dirty="0" err="1"/>
-              <a:t>tdd</a:t>
-            </a:r>
-            <a:r>
-              <a:rPr lang="en-US" sz="2000" dirty="0"/>
-              <a:t>-</a:t>
-            </a:r>
-            <a:r>
-              <a:rPr lang="en-US" sz="2000" dirty="0" err="1" smtClean="0"/>
-              <a:t>cadec.zip</a:t>
-            </a:r>
-            <a:endParaRPr lang="en-US" sz="2000" dirty="0"/>
+              <a:rPr lang="en-US" sz="1800" dirty="0">
+                <a:hlinkClick r:id="rId2"/>
+              </a:rPr>
+              <a:t>http://localhost:9966/</a:t>
+            </a:r>
+            <a:r>
+              <a:rPr lang="en-US" sz="1800" dirty="0" err="1">
+                <a:hlinkClick r:id="rId2"/>
+              </a:rPr>
+              <a:t>petclinic</a:t>
+            </a:r>
+            <a:r>
+              <a:rPr lang="en-US" sz="1800" dirty="0" smtClean="0">
+                <a:hlinkClick r:id="rId2"/>
+              </a:rPr>
+              <a:t>/</a:t>
+            </a:r>
+            <a:endParaRPr lang="en-US" sz="1800" dirty="0"/>
           </a:p>
         </p:txBody>
       </p:sp>
     </p:spTree>
-    <p:extLst>
-      <p:ext uri="{BB962C8B-B14F-4D97-AF65-F5344CB8AC3E}">
-        <p14:creationId xmlns:p14="http://schemas.microsoft.com/office/powerpoint/2010/main" val="1085299031"/>
-      </p:ext>
-    </p:extLst>
   </p:cSld>
   <p:clrMapOvr>
     <a:masterClrMapping/>
@@ -5366,7 +5580,231 @@
 </p:sld>
 </file>
 
-<file path=ppt/slides/slide12.xml><?xml version="1.0" encoding="utf-8"?>
+<file path=ppt/slides/slide2.xml><?xml version="1.0" encoding="utf-8"?>
+<p:sld xmlns:a="http://schemas.openxmlformats.org/drawingml/2006/main" xmlns:r="http://schemas.openxmlformats.org/officeDocument/2006/relationships" xmlns:p="http://schemas.openxmlformats.org/presentationml/2006/main">
+  <p:cSld>
+    <p:spTree>
+      <p:nvGrpSpPr>
+        <p:cNvPr id="1" name=""/>
+        <p:cNvGrpSpPr/>
+        <p:nvPr/>
+      </p:nvGrpSpPr>
+      <p:grpSpPr>
+        <a:xfrm>
+          <a:off x="0" y="0"/>
+          <a:ext cx="0" cy="0"/>
+          <a:chOff x="0" y="0"/>
+          <a:chExt cx="0" cy="0"/>
+        </a:xfrm>
+      </p:grpSpPr>
+      <p:sp>
+        <p:nvSpPr>
+          <p:cNvPr id="14337" name="Title 1"/>
+          <p:cNvSpPr>
+            <a:spLocks noGrp="1"/>
+          </p:cNvSpPr>
+          <p:nvPr>
+            <p:ph type="ctrTitle"/>
+          </p:nvPr>
+        </p:nvSpPr>
+        <p:spPr bwMode="auto">
+          <a:xfrm>
+            <a:off x="685800" y="571500"/>
+            <a:ext cx="7772400" cy="757238"/>
+          </a:xfrm>
+          <a:noFill/>
+          <a:ln>
+            <a:miter lim="800000"/>
+            <a:headEnd/>
+            <a:tailEnd/>
+          </a:ln>
+        </p:spPr>
+        <p:txBody>
+          <a:bodyPr vert="horz" wrap="square" lIns="91440" tIns="45720" rIns="91440" bIns="45720" numCol="1" anchor="t" anchorCtr="0" compatLnSpc="1">
+            <a:prstTxWarp prst="textNoShape">
+              <a:avLst/>
+            </a:prstTxWarp>
+          </a:bodyPr>
+          <a:lstStyle/>
+          <a:p>
+            <a:r>
+              <a:rPr lang="en-US" smtClean="0">
+                <a:latin typeface="Cambria" pitchFamily="18" charset="0"/>
+                <a:ea typeface="ＭＳ Ｐゴシック"/>
+                <a:cs typeface="Cambria Bold" pitchFamily="18" charset="0"/>
+              </a:rPr>
+              <a:t>Table of Contents</a:t>
+            </a:r>
+          </a:p>
+        </p:txBody>
+      </p:sp>
+      <p:sp>
+        <p:nvSpPr>
+          <p:cNvPr id="3" name="Text Placeholder 2"/>
+          <p:cNvSpPr>
+            <a:spLocks noGrp="1"/>
+          </p:cNvSpPr>
+          <p:nvPr>
+            <p:ph type="body" sz="quarter" idx="13"/>
+          </p:nvPr>
+        </p:nvSpPr>
+        <p:spPr>
+          <a:xfrm>
+            <a:off x="685800" y="1341438"/>
+            <a:ext cx="7721600" cy="4333875"/>
+          </a:xfrm>
+        </p:spPr>
+        <p:txBody>
+          <a:bodyPr/>
+          <a:lstStyle/>
+          <a:p>
+            <a:pPr>
+              <a:defRPr/>
+            </a:pPr>
+            <a:r>
+              <a:rPr lang="en-US" sz="1800" dirty="0" smtClean="0"/>
+              <a:t>Eclipse Installation</a:t>
+            </a:r>
+          </a:p>
+          <a:p>
+            <a:pPr marL="857250" lvl="1" indent="-457200">
+              <a:defRPr/>
+            </a:pPr>
+            <a:r>
+              <a:rPr lang="en-US" sz="1600" dirty="0" smtClean="0"/>
+              <a:t>Java requirements</a:t>
+            </a:r>
+          </a:p>
+          <a:p>
+            <a:pPr marL="857250" lvl="1" indent="-457200">
+              <a:defRPr/>
+            </a:pPr>
+            <a:r>
+              <a:rPr lang="en-US" sz="1600" dirty="0" smtClean="0"/>
+              <a:t>Download Eclipse</a:t>
+            </a:r>
+          </a:p>
+          <a:p>
+            <a:pPr marL="857250" lvl="1" indent="-457200">
+              <a:defRPr/>
+            </a:pPr>
+            <a:r>
+              <a:rPr lang="en-US" sz="1600" dirty="0" smtClean="0"/>
+              <a:t>Install Eclipse</a:t>
+            </a:r>
+          </a:p>
+          <a:p>
+            <a:pPr>
+              <a:defRPr/>
+            </a:pPr>
+            <a:r>
+              <a:rPr lang="en-US" sz="1800" dirty="0" smtClean="0"/>
+              <a:t>Eclipse Plugin Installation</a:t>
+            </a:r>
+          </a:p>
+          <a:p>
+            <a:pPr lvl="1">
+              <a:defRPr/>
+            </a:pPr>
+            <a:r>
+              <a:rPr lang="en-US" sz="1600" dirty="0" smtClean="0"/>
+              <a:t>Groovy-Eclipse</a:t>
+            </a:r>
+          </a:p>
+          <a:p>
+            <a:pPr lvl="1">
+              <a:defRPr/>
+            </a:pPr>
+            <a:r>
+              <a:rPr lang="en-US" sz="1600" dirty="0"/>
+              <a:t>m2e connector for build-helper-maven-</a:t>
+            </a:r>
+            <a:r>
+              <a:rPr lang="en-US" sz="1600" dirty="0" smtClean="0"/>
+              <a:t>plugin</a:t>
+            </a:r>
+          </a:p>
+          <a:p>
+            <a:pPr lvl="1">
+              <a:defRPr/>
+            </a:pPr>
+            <a:r>
+              <a:rPr lang="en-US" sz="1600" dirty="0" smtClean="0"/>
+              <a:t>Maven Integration for Eclipse</a:t>
+            </a:r>
+          </a:p>
+          <a:p>
+            <a:pPr>
+              <a:defRPr/>
+            </a:pPr>
+            <a:r>
+              <a:rPr lang="en-US" sz="1800" dirty="0" smtClean="0"/>
+              <a:t>Firefox Installation</a:t>
+            </a:r>
+          </a:p>
+          <a:p>
+            <a:pPr lvl="1">
+              <a:defRPr/>
+            </a:pPr>
+            <a:r>
+              <a:rPr lang="en-US" sz="1600" dirty="0" smtClean="0"/>
+              <a:t>Windows</a:t>
+            </a:r>
+          </a:p>
+          <a:p>
+            <a:pPr lvl="1">
+              <a:defRPr/>
+            </a:pPr>
+            <a:r>
+              <a:rPr lang="en-US" sz="1600" dirty="0" smtClean="0"/>
+              <a:t>Mac OS X</a:t>
+            </a:r>
+          </a:p>
+          <a:p>
+            <a:pPr>
+              <a:defRPr/>
+            </a:pPr>
+            <a:r>
+              <a:rPr lang="en-US" sz="1800" dirty="0" smtClean="0"/>
+              <a:t>Import project into Eclipse</a:t>
+            </a:r>
+          </a:p>
+          <a:p>
+            <a:pPr>
+              <a:defRPr/>
+            </a:pPr>
+            <a:r>
+              <a:rPr lang="en-US" sz="1800" dirty="0" smtClean="0"/>
+              <a:t>Eclipse problems</a:t>
+            </a:r>
+          </a:p>
+          <a:p>
+            <a:pPr>
+              <a:defRPr/>
+            </a:pPr>
+            <a:r>
+              <a:rPr lang="en-US" sz="1800" dirty="0" smtClean="0"/>
+              <a:t>Start web application</a:t>
+            </a:r>
+          </a:p>
+        </p:txBody>
+      </p:sp>
+    </p:spTree>
+  </p:cSld>
+  <p:clrMapOvr>
+    <a:masterClrMapping/>
+  </p:clrMapOvr>
+  <p:timing>
+    <p:tnLst>
+      <p:par>
+        <p:cTn id="1" dur="indefinite" restart="never" nodeType="tmRoot"/>
+      </p:par>
+    </p:tnLst>
+  </p:timing>
+</p:sld>
+</file>
+
+<file path=ppt/slides/slide3.xml><?xml version="1.0" encoding="utf-8"?>
 <p:sld xmlns:a="http://schemas.openxmlformats.org/drawingml/2006/main" xmlns:r="http://schemas.openxmlformats.org/officeDocument/2006/relationships" xmlns:p="http://schemas.openxmlformats.org/presentationml/2006/main">
   <p:cSld>
     <p:spTree>
@@ -5395,8 +5833,8 @@
         </p:nvSpPr>
         <p:spPr>
           <a:xfrm>
-            <a:off x="685800" y="570922"/>
-            <a:ext cx="7772400" cy="913862"/>
+            <a:off x="685800" y="571500"/>
+            <a:ext cx="7772400" cy="757238"/>
           </a:xfrm>
         </p:spPr>
         <p:txBody>
@@ -5405,27 +5843,27 @@
           </a:bodyPr>
           <a:lstStyle/>
           <a:p>
+            <a:pPr>
+              <a:defRPr/>
+            </a:pPr>
             <a:r>
               <a:rPr lang="en-US" dirty="0" smtClean="0"/>
-              <a:t>Eclipse problems</a:t>
+              <a:t>Eclipse Installation </a:t>
             </a:r>
             <a:br>
               <a:rPr lang="en-US" dirty="0" smtClean="0"/>
             </a:br>
             <a:r>
               <a:rPr lang="en-US" sz="2700" dirty="0" smtClean="0"/>
-              <a:t>Groovy compiler mismatch</a:t>
-            </a:r>
-            <a:br>
-              <a:rPr lang="en-US" sz="2700" dirty="0" smtClean="0"/>
-            </a:br>
+              <a:t>Java requirements</a:t>
+            </a:r>
             <a:endParaRPr lang="en-US" sz="2700" dirty="0"/>
           </a:p>
         </p:txBody>
       </p:sp>
       <p:sp>
         <p:nvSpPr>
-          <p:cNvPr id="3" name="Text Placeholder 2"/>
+          <p:cNvPr id="15362" name="Text Placeholder 2"/>
           <p:cNvSpPr>
             <a:spLocks noGrp="1"/>
           </p:cNvSpPr>
@@ -5433,135 +5871,98 @@
             <p:ph type="body" sz="quarter" idx="13"/>
           </p:nvPr>
         </p:nvSpPr>
-        <p:spPr>
+        <p:spPr bwMode="auto">
           <a:xfrm>
-            <a:off x="685803" y="1484784"/>
-            <a:ext cx="7721303" cy="4032448"/>
+            <a:off x="685800" y="1557338"/>
+            <a:ext cx="7721600" cy="4117975"/>
           </a:xfrm>
+          <a:noFill/>
+          <a:ln>
+            <a:miter lim="800000"/>
+            <a:headEnd/>
+            <a:tailEnd/>
+          </a:ln>
         </p:spPr>
         <p:txBody>
-          <a:bodyPr/>
+          <a:bodyPr vert="horz" wrap="square" lIns="91440" tIns="45720" rIns="91440" bIns="45720" numCol="1" anchor="t" anchorCtr="0" compatLnSpc="1">
+            <a:prstTxWarp prst="textNoShape">
+              <a:avLst/>
+            </a:prstTxWarp>
+          </a:bodyPr>
           <a:lstStyle/>
           <a:p>
-            <a:pPr marL="0" indent="0">
-              <a:buNone/>
-            </a:pPr>
-            <a:r>
-              <a:rPr lang="en-US" sz="2000" dirty="0" smtClean="0"/>
-              <a:t>If Eclipse reports a mismatch</a:t>
-            </a:r>
-            <a:r>
-              <a:rPr lang="en-US" sz="2000" dirty="0"/>
-              <a:t> </a:t>
-            </a:r>
-            <a:r>
-              <a:rPr lang="en-US" sz="2000" dirty="0" smtClean="0"/>
-              <a:t>between the project’s and workspace’s Groovy compiler, you need to correct it:</a:t>
-            </a:r>
-          </a:p>
-          <a:p>
-            <a:pPr marL="457200" indent="-457200">
-              <a:buFont typeface="+mj-lt"/>
-              <a:buAutoNum type="arabicPeriod"/>
-            </a:pPr>
-            <a:r>
-              <a:rPr lang="en-US" sz="1800" dirty="0" smtClean="0"/>
-              <a:t>Right click</a:t>
-            </a:r>
-            <a:r>
-              <a:rPr lang="en-US" sz="1800" b="1" dirty="0"/>
-              <a:t> </a:t>
-            </a:r>
-            <a:r>
-              <a:rPr lang="en-US" sz="1800" b="1" dirty="0" smtClean="0"/>
-              <a:t>groovy-</a:t>
-            </a:r>
-            <a:r>
-              <a:rPr lang="en-US" sz="1800" b="1" dirty="0" err="1" smtClean="0"/>
-              <a:t>tdd</a:t>
-            </a:r>
-            <a:r>
-              <a:rPr lang="en-US" sz="1800" b="1" dirty="0" smtClean="0"/>
-              <a:t>-</a:t>
-            </a:r>
-            <a:r>
-              <a:rPr lang="en-US" sz="1800" b="1" dirty="0" err="1" smtClean="0"/>
-              <a:t>cadec</a:t>
-            </a:r>
-            <a:endParaRPr lang="en-US" sz="1800" dirty="0" smtClean="0"/>
-          </a:p>
-          <a:p>
-            <a:pPr marL="457200" indent="-457200">
-              <a:buFont typeface="+mj-lt"/>
-              <a:buAutoNum type="arabicPeriod"/>
-            </a:pPr>
-            <a:r>
-              <a:rPr lang="en-US" sz="1800" dirty="0"/>
-              <a:t>Select </a:t>
-            </a:r>
-            <a:r>
-              <a:rPr lang="en-US" sz="1800" dirty="0" smtClean="0"/>
-              <a:t>→ Properties </a:t>
-            </a:r>
-            <a:r>
-              <a:rPr lang="en-US" sz="1800" dirty="0" smtClean="0">
-                <a:sym typeface="Wingdings"/>
-              </a:rPr>
-              <a:t>Groovy Compiler</a:t>
-            </a:r>
-          </a:p>
-          <a:p>
-            <a:pPr marL="457200" indent="-457200">
-              <a:buFont typeface="+mj-lt"/>
-              <a:buAutoNum type="arabicPeriod"/>
-            </a:pPr>
-            <a:r>
-              <a:rPr lang="en-US" sz="1800" dirty="0" smtClean="0">
-                <a:sym typeface="Wingdings"/>
-              </a:rPr>
-              <a:t>Make sure Groovy compiler is set to version 2.0</a:t>
-            </a:r>
+            <a:r>
+              <a:rPr lang="en-US" sz="2000" smtClean="0">
+                <a:ea typeface="ＭＳ Ｐゴシック"/>
+                <a:cs typeface="ＭＳ Ｐゴシック"/>
+              </a:rPr>
+              <a:t>Eclipse requires an installed Java runtime. Eclipse 4.2 requires at least Java 5 to run.</a:t>
+            </a:r>
+          </a:p>
+          <a:p>
+            <a:r>
+              <a:rPr lang="en-US" sz="2000" smtClean="0">
+                <a:ea typeface="ＭＳ Ｐゴシック"/>
+                <a:cs typeface="ＭＳ Ｐゴシック"/>
+              </a:rPr>
+              <a:t>Java can be downloaded as a JRE (Java Runtime Environment) or a JDK (Java Development Kit) version.</a:t>
+            </a:r>
+          </a:p>
+          <a:p>
+            <a:r>
+              <a:rPr lang="en-US" sz="2000" smtClean="0">
+                <a:ea typeface="ＭＳ Ｐゴシック"/>
+                <a:cs typeface="ＭＳ Ｐゴシック"/>
+              </a:rPr>
+              <a:t>The Eclipse IDE contains its own Java compiler hence a JRE is sufficient for most tasks with Eclipse.</a:t>
+            </a:r>
+          </a:p>
+          <a:p>
+            <a:r>
+              <a:rPr lang="en-US" sz="2000" smtClean="0">
+                <a:ea typeface="ＭＳ Ｐゴシック"/>
+                <a:cs typeface="ＭＳ Ｐゴシック"/>
+              </a:rPr>
+              <a:t>The JDK version of Java is required if you compile Java source code on the command line and for advanced development scenarios, for example, if you use automatic builds or if you develop Java web applications.</a:t>
+            </a:r>
+          </a:p>
+          <a:p>
+            <a:r>
+              <a:rPr lang="en-US" sz="2000" smtClean="0">
+                <a:ea typeface="ＭＳ Ｐゴシック"/>
+                <a:cs typeface="ＭＳ Ｐゴシック"/>
+              </a:rPr>
+              <a:t>For this tutorial, you should use Java JDK in version 6 or higher.</a:t>
+            </a:r>
+            <a:endParaRPr lang="en-US" smtClean="0">
+              <a:ea typeface="ＭＳ Ｐゴシック"/>
+              <a:cs typeface="ＭＳ Ｐゴシック"/>
+            </a:endParaRPr>
+          </a:p>
+          <a:p>
+            <a:endParaRPr lang="en-US" smtClean="0">
+              <a:ea typeface="ＭＳ Ｐゴシック"/>
+              <a:cs typeface="ＭＳ Ｐゴシック"/>
+            </a:endParaRPr>
           </a:p>
         </p:txBody>
       </p:sp>
-      <p:pic>
-        <p:nvPicPr>
-          <p:cNvPr id="5" name="Picture 4"/>
-          <p:cNvPicPr>
-            <a:picLocks noChangeAspect="1"/>
-          </p:cNvPicPr>
-          <p:nvPr/>
-        </p:nvPicPr>
-        <p:blipFill>
-          <a:blip r:embed="rId2"/>
-          <a:stretch>
-            <a:fillRect/>
-          </a:stretch>
-        </p:blipFill>
-        <p:spPr>
-          <a:xfrm>
-            <a:off x="1259632" y="3287348"/>
-            <a:ext cx="4392488" cy="2373900"/>
-          </a:xfrm>
-          <a:prstGeom prst="rect">
-            <a:avLst/>
-          </a:prstGeom>
-        </p:spPr>
-      </p:pic>
     </p:spTree>
-    <p:extLst>
-      <p:ext uri="{BB962C8B-B14F-4D97-AF65-F5344CB8AC3E}">
-        <p14:creationId xmlns:p14="http://schemas.microsoft.com/office/powerpoint/2010/main" val="1148949615"/>
-      </p:ext>
-    </p:extLst>
   </p:cSld>
   <p:clrMapOvr>
     <a:masterClrMapping/>
   </p:clrMapOvr>
+  <p:timing>
+    <p:tnLst>
+      <p:par>
+        <p:cTn id="1" dur="indefinite" restart="never" nodeType="tmRoot"/>
+      </p:par>
+    </p:tnLst>
+  </p:timing>
 </p:sld>
 </file>
 
-<file path=ppt/slides/slide13.xml><?xml version="1.0" encoding="utf-8"?>
+<file path=ppt/slides/slide4.xml><?xml version="1.0" encoding="utf-8"?>
 <p:sld xmlns:a="http://schemas.openxmlformats.org/drawingml/2006/main" xmlns:r="http://schemas.openxmlformats.org/officeDocument/2006/relationships" xmlns:p="http://schemas.openxmlformats.org/presentationml/2006/main">
   <p:cSld>
     <p:spTree>
@@ -5590,8 +5991,8 @@
         </p:nvSpPr>
         <p:spPr>
           <a:xfrm>
-            <a:off x="685800" y="570922"/>
-            <a:ext cx="7772400" cy="913862"/>
+            <a:off x="685800" y="571500"/>
+            <a:ext cx="7772400" cy="757238"/>
           </a:xfrm>
         </p:spPr>
         <p:txBody>
@@ -5600,16 +6001,19 @@
           </a:bodyPr>
           <a:lstStyle/>
           <a:p>
+            <a:pPr>
+              <a:defRPr/>
+            </a:pPr>
             <a:r>
               <a:rPr lang="en-US" dirty="0" smtClean="0"/>
-              <a:t>Start web application</a:t>
+              <a:t>Eclipse Installation </a:t>
             </a:r>
             <a:br>
               <a:rPr lang="en-US" dirty="0" smtClean="0"/>
             </a:br>
             <a:r>
               <a:rPr lang="en-US" sz="2700" dirty="0" smtClean="0"/>
-              <a:t>From inside Eclipse</a:t>
+              <a:t>Download Eclipse</a:t>
             </a:r>
             <a:endParaRPr lang="en-US" sz="2700" dirty="0"/>
           </a:p>
@@ -5617,7 +6021,7 @@
       </p:sp>
       <p:sp>
         <p:nvSpPr>
-          <p:cNvPr id="3" name="Text Placeholder 2"/>
+          <p:cNvPr id="16386" name="Text Placeholder 2"/>
           <p:cNvSpPr>
             <a:spLocks noGrp="1"/>
           </p:cNvSpPr>
@@ -5625,109 +6029,100 @@
             <p:ph type="body" sz="quarter" idx="13"/>
           </p:nvPr>
         </p:nvSpPr>
-        <p:spPr>
+        <p:spPr bwMode="auto">
           <a:xfrm>
-            <a:off x="685803" y="1628800"/>
-            <a:ext cx="7721303" cy="4032448"/>
+            <a:off x="685800" y="1557338"/>
+            <a:ext cx="7721600" cy="4117975"/>
           </a:xfrm>
+          <a:noFill/>
+          <a:ln>
+            <a:miter lim="800000"/>
+            <a:headEnd/>
+            <a:tailEnd/>
+          </a:ln>
         </p:spPr>
         <p:txBody>
-          <a:bodyPr/>
+          <a:bodyPr vert="horz" wrap="square" lIns="91440" tIns="45720" rIns="91440" bIns="45720" numCol="1" anchor="t" anchorCtr="0" compatLnSpc="1">
+            <a:prstTxWarp prst="textNoShape">
+              <a:avLst/>
+            </a:prstTxWarp>
+          </a:bodyPr>
           <a:lstStyle/>
           <a:p>
-            <a:pPr marL="457200" indent="-457200">
-              <a:buFont typeface="+mj-lt"/>
-              <a:buAutoNum type="arabicPeriod"/>
-            </a:pPr>
-            <a:r>
-              <a:rPr lang="en-US" sz="2000" dirty="0" smtClean="0"/>
-              <a:t>In Project Explorer </a:t>
-            </a:r>
-            <a:r>
-              <a:rPr lang="en-US" sz="2000" dirty="0"/>
-              <a:t>view, right click </a:t>
-            </a:r>
-            <a:r>
-              <a:rPr lang="en-US" sz="2000" b="1" dirty="0"/>
-              <a:t>groovy-</a:t>
-            </a:r>
-            <a:r>
-              <a:rPr lang="en-US" sz="2000" b="1" dirty="0" err="1"/>
-              <a:t>tdd</a:t>
-            </a:r>
-            <a:r>
-              <a:rPr lang="en-US" sz="2000" b="1" dirty="0"/>
-              <a:t>-</a:t>
-            </a:r>
-            <a:r>
-              <a:rPr lang="en-US" sz="2000" b="1" dirty="0" err="1"/>
-              <a:t>cadec</a:t>
-            </a:r>
-            <a:r>
-              <a:rPr lang="en-US" sz="2000" b="1" dirty="0"/>
-              <a:t> Tomcat7.launch</a:t>
-            </a:r>
-            <a:r>
-              <a:rPr lang="en-US" sz="2000" dirty="0"/>
-              <a:t> </a:t>
-            </a:r>
-            <a:endParaRPr lang="en-US" sz="2000" dirty="0" smtClean="0"/>
-          </a:p>
-          <a:p>
-            <a:pPr marL="457200" indent="-457200">
-              <a:buFont typeface="+mj-lt"/>
-              <a:buAutoNum type="arabicPeriod"/>
-            </a:pPr>
-            <a:r>
-              <a:rPr lang="en-US" sz="2000" dirty="0"/>
-              <a:t>Select </a:t>
-            </a:r>
-            <a:r>
-              <a:rPr lang="en-US" sz="2000" dirty="0" smtClean="0"/>
-              <a:t>→ Run As → (m2) groovy</a:t>
-            </a:r>
-            <a:r>
-              <a:rPr lang="en-US" sz="2000" dirty="0"/>
-              <a:t>-</a:t>
-            </a:r>
-            <a:r>
-              <a:rPr lang="en-US" sz="2000" dirty="0" err="1"/>
-              <a:t>tdd</a:t>
-            </a:r>
-            <a:r>
-              <a:rPr lang="en-US" sz="2000" dirty="0"/>
-              <a:t>-</a:t>
-            </a:r>
-            <a:r>
-              <a:rPr lang="en-US" sz="2000" dirty="0" err="1"/>
-              <a:t>cadec</a:t>
-            </a:r>
-            <a:r>
-              <a:rPr lang="en-US" sz="2000" dirty="0"/>
-              <a:t> Tomcat7</a:t>
-            </a:r>
-            <a:endParaRPr lang="en-US" sz="2000" dirty="0" smtClean="0"/>
-          </a:p>
-          <a:p>
-            <a:pPr marL="457200" indent="-457200">
-              <a:buFont typeface="+mj-lt"/>
-              <a:buAutoNum type="arabicPeriod"/>
-            </a:pPr>
-            <a:r>
-              <a:rPr lang="en-US" sz="2000" dirty="0" smtClean="0"/>
-              <a:t>Open a browser and </a:t>
-            </a:r>
-            <a:r>
-              <a:rPr lang="en-US" sz="2000" dirty="0" err="1" smtClean="0"/>
-              <a:t>goto</a:t>
-            </a:r>
-            <a:endParaRPr lang="en-US" sz="2000" dirty="0" smtClean="0"/>
-          </a:p>
-          <a:p>
             <a:pPr marL="0" indent="0">
+              <a:buFont typeface="Arial" charset="0"/>
               <a:buNone/>
             </a:pPr>
-            <a:endParaRPr lang="en-US" sz="2000" dirty="0"/>
+            <a:r>
+              <a:rPr lang="en-US" sz="2000" smtClean="0">
+                <a:ea typeface="ＭＳ Ｐゴシック"/>
+                <a:cs typeface="ＭＳ Ｐゴシック"/>
+              </a:rPr>
+              <a:t>The Eclipse IDE consists of several components. The Eclipse.org website provides pre-packaged Eclipse distributions to provide downloads for typical use cases. The Eclipse IDE for Java EE Developers contains everything you need to build Java and Java Enterprise Edition (Java EE) applications.</a:t>
+            </a:r>
+          </a:p>
+          <a:p>
+            <a:pPr marL="0" indent="0">
+              <a:buFont typeface="Arial" charset="0"/>
+              <a:buNone/>
+            </a:pPr>
+            <a:r>
+              <a:rPr lang="en-US" sz="1400" smtClean="0">
+                <a:ea typeface="ＭＳ Ｐゴシック"/>
+                <a:cs typeface="ＭＳ Ｐゴシック"/>
+              </a:rPr>
+              <a:t> </a:t>
+            </a:r>
+          </a:p>
+          <a:p>
+            <a:pPr marL="0" indent="0">
+              <a:buFont typeface="Arial" charset="0"/>
+              <a:buNone/>
+            </a:pPr>
+            <a:r>
+              <a:rPr lang="en-US" sz="2000" smtClean="0">
+                <a:ea typeface="ＭＳ Ｐゴシック"/>
+                <a:cs typeface="ＭＳ Ｐゴシック"/>
+              </a:rPr>
+              <a:t>Download the </a:t>
+            </a:r>
+            <a:r>
+              <a:rPr lang="en-US" sz="2000" b="1" smtClean="0">
+                <a:ea typeface="ＭＳ Ｐゴシック"/>
+                <a:cs typeface="ＭＳ Ｐゴシック"/>
+              </a:rPr>
+              <a:t>Eclipse IDE for Java Developers </a:t>
+            </a:r>
+            <a:r>
+              <a:rPr lang="en-US" sz="2000" smtClean="0">
+                <a:ea typeface="ＭＳ Ｐゴシック"/>
+                <a:cs typeface="ＭＳ Ｐゴシック"/>
+              </a:rPr>
+              <a:t>or </a:t>
+            </a:r>
+            <a:r>
+              <a:rPr lang="en-US" sz="2000" b="1" smtClean="0">
+                <a:ea typeface="ＭＳ Ｐゴシック"/>
+                <a:cs typeface="ＭＳ Ｐゴシック"/>
+              </a:rPr>
+              <a:t>Eclipse IDE for Java EE Developers </a:t>
+            </a:r>
+            <a:r>
+              <a:rPr lang="en-US" sz="2000" smtClean="0">
+                <a:ea typeface="ＭＳ Ｐゴシック"/>
+                <a:cs typeface="ＭＳ Ｐゴシック"/>
+              </a:rPr>
+              <a:t>package from the following URL. Ensure that you download the correct distribution for your Java version (e.g., 32 bit vs. 64 bit).</a:t>
+            </a:r>
+          </a:p>
+          <a:p>
+            <a:pPr marL="457200" lvl="1" indent="0">
+              <a:buFont typeface="Arial" charset="0"/>
+              <a:buNone/>
+            </a:pPr>
+            <a:endParaRPr lang="en-US" sz="1800" smtClean="0">
+              <a:ea typeface="ＭＳ Ｐゴシック"/>
+            </a:endParaRPr>
           </a:p>
         </p:txBody>
       </p:sp>
@@ -5741,8 +6136,8 @@
         </p:nvSpPr>
         <p:spPr>
           <a:xfrm>
-            <a:off x="1259632" y="3212976"/>
-            <a:ext cx="4896544" cy="522058"/>
+            <a:off x="830263" y="4581525"/>
+            <a:ext cx="5829300" cy="576263"/>
           </a:xfrm>
           <a:prstGeom prst="roundRect">
             <a:avLst/>
@@ -5929,39 +6324,49 @@
             </a:lvl9pPr>
           </a:lstStyle>
           <a:p>
-            <a:pPr marL="0" lvl="1" indent="0">
+            <a:pPr marL="0" indent="0">
+              <a:buFont typeface="Arial" charset="0"/>
               <a:buNone/>
+              <a:defRPr/>
             </a:pPr>
             <a:r>
-              <a:rPr lang="en-US" sz="1800" dirty="0"/>
-              <a:t>http://localhost:9966/</a:t>
-            </a:r>
-            <a:r>
-              <a:rPr lang="en-US" sz="1800" dirty="0" err="1"/>
-              <a:t>petclinic</a:t>
-            </a:r>
-            <a:r>
-              <a:rPr lang="en-US" sz="1800" dirty="0" smtClean="0"/>
-              <a:t>/</a:t>
+              <a:rPr lang="en-US" sz="1800" dirty="0" smtClean="0">
+                <a:hlinkClick r:id="rId2"/>
+              </a:rPr>
+              <a:t>http://</a:t>
+            </a:r>
+            <a:r>
+              <a:rPr lang="en-US" sz="1800" dirty="0" err="1" smtClean="0">
+                <a:hlinkClick r:id="rId2"/>
+              </a:rPr>
+              <a:t>www.eclipse.org</a:t>
+            </a:r>
+            <a:r>
+              <a:rPr lang="en-US" sz="1800" dirty="0" smtClean="0">
+                <a:hlinkClick r:id="rId2"/>
+              </a:rPr>
+              <a:t>/downloads</a:t>
             </a:r>
             <a:endParaRPr lang="en-US" sz="1800" dirty="0"/>
           </a:p>
         </p:txBody>
       </p:sp>
     </p:spTree>
-    <p:extLst>
-      <p:ext uri="{BB962C8B-B14F-4D97-AF65-F5344CB8AC3E}">
-        <p14:creationId xmlns:p14="http://schemas.microsoft.com/office/powerpoint/2010/main" val="3198024922"/>
-      </p:ext>
-    </p:extLst>
   </p:cSld>
   <p:clrMapOvr>
     <a:masterClrMapping/>
   </p:clrMapOvr>
+  <p:timing>
+    <p:tnLst>
+      <p:par>
+        <p:cTn id="1" dur="indefinite" restart="never" nodeType="tmRoot"/>
+      </p:par>
+    </p:tnLst>
+  </p:timing>
 </p:sld>
 </file>
 
-<file path=ppt/slides/slide2.xml><?xml version="1.0" encoding="utf-8"?>
+<file path=ppt/slides/slide5.xml><?xml version="1.0" encoding="utf-8"?>
 <p:sld xmlns:a="http://schemas.openxmlformats.org/drawingml/2006/main" xmlns:r="http://schemas.openxmlformats.org/officeDocument/2006/relationships" xmlns:p="http://schemas.openxmlformats.org/presentationml/2006/main">
   <p:cSld>
     <p:spTree>
@@ -5988,22 +6393,39 @@
             <p:ph type="ctrTitle"/>
           </p:nvPr>
         </p:nvSpPr>
-        <p:spPr/>
+        <p:spPr>
+          <a:xfrm>
+            <a:off x="685800" y="571500"/>
+            <a:ext cx="7772400" cy="757238"/>
+          </a:xfrm>
+        </p:spPr>
         <p:txBody>
-          <a:bodyPr anchor="t"/>
+          <a:bodyPr anchor="t">
+            <a:normAutofit fontScale="90000"/>
+          </a:bodyPr>
           <a:lstStyle/>
           <a:p>
+            <a:pPr>
+              <a:defRPr/>
+            </a:pPr>
             <a:r>
               <a:rPr lang="en-US" dirty="0" smtClean="0"/>
-              <a:t>Table of Contents</a:t>
-            </a:r>
-            <a:endParaRPr lang="en-US" dirty="0"/>
+              <a:t>Eclipse Installation </a:t>
+            </a:r>
+            <a:br>
+              <a:rPr lang="en-US" dirty="0" smtClean="0"/>
+            </a:br>
+            <a:r>
+              <a:rPr lang="en-US" sz="2700" dirty="0" smtClean="0"/>
+              <a:t>Download Eclipse (contd.)</a:t>
+            </a:r>
+            <a:endParaRPr lang="en-US" sz="2700" dirty="0"/>
           </a:p>
         </p:txBody>
       </p:sp>
       <p:sp>
         <p:nvSpPr>
-          <p:cNvPr id="3" name="Text Placeholder 2"/>
+          <p:cNvPr id="17410" name="Text Placeholder 2"/>
           <p:cNvSpPr>
             <a:spLocks noGrp="1"/>
           </p:cNvSpPr>
@@ -6011,119 +6433,88 @@
             <p:ph type="body" sz="quarter" idx="13"/>
           </p:nvPr>
         </p:nvSpPr>
-        <p:spPr>
+        <p:spPr bwMode="auto">
           <a:xfrm>
-            <a:off x="685803" y="1340768"/>
-            <a:ext cx="7721303" cy="4334259"/>
+            <a:off x="685800" y="1557338"/>
+            <a:ext cx="7721600" cy="1150937"/>
           </a:xfrm>
+          <a:noFill/>
+          <a:ln>
+            <a:miter lim="800000"/>
+            <a:headEnd/>
+            <a:tailEnd/>
+          </a:ln>
         </p:spPr>
         <p:txBody>
-          <a:bodyPr/>
+          <a:bodyPr vert="horz" wrap="square" lIns="91440" tIns="45720" rIns="91440" bIns="45720" numCol="1" anchor="t" anchorCtr="0" compatLnSpc="1">
+            <a:prstTxWarp prst="textNoShape">
+              <a:avLst/>
+            </a:prstTxWarp>
+          </a:bodyPr>
           <a:lstStyle/>
           <a:p>
-            <a:r>
-              <a:rPr lang="en-US" sz="1800" dirty="0" smtClean="0"/>
-              <a:t>Eclipse Installation</a:t>
-            </a:r>
-          </a:p>
-          <a:p>
-            <a:pPr marL="857250" lvl="1" indent="-457200"/>
-            <a:r>
-              <a:rPr lang="en-US" sz="1600" dirty="0" smtClean="0"/>
-              <a:t>Java requirements</a:t>
-            </a:r>
-          </a:p>
-          <a:p>
-            <a:pPr marL="857250" lvl="1" indent="-457200"/>
-            <a:r>
-              <a:rPr lang="en-US" sz="1600" dirty="0" smtClean="0"/>
-              <a:t>Download Eclipse</a:t>
-            </a:r>
-          </a:p>
-          <a:p>
-            <a:pPr marL="857250" lvl="1" indent="-457200"/>
-            <a:r>
-              <a:rPr lang="en-US" sz="1600" dirty="0" smtClean="0"/>
-              <a:t>Install Eclipse</a:t>
-            </a:r>
-          </a:p>
-          <a:p>
-            <a:r>
-              <a:rPr lang="en-US" sz="1800" dirty="0" smtClean="0"/>
-              <a:t>Eclipse Plugin Installation</a:t>
-            </a:r>
-          </a:p>
-          <a:p>
-            <a:pPr lvl="1"/>
-            <a:r>
-              <a:rPr lang="en-US" sz="1600" dirty="0" smtClean="0"/>
-              <a:t>Groovy-Eclipse</a:t>
-            </a:r>
-          </a:p>
-          <a:p>
-            <a:pPr lvl="1"/>
-            <a:r>
-              <a:rPr lang="en-US" sz="1600" dirty="0"/>
-              <a:t>m2e connector for build-helper-maven-</a:t>
-            </a:r>
-            <a:r>
-              <a:rPr lang="en-US" sz="1600" dirty="0" smtClean="0"/>
-              <a:t>plugin</a:t>
-            </a:r>
-          </a:p>
-          <a:p>
-            <a:pPr lvl="1"/>
-            <a:r>
-              <a:rPr lang="en-US" sz="1600" dirty="0" smtClean="0"/>
-              <a:t>Maven Integration for Eclipse</a:t>
-            </a:r>
-          </a:p>
-          <a:p>
-            <a:r>
-              <a:rPr lang="en-US" sz="1800" dirty="0" smtClean="0"/>
-              <a:t>Firefox Installation</a:t>
-            </a:r>
-          </a:p>
-          <a:p>
-            <a:pPr lvl="1"/>
-            <a:r>
-              <a:rPr lang="en-US" sz="1600" dirty="0" smtClean="0"/>
-              <a:t>Windows</a:t>
-            </a:r>
-          </a:p>
-          <a:p>
-            <a:pPr lvl="1"/>
-            <a:r>
-              <a:rPr lang="en-US" sz="1600" dirty="0" smtClean="0"/>
-              <a:t>Mac OS X</a:t>
-            </a:r>
-          </a:p>
-          <a:p>
-            <a:r>
-              <a:rPr lang="en-US" sz="1800" dirty="0" smtClean="0"/>
-              <a:t>Import project into Eclipse</a:t>
-            </a:r>
-          </a:p>
-          <a:p>
-            <a:r>
-              <a:rPr lang="en-US" sz="1800" dirty="0" smtClean="0"/>
-              <a:t>Eclipse problems</a:t>
-            </a:r>
-          </a:p>
-          <a:p>
-            <a:r>
-              <a:rPr lang="en-US" sz="1800" dirty="0" smtClean="0"/>
-              <a:t>Start web application</a:t>
+            <a:pPr marL="57150" indent="0">
+              <a:buFont typeface="Arial" charset="0"/>
+              <a:buNone/>
+            </a:pPr>
+            <a:r>
+              <a:rPr lang="en-US" sz="2000" smtClean="0">
+                <a:ea typeface="ＭＳ Ｐゴシック"/>
+                <a:cs typeface="ＭＳ Ｐゴシック"/>
+              </a:rPr>
+              <a:t>The following screenshot shows the Eclipse download website for a Mac OS X system. Press on the link beside the package description (e.g, Mac OS X 64-Bit) to start the download. The download is a </a:t>
+            </a:r>
+            <a:r>
+              <a:rPr lang="en-US" sz="1800" i="1" smtClean="0">
+                <a:latin typeface="Courier New" pitchFamily="49" charset="0"/>
+                <a:ea typeface="ＭＳ Ｐゴシック"/>
+                <a:cs typeface="Courier New" pitchFamily="49" charset="0"/>
+              </a:rPr>
+              <a:t>.zip</a:t>
+            </a:r>
+            <a:r>
+              <a:rPr lang="en-US" sz="2000" smtClean="0">
+                <a:ea typeface="ＭＳ Ｐゴシック"/>
+                <a:cs typeface="ＭＳ Ｐゴシック"/>
+              </a:rPr>
+              <a:t> file</a:t>
             </a:r>
           </a:p>
         </p:txBody>
       </p:sp>
+      <p:pic>
+        <p:nvPicPr>
+          <p:cNvPr id="17411" name="Picture 7"/>
+          <p:cNvPicPr>
+            <a:picLocks noChangeAspect="1"/>
+          </p:cNvPicPr>
+          <p:nvPr/>
+        </p:nvPicPr>
+        <p:blipFill>
+          <a:blip r:embed="rId2"/>
+          <a:srcRect/>
+          <a:stretch>
+            <a:fillRect/>
+          </a:stretch>
+        </p:blipFill>
+        <p:spPr bwMode="auto">
+          <a:xfrm>
+            <a:off x="827088" y="2703513"/>
+            <a:ext cx="4535487" cy="2813050"/>
+          </a:xfrm>
+          <a:prstGeom prst="rect">
+            <a:avLst/>
+          </a:prstGeom>
+          <a:noFill/>
+          <a:ln w="9525">
+            <a:noFill/>
+            <a:miter lim="800000"/>
+            <a:headEnd/>
+            <a:tailEnd/>
+          </a:ln>
+        </p:spPr>
+      </p:pic>
     </p:spTree>
-    <p:extLst>
-      <p:ext uri="{BB962C8B-B14F-4D97-AF65-F5344CB8AC3E}">
-        <p14:creationId xmlns:p14="http://schemas.microsoft.com/office/powerpoint/2010/main" val="250005395"/>
-      </p:ext>
-    </p:extLst>
   </p:cSld>
   <p:clrMapOvr>
     <a:masterClrMapping/>
@@ -6131,14 +6522,14 @@
   <p:timing>
     <p:tnLst>
       <p:par>
-        <p:cTn xmlns:p14="http://schemas.microsoft.com/office/powerpoint/2010/main" id="1" dur="indefinite" restart="never" nodeType="tmRoot"/>
+        <p:cTn id="1" dur="indefinite" restart="never" nodeType="tmRoot"/>
       </p:par>
     </p:tnLst>
   </p:timing>
 </p:sld>
 </file>
 
-<file path=ppt/slides/slide3.xml><?xml version="1.0" encoding="utf-8"?>
+<file path=ppt/slides/slide6.xml><?xml version="1.0" encoding="utf-8"?>
 <p:sld xmlns:a="http://schemas.openxmlformats.org/drawingml/2006/main" xmlns:r="http://schemas.openxmlformats.org/officeDocument/2006/relationships" xmlns:p="http://schemas.openxmlformats.org/presentationml/2006/main">
   <p:cSld>
     <p:spTree>
@@ -6165,23 +6556,31 @@
             <p:ph type="ctrTitle"/>
           </p:nvPr>
         </p:nvSpPr>
-        <p:spPr/>
+        <p:spPr>
+          <a:xfrm>
+            <a:off x="685800" y="571500"/>
+            <a:ext cx="7772400" cy="912813"/>
+          </a:xfrm>
+        </p:spPr>
         <p:txBody>
           <a:bodyPr anchor="t">
             <a:normAutofit fontScale="90000"/>
           </a:bodyPr>
           <a:lstStyle/>
           <a:p>
+            <a:pPr>
+              <a:defRPr/>
+            </a:pPr>
             <a:r>
               <a:rPr lang="en-US" dirty="0" smtClean="0"/>
-              <a:t>Eclipse Installation </a:t>
+              <a:t>Eclipse Installation</a:t>
             </a:r>
             <a:br>
               <a:rPr lang="en-US" dirty="0" smtClean="0"/>
             </a:br>
             <a:r>
               <a:rPr lang="en-US" sz="2700" dirty="0" smtClean="0"/>
-              <a:t>Java requirements</a:t>
+              <a:t>Install Eclipse</a:t>
             </a:r>
             <a:endParaRPr lang="en-US" sz="2700" dirty="0"/>
           </a:p>
@@ -6189,7 +6588,7 @@
       </p:sp>
       <p:sp>
         <p:nvSpPr>
-          <p:cNvPr id="3" name="Text Placeholder 2"/>
+          <p:cNvPr id="18434" name="Text Placeholder 2"/>
           <p:cNvSpPr>
             <a:spLocks noGrp="1"/>
           </p:cNvSpPr>
@@ -6197,68 +6596,155 @@
             <p:ph type="body" sz="quarter" idx="13"/>
           </p:nvPr>
         </p:nvSpPr>
-        <p:spPr/>
+        <p:spPr bwMode="auto">
+          <a:xfrm>
+            <a:off x="685800" y="1557338"/>
+            <a:ext cx="7721600" cy="4117975"/>
+          </a:xfrm>
+          <a:noFill/>
+          <a:ln>
+            <a:miter lim="800000"/>
+            <a:headEnd/>
+            <a:tailEnd/>
+          </a:ln>
+        </p:spPr>
         <p:txBody>
-          <a:bodyPr/>
+          <a:bodyPr vert="horz" wrap="square" lIns="91440" tIns="45720" rIns="91440" bIns="45720" numCol="1" anchor="t" anchorCtr="0" compatLnSpc="1">
+            <a:prstTxWarp prst="textNoShape">
+              <a:avLst/>
+            </a:prstTxWarp>
+          </a:bodyPr>
           <a:lstStyle/>
           <a:p>
-            <a:r>
-              <a:rPr lang="en-US" sz="2000" dirty="0" smtClean="0"/>
-              <a:t>Eclipse requires an installed Java runtime. Eclipse 4.2 requires at least Java 5 to run.</a:t>
-            </a:r>
-          </a:p>
-          <a:p>
-            <a:r>
-              <a:rPr lang="en-US" sz="2000" dirty="0" smtClean="0"/>
-              <a:t>Java </a:t>
-            </a:r>
-            <a:r>
-              <a:rPr lang="en-US" sz="2000" dirty="0"/>
-              <a:t>can be downloaded </a:t>
-            </a:r>
-            <a:r>
-              <a:rPr lang="en-US" sz="2000" dirty="0" smtClean="0"/>
-              <a:t>as </a:t>
-            </a:r>
-            <a:r>
-              <a:rPr lang="en-US" sz="2000" dirty="0"/>
-              <a:t>a JRE (Java Runtime Environment) or a JDK (Java Development Kit) version.</a:t>
-            </a:r>
-          </a:p>
-          <a:p>
-            <a:r>
-              <a:rPr lang="en-US" sz="2000" dirty="0"/>
-              <a:t>The Eclipse IDE contains its own Java compiler hence a JRE is sufficient for most tasks with Eclipse.</a:t>
-            </a:r>
-          </a:p>
-          <a:p>
-            <a:r>
-              <a:rPr lang="en-US" sz="2000" dirty="0"/>
-              <a:t>The JDK version of Java is required if you compile Java source code on the command line and for advanced development scenarios, for example, if you use automatic builds or if you develop Java web applications.</a:t>
-            </a:r>
-          </a:p>
-          <a:p>
-            <a:r>
-              <a:rPr lang="en-US" sz="2000" dirty="0"/>
-              <a:t>For this tutorial, you should use Java JDK in version 6 or higher</a:t>
-            </a:r>
-            <a:r>
-              <a:rPr lang="en-US" sz="2000" dirty="0" smtClean="0"/>
-              <a:t>.</a:t>
-            </a:r>
-            <a:endParaRPr lang="en-US" dirty="0" smtClean="0"/>
-          </a:p>
-          <a:p>
-            <a:endParaRPr lang="en-US" dirty="0"/>
+            <a:pPr marL="0" indent="0">
+              <a:buFont typeface="Arial" charset="0"/>
+              <a:buNone/>
+            </a:pPr>
+            <a:r>
+              <a:rPr lang="en-US" sz="2000" smtClean="0">
+                <a:ea typeface="ＭＳ Ｐゴシック"/>
+                <a:cs typeface="ＭＳ Ｐゴシック"/>
+              </a:rPr>
+              <a:t>After you downloaded the </a:t>
+            </a:r>
+            <a:r>
+              <a:rPr lang="en-US" sz="1800" smtClean="0">
+                <a:latin typeface="Courier New" pitchFamily="49" charset="0"/>
+                <a:ea typeface="ＭＳ Ｐゴシック"/>
+                <a:cs typeface="Courier New" pitchFamily="49" charset="0"/>
+              </a:rPr>
+              <a:t>.zip</a:t>
+            </a:r>
+            <a:r>
+              <a:rPr lang="en-US" sz="2000" smtClean="0">
+                <a:ea typeface="ＭＳ Ｐゴシック"/>
+                <a:cs typeface="ＭＳ Ｐゴシック"/>
+              </a:rPr>
+              <a:t> file with the Eclipse distribution, unzip it to a local directory.</a:t>
+            </a:r>
+          </a:p>
+          <a:p>
+            <a:pPr marL="0" indent="0">
+              <a:buFont typeface="Arial" charset="0"/>
+              <a:buNone/>
+            </a:pPr>
+            <a:endParaRPr lang="en-US" sz="800" smtClean="0">
+              <a:ea typeface="ＭＳ Ｐゴシック"/>
+              <a:cs typeface="ＭＳ Ｐゴシック"/>
+            </a:endParaRPr>
+          </a:p>
+          <a:p>
+            <a:pPr marL="0" indent="0">
+              <a:buFont typeface="Arial" charset="0"/>
+              <a:buNone/>
+            </a:pPr>
+            <a:r>
+              <a:rPr lang="en-US" sz="2000" smtClean="0">
+                <a:ea typeface="ＭＳ Ｐゴシック"/>
+                <a:cs typeface="ＭＳ Ｐゴシック"/>
+              </a:rPr>
+              <a:t>Extract Eclipse to a directory without spaces in its path and do not use a mapped network drive (Windows). Eclipse sometimes has problems with such a setup.</a:t>
+            </a:r>
+          </a:p>
+          <a:p>
+            <a:pPr marL="0" indent="0">
+              <a:buFont typeface="Arial" charset="0"/>
+              <a:buNone/>
+            </a:pPr>
+            <a:endParaRPr lang="en-US" sz="800" smtClean="0">
+              <a:ea typeface="ＭＳ Ｐゴシック"/>
+              <a:cs typeface="ＭＳ Ｐゴシック"/>
+            </a:endParaRPr>
+          </a:p>
+          <a:p>
+            <a:pPr marL="0" indent="0">
+              <a:buFont typeface="Arial" charset="0"/>
+              <a:buNone/>
+            </a:pPr>
+            <a:r>
+              <a:rPr lang="en-US" sz="2000" smtClean="0">
+                <a:ea typeface="ＭＳ Ｐゴシック"/>
+                <a:cs typeface="ＭＳ Ｐゴシック"/>
+              </a:rPr>
+              <a:t>After unpacking the zip file, Eclipse is ready to be used; no additional installation procedure is required.</a:t>
+            </a:r>
+          </a:p>
+          <a:p>
+            <a:pPr marL="0" indent="0">
+              <a:buFont typeface="Arial" charset="0"/>
+              <a:buNone/>
+            </a:pPr>
+            <a:endParaRPr lang="en-US" sz="800" smtClean="0">
+              <a:ea typeface="ＭＳ Ｐゴシック"/>
+              <a:cs typeface="ＭＳ Ｐゴシック"/>
+            </a:endParaRPr>
+          </a:p>
+          <a:p>
+            <a:pPr marL="0" indent="0">
+              <a:buFont typeface="Arial" charset="0"/>
+              <a:buNone/>
+            </a:pPr>
+            <a:r>
+              <a:rPr lang="en-US" sz="2000" smtClean="0">
+                <a:ea typeface="ＭＳ Ｐゴシック"/>
+                <a:cs typeface="ＭＳ Ｐゴシック"/>
+              </a:rPr>
+              <a:t>To start Eclipse, double-click on the </a:t>
+            </a:r>
+            <a:r>
+              <a:rPr lang="en-US" sz="1800" smtClean="0">
+                <a:latin typeface="Courier New" pitchFamily="49" charset="0"/>
+                <a:ea typeface="ＭＳ Ｐゴシック"/>
+                <a:cs typeface="Courier New" pitchFamily="49" charset="0"/>
+              </a:rPr>
+              <a:t>eclipse.exe</a:t>
+            </a:r>
+            <a:r>
+              <a:rPr lang="en-US" sz="2000" smtClean="0">
+                <a:ea typeface="ＭＳ Ｐゴシック"/>
+                <a:cs typeface="ＭＳ Ｐゴシック"/>
+              </a:rPr>
+              <a:t> (Microsoft Windows) or </a:t>
+            </a:r>
+            <a:r>
+              <a:rPr lang="en-US" sz="1800" smtClean="0">
+                <a:latin typeface="Courier New" pitchFamily="49" charset="0"/>
+                <a:ea typeface="ＭＳ Ｐゴシック"/>
+                <a:cs typeface="Courier New" pitchFamily="49" charset="0"/>
+              </a:rPr>
+              <a:t>eclipse</a:t>
+            </a:r>
+            <a:r>
+              <a:rPr lang="en-US" sz="2000" smtClean="0">
+                <a:ea typeface="ＭＳ Ｐゴシック"/>
+                <a:cs typeface="ＭＳ Ｐゴシック"/>
+              </a:rPr>
+              <a:t> (Linux / Mac) file in the directory where you unpacked Eclipse.</a:t>
+            </a:r>
           </a:p>
         </p:txBody>
       </p:sp>
     </p:spTree>
-    <p:extLst>
-      <p:ext uri="{BB962C8B-B14F-4D97-AF65-F5344CB8AC3E}">
-        <p14:creationId xmlns:p14="http://schemas.microsoft.com/office/powerpoint/2010/main" val="2628079812"/>
-      </p:ext>
-    </p:extLst>
   </p:cSld>
   <p:clrMapOvr>
     <a:masterClrMapping/>
@@ -6266,14 +6752,14 @@
   <p:timing>
     <p:tnLst>
       <p:par>
-        <p:cTn xmlns:p14="http://schemas.microsoft.com/office/powerpoint/2010/main" id="1" dur="indefinite" restart="never" nodeType="tmRoot"/>
+        <p:cTn id="1" dur="indefinite" restart="never" nodeType="tmRoot"/>
       </p:par>
     </p:tnLst>
   </p:timing>
 </p:sld>
 </file>
 
-<file path=ppt/slides/slide4.xml><?xml version="1.0" encoding="utf-8"?>
+<file path=ppt/slides/slide7.xml><?xml version="1.0" encoding="utf-8"?>
 <p:sld xmlns:a="http://schemas.openxmlformats.org/drawingml/2006/main" xmlns:r="http://schemas.openxmlformats.org/officeDocument/2006/relationships" xmlns:p="http://schemas.openxmlformats.org/presentationml/2006/main">
   <p:cSld>
     <p:spTree>
@@ -6300,23 +6786,31 @@
             <p:ph type="ctrTitle"/>
           </p:nvPr>
         </p:nvSpPr>
-        <p:spPr/>
+        <p:spPr>
+          <a:xfrm>
+            <a:off x="685800" y="571500"/>
+            <a:ext cx="7772400" cy="912813"/>
+          </a:xfrm>
+        </p:spPr>
         <p:txBody>
           <a:bodyPr anchor="t">
             <a:normAutofit fontScale="90000"/>
           </a:bodyPr>
           <a:lstStyle/>
           <a:p>
+            <a:pPr>
+              <a:defRPr/>
+            </a:pPr>
             <a:r>
               <a:rPr lang="en-US" dirty="0" smtClean="0"/>
-              <a:t>Eclipse Installation </a:t>
+              <a:t>Eclipse Installation</a:t>
             </a:r>
             <a:br>
               <a:rPr lang="en-US" dirty="0" smtClean="0"/>
             </a:br>
             <a:r>
               <a:rPr lang="en-US" sz="2700" dirty="0" smtClean="0"/>
-              <a:t>Download Eclipse</a:t>
+              <a:t>Install Eclipse (contd.)</a:t>
             </a:r>
             <a:endParaRPr lang="en-US" sz="2700" dirty="0"/>
           </a:p>
@@ -6324,7 +6818,7 @@
       </p:sp>
       <p:sp>
         <p:nvSpPr>
-          <p:cNvPr id="3" name="Text Placeholder 2"/>
+          <p:cNvPr id="19458" name="Text Placeholder 2"/>
           <p:cNvSpPr>
             <a:spLocks noGrp="1"/>
           </p:cNvSpPr>
@@ -6332,104 +6826,308 @@
             <p:ph type="body" sz="quarter" idx="13"/>
           </p:nvPr>
         </p:nvSpPr>
-        <p:spPr/>
+        <p:spPr bwMode="auto">
+          <a:xfrm>
+            <a:off x="685800" y="1557338"/>
+            <a:ext cx="7721600" cy="4117975"/>
+          </a:xfrm>
+          <a:noFill/>
+          <a:ln>
+            <a:miter lim="800000"/>
+            <a:headEnd/>
+            <a:tailEnd/>
+          </a:ln>
+        </p:spPr>
         <p:txBody>
-          <a:bodyPr/>
+          <a:bodyPr vert="horz" wrap="square" lIns="91440" tIns="45720" rIns="91440" bIns="45720" numCol="1" anchor="t" anchorCtr="0" compatLnSpc="1">
+            <a:prstTxWarp prst="textNoShape">
+              <a:avLst/>
+            </a:prstTxWarp>
+          </a:bodyPr>
           <a:lstStyle/>
           <a:p>
             <a:pPr marL="0" indent="0">
+              <a:buFont typeface="Arial" charset="0"/>
               <a:buNone/>
             </a:pPr>
             <a:r>
-              <a:rPr lang="en-US" sz="2000" dirty="0"/>
-              <a:t>The Eclipse IDE consists of several components. The </a:t>
-            </a:r>
-            <a:r>
-              <a:rPr lang="en-US" sz="2000" dirty="0" err="1"/>
-              <a:t>Eclipse.org</a:t>
-            </a:r>
-            <a:r>
-              <a:rPr lang="en-US" sz="2000" dirty="0"/>
-              <a:t> website provides pre-packaged Eclipse distributions to provide downloads for typical use cases. The Eclipse IDE for Java EE Developers contains everything you need to build Java and Java Enterprise Edition (Java EE) applications</a:t>
-            </a:r>
-            <a:r>
-              <a:rPr lang="en-US" sz="2000" dirty="0" smtClean="0"/>
-              <a:t>.</a:t>
-            </a:r>
-          </a:p>
-          <a:p>
-            <a:pPr marL="0" indent="0">
-              <a:buNone/>
+              <a:rPr lang="en-US" sz="2000" smtClean="0">
+                <a:ea typeface="ＭＳ Ｐゴシック"/>
+                <a:cs typeface="ＭＳ Ｐゴシック"/>
+              </a:rPr>
+              <a:t>The system will prompt you for a workspace. The workspace is the place in which you work. Select an empty directory and click the OK button.</a:t>
+            </a:r>
+          </a:p>
+        </p:txBody>
+      </p:sp>
+      <p:pic>
+        <p:nvPicPr>
+          <p:cNvPr id="19459" name="Picture 3"/>
+          <p:cNvPicPr>
+            <a:picLocks noChangeAspect="1"/>
+          </p:cNvPicPr>
+          <p:nvPr/>
+        </p:nvPicPr>
+        <p:blipFill>
+          <a:blip r:embed="rId2"/>
+          <a:srcRect/>
+          <a:stretch>
+            <a:fillRect/>
+          </a:stretch>
+        </p:blipFill>
+        <p:spPr bwMode="auto">
+          <a:xfrm>
+            <a:off x="827088" y="2470150"/>
+            <a:ext cx="6445250" cy="2903538"/>
+          </a:xfrm>
+          <a:prstGeom prst="rect">
+            <a:avLst/>
+          </a:prstGeom>
+          <a:noFill/>
+          <a:ln w="9525">
+            <a:noFill/>
+            <a:miter lim="800000"/>
+            <a:headEnd/>
+            <a:tailEnd/>
+          </a:ln>
+        </p:spPr>
+      </p:pic>
+    </p:spTree>
+  </p:cSld>
+  <p:clrMapOvr>
+    <a:masterClrMapping/>
+  </p:clrMapOvr>
+  <p:timing>
+    <p:tnLst>
+      <p:par>
+        <p:cTn id="1" dur="indefinite" restart="never" nodeType="tmRoot"/>
+      </p:par>
+    </p:tnLst>
+  </p:timing>
+</p:sld>
+</file>
+
+<file path=ppt/slides/slide8.xml><?xml version="1.0" encoding="utf-8"?>
+<p:sld xmlns:a="http://schemas.openxmlformats.org/drawingml/2006/main" xmlns:r="http://schemas.openxmlformats.org/officeDocument/2006/relationships" xmlns:p="http://schemas.openxmlformats.org/presentationml/2006/main">
+  <p:cSld>
+    <p:spTree>
+      <p:nvGrpSpPr>
+        <p:cNvPr id="1" name=""/>
+        <p:cNvGrpSpPr/>
+        <p:nvPr/>
+      </p:nvGrpSpPr>
+      <p:grpSpPr>
+        <a:xfrm>
+          <a:off x="0" y="0"/>
+          <a:ext cx="0" cy="0"/>
+          <a:chOff x="0" y="0"/>
+          <a:chExt cx="0" cy="0"/>
+        </a:xfrm>
+      </p:grpSpPr>
+      <p:sp>
+        <p:nvSpPr>
+          <p:cNvPr id="2" name="Title 1"/>
+          <p:cNvSpPr>
+            <a:spLocks noGrp="1"/>
+          </p:cNvSpPr>
+          <p:nvPr>
+            <p:ph type="ctrTitle"/>
+          </p:nvPr>
+        </p:nvSpPr>
+        <p:spPr>
+          <a:xfrm>
+            <a:off x="685800" y="571500"/>
+            <a:ext cx="7772400" cy="912813"/>
+          </a:xfrm>
+        </p:spPr>
+        <p:txBody>
+          <a:bodyPr anchor="t">
+            <a:normAutofit fontScale="90000"/>
+          </a:bodyPr>
+          <a:lstStyle/>
+          <a:p>
+            <a:pPr>
+              <a:defRPr/>
             </a:pPr>
             <a:r>
-              <a:rPr lang="en-US" sz="1400" dirty="0" smtClean="0"/>
+              <a:rPr lang="en-US" dirty="0" smtClean="0"/>
+              <a:t>Eclipse Plugin Installation</a:t>
+            </a:r>
+            <a:br>
+              <a:rPr lang="en-US" dirty="0" smtClean="0"/>
+            </a:br>
+            <a:r>
+              <a:rPr lang="en-US" sz="2700" dirty="0" smtClean="0"/>
+              <a:t>Groovy-Eclipse</a:t>
+            </a:r>
+            <a:r>
+              <a:rPr lang="en-US" sz="2700" dirty="0"/>
               <a:t> </a:t>
             </a:r>
-          </a:p>
-          <a:p>
-            <a:pPr marL="0" indent="0">
-              <a:buNone/>
-            </a:pPr>
-            <a:r>
-              <a:rPr lang="en-US" sz="2000" dirty="0" smtClean="0"/>
-              <a:t>Download </a:t>
-            </a:r>
-            <a:r>
-              <a:rPr lang="en-US" sz="2000" dirty="0"/>
-              <a:t>the </a:t>
-            </a:r>
-            <a:r>
-              <a:rPr lang="en-US" sz="2000" b="1" dirty="0"/>
-              <a:t>Eclipse IDE for Java </a:t>
-            </a:r>
-            <a:r>
-              <a:rPr lang="en-US" sz="2000" b="1" dirty="0"/>
-              <a:t>Developers </a:t>
-            </a:r>
-            <a:r>
-              <a:rPr lang="en-US" sz="2000" dirty="0" smtClean="0"/>
-              <a:t>or </a:t>
-            </a:r>
-            <a:r>
-              <a:rPr lang="en-US" sz="2000" b="1" dirty="0" smtClean="0"/>
-              <a:t>Eclipse </a:t>
-            </a:r>
-            <a:r>
-              <a:rPr lang="en-US" sz="2000" b="1" dirty="0"/>
-              <a:t>IDE for Java EE Developers </a:t>
-            </a:r>
-            <a:r>
-              <a:rPr lang="en-US" sz="2000" dirty="0" smtClean="0"/>
-              <a:t>package from </a:t>
-            </a:r>
-            <a:r>
-              <a:rPr lang="en-US" sz="2000" dirty="0"/>
-              <a:t>the following URL. </a:t>
-            </a:r>
-            <a:r>
-              <a:rPr lang="en-US" sz="2000" dirty="0" smtClean="0"/>
-              <a:t>Ensure </a:t>
-            </a:r>
-            <a:r>
-              <a:rPr lang="en-US" sz="2000" dirty="0"/>
-              <a:t>that you download the correct distribution for your Java version (e.g., 32 bit vs. 64 bit)</a:t>
-            </a:r>
-            <a:r>
-              <a:rPr lang="en-US" sz="2000" dirty="0" smtClean="0"/>
-              <a:t>.</a:t>
-            </a:r>
-          </a:p>
-          <a:p>
-            <a:pPr marL="457200" lvl="1" indent="0">
-              <a:buNone/>
-            </a:pPr>
-            <a:endParaRPr lang="en-US" sz="1800" dirty="0"/>
+            <a:r>
+              <a:rPr lang="en-US" sz="2700" dirty="0" smtClean="0"/>
+              <a:t>via Update Manager</a:t>
+            </a:r>
+            <a:endParaRPr lang="en-US" sz="2700" dirty="0"/>
           </a:p>
         </p:txBody>
       </p:sp>
       <p:sp>
         <p:nvSpPr>
-          <p:cNvPr id="4" name="Text Placeholder 2"/>
+          <p:cNvPr id="20482" name="Text Placeholder 2"/>
+          <p:cNvSpPr>
+            <a:spLocks noGrp="1"/>
+          </p:cNvSpPr>
+          <p:nvPr>
+            <p:ph type="body" sz="quarter" idx="13"/>
+          </p:nvPr>
+        </p:nvSpPr>
+        <p:spPr bwMode="auto">
+          <a:xfrm>
+            <a:off x="731838" y="1557338"/>
+            <a:ext cx="7721600" cy="4248150"/>
+          </a:xfrm>
+          <a:noFill/>
+          <a:ln>
+            <a:miter lim="800000"/>
+            <a:headEnd/>
+            <a:tailEnd/>
+          </a:ln>
+        </p:spPr>
+        <p:txBody>
+          <a:bodyPr vert="horz" wrap="square" lIns="91440" tIns="45720" rIns="91440" bIns="45720" numCol="1" anchor="t" anchorCtr="0" compatLnSpc="1">
+            <a:prstTxWarp prst="textNoShape">
+              <a:avLst/>
+            </a:prstTxWarp>
+          </a:bodyPr>
+          <a:lstStyle/>
+          <a:p>
+            <a:pPr marL="400050"/>
+            <a:r>
+              <a:rPr lang="en-US" sz="2000" smtClean="0">
+                <a:ea typeface="ＭＳ Ｐゴシック"/>
+                <a:cs typeface="ＭＳ Ｐゴシック"/>
+              </a:rPr>
+              <a:t>Open a browser and visit:</a:t>
+            </a:r>
+          </a:p>
+          <a:p>
+            <a:pPr marL="400050"/>
+            <a:endParaRPr lang="en-US" sz="2000" smtClean="0">
+              <a:ea typeface="ＭＳ Ｐゴシック"/>
+              <a:cs typeface="ＭＳ Ｐゴシック"/>
+            </a:endParaRPr>
+          </a:p>
+          <a:p>
+            <a:pPr marL="400050"/>
+            <a:endParaRPr lang="en-US" sz="2000" smtClean="0">
+              <a:ea typeface="ＭＳ Ｐゴシック"/>
+              <a:cs typeface="ＭＳ Ｐゴシック"/>
+            </a:endParaRPr>
+          </a:p>
+          <a:p>
+            <a:pPr marL="400050"/>
+            <a:r>
+              <a:rPr lang="en-US" sz="2000" smtClean="0">
+                <a:ea typeface="ＭＳ Ｐゴシック"/>
+                <a:cs typeface="ＭＳ Ｐゴシック"/>
+              </a:rPr>
+              <a:t>Copy the Groovy-Eclipse release URL appropriate to your Eclipse version</a:t>
+            </a:r>
+          </a:p>
+          <a:p>
+            <a:pPr marL="400050"/>
+            <a:r>
+              <a:rPr lang="en-US" sz="2000" smtClean="0">
+                <a:ea typeface="ＭＳ Ｐゴシック"/>
+                <a:cs typeface="ＭＳ Ｐゴシック"/>
+              </a:rPr>
+              <a:t>To install the plugin, select Help → Install New Software...</a:t>
+            </a:r>
+          </a:p>
+          <a:p>
+            <a:pPr marL="400050"/>
+            <a:r>
+              <a:rPr lang="en-US" sz="2000" smtClean="0">
+                <a:ea typeface="ＭＳ Ｐゴシック"/>
+                <a:cs typeface="ＭＳ Ｐゴシック"/>
+              </a:rPr>
+              <a:t>Paste the Groovy-Eclipse release URL into the “Work with:” field and hit Enter</a:t>
+            </a:r>
+          </a:p>
+          <a:p>
+            <a:pPr marL="400050"/>
+            <a:r>
+              <a:rPr lang="en-US" sz="2000" smtClean="0">
+                <a:ea typeface="ＭＳ Ｐゴシック"/>
+                <a:cs typeface="ＭＳ Ｐゴシック"/>
+              </a:rPr>
+              <a:t>Select the features:</a:t>
+            </a:r>
+          </a:p>
+          <a:p>
+            <a:pPr marL="857250" lvl="1" indent="-342900">
+              <a:buFont typeface="Wingdings" pitchFamily="2" charset="2"/>
+              <a:buChar char="q"/>
+            </a:pPr>
+            <a:r>
+              <a:rPr lang="en-US" sz="1800" smtClean="0">
+                <a:ea typeface="ＭＳ Ｐゴシック"/>
+              </a:rPr>
+              <a:t>Extra Groovy compilers (Optional)</a:t>
+            </a:r>
+          </a:p>
+          <a:p>
+            <a:pPr marL="1314450" lvl="2" indent="-342900">
+              <a:buFont typeface="Wingdings" pitchFamily="2" charset="2"/>
+              <a:buChar char="q"/>
+            </a:pPr>
+            <a:r>
+              <a:rPr lang="en-US" sz="1600" smtClean="0">
+                <a:ea typeface="ＭＳ Ｐゴシック"/>
+              </a:rPr>
+              <a:t>Groovy Compiler 2.0 Feature</a:t>
+            </a:r>
+          </a:p>
+          <a:p>
+            <a:pPr marL="857250" lvl="1" indent="-342900">
+              <a:buFont typeface="Wingdings" pitchFamily="2" charset="2"/>
+              <a:buChar char="q"/>
+            </a:pPr>
+            <a:r>
+              <a:rPr lang="en-US" sz="1800" smtClean="0">
+                <a:ea typeface="ＭＳ Ｐゴシック"/>
+              </a:rPr>
+              <a:t>Groovy-Eclipse (Required)</a:t>
+            </a:r>
+          </a:p>
+          <a:p>
+            <a:pPr marL="1314450" lvl="2" indent="-342900">
+              <a:buFont typeface="Wingdings" pitchFamily="2" charset="2"/>
+              <a:buChar char="q"/>
+            </a:pPr>
+            <a:r>
+              <a:rPr lang="en-US" sz="1600" smtClean="0">
+                <a:ea typeface="ＭＳ Ｐゴシック"/>
+              </a:rPr>
+              <a:t>Groovy Eclipse Feature</a:t>
+            </a:r>
+          </a:p>
+          <a:p>
+            <a:pPr marL="400050">
+              <a:buFont typeface="Lucida Grande"/>
+              <a:buChar char="-"/>
+            </a:pPr>
+            <a:endParaRPr lang="en-US" sz="2000" smtClean="0">
+              <a:ea typeface="ＭＳ Ｐゴシック"/>
+              <a:cs typeface="ＭＳ Ｐゴシック"/>
+            </a:endParaRPr>
+          </a:p>
+        </p:txBody>
+      </p:sp>
+      <p:sp>
+        <p:nvSpPr>
+          <p:cNvPr id="6" name="Text Placeholder 2"/>
           <p:cNvSpPr txBox="1">
             <a:spLocks/>
           </p:cNvSpPr>
@@ -6437,8 +7135,8 @@
         </p:nvSpPr>
         <p:spPr>
           <a:xfrm>
-            <a:off x="829817" y="4581128"/>
-            <a:ext cx="5830415" cy="576064"/>
+            <a:off x="1258888" y="1989138"/>
+            <a:ext cx="6049962" cy="503237"/>
           </a:xfrm>
           <a:prstGeom prst="roundRect">
             <a:avLst/>
@@ -6625,38 +7323,28 @@
             </a:lvl9pPr>
           </a:lstStyle>
           <a:p>
-            <a:pPr marL="0" indent="0">
+            <a:pPr marL="57150" indent="0">
               <a:buFont typeface="Arial" charset="0"/>
               <a:buNone/>
+              <a:defRPr/>
             </a:pPr>
             <a:r>
               <a:rPr lang="en-US" sz="1800" dirty="0" smtClean="0">
                 <a:hlinkClick r:id="rId2"/>
               </a:rPr>
-              <a:t>http://</a:t>
-            </a:r>
-            <a:r>
-              <a:rPr lang="en-US" sz="1800" dirty="0" err="1" smtClean="0">
+              <a:t>http</a:t>
+            </a:r>
+            <a:r>
+              <a:rPr lang="en-US" sz="1800" dirty="0">
                 <a:hlinkClick r:id="rId2"/>
               </a:rPr>
-              <a:t>www.eclipse.org</a:t>
-            </a:r>
-            <a:r>
-              <a:rPr lang="en-US" sz="1800" dirty="0" smtClean="0">
-                <a:hlinkClick r:id="rId2"/>
-              </a:rPr>
-              <a:t>/downloads</a:t>
+              <a:t>://groovy.codehaus.org/Eclipse+Plugin</a:t>
             </a:r>
             <a:endParaRPr lang="en-US" sz="1800" dirty="0"/>
           </a:p>
         </p:txBody>
       </p:sp>
     </p:spTree>
-    <p:extLst>
-      <p:ext uri="{BB962C8B-B14F-4D97-AF65-F5344CB8AC3E}">
-        <p14:creationId xmlns:p14="http://schemas.microsoft.com/office/powerpoint/2010/main" val="2234759298"/>
-      </p:ext>
-    </p:extLst>
   </p:cSld>
   <p:clrMapOvr>
     <a:masterClrMapping/>
@@ -6664,954 +7352,7 @@
   <p:timing>
     <p:tnLst>
       <p:par>
-        <p:cTn xmlns:p14="http://schemas.microsoft.com/office/powerpoint/2010/main" id="1" dur="indefinite" restart="never" nodeType="tmRoot"/>
-      </p:par>
-    </p:tnLst>
-  </p:timing>
-</p:sld>
-</file>
-
-<file path=ppt/slides/slide5.xml><?xml version="1.0" encoding="utf-8"?>
-<p:sld xmlns:a="http://schemas.openxmlformats.org/drawingml/2006/main" xmlns:r="http://schemas.openxmlformats.org/officeDocument/2006/relationships" xmlns:p="http://schemas.openxmlformats.org/presentationml/2006/main">
-  <p:cSld>
-    <p:spTree>
-      <p:nvGrpSpPr>
-        <p:cNvPr id="1" name=""/>
-        <p:cNvGrpSpPr/>
-        <p:nvPr/>
-      </p:nvGrpSpPr>
-      <p:grpSpPr>
-        <a:xfrm>
-          <a:off x="0" y="0"/>
-          <a:ext cx="0" cy="0"/>
-          <a:chOff x="0" y="0"/>
-          <a:chExt cx="0" cy="0"/>
-        </a:xfrm>
-      </p:grpSpPr>
-      <p:sp>
-        <p:nvSpPr>
-          <p:cNvPr id="2" name="Title 1"/>
-          <p:cNvSpPr>
-            <a:spLocks noGrp="1"/>
-          </p:cNvSpPr>
-          <p:nvPr>
-            <p:ph type="ctrTitle"/>
-          </p:nvPr>
-        </p:nvSpPr>
-        <p:spPr/>
-        <p:txBody>
-          <a:bodyPr anchor="t">
-            <a:normAutofit fontScale="90000"/>
-          </a:bodyPr>
-          <a:lstStyle/>
-          <a:p>
-            <a:r>
-              <a:rPr lang="en-US" dirty="0" smtClean="0"/>
-              <a:t>Eclipse Installation </a:t>
-            </a:r>
-            <a:br>
-              <a:rPr lang="en-US" dirty="0" smtClean="0"/>
-            </a:br>
-            <a:r>
-              <a:rPr lang="en-US" sz="2700" dirty="0" smtClean="0"/>
-              <a:t>Download Eclipse (contd.)</a:t>
-            </a:r>
-            <a:endParaRPr lang="en-US" sz="2700" dirty="0"/>
-          </a:p>
-        </p:txBody>
-      </p:sp>
-      <p:sp>
-        <p:nvSpPr>
-          <p:cNvPr id="3" name="Text Placeholder 2"/>
-          <p:cNvSpPr>
-            <a:spLocks noGrp="1"/>
-          </p:cNvSpPr>
-          <p:nvPr>
-            <p:ph type="body" sz="quarter" idx="13"/>
-          </p:nvPr>
-        </p:nvSpPr>
-        <p:spPr>
-          <a:xfrm>
-            <a:off x="685803" y="1556794"/>
-            <a:ext cx="7721303" cy="1152128"/>
-          </a:xfrm>
-        </p:spPr>
-        <p:txBody>
-          <a:bodyPr/>
-          <a:lstStyle/>
-          <a:p>
-            <a:pPr marL="57150" indent="0">
-              <a:buNone/>
-            </a:pPr>
-            <a:r>
-              <a:rPr lang="en-US" sz="2000" dirty="0"/>
-              <a:t>The following screenshot shows the Eclipse download website for a </a:t>
-            </a:r>
-            <a:r>
-              <a:rPr lang="en-US" sz="2000" dirty="0" smtClean="0"/>
-              <a:t>Mac OS X </a:t>
-            </a:r>
-            <a:r>
-              <a:rPr lang="en-US" sz="2000" dirty="0"/>
-              <a:t>system. Press on the link beside the package description (</a:t>
-            </a:r>
-            <a:r>
-              <a:rPr lang="en-US" sz="2000" dirty="0" err="1"/>
-              <a:t>e.g</a:t>
-            </a:r>
-            <a:r>
-              <a:rPr lang="en-US" sz="2000" dirty="0"/>
-              <a:t>, </a:t>
-            </a:r>
-            <a:r>
-              <a:rPr lang="en-US" sz="2000" dirty="0" smtClean="0"/>
-              <a:t>Mac OS X 64</a:t>
-            </a:r>
-            <a:r>
-              <a:rPr lang="en-US" sz="2000" dirty="0"/>
-              <a:t>-Bit) to start the download</a:t>
-            </a:r>
-            <a:r>
-              <a:rPr lang="en-US" sz="2000" dirty="0" smtClean="0"/>
-              <a:t>. The download is a </a:t>
-            </a:r>
-            <a:r>
-              <a:rPr lang="en-US" sz="1800" i="1" dirty="0" smtClean="0">
-                <a:latin typeface="Courier New"/>
-                <a:cs typeface="Courier New"/>
-              </a:rPr>
-              <a:t>.zip</a:t>
-            </a:r>
-            <a:r>
-              <a:rPr lang="en-US" sz="2000" dirty="0" smtClean="0"/>
-              <a:t> file</a:t>
-            </a:r>
-            <a:endParaRPr lang="en-US" sz="2000" dirty="0"/>
-          </a:p>
-        </p:txBody>
-      </p:sp>
-      <p:pic>
-        <p:nvPicPr>
-          <p:cNvPr id="8" name="Picture 7"/>
-          <p:cNvPicPr>
-            <a:picLocks noChangeAspect="1"/>
-          </p:cNvPicPr>
-          <p:nvPr/>
-        </p:nvPicPr>
-        <p:blipFill>
-          <a:blip r:embed="rId2"/>
-          <a:stretch>
-            <a:fillRect/>
-          </a:stretch>
-        </p:blipFill>
-        <p:spPr>
-          <a:xfrm>
-            <a:off x="827584" y="2703280"/>
-            <a:ext cx="4534429" cy="2813952"/>
-          </a:xfrm>
-          <a:prstGeom prst="rect">
-            <a:avLst/>
-          </a:prstGeom>
-        </p:spPr>
-      </p:pic>
-    </p:spTree>
-    <p:extLst>
-      <p:ext uri="{BB962C8B-B14F-4D97-AF65-F5344CB8AC3E}">
-        <p14:creationId xmlns:p14="http://schemas.microsoft.com/office/powerpoint/2010/main" val="3678584470"/>
-      </p:ext>
-    </p:extLst>
-  </p:cSld>
-  <p:clrMapOvr>
-    <a:masterClrMapping/>
-  </p:clrMapOvr>
-  <p:timing>
-    <p:tnLst>
-      <p:par>
-        <p:cTn xmlns:p14="http://schemas.microsoft.com/office/powerpoint/2010/main" id="1" dur="indefinite" restart="never" nodeType="tmRoot"/>
-      </p:par>
-    </p:tnLst>
-  </p:timing>
-</p:sld>
-</file>
-
-<file path=ppt/slides/slide6.xml><?xml version="1.0" encoding="utf-8"?>
-<p:sld xmlns:a="http://schemas.openxmlformats.org/drawingml/2006/main" xmlns:r="http://schemas.openxmlformats.org/officeDocument/2006/relationships" xmlns:p="http://schemas.openxmlformats.org/presentationml/2006/main">
-  <p:cSld>
-    <p:spTree>
-      <p:nvGrpSpPr>
-        <p:cNvPr id="1" name=""/>
-        <p:cNvGrpSpPr/>
-        <p:nvPr/>
-      </p:nvGrpSpPr>
-      <p:grpSpPr>
-        <a:xfrm>
-          <a:off x="0" y="0"/>
-          <a:ext cx="0" cy="0"/>
-          <a:chOff x="0" y="0"/>
-          <a:chExt cx="0" cy="0"/>
-        </a:xfrm>
-      </p:grpSpPr>
-      <p:sp>
-        <p:nvSpPr>
-          <p:cNvPr id="2" name="Title 1"/>
-          <p:cNvSpPr>
-            <a:spLocks noGrp="1"/>
-          </p:cNvSpPr>
-          <p:nvPr>
-            <p:ph type="ctrTitle"/>
-          </p:nvPr>
-        </p:nvSpPr>
-        <p:spPr>
-          <a:xfrm>
-            <a:off x="685800" y="570922"/>
-            <a:ext cx="7772400" cy="913862"/>
-          </a:xfrm>
-        </p:spPr>
-        <p:txBody>
-          <a:bodyPr anchor="t">
-            <a:normAutofit fontScale="90000"/>
-          </a:bodyPr>
-          <a:lstStyle/>
-          <a:p>
-            <a:r>
-              <a:rPr lang="en-US" dirty="0" smtClean="0"/>
-              <a:t>Eclipse Installation</a:t>
-            </a:r>
-            <a:br>
-              <a:rPr lang="en-US" dirty="0" smtClean="0"/>
-            </a:br>
-            <a:r>
-              <a:rPr lang="en-US" sz="2700" dirty="0" smtClean="0"/>
-              <a:t>Install Eclipse</a:t>
-            </a:r>
-            <a:endParaRPr lang="en-US" sz="2700" dirty="0"/>
-          </a:p>
-        </p:txBody>
-      </p:sp>
-      <p:sp>
-        <p:nvSpPr>
-          <p:cNvPr id="3" name="Text Placeholder 2"/>
-          <p:cNvSpPr>
-            <a:spLocks noGrp="1"/>
-          </p:cNvSpPr>
-          <p:nvPr>
-            <p:ph type="body" sz="quarter" idx="13"/>
-          </p:nvPr>
-        </p:nvSpPr>
-        <p:spPr/>
-        <p:txBody>
-          <a:bodyPr/>
-          <a:lstStyle/>
-          <a:p>
-            <a:pPr marL="0" indent="0">
-              <a:buNone/>
-            </a:pPr>
-            <a:r>
-              <a:rPr lang="en-US" sz="2000" dirty="0"/>
-              <a:t>After you downloaded the </a:t>
-            </a:r>
-            <a:r>
-              <a:rPr lang="en-US" sz="1800" dirty="0">
-                <a:latin typeface="Courier New"/>
-                <a:cs typeface="Courier New"/>
-              </a:rPr>
-              <a:t>.zip</a:t>
-            </a:r>
-            <a:r>
-              <a:rPr lang="en-US" sz="2000" dirty="0"/>
-              <a:t> file with the Eclipse distribution, unzip it to a local directory</a:t>
-            </a:r>
-            <a:r>
-              <a:rPr lang="en-US" sz="2000" dirty="0" smtClean="0"/>
-              <a:t>.</a:t>
-            </a:r>
-          </a:p>
-          <a:p>
-            <a:pPr marL="0" indent="0">
-              <a:buNone/>
-            </a:pPr>
-            <a:endParaRPr lang="en-US" sz="800" dirty="0"/>
-          </a:p>
-          <a:p>
-            <a:pPr marL="0" indent="0">
-              <a:buNone/>
-            </a:pPr>
-            <a:r>
-              <a:rPr lang="en-US" sz="2000" dirty="0"/>
-              <a:t>Extract Eclipse to a directory without spaces in its path and do not use a mapped network drive (Windows). Eclipse sometimes has problems with such a setup</a:t>
-            </a:r>
-            <a:r>
-              <a:rPr lang="en-US" sz="2000" dirty="0" smtClean="0"/>
-              <a:t>.</a:t>
-            </a:r>
-          </a:p>
-          <a:p>
-            <a:pPr marL="0" indent="0">
-              <a:buNone/>
-            </a:pPr>
-            <a:endParaRPr lang="en-US" sz="800" dirty="0"/>
-          </a:p>
-          <a:p>
-            <a:pPr marL="0" indent="0">
-              <a:buNone/>
-            </a:pPr>
-            <a:r>
-              <a:rPr lang="en-US" sz="2000" dirty="0"/>
-              <a:t>After unpacking the zip file, Eclipse is ready to be used; no additional installation procedure is required.</a:t>
-            </a:r>
-          </a:p>
-          <a:p>
-            <a:pPr marL="0" indent="0">
-              <a:buNone/>
-            </a:pPr>
-            <a:endParaRPr lang="en-US" sz="800" dirty="0" smtClean="0"/>
-          </a:p>
-          <a:p>
-            <a:pPr marL="0" indent="0">
-              <a:buNone/>
-            </a:pPr>
-            <a:r>
-              <a:rPr lang="en-US" sz="2000" dirty="0" smtClean="0"/>
-              <a:t>To </a:t>
-            </a:r>
-            <a:r>
-              <a:rPr lang="en-US" sz="2000" dirty="0"/>
-              <a:t>start Eclipse, double-click on the </a:t>
-            </a:r>
-            <a:r>
-              <a:rPr lang="en-US" sz="1800" dirty="0" err="1">
-                <a:latin typeface="Courier New"/>
-                <a:cs typeface="Courier New"/>
-              </a:rPr>
-              <a:t>eclipse.exe</a:t>
-            </a:r>
-            <a:r>
-              <a:rPr lang="en-US" sz="2000" dirty="0"/>
-              <a:t> (Microsoft Windows) or </a:t>
-            </a:r>
-            <a:r>
-              <a:rPr lang="en-US" sz="1800" dirty="0">
-                <a:latin typeface="Courier New"/>
-                <a:cs typeface="Courier New"/>
-              </a:rPr>
-              <a:t>eclipse</a:t>
-            </a:r>
-            <a:r>
-              <a:rPr lang="en-US" sz="2000" dirty="0"/>
-              <a:t> (Linux / Mac) file in the directory where you unpacked Eclipse</a:t>
-            </a:r>
-            <a:r>
-              <a:rPr lang="en-US" sz="2000" dirty="0" smtClean="0"/>
-              <a:t>.</a:t>
-            </a:r>
-            <a:endParaRPr lang="en-US" sz="2000" dirty="0"/>
-          </a:p>
-        </p:txBody>
-      </p:sp>
-    </p:spTree>
-    <p:extLst>
-      <p:ext uri="{BB962C8B-B14F-4D97-AF65-F5344CB8AC3E}">
-        <p14:creationId xmlns:p14="http://schemas.microsoft.com/office/powerpoint/2010/main" val="181151021"/>
-      </p:ext>
-    </p:extLst>
-  </p:cSld>
-  <p:clrMapOvr>
-    <a:masterClrMapping/>
-  </p:clrMapOvr>
-  <p:timing>
-    <p:tnLst>
-      <p:par>
-        <p:cTn xmlns:p14="http://schemas.microsoft.com/office/powerpoint/2010/main" id="1" dur="indefinite" restart="never" nodeType="tmRoot"/>
-      </p:par>
-    </p:tnLst>
-  </p:timing>
-</p:sld>
-</file>
-
-<file path=ppt/slides/slide7.xml><?xml version="1.0" encoding="utf-8"?>
-<p:sld xmlns:a="http://schemas.openxmlformats.org/drawingml/2006/main" xmlns:r="http://schemas.openxmlformats.org/officeDocument/2006/relationships" xmlns:p="http://schemas.openxmlformats.org/presentationml/2006/main">
-  <p:cSld>
-    <p:spTree>
-      <p:nvGrpSpPr>
-        <p:cNvPr id="1" name=""/>
-        <p:cNvGrpSpPr/>
-        <p:nvPr/>
-      </p:nvGrpSpPr>
-      <p:grpSpPr>
-        <a:xfrm>
-          <a:off x="0" y="0"/>
-          <a:ext cx="0" cy="0"/>
-          <a:chOff x="0" y="0"/>
-          <a:chExt cx="0" cy="0"/>
-        </a:xfrm>
-      </p:grpSpPr>
-      <p:sp>
-        <p:nvSpPr>
-          <p:cNvPr id="2" name="Title 1"/>
-          <p:cNvSpPr>
-            <a:spLocks noGrp="1"/>
-          </p:cNvSpPr>
-          <p:nvPr>
-            <p:ph type="ctrTitle"/>
-          </p:nvPr>
-        </p:nvSpPr>
-        <p:spPr>
-          <a:xfrm>
-            <a:off x="685800" y="570922"/>
-            <a:ext cx="7772400" cy="913862"/>
-          </a:xfrm>
-        </p:spPr>
-        <p:txBody>
-          <a:bodyPr anchor="t">
-            <a:normAutofit fontScale="90000"/>
-          </a:bodyPr>
-          <a:lstStyle/>
-          <a:p>
-            <a:r>
-              <a:rPr lang="en-US" dirty="0" smtClean="0"/>
-              <a:t>Eclipse Installation</a:t>
-            </a:r>
-            <a:br>
-              <a:rPr lang="en-US" dirty="0" smtClean="0"/>
-            </a:br>
-            <a:r>
-              <a:rPr lang="en-US" sz="2700" dirty="0" smtClean="0"/>
-              <a:t>Install Eclipse (contd.)</a:t>
-            </a:r>
-            <a:endParaRPr lang="en-US" sz="2700" dirty="0"/>
-          </a:p>
-        </p:txBody>
-      </p:sp>
-      <p:sp>
-        <p:nvSpPr>
-          <p:cNvPr id="3" name="Text Placeholder 2"/>
-          <p:cNvSpPr>
-            <a:spLocks noGrp="1"/>
-          </p:cNvSpPr>
-          <p:nvPr>
-            <p:ph type="body" sz="quarter" idx="13"/>
-          </p:nvPr>
-        </p:nvSpPr>
-        <p:spPr/>
-        <p:txBody>
-          <a:bodyPr/>
-          <a:lstStyle/>
-          <a:p>
-            <a:pPr marL="0" indent="0">
-              <a:buNone/>
-            </a:pPr>
-            <a:r>
-              <a:rPr lang="en-US" sz="2000" dirty="0" smtClean="0"/>
-              <a:t>The </a:t>
-            </a:r>
-            <a:r>
-              <a:rPr lang="en-US" sz="2000" dirty="0"/>
-              <a:t>system will prompt you for a workspace. The workspace is the place in which you work. Select an empty directory and click the OK button.</a:t>
-            </a:r>
-          </a:p>
-        </p:txBody>
-      </p:sp>
-      <p:pic>
-        <p:nvPicPr>
-          <p:cNvPr id="4" name="Picture 3"/>
-          <p:cNvPicPr>
-            <a:picLocks noChangeAspect="1"/>
-          </p:cNvPicPr>
-          <p:nvPr/>
-        </p:nvPicPr>
-        <p:blipFill>
-          <a:blip r:embed="rId2"/>
-          <a:stretch>
-            <a:fillRect/>
-          </a:stretch>
-        </p:blipFill>
-        <p:spPr>
-          <a:xfrm>
-            <a:off x="827584" y="2469499"/>
-            <a:ext cx="6444580" cy="2903717"/>
-          </a:xfrm>
-          <a:prstGeom prst="rect">
-            <a:avLst/>
-          </a:prstGeom>
-        </p:spPr>
-      </p:pic>
-    </p:spTree>
-    <p:extLst>
-      <p:ext uri="{BB962C8B-B14F-4D97-AF65-F5344CB8AC3E}">
-        <p14:creationId xmlns:p14="http://schemas.microsoft.com/office/powerpoint/2010/main" val="1515388792"/>
-      </p:ext>
-    </p:extLst>
-  </p:cSld>
-  <p:clrMapOvr>
-    <a:masterClrMapping/>
-  </p:clrMapOvr>
-  <p:timing>
-    <p:tnLst>
-      <p:par>
-        <p:cTn xmlns:p14="http://schemas.microsoft.com/office/powerpoint/2010/main" id="1" dur="indefinite" restart="never" nodeType="tmRoot"/>
-      </p:par>
-    </p:tnLst>
-  </p:timing>
-</p:sld>
-</file>
-
-<file path=ppt/slides/slide8.xml><?xml version="1.0" encoding="utf-8"?>
-<p:sld xmlns:a="http://schemas.openxmlformats.org/drawingml/2006/main" xmlns:r="http://schemas.openxmlformats.org/officeDocument/2006/relationships" xmlns:p="http://schemas.openxmlformats.org/presentationml/2006/main">
-  <p:cSld>
-    <p:spTree>
-      <p:nvGrpSpPr>
-        <p:cNvPr id="1" name=""/>
-        <p:cNvGrpSpPr/>
-        <p:nvPr/>
-      </p:nvGrpSpPr>
-      <p:grpSpPr>
-        <a:xfrm>
-          <a:off x="0" y="0"/>
-          <a:ext cx="0" cy="0"/>
-          <a:chOff x="0" y="0"/>
-          <a:chExt cx="0" cy="0"/>
-        </a:xfrm>
-      </p:grpSpPr>
-      <p:sp>
-        <p:nvSpPr>
-          <p:cNvPr id="2" name="Title 1"/>
-          <p:cNvSpPr>
-            <a:spLocks noGrp="1"/>
-          </p:cNvSpPr>
-          <p:nvPr>
-            <p:ph type="ctrTitle"/>
-          </p:nvPr>
-        </p:nvSpPr>
-        <p:spPr>
-          <a:xfrm>
-            <a:off x="685800" y="570922"/>
-            <a:ext cx="7772400" cy="913862"/>
-          </a:xfrm>
-        </p:spPr>
-        <p:txBody>
-          <a:bodyPr anchor="t">
-            <a:normAutofit fontScale="90000"/>
-          </a:bodyPr>
-          <a:lstStyle/>
-          <a:p>
-            <a:r>
-              <a:rPr lang="en-US" dirty="0" smtClean="0"/>
-              <a:t>Eclipse Plugin Installation</a:t>
-            </a:r>
-            <a:br>
-              <a:rPr lang="en-US" dirty="0" smtClean="0"/>
-            </a:br>
-            <a:r>
-              <a:rPr lang="en-US" sz="2700" dirty="0" smtClean="0"/>
-              <a:t>Groovy-Eclipse</a:t>
-            </a:r>
-            <a:r>
-              <a:rPr lang="en-US" sz="2700" dirty="0"/>
-              <a:t> </a:t>
-            </a:r>
-            <a:r>
-              <a:rPr lang="en-US" sz="2700" dirty="0" smtClean="0"/>
-              <a:t>via Update Manager</a:t>
-            </a:r>
-            <a:endParaRPr lang="en-US" sz="2700" dirty="0"/>
-          </a:p>
-        </p:txBody>
-      </p:sp>
-      <p:sp>
-        <p:nvSpPr>
-          <p:cNvPr id="3" name="Text Placeholder 2"/>
-          <p:cNvSpPr>
-            <a:spLocks noGrp="1"/>
-          </p:cNvSpPr>
-          <p:nvPr>
-            <p:ph type="body" sz="quarter" idx="13"/>
-          </p:nvPr>
-        </p:nvSpPr>
-        <p:spPr>
-          <a:xfrm>
-            <a:off x="731574" y="1556792"/>
-            <a:ext cx="7721303" cy="4248472"/>
-          </a:xfrm>
-        </p:spPr>
-        <p:txBody>
-          <a:bodyPr/>
-          <a:lstStyle/>
-          <a:p>
-            <a:pPr marL="400050">
-              <a:buFont typeface="Arial"/>
-              <a:buChar char="•"/>
-            </a:pPr>
-            <a:r>
-              <a:rPr lang="en-US" sz="2000" dirty="0" smtClean="0"/>
-              <a:t>Open a browser and visit:</a:t>
-            </a:r>
-          </a:p>
-          <a:p>
-            <a:pPr marL="400050">
-              <a:buFont typeface="Arial"/>
-              <a:buChar char="•"/>
-            </a:pPr>
-            <a:endParaRPr lang="en-US" sz="2000" dirty="0"/>
-          </a:p>
-          <a:p>
-            <a:pPr marL="400050">
-              <a:buFont typeface="Arial"/>
-              <a:buChar char="•"/>
-            </a:pPr>
-            <a:endParaRPr lang="en-US" sz="2000" dirty="0" smtClean="0"/>
-          </a:p>
-          <a:p>
-            <a:pPr marL="400050">
-              <a:buFont typeface="Arial"/>
-              <a:buChar char="•"/>
-            </a:pPr>
-            <a:r>
-              <a:rPr lang="en-US" sz="2000" dirty="0" smtClean="0"/>
-              <a:t>Copy the </a:t>
-            </a:r>
-            <a:r>
-              <a:rPr lang="en-US" sz="2000" dirty="0"/>
-              <a:t>Groovy-Eclipse </a:t>
-            </a:r>
-            <a:r>
-              <a:rPr lang="en-US" sz="2000" dirty="0" smtClean="0"/>
-              <a:t>release URL appropriate to your Eclipse version</a:t>
-            </a:r>
-          </a:p>
-          <a:p>
-            <a:pPr marL="400050">
-              <a:buFont typeface="Arial"/>
-              <a:buChar char="•"/>
-            </a:pPr>
-            <a:r>
-              <a:rPr lang="en-US" sz="2000" dirty="0" smtClean="0"/>
-              <a:t>To </a:t>
-            </a:r>
-            <a:r>
-              <a:rPr lang="en-US" sz="2000" dirty="0"/>
-              <a:t>install </a:t>
-            </a:r>
-            <a:r>
-              <a:rPr lang="en-US" sz="2000" dirty="0" smtClean="0"/>
-              <a:t>the plugin, </a:t>
-            </a:r>
-            <a:r>
-              <a:rPr lang="en-US" sz="2000" dirty="0"/>
-              <a:t>select Help → </a:t>
-            </a:r>
-            <a:r>
-              <a:rPr lang="en-US" sz="2000" dirty="0" smtClean="0"/>
-              <a:t>Install </a:t>
-            </a:r>
-            <a:r>
-              <a:rPr lang="en-US" sz="2000" dirty="0"/>
-              <a:t>New Software</a:t>
-            </a:r>
-            <a:r>
-              <a:rPr lang="en-US" sz="2000" dirty="0" smtClean="0"/>
-              <a:t>...</a:t>
-            </a:r>
-          </a:p>
-          <a:p>
-            <a:pPr marL="400050">
-              <a:buFont typeface="Arial"/>
-              <a:buChar char="•"/>
-            </a:pPr>
-            <a:r>
-              <a:rPr lang="en-US" sz="2000" dirty="0" smtClean="0"/>
-              <a:t>Paste the Groovy-Eclipse release URL into the “Work with:” field and hit Enter</a:t>
-            </a:r>
-          </a:p>
-          <a:p>
-            <a:pPr marL="400050">
-              <a:buFont typeface="Arial"/>
-              <a:buChar char="•"/>
-            </a:pPr>
-            <a:r>
-              <a:rPr lang="en-US" sz="2000" dirty="0" smtClean="0"/>
-              <a:t>Select the features:</a:t>
-            </a:r>
-          </a:p>
-          <a:p>
-            <a:pPr marL="857250" lvl="1" indent="-342900">
-              <a:buFont typeface="Wingdings" charset="2"/>
-              <a:buChar char="q"/>
-            </a:pPr>
-            <a:r>
-              <a:rPr lang="en-US" sz="1800" dirty="0" smtClean="0"/>
-              <a:t>Extra Groovy compilers (Optional)</a:t>
-            </a:r>
-          </a:p>
-          <a:p>
-            <a:pPr marL="1314450" lvl="2" indent="-342900">
-              <a:buFont typeface="Wingdings" charset="2"/>
-              <a:buChar char="q"/>
-            </a:pPr>
-            <a:r>
-              <a:rPr lang="en-US" sz="1600" dirty="0" smtClean="0"/>
-              <a:t>Groovy Compiler 2.0 Feature</a:t>
-            </a:r>
-          </a:p>
-          <a:p>
-            <a:pPr marL="857250" lvl="1" indent="-342900">
-              <a:buFont typeface="Wingdings" charset="2"/>
-              <a:buChar char="q"/>
-            </a:pPr>
-            <a:r>
-              <a:rPr lang="en-US" sz="1800" dirty="0" smtClean="0"/>
-              <a:t>Groovy-Eclipse (Required)</a:t>
-            </a:r>
-          </a:p>
-          <a:p>
-            <a:pPr marL="1314450" lvl="2" indent="-342900">
-              <a:buFont typeface="Wingdings" charset="2"/>
-              <a:buChar char="q"/>
-            </a:pPr>
-            <a:r>
-              <a:rPr lang="en-US" sz="1600" dirty="0" smtClean="0"/>
-              <a:t>Groovy Eclipse Feature</a:t>
-            </a:r>
-          </a:p>
-          <a:p>
-            <a:pPr marL="400050">
-              <a:buFont typeface="Lucida Grande"/>
-              <a:buChar char="-"/>
-            </a:pPr>
-            <a:endParaRPr lang="en-US" sz="2000" dirty="0" smtClean="0"/>
-          </a:p>
-        </p:txBody>
-      </p:sp>
-      <p:sp>
-        <p:nvSpPr>
-          <p:cNvPr id="6" name="Text Placeholder 2"/>
-          <p:cNvSpPr txBox="1">
-            <a:spLocks/>
-          </p:cNvSpPr>
-          <p:nvPr/>
-        </p:nvSpPr>
-        <p:spPr>
-          <a:xfrm>
-            <a:off x="1259632" y="1988840"/>
-            <a:ext cx="6048672" cy="504056"/>
-          </a:xfrm>
-          <a:prstGeom prst="roundRect">
-            <a:avLst/>
-          </a:prstGeom>
-          <a:solidFill>
-            <a:schemeClr val="accent1">
-              <a:lumMod val="20000"/>
-              <a:lumOff val="80000"/>
-            </a:schemeClr>
-          </a:solidFill>
-          <a:ln w="12700" cap="rnd" cmpd="sng">
-            <a:solidFill>
-              <a:schemeClr val="tx1"/>
-            </a:solidFill>
-            <a:round/>
-          </a:ln>
-          <a:effectLst>
-            <a:outerShdw blurRad="50800" dist="38100" dir="2700000" algn="tl" rotWithShape="0">
-              <a:schemeClr val="accent1">
-                <a:lumMod val="75000"/>
-                <a:alpha val="43000"/>
-              </a:schemeClr>
-            </a:outerShdw>
-          </a:effectLst>
-        </p:spPr>
-        <p:txBody>
-          <a:bodyPr anchor="ctr"/>
-          <a:lstStyle>
-            <a:lvl1pPr marL="342900" indent="-342900" algn="l" defTabSz="457200" rtl="0" eaLnBrk="1" fontAlgn="base" hangingPunct="1">
-              <a:spcBef>
-                <a:spcPct val="20000"/>
-              </a:spcBef>
-              <a:spcAft>
-                <a:spcPct val="0"/>
-              </a:spcAft>
-              <a:buFont typeface="Arial" charset="0"/>
-              <a:buChar char="•"/>
-              <a:defRPr sz="2400" kern="1200">
-                <a:solidFill>
-                  <a:schemeClr val="tx1"/>
-                </a:solidFill>
-                <a:latin typeface="+mn-lt"/>
-                <a:ea typeface="ＭＳ Ｐゴシック" pitchFamily="-111" charset="-128"/>
-                <a:cs typeface="ＭＳ Ｐゴシック" pitchFamily="-111" charset="-128"/>
-              </a:defRPr>
-            </a:lvl1pPr>
-            <a:lvl2pPr marL="742950" indent="-285750" algn="l" defTabSz="457200" rtl="0" eaLnBrk="1" fontAlgn="base" hangingPunct="1">
-              <a:spcBef>
-                <a:spcPct val="20000"/>
-              </a:spcBef>
-              <a:spcAft>
-                <a:spcPct val="0"/>
-              </a:spcAft>
-              <a:buFont typeface="Arial" charset="0"/>
-              <a:buChar char="–"/>
-              <a:defRPr sz="2200" kern="1200">
-                <a:solidFill>
-                  <a:schemeClr val="tx1"/>
-                </a:solidFill>
-                <a:latin typeface="+mn-lt"/>
-                <a:ea typeface="ＭＳ Ｐゴシック" pitchFamily="-111" charset="-128"/>
-                <a:cs typeface="ＭＳ Ｐゴシック"/>
-              </a:defRPr>
-            </a:lvl2pPr>
-            <a:lvl3pPr marL="1143000" indent="-228600" algn="l" defTabSz="457200" rtl="0" eaLnBrk="1" fontAlgn="base" hangingPunct="1">
-              <a:spcBef>
-                <a:spcPct val="20000"/>
-              </a:spcBef>
-              <a:spcAft>
-                <a:spcPct val="0"/>
-              </a:spcAft>
-              <a:buFont typeface="Calibri" pitchFamily="34" charset="0"/>
-              <a:buChar char="»"/>
-              <a:defRPr sz="2000" kern="1200">
-                <a:solidFill>
-                  <a:schemeClr val="tx1"/>
-                </a:solidFill>
-                <a:latin typeface="+mn-lt"/>
-                <a:ea typeface="ＭＳ Ｐゴシック" pitchFamily="-111" charset="-128"/>
-                <a:cs typeface="ＭＳ Ｐゴシック"/>
-              </a:defRPr>
-            </a:lvl3pPr>
-            <a:lvl4pPr marL="1600200" indent="-228600" algn="l" defTabSz="457200" rtl="0" eaLnBrk="1" fontAlgn="base" hangingPunct="1">
-              <a:spcBef>
-                <a:spcPct val="20000"/>
-              </a:spcBef>
-              <a:spcAft>
-                <a:spcPct val="0"/>
-              </a:spcAft>
-              <a:buFont typeface="Arial" charset="0"/>
-              <a:buChar char="–"/>
-              <a:defRPr sz="1800" kern="1200">
-                <a:solidFill>
-                  <a:schemeClr val="tx1">
-                    <a:lumMod val="75000"/>
-                    <a:lumOff val="25000"/>
-                  </a:schemeClr>
-                </a:solidFill>
-                <a:latin typeface="+mn-lt"/>
-                <a:ea typeface="ＭＳ Ｐゴシック" pitchFamily="-111" charset="-128"/>
-                <a:cs typeface="ＭＳ Ｐゴシック"/>
-              </a:defRPr>
-            </a:lvl4pPr>
-            <a:lvl5pPr marL="2057400" indent="-228600" algn="l" defTabSz="457200" rtl="0" eaLnBrk="1" fontAlgn="base" hangingPunct="1">
-              <a:spcBef>
-                <a:spcPct val="20000"/>
-              </a:spcBef>
-              <a:spcAft>
-                <a:spcPct val="0"/>
-              </a:spcAft>
-              <a:buFont typeface="Arial" charset="0"/>
-              <a:buChar char="»"/>
-              <a:defRPr sz="1800" kern="1200">
-                <a:solidFill>
-                  <a:schemeClr val="tx1">
-                    <a:lumMod val="75000"/>
-                    <a:lumOff val="25000"/>
-                  </a:schemeClr>
-                </a:solidFill>
-                <a:latin typeface="+mn-lt"/>
-                <a:ea typeface="ＭＳ Ｐゴシック" pitchFamily="-111" charset="-128"/>
-                <a:cs typeface="ＭＳ Ｐゴシック"/>
-              </a:defRPr>
-            </a:lvl5pPr>
-            <a:lvl6pPr marL="2514600" indent="-228600" algn="l" defTabSz="457200" rtl="0" eaLnBrk="1" latinLnBrk="0" hangingPunct="1">
-              <a:spcBef>
-                <a:spcPct val="20000"/>
-              </a:spcBef>
-              <a:buFont typeface="Arial"/>
-              <a:buChar char="•"/>
-              <a:defRPr sz="2000" kern="1200">
-                <a:solidFill>
-                  <a:schemeClr val="tx1"/>
-                </a:solidFill>
-                <a:latin typeface="+mn-lt"/>
-                <a:ea typeface="+mn-ea"/>
-                <a:cs typeface="+mn-cs"/>
-              </a:defRPr>
-            </a:lvl6pPr>
-            <a:lvl7pPr marL="2971800" indent="-228600" algn="l" defTabSz="457200" rtl="0" eaLnBrk="1" latinLnBrk="0" hangingPunct="1">
-              <a:spcBef>
-                <a:spcPct val="20000"/>
-              </a:spcBef>
-              <a:buFont typeface="Arial"/>
-              <a:buChar char="•"/>
-              <a:defRPr sz="2000" kern="1200">
-                <a:solidFill>
-                  <a:schemeClr val="tx1"/>
-                </a:solidFill>
-                <a:latin typeface="+mn-lt"/>
-                <a:ea typeface="+mn-ea"/>
-                <a:cs typeface="+mn-cs"/>
-              </a:defRPr>
-            </a:lvl7pPr>
-            <a:lvl8pPr marL="3429000" indent="-228600" algn="l" defTabSz="457200" rtl="0" eaLnBrk="1" latinLnBrk="0" hangingPunct="1">
-              <a:spcBef>
-                <a:spcPct val="20000"/>
-              </a:spcBef>
-              <a:buFont typeface="Arial"/>
-              <a:buChar char="•"/>
-              <a:defRPr sz="2000" kern="1200">
-                <a:solidFill>
-                  <a:schemeClr val="tx1"/>
-                </a:solidFill>
-                <a:latin typeface="+mn-lt"/>
-                <a:ea typeface="+mn-ea"/>
-                <a:cs typeface="+mn-cs"/>
-              </a:defRPr>
-            </a:lvl8pPr>
-            <a:lvl9pPr marL="3886200" indent="-228600" algn="l" defTabSz="457200" rtl="0" eaLnBrk="1" latinLnBrk="0" hangingPunct="1">
-              <a:spcBef>
-                <a:spcPct val="20000"/>
-              </a:spcBef>
-              <a:buFont typeface="Arial"/>
-              <a:buChar char="•"/>
-              <a:defRPr sz="2000" kern="1200">
-                <a:solidFill>
-                  <a:schemeClr val="tx1"/>
-                </a:solidFill>
-                <a:latin typeface="+mn-lt"/>
-                <a:ea typeface="+mn-ea"/>
-                <a:cs typeface="+mn-cs"/>
-              </a:defRPr>
-            </a:lvl9pPr>
-          </a:lstStyle>
-          <a:p>
-            <a:pPr marL="57150" indent="0">
-              <a:buNone/>
-            </a:pPr>
-            <a:r>
-              <a:rPr lang="en-US" sz="1800" dirty="0" smtClean="0">
-                <a:hlinkClick r:id="rId2"/>
-              </a:rPr>
-              <a:t>http</a:t>
-            </a:r>
-            <a:r>
-              <a:rPr lang="en-US" sz="1800" dirty="0">
-                <a:hlinkClick r:id="rId2"/>
-              </a:rPr>
-              <a:t>://groovy.codehaus.org/Eclipse+Plugin</a:t>
-            </a:r>
-            <a:endParaRPr lang="en-US" sz="1800" dirty="0"/>
-          </a:p>
-        </p:txBody>
-      </p:sp>
-    </p:spTree>
-    <p:extLst>
-      <p:ext uri="{BB962C8B-B14F-4D97-AF65-F5344CB8AC3E}">
-        <p14:creationId xmlns:p14="http://schemas.microsoft.com/office/powerpoint/2010/main" val="455540188"/>
-      </p:ext>
-    </p:extLst>
-  </p:cSld>
-  <p:clrMapOvr>
-    <a:masterClrMapping/>
-  </p:clrMapOvr>
-  <p:timing>
-    <p:tnLst>
-      <p:par>
-        <p:cTn xmlns:p14="http://schemas.microsoft.com/office/powerpoint/2010/main" id="1" dur="indefinite" restart="never" nodeType="tmRoot"/>
+        <p:cTn id="1" dur="indefinite" restart="never" nodeType="tmRoot"/>
       </p:par>
     </p:tnLst>
   </p:timing>
@@ -7647,8 +7388,8 @@
         </p:nvSpPr>
         <p:spPr>
           <a:xfrm>
-            <a:off x="685800" y="570922"/>
-            <a:ext cx="7772400" cy="1345910"/>
+            <a:off x="685800" y="571500"/>
+            <a:ext cx="7772400" cy="1344613"/>
           </a:xfrm>
         </p:spPr>
         <p:txBody>
@@ -7657,6 +7398,9 @@
           </a:bodyPr>
           <a:lstStyle/>
           <a:p>
+            <a:pPr>
+              <a:defRPr/>
+            </a:pPr>
             <a:r>
               <a:rPr lang="en-US" dirty="0" smtClean="0"/>
               <a:t>Eclipse </a:t>
@@ -7690,7 +7434,7 @@
       </p:sp>
       <p:sp>
         <p:nvSpPr>
-          <p:cNvPr id="3" name="Text Placeholder 2"/>
+          <p:cNvPr id="21506" name="Text Placeholder 2"/>
           <p:cNvSpPr>
             <a:spLocks noGrp="1"/>
           </p:cNvSpPr>
@@ -7698,352 +7442,114 @@
             <p:ph type="body" sz="quarter" idx="13"/>
           </p:nvPr>
         </p:nvSpPr>
-        <p:spPr>
+        <p:spPr bwMode="auto">
           <a:xfrm>
-            <a:off x="685803" y="1988840"/>
-            <a:ext cx="7721303" cy="3672407"/>
+            <a:off x="685800" y="1989138"/>
+            <a:ext cx="8134350" cy="3671887"/>
           </a:xfrm>
+          <a:noFill/>
+          <a:ln>
+            <a:miter lim="800000"/>
+            <a:headEnd/>
+            <a:tailEnd/>
+          </a:ln>
         </p:spPr>
         <p:txBody>
-          <a:bodyPr/>
+          <a:bodyPr vert="horz" wrap="square" lIns="91440" tIns="45720" rIns="91440" bIns="45720" numCol="1" anchor="t" anchorCtr="0" compatLnSpc="1">
+            <a:prstTxWarp prst="textNoShape">
+              <a:avLst/>
+            </a:prstTxWarp>
+          </a:bodyPr>
           <a:lstStyle/>
           <a:p>
+            <a:pPr marL="400050"/>
+            <a:r>
+              <a:rPr lang="en-US" smtClean="0">
+                <a:ea typeface="ＭＳ Ｐゴシック"/>
+                <a:cs typeface="ＭＳ Ｐゴシック"/>
+              </a:rPr>
+              <a:t>To install the plugin, select Help → Install New Software...</a:t>
+            </a:r>
+          </a:p>
+          <a:p>
+            <a:pPr marL="400050"/>
+            <a:r>
+              <a:rPr lang="en-US" smtClean="0">
+                <a:ea typeface="ＭＳ Ｐゴシック"/>
+                <a:cs typeface="ＭＳ Ｐゴシック"/>
+              </a:rPr>
+              <a:t>Paste the following URL into the “Work with:” field and hit Enter</a:t>
+            </a:r>
+          </a:p>
+          <a:p>
+            <a:pPr marL="400050"/>
+            <a:endParaRPr lang="en-US" smtClean="0">
+              <a:ea typeface="ＭＳ Ｐゴシック"/>
+              <a:cs typeface="ＭＳ Ｐゴシック"/>
+            </a:endParaRPr>
+          </a:p>
+          <a:p>
             <a:pPr marL="400050">
-              <a:buFont typeface="Arial"/>
-              <a:buChar char="•"/>
+              <a:buFont typeface="Arial" charset="0"/>
+              <a:buNone/>
             </a:pPr>
             <a:r>
-              <a:rPr lang="en-US" sz="2000" dirty="0" smtClean="0"/>
-              <a:t>To </a:t>
-            </a:r>
-            <a:r>
-              <a:rPr lang="en-US" sz="2000" dirty="0"/>
-              <a:t>install the plugin, select Help → Install New </a:t>
-            </a:r>
-            <a:r>
-              <a:rPr lang="en-US" sz="2000" dirty="0" smtClean="0"/>
-              <a:t>Software.</a:t>
-            </a:r>
-            <a:r>
-              <a:rPr lang="en-US" sz="2000" dirty="0"/>
-              <a:t>.</a:t>
-            </a:r>
-            <a:r>
-              <a:rPr lang="en-US" sz="2000" dirty="0" smtClean="0"/>
-              <a:t>.</a:t>
-            </a:r>
-          </a:p>
-          <a:p>
-            <a:pPr marL="400050">
-              <a:buFont typeface="Arial"/>
-              <a:buChar char="•"/>
-            </a:pPr>
-            <a:r>
-              <a:rPr lang="en-US" sz="2000" dirty="0"/>
-              <a:t>Paste the </a:t>
-            </a:r>
-            <a:r>
-              <a:rPr lang="en-US" sz="2000" dirty="0" smtClean="0"/>
-              <a:t>following </a:t>
-            </a:r>
-            <a:r>
-              <a:rPr lang="en-US" sz="2000" dirty="0"/>
-              <a:t>URL into the “Work with:” </a:t>
-            </a:r>
-            <a:r>
-              <a:rPr lang="en-US" sz="2000" dirty="0" smtClean="0"/>
-              <a:t>field and hit Enter</a:t>
-            </a:r>
-          </a:p>
-          <a:p>
-            <a:pPr marL="400050">
-              <a:buFont typeface="Arial"/>
-              <a:buChar char="•"/>
-            </a:pPr>
-            <a:endParaRPr lang="en-US" sz="2000" dirty="0"/>
-          </a:p>
-          <a:p>
-            <a:pPr marL="400050">
-              <a:buFont typeface="Arial"/>
-              <a:buChar char="•"/>
-            </a:pPr>
-            <a:endParaRPr lang="en-US" sz="2000" dirty="0" smtClean="0"/>
-          </a:p>
-          <a:p>
-            <a:pPr marL="400050">
-              <a:buFont typeface="Arial"/>
-              <a:buChar char="•"/>
-            </a:pPr>
-            <a:endParaRPr lang="en-US" sz="2000" dirty="0" smtClean="0"/>
-          </a:p>
-          <a:p>
-            <a:pPr marL="400050">
-              <a:buFont typeface="Arial"/>
-              <a:buChar char="•"/>
-            </a:pPr>
-            <a:r>
-              <a:rPr lang="en-US" sz="2000" dirty="0" smtClean="0"/>
+              <a:rPr lang="en-US" sz="1400" smtClean="0">
+                <a:ea typeface="ＭＳ Ｐゴシック"/>
+                <a:cs typeface="ＭＳ Ｐゴシック"/>
+                <a:sym typeface="Arial" charset="0"/>
+              </a:rPr>
+              <a:t>http://repo1.maven.org/maven2/.m2e/connectors/m2eclipse-buildhelper/0.15.0/N/0.15.0.201207090124/</a:t>
+            </a:r>
+            <a:endParaRPr lang="en-US" sz="1400" smtClean="0">
+              <a:ea typeface="ＭＳ Ｐゴシック"/>
+              <a:cs typeface="ＭＳ Ｐゴシック"/>
+            </a:endParaRPr>
+          </a:p>
+          <a:p>
+            <a:pPr marL="400050"/>
+            <a:endParaRPr lang="en-US" smtClean="0">
+              <a:ea typeface="ＭＳ Ｐゴシック"/>
+              <a:cs typeface="ＭＳ Ｐゴシック"/>
+            </a:endParaRPr>
+          </a:p>
+          <a:p>
+            <a:pPr marL="400050"/>
+            <a:r>
+              <a:rPr lang="en-US" smtClean="0">
+                <a:ea typeface="ＭＳ Ｐゴシック"/>
+                <a:cs typeface="ＭＳ Ｐゴシック"/>
+              </a:rPr>
               <a:t>Install feature:</a:t>
             </a:r>
           </a:p>
           <a:p>
             <a:pPr marL="857250" lvl="1" indent="-342900">
-              <a:buFont typeface="Wingdings" charset="2"/>
+              <a:buFont typeface="Wingdings" pitchFamily="2" charset="2"/>
               <a:buChar char="q"/>
             </a:pPr>
             <a:r>
-              <a:rPr lang="en-US" sz="1800" dirty="0" smtClean="0"/>
-              <a:t>M2E </a:t>
-            </a:r>
-            <a:r>
-              <a:rPr lang="en-US" sz="1800" dirty="0" err="1" smtClean="0"/>
-              <a:t>Buildhelper</a:t>
-            </a:r>
-            <a:r>
-              <a:rPr lang="en-US" sz="1800" dirty="0" smtClean="0"/>
-              <a:t> Connector</a:t>
+              <a:rPr lang="en-US" sz="2000" smtClean="0">
+                <a:ea typeface="ＭＳ Ｐゴシック"/>
+              </a:rPr>
+              <a:t>M2E Buildhelper Connector</a:t>
             </a:r>
           </a:p>
           <a:p>
             <a:pPr marL="1314450" lvl="2" indent="-342900">
-              <a:buFont typeface="Wingdings" charset="2"/>
+              <a:buFont typeface="Wingdings" pitchFamily="2" charset="2"/>
               <a:buChar char="q"/>
             </a:pPr>
             <a:r>
-              <a:rPr lang="en-US" sz="1600" dirty="0"/>
-              <a:t>m2e connector for build-helper-maven-</a:t>
-            </a:r>
-            <a:r>
-              <a:rPr lang="en-US" sz="1600" dirty="0" smtClean="0"/>
-              <a:t>plugin</a:t>
-            </a:r>
-            <a:endParaRPr lang="en-US" sz="1600" dirty="0"/>
-          </a:p>
-        </p:txBody>
-      </p:sp>
-      <p:sp>
-        <p:nvSpPr>
-          <p:cNvPr id="4" name="Text Placeholder 2"/>
-          <p:cNvSpPr txBox="1">
-            <a:spLocks/>
-          </p:cNvSpPr>
-          <p:nvPr/>
-        </p:nvSpPr>
-        <p:spPr>
-          <a:xfrm>
-            <a:off x="1187624" y="2906942"/>
-            <a:ext cx="6048672" cy="810090"/>
-          </a:xfrm>
-          <a:prstGeom prst="roundRect">
-            <a:avLst/>
-          </a:prstGeom>
-          <a:solidFill>
-            <a:schemeClr val="accent1">
-              <a:lumMod val="20000"/>
-              <a:lumOff val="80000"/>
-            </a:schemeClr>
-          </a:solidFill>
-          <a:ln w="12700" cap="rnd" cmpd="sng">
-            <a:solidFill>
-              <a:schemeClr val="tx1"/>
-            </a:solidFill>
-            <a:round/>
-          </a:ln>
-          <a:effectLst>
-            <a:outerShdw blurRad="50800" dist="38100" dir="2700000" algn="tl" rotWithShape="0">
-              <a:schemeClr val="accent1">
-                <a:lumMod val="75000"/>
-                <a:alpha val="43000"/>
-              </a:schemeClr>
-            </a:outerShdw>
-          </a:effectLst>
-        </p:spPr>
-        <p:txBody>
-          <a:bodyPr anchor="ctr"/>
-          <a:lstStyle>
-            <a:lvl1pPr marL="342900" indent="-342900" algn="l" defTabSz="457200" rtl="0" eaLnBrk="1" fontAlgn="base" hangingPunct="1">
-              <a:spcBef>
-                <a:spcPct val="20000"/>
-              </a:spcBef>
-              <a:spcAft>
-                <a:spcPct val="0"/>
-              </a:spcAft>
-              <a:buFont typeface="Arial" charset="0"/>
-              <a:buChar char="•"/>
-              <a:defRPr sz="2400" kern="1200">
-                <a:solidFill>
-                  <a:schemeClr val="tx1"/>
-                </a:solidFill>
-                <a:latin typeface="+mn-lt"/>
-                <a:ea typeface="ＭＳ Ｐゴシック" pitchFamily="-111" charset="-128"/>
-                <a:cs typeface="ＭＳ Ｐゴシック" pitchFamily="-111" charset="-128"/>
-              </a:defRPr>
-            </a:lvl1pPr>
-            <a:lvl2pPr marL="742950" indent="-285750" algn="l" defTabSz="457200" rtl="0" eaLnBrk="1" fontAlgn="base" hangingPunct="1">
-              <a:spcBef>
-                <a:spcPct val="20000"/>
-              </a:spcBef>
-              <a:spcAft>
-                <a:spcPct val="0"/>
-              </a:spcAft>
-              <a:buFont typeface="Arial" charset="0"/>
-              <a:buChar char="–"/>
-              <a:defRPr sz="2200" kern="1200">
-                <a:solidFill>
-                  <a:schemeClr val="tx1"/>
-                </a:solidFill>
-                <a:latin typeface="+mn-lt"/>
-                <a:ea typeface="ＭＳ Ｐゴシック" pitchFamily="-111" charset="-128"/>
-                <a:cs typeface="ＭＳ Ｐゴシック"/>
-              </a:defRPr>
-            </a:lvl2pPr>
-            <a:lvl3pPr marL="1143000" indent="-228600" algn="l" defTabSz="457200" rtl="0" eaLnBrk="1" fontAlgn="base" hangingPunct="1">
-              <a:spcBef>
-                <a:spcPct val="20000"/>
-              </a:spcBef>
-              <a:spcAft>
-                <a:spcPct val="0"/>
-              </a:spcAft>
-              <a:buFont typeface="Calibri" pitchFamily="34" charset="0"/>
-              <a:buChar char="»"/>
-              <a:defRPr sz="2000" kern="1200">
-                <a:solidFill>
-                  <a:schemeClr val="tx1"/>
-                </a:solidFill>
-                <a:latin typeface="+mn-lt"/>
-                <a:ea typeface="ＭＳ Ｐゴシック" pitchFamily="-111" charset="-128"/>
-                <a:cs typeface="ＭＳ Ｐゴシック"/>
-              </a:defRPr>
-            </a:lvl3pPr>
-            <a:lvl4pPr marL="1600200" indent="-228600" algn="l" defTabSz="457200" rtl="0" eaLnBrk="1" fontAlgn="base" hangingPunct="1">
-              <a:spcBef>
-                <a:spcPct val="20000"/>
-              </a:spcBef>
-              <a:spcAft>
-                <a:spcPct val="0"/>
-              </a:spcAft>
-              <a:buFont typeface="Arial" charset="0"/>
-              <a:buChar char="–"/>
-              <a:defRPr sz="1800" kern="1200">
-                <a:solidFill>
-                  <a:schemeClr val="tx1">
-                    <a:lumMod val="75000"/>
-                    <a:lumOff val="25000"/>
-                  </a:schemeClr>
-                </a:solidFill>
-                <a:latin typeface="+mn-lt"/>
-                <a:ea typeface="ＭＳ Ｐゴシック" pitchFamily="-111" charset="-128"/>
-                <a:cs typeface="ＭＳ Ｐゴシック"/>
-              </a:defRPr>
-            </a:lvl4pPr>
-            <a:lvl5pPr marL="2057400" indent="-228600" algn="l" defTabSz="457200" rtl="0" eaLnBrk="1" fontAlgn="base" hangingPunct="1">
-              <a:spcBef>
-                <a:spcPct val="20000"/>
-              </a:spcBef>
-              <a:spcAft>
-                <a:spcPct val="0"/>
-              </a:spcAft>
-              <a:buFont typeface="Arial" charset="0"/>
-              <a:buChar char="»"/>
-              <a:defRPr sz="1800" kern="1200">
-                <a:solidFill>
-                  <a:schemeClr val="tx1">
-                    <a:lumMod val="75000"/>
-                    <a:lumOff val="25000"/>
-                  </a:schemeClr>
-                </a:solidFill>
-                <a:latin typeface="+mn-lt"/>
-                <a:ea typeface="ＭＳ Ｐゴシック" pitchFamily="-111" charset="-128"/>
-                <a:cs typeface="ＭＳ Ｐゴシック"/>
-              </a:defRPr>
-            </a:lvl5pPr>
-            <a:lvl6pPr marL="2514600" indent="-228600" algn="l" defTabSz="457200" rtl="0" eaLnBrk="1" latinLnBrk="0" hangingPunct="1">
-              <a:spcBef>
-                <a:spcPct val="20000"/>
-              </a:spcBef>
-              <a:buFont typeface="Arial"/>
-              <a:buChar char="•"/>
-              <a:defRPr sz="2000" kern="1200">
-                <a:solidFill>
-                  <a:schemeClr val="tx1"/>
-                </a:solidFill>
-                <a:latin typeface="+mn-lt"/>
-                <a:ea typeface="+mn-ea"/>
-                <a:cs typeface="+mn-cs"/>
-              </a:defRPr>
-            </a:lvl6pPr>
-            <a:lvl7pPr marL="2971800" indent="-228600" algn="l" defTabSz="457200" rtl="0" eaLnBrk="1" latinLnBrk="0" hangingPunct="1">
-              <a:spcBef>
-                <a:spcPct val="20000"/>
-              </a:spcBef>
-              <a:buFont typeface="Arial"/>
-              <a:buChar char="•"/>
-              <a:defRPr sz="2000" kern="1200">
-                <a:solidFill>
-                  <a:schemeClr val="tx1"/>
-                </a:solidFill>
-                <a:latin typeface="+mn-lt"/>
-                <a:ea typeface="+mn-ea"/>
-                <a:cs typeface="+mn-cs"/>
-              </a:defRPr>
-            </a:lvl7pPr>
-            <a:lvl8pPr marL="3429000" indent="-228600" algn="l" defTabSz="457200" rtl="0" eaLnBrk="1" latinLnBrk="0" hangingPunct="1">
-              <a:spcBef>
-                <a:spcPct val="20000"/>
-              </a:spcBef>
-              <a:buFont typeface="Arial"/>
-              <a:buChar char="•"/>
-              <a:defRPr sz="2000" kern="1200">
-                <a:solidFill>
-                  <a:schemeClr val="tx1"/>
-                </a:solidFill>
-                <a:latin typeface="+mn-lt"/>
-                <a:ea typeface="+mn-ea"/>
-                <a:cs typeface="+mn-cs"/>
-              </a:defRPr>
-            </a:lvl8pPr>
-            <a:lvl9pPr marL="3886200" indent="-228600" algn="l" defTabSz="457200" rtl="0" eaLnBrk="1" latinLnBrk="0" hangingPunct="1">
-              <a:spcBef>
-                <a:spcPct val="20000"/>
-              </a:spcBef>
-              <a:buFont typeface="Arial"/>
-              <a:buChar char="•"/>
-              <a:defRPr sz="2000" kern="1200">
-                <a:solidFill>
-                  <a:schemeClr val="tx1"/>
-                </a:solidFill>
-                <a:latin typeface="+mn-lt"/>
-                <a:ea typeface="+mn-ea"/>
-                <a:cs typeface="+mn-cs"/>
-              </a:defRPr>
-            </a:lvl9pPr>
-          </a:lstStyle>
-          <a:p>
-            <a:pPr marL="0" indent="0">
-              <a:buNone/>
-            </a:pPr>
-            <a:r>
-              <a:rPr lang="en-US" sz="1800" dirty="0">
-                <a:hlinkClick r:id="rId2"/>
-              </a:rPr>
-              <a:t>http://repo1.maven.org/maven2/.m2e/connectors/m2eclipse-buildhelper/0.15.0/N/0.15.0.201207090124</a:t>
-            </a:r>
-            <a:r>
-              <a:rPr lang="en-US" sz="1800" dirty="0" smtClean="0">
-                <a:hlinkClick r:id="rId2"/>
-              </a:rPr>
-              <a:t>/</a:t>
-            </a:r>
-            <a:endParaRPr lang="en-US" sz="1800" dirty="0"/>
+              <a:rPr lang="en-US" sz="1800" smtClean="0">
+                <a:ea typeface="ＭＳ Ｐゴシック"/>
+              </a:rPr>
+              <a:t>m2e connector for build-helper-maven-plugin</a:t>
+            </a:r>
           </a:p>
         </p:txBody>
       </p:sp>
     </p:spTree>
-    <p:extLst>
-      <p:ext uri="{BB962C8B-B14F-4D97-AF65-F5344CB8AC3E}">
-        <p14:creationId xmlns:p14="http://schemas.microsoft.com/office/powerpoint/2010/main" val="1556050955"/>
-      </p:ext>
-    </p:extLst>
   </p:cSld>
   <p:clrMapOvr>
     <a:masterClrMapping/>

--- a/docs/groovy-tdd-installation.pptx
+++ b/docs/groovy-tdd-installation.pptx
@@ -238,12 +238,7 @@
             <a:noFill/>
           </a:ln>
           <a:effectLst/>
-          <a:extLst>
-            <a:ext uri="{909E8E84-426E-40dd-AFC4-6F175D3DCCD1}"/>
-            <a:ext uri="{91240B29-F687-4f45-9708-019B960494DF}"/>
-            <a:ext uri="{AF507438-7753-43e0-B8FC-AC1667EBCBE1}"/>
-            <a:ext uri="{53640926-AAD7-44d8-BBD7-CCE9431645EC}"/>
-          </a:extLst>
+          <a:extLst/>
         </p:spPr>
         <p:txBody>
           <a:bodyPr vert="horz" wrap="square" lIns="96661" tIns="48331" rIns="96661" bIns="48331" numCol="1" anchor="t" anchorCtr="0" compatLnSpc="1">
@@ -290,6 +285,11 @@
         </p:txBody>
       </p:sp>
     </p:spTree>
+    <p:extLst>
+      <p:ext uri="{BB962C8B-B14F-4D97-AF65-F5344CB8AC3E}">
+        <p14:creationId xmlns:p14="http://schemas.microsoft.com/office/powerpoint/2010/main" val="232425920"/>
+      </p:ext>
+    </p:extLst>
   </p:cSld>
   <p:clrMap bg1="lt1" tx1="dk1" bg2="lt2" tx2="dk2" accent1="accent1" accent2="accent2" accent3="accent3" accent4="accent4" accent5="accent5" accent6="accent6" hlink="hlink" folHlink="folHlink"/>
   <p:notesStyle>
@@ -709,10 +709,7 @@
           <a:ln>
             <a:noFill/>
           </a:ln>
-          <a:extLst>
-            <a:ext uri="{909E8E84-426E-40dd-AFC4-6F175D3DCCD1}"/>
-            <a:ext uri="{91240B29-F687-4f45-9708-019B960494DF}"/>
-          </a:extLst>
+          <a:extLst/>
         </p:spPr>
         <p:txBody>
           <a:bodyPr wrap="none">
@@ -1628,10 +1625,7 @@
           <a:ln>
             <a:noFill/>
           </a:ln>
-          <a:extLst>
-            <a:ext uri="{909E8E84-426E-40dd-AFC4-6F175D3DCCD1}"/>
-            <a:ext uri="{91240B29-F687-4f45-9708-019B960494DF}"/>
-          </a:extLst>
+          <a:extLst/>
         </p:spPr>
         <p:txBody>
           <a:bodyPr wrap="none">
@@ -4013,11 +4007,17 @@
           <p:cNvGraphicFramePr>
             <a:graphicFrameLocks noGrp="1"/>
           </p:cNvGraphicFramePr>
-          <p:nvPr/>
+          <p:nvPr>
+            <p:extLst>
+              <p:ext uri="{D42A27DB-BD31-4B8C-83A1-F6EECF244321}">
+                <p14:modId xmlns:p14="http://schemas.microsoft.com/office/powerpoint/2010/main" val="1421915502"/>
+              </p:ext>
+            </p:extLst>
+          </p:nvPr>
         </p:nvGraphicFramePr>
         <p:xfrm>
           <a:off x="827088" y="3522663"/>
-          <a:ext cx="4968875" cy="457200"/>
+          <a:ext cx="4968552" cy="457200"/>
         </p:xfrm>
         <a:graphic>
           <a:graphicData uri="http://schemas.openxmlformats.org/drawingml/2006/table">
@@ -4086,7 +4086,15 @@
                       </a:pPr>
                       <a:r>
                         <a:rPr lang="sv-SE" sz="1000" spc="0" dirty="0" smtClean="0"/>
-                        <a:t>2014-01-29</a:t>
+                        <a:t>2015-</a:t>
+                      </a:r>
+                      <a:r>
+                        <a:rPr lang="sv-SE" sz="1000" spc="0" dirty="0" smtClean="0"/>
+                        <a:t>01</a:t>
+                      </a:r>
+                      <a:r>
+                        <a:rPr lang="sv-SE" sz="1000" spc="0" dirty="0" smtClean="0"/>
+                        <a:t>-11</a:t>
                       </a:r>
                       <a:endParaRPr lang="en-US" sz="1000" spc="0" dirty="0"/>
                     </a:p>
@@ -4212,7 +4220,7 @@
   <p:timing>
     <p:tnLst>
       <p:par>
-        <p:cTn id="1" dur="indefinite" restart="never" nodeType="tmRoot"/>
+        <p:cTn xmlns:p14="http://schemas.microsoft.com/office/powerpoint/2010/main" id="1" dur="indefinite" restart="never" nodeType="tmRoot"/>
       </p:par>
     </p:tnLst>
   </p:timing>
@@ -4246,12 +4254,7 @@
             <p:ph type="ctrTitle"/>
           </p:nvPr>
         </p:nvSpPr>
-        <p:spPr>
-          <a:xfrm>
-            <a:off x="685800" y="571500"/>
-            <a:ext cx="7772400" cy="985838"/>
-          </a:xfrm>
-        </p:spPr>
+        <p:spPr/>
         <p:txBody>
           <a:bodyPr anchor="t">
             <a:normAutofit fontScale="90000"/>
@@ -4294,12 +4297,7 @@
             <p:ph type="body" sz="quarter" idx="13"/>
           </p:nvPr>
         </p:nvSpPr>
-        <p:spPr>
-          <a:xfrm>
-            <a:off x="685800" y="1628775"/>
-            <a:ext cx="7721600" cy="4103688"/>
-          </a:xfrm>
-        </p:spPr>
+        <p:spPr/>
         <p:txBody>
           <a:bodyPr vert="horz" wrap="square" lIns="91440" tIns="45720" rIns="91440" bIns="45720" numCol="1" anchor="t" anchorCtr="0" compatLnSpc="1">
             <a:prstTxWarp prst="textNoShape">
@@ -4511,7 +4509,7 @@
   <p:clrMapOvr>
     <a:masterClrMapping/>
   </p:clrMapOvr>
-  <p:transition spd="slow"/>
+  <p:transition xmlns:p14="http://schemas.microsoft.com/office/powerpoint/2010/main" spd="slow"/>
 </p:sld>
 </file>
 
@@ -4543,10 +4541,6 @@
           </p:nvPr>
         </p:nvSpPr>
         <p:spPr bwMode="auto">
-          <a:xfrm>
-            <a:off x="685800" y="571500"/>
-            <a:ext cx="7772400" cy="757238"/>
-          </a:xfrm>
           <a:noFill/>
           <a:ln>
             <a:miter lim="800000"/>
@@ -4584,10 +4578,6 @@
           </p:nvPr>
         </p:nvSpPr>
         <p:spPr bwMode="auto">
-          <a:xfrm>
-            <a:off x="685800" y="1557338"/>
-            <a:ext cx="7721600" cy="4117975"/>
-          </a:xfrm>
           <a:noFill/>
           <a:ln>
             <a:miter lim="800000"/>
@@ -4916,40 +4906,10 @@
               <a:defRPr/>
             </a:pPr>
             <a:r>
-              <a:rPr lang="en-US" sz="2000" dirty="0">
+              <a:rPr lang="en-US" sz="2000" dirty="0" smtClean="0">
                 <a:hlinkClick r:id="rId2"/>
               </a:rPr>
-              <a:t>https://</a:t>
-            </a:r>
-            <a:r>
-              <a:rPr lang="en-US" sz="2000" dirty="0" err="1">
-                <a:hlinkClick r:id="rId2"/>
-              </a:rPr>
-              <a:t>callista.adaptavist.com</a:t>
-            </a:r>
-            <a:r>
-              <a:rPr lang="en-US" sz="2000" dirty="0">
-                <a:hlinkClick r:id="rId2"/>
-              </a:rPr>
-              <a:t>/download/attachments/20907671/groovy-</a:t>
-            </a:r>
-            <a:r>
-              <a:rPr lang="en-US" sz="2000" dirty="0" err="1">
-                <a:hlinkClick r:id="rId2"/>
-              </a:rPr>
-              <a:t>tdd</a:t>
-            </a:r>
-            <a:r>
-              <a:rPr lang="en-US" sz="2000" dirty="0">
-                <a:hlinkClick r:id="rId2"/>
-              </a:rPr>
-              <a:t>-</a:t>
-            </a:r>
-            <a:r>
-              <a:rPr lang="en-US" sz="2000" dirty="0" err="1" smtClean="0">
-                <a:hlinkClick r:id="rId2"/>
-              </a:rPr>
-              <a:t>cadec.zip</a:t>
+              <a:t>https://callistaenterprise.atlassian.net/wiki/download/attachments/12288001/groovy-tdd-cadec.zip</a:t>
             </a:r>
             <a:endParaRPr lang="en-US" sz="2000" dirty="0"/>
           </a:p>
@@ -4990,12 +4950,7 @@
             <p:ph type="ctrTitle"/>
           </p:nvPr>
         </p:nvSpPr>
-        <p:spPr>
-          <a:xfrm>
-            <a:off x="685800" y="571500"/>
-            <a:ext cx="7772400" cy="912813"/>
-          </a:xfrm>
-        </p:spPr>
+        <p:spPr/>
         <p:txBody>
           <a:bodyPr anchor="t">
             <a:normAutofit fontScale="90000"/>
@@ -5033,12 +4988,7 @@
             <p:ph type="body" sz="quarter" idx="13"/>
           </p:nvPr>
         </p:nvSpPr>
-        <p:spPr>
-          <a:xfrm>
-            <a:off x="685800" y="1484313"/>
-            <a:ext cx="7721600" cy="4032250"/>
-          </a:xfrm>
-        </p:spPr>
+        <p:spPr/>
         <p:txBody>
           <a:bodyPr/>
           <a:lstStyle/>
@@ -5124,8 +5074,17 @@
               <a:rPr lang="en-US" sz="1800" dirty="0" smtClean="0">
                 <a:sym typeface="Wingdings"/>
               </a:rPr>
-              <a:t>Make sure Groovy compiler is set to version 2.0</a:t>
-            </a:r>
+              <a:t>Make sure Groovy compiler is set to </a:t>
+            </a:r>
+            <a:r>
+              <a:rPr lang="en-US" sz="1800" smtClean="0">
+                <a:sym typeface="Wingdings"/>
+              </a:rPr>
+              <a:t>version 2.3</a:t>
+            </a:r>
+            <a:endParaRPr lang="en-US" sz="1800" dirty="0" smtClean="0">
+              <a:sym typeface="Wingdings"/>
+            </a:endParaRPr>
           </a:p>
         </p:txBody>
       </p:sp>
@@ -5196,12 +5155,7 @@
             <p:ph type="ctrTitle"/>
           </p:nvPr>
         </p:nvSpPr>
-        <p:spPr>
-          <a:xfrm>
-            <a:off x="685800" y="571500"/>
-            <a:ext cx="7772400" cy="912813"/>
-          </a:xfrm>
-        </p:spPr>
+        <p:spPr/>
         <p:txBody>
           <a:bodyPr anchor="t">
             <a:normAutofit fontScale="90000"/>
@@ -5236,12 +5190,7 @@
             <p:ph type="body" sz="quarter" idx="13"/>
           </p:nvPr>
         </p:nvSpPr>
-        <p:spPr>
-          <a:xfrm>
-            <a:off x="685800" y="1628775"/>
-            <a:ext cx="7721600" cy="4032250"/>
-          </a:xfrm>
-        </p:spPr>
+        <p:spPr/>
         <p:txBody>
           <a:bodyPr/>
           <a:lstStyle/>
@@ -5608,10 +5557,6 @@
           </p:nvPr>
         </p:nvSpPr>
         <p:spPr bwMode="auto">
-          <a:xfrm>
-            <a:off x="685800" y="571500"/>
-            <a:ext cx="7772400" cy="757238"/>
-          </a:xfrm>
           <a:noFill/>
           <a:ln>
             <a:miter lim="800000"/>
@@ -5648,12 +5593,7 @@
             <p:ph type="body" sz="quarter" idx="13"/>
           </p:nvPr>
         </p:nvSpPr>
-        <p:spPr>
-          <a:xfrm>
-            <a:off x="685800" y="1341438"/>
-            <a:ext cx="7721600" cy="4333875"/>
-          </a:xfrm>
-        </p:spPr>
+        <p:spPr/>
         <p:txBody>
           <a:bodyPr/>
           <a:lstStyle/>
@@ -5797,7 +5737,7 @@
   <p:timing>
     <p:tnLst>
       <p:par>
-        <p:cTn id="1" dur="indefinite" restart="never" nodeType="tmRoot"/>
+        <p:cTn xmlns:p14="http://schemas.microsoft.com/office/powerpoint/2010/main" id="1" dur="indefinite" restart="never" nodeType="tmRoot"/>
       </p:par>
     </p:tnLst>
   </p:timing>
@@ -5831,12 +5771,7 @@
             <p:ph type="ctrTitle"/>
           </p:nvPr>
         </p:nvSpPr>
-        <p:spPr>
-          <a:xfrm>
-            <a:off x="685800" y="571500"/>
-            <a:ext cx="7772400" cy="757238"/>
-          </a:xfrm>
-        </p:spPr>
+        <p:spPr/>
         <p:txBody>
           <a:bodyPr anchor="t">
             <a:normAutofit fontScale="90000"/>
@@ -5872,10 +5807,6 @@
           </p:nvPr>
         </p:nvSpPr>
         <p:spPr bwMode="auto">
-          <a:xfrm>
-            <a:off x="685800" y="1557338"/>
-            <a:ext cx="7721600" cy="4117975"/>
-          </a:xfrm>
           <a:noFill/>
           <a:ln>
             <a:miter lim="800000"/>
@@ -5892,16 +5823,16 @@
           <a:lstStyle/>
           <a:p>
             <a:r>
-              <a:rPr lang="en-US" sz="2000" smtClean="0">
+              <a:rPr lang="en-US" sz="2000" dirty="0" smtClean="0">
                 <a:ea typeface="ＭＳ Ｐゴシック"/>
                 <a:cs typeface="ＭＳ Ｐゴシック"/>
               </a:rPr>
-              <a:t>Eclipse requires an installed Java runtime. Eclipse 4.2 requires at least Java 5 to run.</a:t>
-            </a:r>
-          </a:p>
-          <a:p>
-            <a:r>
-              <a:rPr lang="en-US" sz="2000" smtClean="0">
+              <a:t>Eclipse requires an installed Java runtime. Eclipse 4.4 requires at least Java 7 to run.</a:t>
+            </a:r>
+          </a:p>
+          <a:p>
+            <a:r>
+              <a:rPr lang="en-US" sz="2000" dirty="0" smtClean="0">
                 <a:ea typeface="ＭＳ Ｐゴシック"/>
                 <a:cs typeface="ＭＳ Ｐゴシック"/>
               </a:rPr>
@@ -5910,7 +5841,7 @@
           </a:p>
           <a:p>
             <a:r>
-              <a:rPr lang="en-US" sz="2000" smtClean="0">
+              <a:rPr lang="en-US" sz="2000" dirty="0" smtClean="0">
                 <a:ea typeface="ＭＳ Ｐゴシック"/>
                 <a:cs typeface="ＭＳ Ｐゴシック"/>
               </a:rPr>
@@ -5919,7 +5850,7 @@
           </a:p>
           <a:p>
             <a:r>
-              <a:rPr lang="en-US" sz="2000" smtClean="0">
+              <a:rPr lang="en-US" sz="2000" dirty="0" smtClean="0">
                 <a:ea typeface="ＭＳ Ｐゴシック"/>
                 <a:cs typeface="ＭＳ Ｐゴシック"/>
               </a:rPr>
@@ -5928,19 +5859,19 @@
           </a:p>
           <a:p>
             <a:r>
-              <a:rPr lang="en-US" sz="2000" smtClean="0">
+              <a:rPr lang="en-US" sz="2000" dirty="0" smtClean="0">
                 <a:ea typeface="ＭＳ Ｐゴシック"/>
                 <a:cs typeface="ＭＳ Ｐゴシック"/>
               </a:rPr>
-              <a:t>For this tutorial, you should use Java JDK in version 6 or higher.</a:t>
-            </a:r>
-            <a:endParaRPr lang="en-US" smtClean="0">
+              <a:t>For this tutorial, you should use Java JDK in version 7 or higher.</a:t>
+            </a:r>
+            <a:endParaRPr lang="en-US" dirty="0" smtClean="0">
               <a:ea typeface="ＭＳ Ｐゴシック"/>
               <a:cs typeface="ＭＳ Ｐゴシック"/>
             </a:endParaRPr>
           </a:p>
           <a:p>
-            <a:endParaRPr lang="en-US" smtClean="0">
+            <a:endParaRPr lang="en-US" dirty="0" smtClean="0">
               <a:ea typeface="ＭＳ Ｐゴシック"/>
               <a:cs typeface="ＭＳ Ｐゴシック"/>
             </a:endParaRPr>
@@ -5955,7 +5886,7 @@
   <p:timing>
     <p:tnLst>
       <p:par>
-        <p:cTn id="1" dur="indefinite" restart="never" nodeType="tmRoot"/>
+        <p:cTn xmlns:p14="http://schemas.microsoft.com/office/powerpoint/2010/main" id="1" dur="indefinite" restart="never" nodeType="tmRoot"/>
       </p:par>
     </p:tnLst>
   </p:timing>
@@ -5989,12 +5920,7 @@
             <p:ph type="ctrTitle"/>
           </p:nvPr>
         </p:nvSpPr>
-        <p:spPr>
-          <a:xfrm>
-            <a:off x="685800" y="571500"/>
-            <a:ext cx="7772400" cy="757238"/>
-          </a:xfrm>
-        </p:spPr>
+        <p:spPr/>
         <p:txBody>
           <a:bodyPr anchor="t">
             <a:normAutofit fontScale="90000"/>
@@ -6030,10 +5956,6 @@
           </p:nvPr>
         </p:nvSpPr>
         <p:spPr bwMode="auto">
-          <a:xfrm>
-            <a:off x="685800" y="1557338"/>
-            <a:ext cx="7721600" cy="4117975"/>
-          </a:xfrm>
           <a:noFill/>
           <a:ln>
             <a:miter lim="800000"/>
@@ -6359,7 +6281,7 @@
   <p:timing>
     <p:tnLst>
       <p:par>
-        <p:cTn id="1" dur="indefinite" restart="never" nodeType="tmRoot"/>
+        <p:cTn xmlns:p14="http://schemas.microsoft.com/office/powerpoint/2010/main" id="1" dur="indefinite" restart="never" nodeType="tmRoot"/>
       </p:par>
     </p:tnLst>
   </p:timing>
@@ -6393,12 +6315,7 @@
             <p:ph type="ctrTitle"/>
           </p:nvPr>
         </p:nvSpPr>
-        <p:spPr>
-          <a:xfrm>
-            <a:off x="685800" y="571500"/>
-            <a:ext cx="7772400" cy="757238"/>
-          </a:xfrm>
-        </p:spPr>
+        <p:spPr/>
         <p:txBody>
           <a:bodyPr anchor="t">
             <a:normAutofit fontScale="90000"/>
@@ -6434,10 +6351,6 @@
           </p:nvPr>
         </p:nvSpPr>
         <p:spPr bwMode="auto">
-          <a:xfrm>
-            <a:off x="685800" y="1557338"/>
-            <a:ext cx="7721600" cy="1150937"/>
-          </a:xfrm>
           <a:noFill/>
           <a:ln>
             <a:miter lim="800000"/>
@@ -6484,34 +6397,32 @@
       </p:sp>
       <p:pic>
         <p:nvPicPr>
-          <p:cNvPr id="17411" name="Picture 7"/>
+          <p:cNvPr id="4" name="Picture 3" descr="Screen Shot 2015-01-11 at 01.37.26.png"/>
           <p:cNvPicPr>
             <a:picLocks noChangeAspect="1"/>
           </p:cNvPicPr>
           <p:nvPr/>
         </p:nvPicPr>
         <p:blipFill>
-          <a:blip r:embed="rId2"/>
-          <a:srcRect/>
+          <a:blip r:embed="rId2">
+            <a:extLst>
+              <a:ext uri="{28A0092B-C50C-407E-A947-70E740481C1C}">
+                <a14:useLocalDpi xmlns:a14="http://schemas.microsoft.com/office/drawing/2010/main" val="0"/>
+              </a:ext>
+            </a:extLst>
+          </a:blip>
           <a:stretch>
             <a:fillRect/>
           </a:stretch>
         </p:blipFill>
-        <p:spPr bwMode="auto">
+        <p:spPr>
           <a:xfrm>
-            <a:off x="827088" y="2703513"/>
-            <a:ext cx="4535487" cy="2813050"/>
+            <a:off x="755576" y="2852937"/>
+            <a:ext cx="6408712" cy="2925078"/>
           </a:xfrm>
           <a:prstGeom prst="rect">
             <a:avLst/>
           </a:prstGeom>
-          <a:noFill/>
-          <a:ln w="9525">
-            <a:noFill/>
-            <a:miter lim="800000"/>
-            <a:headEnd/>
-            <a:tailEnd/>
-          </a:ln>
         </p:spPr>
       </p:pic>
     </p:spTree>
@@ -6522,7 +6433,7 @@
   <p:timing>
     <p:tnLst>
       <p:par>
-        <p:cTn id="1" dur="indefinite" restart="never" nodeType="tmRoot"/>
+        <p:cTn xmlns:p14="http://schemas.microsoft.com/office/powerpoint/2010/main" id="1" dur="indefinite" restart="never" nodeType="tmRoot"/>
       </p:par>
     </p:tnLst>
   </p:timing>
@@ -6556,12 +6467,7 @@
             <p:ph type="ctrTitle"/>
           </p:nvPr>
         </p:nvSpPr>
-        <p:spPr>
-          <a:xfrm>
-            <a:off x="685800" y="571500"/>
-            <a:ext cx="7772400" cy="912813"/>
-          </a:xfrm>
-        </p:spPr>
+        <p:spPr/>
         <p:txBody>
           <a:bodyPr anchor="t">
             <a:normAutofit fontScale="90000"/>
@@ -6597,10 +6503,6 @@
           </p:nvPr>
         </p:nvSpPr>
         <p:spPr bwMode="auto">
-          <a:xfrm>
-            <a:off x="685800" y="1557338"/>
-            <a:ext cx="7721600" cy="4117975"/>
-          </a:xfrm>
           <a:noFill/>
           <a:ln>
             <a:miter lim="800000"/>
@@ -6752,7 +6654,7 @@
   <p:timing>
     <p:tnLst>
       <p:par>
-        <p:cTn id="1" dur="indefinite" restart="never" nodeType="tmRoot"/>
+        <p:cTn xmlns:p14="http://schemas.microsoft.com/office/powerpoint/2010/main" id="1" dur="indefinite" restart="never" nodeType="tmRoot"/>
       </p:par>
     </p:tnLst>
   </p:timing>
@@ -6786,12 +6688,7 @@
             <p:ph type="ctrTitle"/>
           </p:nvPr>
         </p:nvSpPr>
-        <p:spPr>
-          <a:xfrm>
-            <a:off x="685800" y="571500"/>
-            <a:ext cx="7772400" cy="912813"/>
-          </a:xfrm>
-        </p:spPr>
+        <p:spPr/>
         <p:txBody>
           <a:bodyPr anchor="t">
             <a:normAutofit fontScale="90000"/>
@@ -6827,10 +6724,6 @@
           </p:nvPr>
         </p:nvSpPr>
         <p:spPr bwMode="auto">
-          <a:xfrm>
-            <a:off x="685800" y="1557338"/>
-            <a:ext cx="7721600" cy="4117975"/>
-          </a:xfrm>
           <a:noFill/>
           <a:ln>
             <a:miter lim="800000"/>
@@ -6900,7 +6793,7 @@
   <p:timing>
     <p:tnLst>
       <p:par>
-        <p:cTn id="1" dur="indefinite" restart="never" nodeType="tmRoot"/>
+        <p:cTn xmlns:p14="http://schemas.microsoft.com/office/powerpoint/2010/main" id="1" dur="indefinite" restart="never" nodeType="tmRoot"/>
       </p:par>
     </p:tnLst>
   </p:timing>
@@ -6934,12 +6827,7 @@
             <p:ph type="ctrTitle"/>
           </p:nvPr>
         </p:nvSpPr>
-        <p:spPr>
-          <a:xfrm>
-            <a:off x="685800" y="571500"/>
-            <a:ext cx="7772400" cy="912813"/>
-          </a:xfrm>
-        </p:spPr>
+        <p:spPr/>
         <p:txBody>
           <a:bodyPr anchor="t">
             <a:normAutofit fontScale="90000"/>
@@ -6983,10 +6871,6 @@
           </p:nvPr>
         </p:nvSpPr>
         <p:spPr bwMode="auto">
-          <a:xfrm>
-            <a:off x="731838" y="1557338"/>
-            <a:ext cx="7721600" cy="4248150"/>
-          </a:xfrm>
           <a:noFill/>
           <a:ln>
             <a:miter lim="800000"/>
@@ -7004,113 +6888,95 @@
           <a:p>
             <a:pPr marL="400050"/>
             <a:r>
-              <a:rPr lang="en-US" sz="2000" smtClean="0">
+              <a:rPr lang="en-US" sz="2000" dirty="0" smtClean="0">
                 <a:ea typeface="ＭＳ Ｐゴシック"/>
                 <a:cs typeface="ＭＳ Ｐゴシック"/>
               </a:rPr>
-              <a:t>Open a browser and visit:</a:t>
-            </a:r>
-          </a:p>
-          <a:p>
-            <a:pPr marL="400050"/>
-            <a:endParaRPr lang="en-US" sz="2000" smtClean="0">
+              <a:t>Copy the Groovy-Eclipse release URL appropriate to your Eclipse version:</a:t>
+            </a:r>
+          </a:p>
+          <a:p>
+            <a:pPr marL="800100" lvl="1"/>
+            <a:r>
+              <a:rPr lang="en-US" sz="1800" dirty="0">
+                <a:ea typeface="ＭＳ Ｐゴシック"/>
+                <a:hlinkClick r:id="rId2"/>
+              </a:rPr>
+              <a:t>http://dist.springsource.org/release/GRECLIPSE/</a:t>
+            </a:r>
+            <a:r>
+              <a:rPr lang="en-US" sz="1800" dirty="0" smtClean="0">
+                <a:ea typeface="ＭＳ Ｐゴシック"/>
+                <a:hlinkClick r:id="rId2"/>
+              </a:rPr>
+              <a:t>e4.4/</a:t>
+            </a:r>
+            <a:endParaRPr lang="en-US" sz="1800" dirty="0" smtClean="0">
+              <a:ea typeface="ＭＳ Ｐゴシック"/>
+            </a:endParaRPr>
+          </a:p>
+          <a:p>
+            <a:pPr marL="800100" lvl="1"/>
+            <a:r>
+              <a:rPr lang="en-US" sz="1800" dirty="0">
+                <a:ea typeface="ＭＳ Ｐゴシック"/>
+                <a:hlinkClick r:id="rId2"/>
+              </a:rPr>
+              <a:t>http://dist.springsource.org/release/GRECLIPSE/e4.3/</a:t>
+            </a:r>
+            <a:endParaRPr lang="en-US" sz="1800" dirty="0">
+              <a:ea typeface="ＭＳ Ｐゴシック"/>
+            </a:endParaRPr>
+          </a:p>
+          <a:p>
+            <a:pPr marL="800100" lvl="1"/>
+            <a:r>
+              <a:rPr lang="en-US" sz="1800" dirty="0">
+                <a:ea typeface="ＭＳ Ｐゴシック"/>
+                <a:hlinkClick r:id="rId2"/>
+              </a:rPr>
+              <a:t>http://dist.springsource.org/release/GRECLIPSE/</a:t>
+            </a:r>
+            <a:r>
+              <a:rPr lang="en-US" sz="1800" dirty="0" smtClean="0">
+                <a:ea typeface="ＭＳ Ｐゴシック"/>
+                <a:hlinkClick r:id="rId2"/>
+              </a:rPr>
+              <a:t>e4.2/</a:t>
+            </a:r>
+            <a:endParaRPr lang="en-US" sz="1800" dirty="0" smtClean="0">
               <a:ea typeface="ＭＳ Ｐゴシック"/>
               <a:cs typeface="ＭＳ Ｐゴシック"/>
             </a:endParaRPr>
           </a:p>
           <a:p>
             <a:pPr marL="400050"/>
-            <a:endParaRPr lang="en-US" sz="2000" smtClean="0">
-              <a:ea typeface="ＭＳ Ｐゴシック"/>
-              <a:cs typeface="ＭＳ Ｐゴシック"/>
-            </a:endParaRPr>
-          </a:p>
-          <a:p>
-            <a:pPr marL="400050"/>
-            <a:r>
-              <a:rPr lang="en-US" sz="2000" smtClean="0">
+            <a:r>
+              <a:rPr lang="en-US" sz="2000" dirty="0" smtClean="0">
                 <a:ea typeface="ＭＳ Ｐゴシック"/>
                 <a:cs typeface="ＭＳ Ｐゴシック"/>
               </a:rPr>
-              <a:t>Copy the Groovy-Eclipse release URL appropriate to your Eclipse version</a:t>
+              <a:t>To install the plugin, select Help → Install New Software...</a:t>
             </a:r>
           </a:p>
           <a:p>
             <a:pPr marL="400050"/>
             <a:r>
-              <a:rPr lang="en-US" sz="2000" smtClean="0">
+              <a:rPr lang="en-US" sz="2000" dirty="0" smtClean="0">
                 <a:ea typeface="ＭＳ Ｐゴシック"/>
                 <a:cs typeface="ＭＳ Ｐゴシック"/>
               </a:rPr>
-              <a:t>To install the plugin, select Help → Install New Software...</a:t>
+              <a:t>Paste the Groovy-Eclipse release URL into the “Work with:” field and hit Enter</a:t>
             </a:r>
           </a:p>
           <a:p>
             <a:pPr marL="400050"/>
             <a:r>
-              <a:rPr lang="en-US" sz="2000" smtClean="0">
+              <a:rPr lang="en-US" sz="2000" dirty="0" smtClean="0">
                 <a:ea typeface="ＭＳ Ｐゴシック"/>
                 <a:cs typeface="ＭＳ Ｐゴシック"/>
               </a:rPr>
-              <a:t>Paste the Groovy-Eclipse release URL into the “Work with:” field and hit Enter</a:t>
-            </a:r>
-          </a:p>
-          <a:p>
-            <a:pPr marL="400050"/>
-            <a:r>
-              <a:rPr lang="en-US" sz="2000" smtClean="0">
-                <a:ea typeface="ＭＳ Ｐゴシック"/>
-                <a:cs typeface="ＭＳ Ｐゴシック"/>
-              </a:rPr>
               <a:t>Select the features:</a:t>
-            </a:r>
-          </a:p>
-          <a:p>
-            <a:pPr marL="857250" lvl="1" indent="-342900">
-              <a:buFont typeface="Wingdings" pitchFamily="2" charset="2"/>
-              <a:buChar char="q"/>
-            </a:pPr>
-            <a:r>
-              <a:rPr lang="en-US" sz="1800" smtClean="0">
-                <a:ea typeface="ＭＳ Ｐゴシック"/>
-              </a:rPr>
-              <a:t>Extra Groovy compilers (Optional)</a:t>
-            </a:r>
-          </a:p>
-          <a:p>
-            <a:pPr marL="1314450" lvl="2" indent="-342900">
-              <a:buFont typeface="Wingdings" pitchFamily="2" charset="2"/>
-              <a:buChar char="q"/>
-            </a:pPr>
-            <a:r>
-              <a:rPr lang="en-US" sz="1600" smtClean="0">
-                <a:ea typeface="ＭＳ Ｐゴシック"/>
-              </a:rPr>
-              <a:t>Groovy Compiler 2.0 Feature</a:t>
-            </a:r>
-          </a:p>
-          <a:p>
-            <a:pPr marL="857250" lvl="1" indent="-342900">
-              <a:buFont typeface="Wingdings" pitchFamily="2" charset="2"/>
-              <a:buChar char="q"/>
-            </a:pPr>
-            <a:r>
-              <a:rPr lang="en-US" sz="1800" smtClean="0">
-                <a:ea typeface="ＭＳ Ｐゴシック"/>
-              </a:rPr>
-              <a:t>Groovy-Eclipse (Required)</a:t>
-            </a:r>
-          </a:p>
-          <a:p>
-            <a:pPr marL="1314450" lvl="2" indent="-342900">
-              <a:buFont typeface="Wingdings" pitchFamily="2" charset="2"/>
-              <a:buChar char="q"/>
-            </a:pPr>
-            <a:r>
-              <a:rPr lang="en-US" sz="1600" smtClean="0">
-                <a:ea typeface="ＭＳ Ｐゴシック"/>
-              </a:rPr>
-              <a:t>Groovy Eclipse Feature</a:t>
             </a:r>
           </a:p>
           <a:p>
@@ -7118,232 +6984,43 @@
               <a:buFont typeface="Lucida Grande"/>
               <a:buChar char="-"/>
             </a:pPr>
-            <a:endParaRPr lang="en-US" sz="2000" smtClean="0">
+            <a:endParaRPr lang="en-US" sz="2000" dirty="0" smtClean="0">
               <a:ea typeface="ＭＳ Ｐゴシック"/>
               <a:cs typeface="ＭＳ Ｐゴシック"/>
             </a:endParaRPr>
           </a:p>
         </p:txBody>
       </p:sp>
-      <p:sp>
-        <p:nvSpPr>
-          <p:cNvPr id="6" name="Text Placeholder 2"/>
-          <p:cNvSpPr txBox="1">
-            <a:spLocks/>
-          </p:cNvSpPr>
+      <p:pic>
+        <p:nvPicPr>
+          <p:cNvPr id="3" name="Picture 2" descr="Screen Shot 2015-01-11 at 01.42.51.png"/>
+          <p:cNvPicPr>
+            <a:picLocks noChangeAspect="1"/>
+          </p:cNvPicPr>
           <p:nvPr/>
-        </p:nvSpPr>
+        </p:nvPicPr>
+        <p:blipFill>
+          <a:blip r:embed="rId3">
+            <a:extLst>
+              <a:ext uri="{28A0092B-C50C-407E-A947-70E740481C1C}">
+                <a14:useLocalDpi xmlns:a14="http://schemas.microsoft.com/office/drawing/2010/main" val="0"/>
+              </a:ext>
+            </a:extLst>
+          </a:blip>
+          <a:stretch>
+            <a:fillRect/>
+          </a:stretch>
+        </p:blipFill>
         <p:spPr>
           <a:xfrm>
-            <a:off x="1258888" y="1989138"/>
-            <a:ext cx="6049962" cy="503237"/>
+            <a:off x="1403648" y="4797152"/>
+            <a:ext cx="6379375" cy="936104"/>
           </a:xfrm>
-          <a:prstGeom prst="roundRect">
+          <a:prstGeom prst="rect">
             <a:avLst/>
           </a:prstGeom>
-          <a:solidFill>
-            <a:schemeClr val="accent1">
-              <a:lumMod val="20000"/>
-              <a:lumOff val="80000"/>
-            </a:schemeClr>
-          </a:solidFill>
-          <a:ln w="12700" cap="rnd" cmpd="sng">
-            <a:solidFill>
-              <a:schemeClr val="tx1"/>
-            </a:solidFill>
-            <a:round/>
-          </a:ln>
-          <a:effectLst>
-            <a:outerShdw blurRad="50800" dist="38100" dir="2700000" algn="tl" rotWithShape="0">
-              <a:schemeClr val="accent1">
-                <a:lumMod val="75000"/>
-                <a:alpha val="43000"/>
-              </a:schemeClr>
-            </a:outerShdw>
-          </a:effectLst>
         </p:spPr>
-        <p:txBody>
-          <a:bodyPr anchor="ctr"/>
-          <a:lstStyle>
-            <a:lvl1pPr marL="342900" indent="-342900" algn="l" defTabSz="457200" rtl="0" eaLnBrk="1" fontAlgn="base" hangingPunct="1">
-              <a:spcBef>
-                <a:spcPct val="20000"/>
-              </a:spcBef>
-              <a:spcAft>
-                <a:spcPct val="0"/>
-              </a:spcAft>
-              <a:buFont typeface="Arial" charset="0"/>
-              <a:buChar char="•"/>
-              <a:defRPr sz="2400" kern="1200">
-                <a:solidFill>
-                  <a:schemeClr val="tx1"/>
-                </a:solidFill>
-                <a:latin typeface="+mn-lt"/>
-                <a:ea typeface="ＭＳ Ｐゴシック" pitchFamily="-111" charset="-128"/>
-                <a:cs typeface="ＭＳ Ｐゴシック" pitchFamily="-111" charset="-128"/>
-              </a:defRPr>
-            </a:lvl1pPr>
-            <a:lvl2pPr marL="742950" indent="-285750" algn="l" defTabSz="457200" rtl="0" eaLnBrk="1" fontAlgn="base" hangingPunct="1">
-              <a:spcBef>
-                <a:spcPct val="20000"/>
-              </a:spcBef>
-              <a:spcAft>
-                <a:spcPct val="0"/>
-              </a:spcAft>
-              <a:buFont typeface="Arial" charset="0"/>
-              <a:buChar char="–"/>
-              <a:defRPr sz="2200" kern="1200">
-                <a:solidFill>
-                  <a:schemeClr val="tx1"/>
-                </a:solidFill>
-                <a:latin typeface="+mn-lt"/>
-                <a:ea typeface="ＭＳ Ｐゴシック" pitchFamily="-111" charset="-128"/>
-                <a:cs typeface="ＭＳ Ｐゴシック"/>
-              </a:defRPr>
-            </a:lvl2pPr>
-            <a:lvl3pPr marL="1143000" indent="-228600" algn="l" defTabSz="457200" rtl="0" eaLnBrk="1" fontAlgn="base" hangingPunct="1">
-              <a:spcBef>
-                <a:spcPct val="20000"/>
-              </a:spcBef>
-              <a:spcAft>
-                <a:spcPct val="0"/>
-              </a:spcAft>
-              <a:buFont typeface="Calibri" pitchFamily="34" charset="0"/>
-              <a:buChar char="»"/>
-              <a:defRPr sz="2000" kern="1200">
-                <a:solidFill>
-                  <a:schemeClr val="tx1"/>
-                </a:solidFill>
-                <a:latin typeface="+mn-lt"/>
-                <a:ea typeface="ＭＳ Ｐゴシック" pitchFamily="-111" charset="-128"/>
-                <a:cs typeface="ＭＳ Ｐゴシック"/>
-              </a:defRPr>
-            </a:lvl3pPr>
-            <a:lvl4pPr marL="1600200" indent="-228600" algn="l" defTabSz="457200" rtl="0" eaLnBrk="1" fontAlgn="base" hangingPunct="1">
-              <a:spcBef>
-                <a:spcPct val="20000"/>
-              </a:spcBef>
-              <a:spcAft>
-                <a:spcPct val="0"/>
-              </a:spcAft>
-              <a:buFont typeface="Arial" charset="0"/>
-              <a:buChar char="–"/>
-              <a:defRPr sz="1800" kern="1200">
-                <a:solidFill>
-                  <a:schemeClr val="tx1">
-                    <a:lumMod val="75000"/>
-                    <a:lumOff val="25000"/>
-                  </a:schemeClr>
-                </a:solidFill>
-                <a:latin typeface="+mn-lt"/>
-                <a:ea typeface="ＭＳ Ｐゴシック" pitchFamily="-111" charset="-128"/>
-                <a:cs typeface="ＭＳ Ｐゴシック"/>
-              </a:defRPr>
-            </a:lvl4pPr>
-            <a:lvl5pPr marL="2057400" indent="-228600" algn="l" defTabSz="457200" rtl="0" eaLnBrk="1" fontAlgn="base" hangingPunct="1">
-              <a:spcBef>
-                <a:spcPct val="20000"/>
-              </a:spcBef>
-              <a:spcAft>
-                <a:spcPct val="0"/>
-              </a:spcAft>
-              <a:buFont typeface="Arial" charset="0"/>
-              <a:buChar char="»"/>
-              <a:defRPr sz="1800" kern="1200">
-                <a:solidFill>
-                  <a:schemeClr val="tx1">
-                    <a:lumMod val="75000"/>
-                    <a:lumOff val="25000"/>
-                  </a:schemeClr>
-                </a:solidFill>
-                <a:latin typeface="+mn-lt"/>
-                <a:ea typeface="ＭＳ Ｐゴシック" pitchFamily="-111" charset="-128"/>
-                <a:cs typeface="ＭＳ Ｐゴシック"/>
-              </a:defRPr>
-            </a:lvl5pPr>
-            <a:lvl6pPr marL="2514600" indent="-228600" algn="l" defTabSz="457200" rtl="0" eaLnBrk="1" latinLnBrk="0" hangingPunct="1">
-              <a:spcBef>
-                <a:spcPct val="20000"/>
-              </a:spcBef>
-              <a:buFont typeface="Arial"/>
-              <a:buChar char="•"/>
-              <a:defRPr sz="2000" kern="1200">
-                <a:solidFill>
-                  <a:schemeClr val="tx1"/>
-                </a:solidFill>
-                <a:latin typeface="+mn-lt"/>
-                <a:ea typeface="+mn-ea"/>
-                <a:cs typeface="+mn-cs"/>
-              </a:defRPr>
-            </a:lvl6pPr>
-            <a:lvl7pPr marL="2971800" indent="-228600" algn="l" defTabSz="457200" rtl="0" eaLnBrk="1" latinLnBrk="0" hangingPunct="1">
-              <a:spcBef>
-                <a:spcPct val="20000"/>
-              </a:spcBef>
-              <a:buFont typeface="Arial"/>
-              <a:buChar char="•"/>
-              <a:defRPr sz="2000" kern="1200">
-                <a:solidFill>
-                  <a:schemeClr val="tx1"/>
-                </a:solidFill>
-                <a:latin typeface="+mn-lt"/>
-                <a:ea typeface="+mn-ea"/>
-                <a:cs typeface="+mn-cs"/>
-              </a:defRPr>
-            </a:lvl7pPr>
-            <a:lvl8pPr marL="3429000" indent="-228600" algn="l" defTabSz="457200" rtl="0" eaLnBrk="1" latinLnBrk="0" hangingPunct="1">
-              <a:spcBef>
-                <a:spcPct val="20000"/>
-              </a:spcBef>
-              <a:buFont typeface="Arial"/>
-              <a:buChar char="•"/>
-              <a:defRPr sz="2000" kern="1200">
-                <a:solidFill>
-                  <a:schemeClr val="tx1"/>
-                </a:solidFill>
-                <a:latin typeface="+mn-lt"/>
-                <a:ea typeface="+mn-ea"/>
-                <a:cs typeface="+mn-cs"/>
-              </a:defRPr>
-            </a:lvl8pPr>
-            <a:lvl9pPr marL="3886200" indent="-228600" algn="l" defTabSz="457200" rtl="0" eaLnBrk="1" latinLnBrk="0" hangingPunct="1">
-              <a:spcBef>
-                <a:spcPct val="20000"/>
-              </a:spcBef>
-              <a:buFont typeface="Arial"/>
-              <a:buChar char="•"/>
-              <a:defRPr sz="2000" kern="1200">
-                <a:solidFill>
-                  <a:schemeClr val="tx1"/>
-                </a:solidFill>
-                <a:latin typeface="+mn-lt"/>
-                <a:ea typeface="+mn-ea"/>
-                <a:cs typeface="+mn-cs"/>
-              </a:defRPr>
-            </a:lvl9pPr>
-          </a:lstStyle>
-          <a:p>
-            <a:pPr marL="57150" indent="0">
-              <a:buFont typeface="Arial" charset="0"/>
-              <a:buNone/>
-              <a:defRPr/>
-            </a:pPr>
-            <a:r>
-              <a:rPr lang="en-US" sz="1800" dirty="0" smtClean="0">
-                <a:hlinkClick r:id="rId2"/>
-              </a:rPr>
-              <a:t>http</a:t>
-            </a:r>
-            <a:r>
-              <a:rPr lang="en-US" sz="1800" dirty="0">
-                <a:hlinkClick r:id="rId2"/>
-              </a:rPr>
-              <a:t>://groovy.codehaus.org/Eclipse+Plugin</a:t>
-            </a:r>
-            <a:endParaRPr lang="en-US" sz="1800" dirty="0"/>
-          </a:p>
-        </p:txBody>
-      </p:sp>
+      </p:pic>
     </p:spTree>
   </p:cSld>
   <p:clrMapOvr>
@@ -7352,7 +7029,7 @@
   <p:timing>
     <p:tnLst>
       <p:par>
-        <p:cTn id="1" dur="indefinite" restart="never" nodeType="tmRoot"/>
+        <p:cTn xmlns:p14="http://schemas.microsoft.com/office/powerpoint/2010/main" id="1" dur="indefinite" restart="never" nodeType="tmRoot"/>
       </p:par>
     </p:tnLst>
   </p:timing>
@@ -7386,12 +7063,7 @@
             <p:ph type="ctrTitle"/>
           </p:nvPr>
         </p:nvSpPr>
-        <p:spPr>
-          <a:xfrm>
-            <a:off x="685800" y="571500"/>
-            <a:ext cx="7772400" cy="1344613"/>
-          </a:xfrm>
-        </p:spPr>
+        <p:spPr/>
         <p:txBody>
           <a:bodyPr anchor="t">
             <a:normAutofit fontScale="90000"/>
@@ -7444,8 +7116,8 @@
         </p:nvSpPr>
         <p:spPr bwMode="auto">
           <a:xfrm>
-            <a:off x="685800" y="1989138"/>
-            <a:ext cx="8134350" cy="3671887"/>
+            <a:off x="685803" y="2060847"/>
+            <a:ext cx="8278685" cy="4176465"/>
           </a:xfrm>
           <a:noFill/>
           <a:ln>
@@ -7464,7 +7136,7 @@
           <a:p>
             <a:pPr marL="400050"/>
             <a:r>
-              <a:rPr lang="en-US" smtClean="0">
+              <a:rPr lang="en-US" dirty="0" smtClean="0">
                 <a:ea typeface="ＭＳ Ｐゴシック"/>
                 <a:cs typeface="ＭＳ Ｐゴシック"/>
               </a:rPr>
@@ -7474,7 +7146,7 @@
           <a:p>
             <a:pPr marL="400050"/>
             <a:r>
-              <a:rPr lang="en-US" smtClean="0">
+              <a:rPr lang="en-US" dirty="0" smtClean="0">
                 <a:ea typeface="ＭＳ Ｐゴシック"/>
                 <a:cs typeface="ＭＳ Ｐゴシック"/>
               </a:rPr>
@@ -7483,72 +7155,90 @@
           </a:p>
           <a:p>
             <a:pPr marL="400050"/>
-            <a:endParaRPr lang="en-US" smtClean="0">
+            <a:endParaRPr lang="en-US" dirty="0" smtClean="0">
               <a:ea typeface="ＭＳ Ｐゴシック"/>
               <a:cs typeface="ＭＳ Ｐゴシック"/>
             </a:endParaRPr>
           </a:p>
           <a:p>
             <a:pPr marL="400050">
-              <a:buFont typeface="Arial" charset="0"/>
               <a:buNone/>
             </a:pPr>
             <a:r>
-              <a:rPr lang="en-US" sz="1400" smtClean="0">
+              <a:rPr lang="en-US" sz="1400" dirty="0">
                 <a:ea typeface="ＭＳ Ｐゴシック"/>
                 <a:cs typeface="ＭＳ Ｐゴシック"/>
                 <a:sym typeface="Arial" charset="0"/>
-              </a:rPr>
-              <a:t>http://repo1.maven.org/maven2/.m2e/connectors/m2eclipse-buildhelper/0.15.0/N/0.15.0.201207090124/</a:t>
-            </a:r>
-            <a:endParaRPr lang="en-US" sz="1400" smtClean="0">
+                <a:hlinkClick r:id="rId2"/>
+              </a:rPr>
+              <a:t>http://repo1.maven.org/maven2/.m2e/connectors/m2eclipse-buildhelper/0.15.0/N/0.15.0.201405280027</a:t>
+            </a:r>
+            <a:r>
+              <a:rPr lang="en-US" sz="1400" dirty="0" smtClean="0">
+                <a:ea typeface="ＭＳ Ｐゴシック"/>
+                <a:cs typeface="ＭＳ Ｐゴシック"/>
+                <a:sym typeface="Arial" charset="0"/>
+                <a:hlinkClick r:id="rId2"/>
+              </a:rPr>
+              <a:t>/</a:t>
+            </a:r>
+            <a:endParaRPr lang="en-US" sz="1400" dirty="0" smtClean="0">
+              <a:ea typeface="ＭＳ Ｐゴシック"/>
+              <a:cs typeface="ＭＳ Ｐゴシック"/>
+              <a:sym typeface="Arial" charset="0"/>
+            </a:endParaRPr>
+          </a:p>
+          <a:p>
+            <a:pPr marL="400050">
+              <a:buNone/>
+            </a:pPr>
+            <a:endParaRPr lang="en-US" dirty="0" smtClean="0">
               <a:ea typeface="ＭＳ Ｐゴシック"/>
               <a:cs typeface="ＭＳ Ｐゴシック"/>
             </a:endParaRPr>
           </a:p>
           <a:p>
             <a:pPr marL="400050"/>
-            <a:endParaRPr lang="en-US" smtClean="0">
-              <a:ea typeface="ＭＳ Ｐゴシック"/>
-              <a:cs typeface="ＭＳ Ｐゴシック"/>
-            </a:endParaRPr>
-          </a:p>
-          <a:p>
-            <a:pPr marL="400050"/>
-            <a:r>
-              <a:rPr lang="en-US" smtClean="0">
+            <a:r>
+              <a:rPr lang="en-US" dirty="0" smtClean="0">
                 <a:ea typeface="ＭＳ Ｐゴシック"/>
                 <a:cs typeface="ＭＳ Ｐゴシック"/>
               </a:rPr>
               <a:t>Install feature:</a:t>
             </a:r>
           </a:p>
-          <a:p>
-            <a:pPr marL="857250" lvl="1" indent="-342900">
-              <a:buFont typeface="Wingdings" pitchFamily="2" charset="2"/>
-              <a:buChar char="q"/>
-            </a:pPr>
-            <a:r>
-              <a:rPr lang="en-US" sz="2000" smtClean="0">
-                <a:ea typeface="ＭＳ Ｐゴシック"/>
-              </a:rPr>
-              <a:t>M2E Buildhelper Connector</a:t>
-            </a:r>
-          </a:p>
-          <a:p>
-            <a:pPr marL="1314450" lvl="2" indent="-342900">
-              <a:buFont typeface="Wingdings" pitchFamily="2" charset="2"/>
-              <a:buChar char="q"/>
-            </a:pPr>
-            <a:r>
-              <a:rPr lang="en-US" sz="1800" smtClean="0">
-                <a:ea typeface="ＭＳ Ｐゴシック"/>
-              </a:rPr>
-              <a:t>m2e connector for build-helper-maven-plugin</a:t>
-            </a:r>
-          </a:p>
         </p:txBody>
       </p:sp>
+      <p:pic>
+        <p:nvPicPr>
+          <p:cNvPr id="3" name="Picture 2" descr="Screen Shot 2015-01-11 at 01.51.25.png"/>
+          <p:cNvPicPr>
+            <a:picLocks noChangeAspect="1"/>
+          </p:cNvPicPr>
+          <p:nvPr/>
+        </p:nvPicPr>
+        <p:blipFill>
+          <a:blip r:embed="rId3">
+            <a:extLst>
+              <a:ext uri="{28A0092B-C50C-407E-A947-70E740481C1C}">
+                <a14:useLocalDpi xmlns:a14="http://schemas.microsoft.com/office/drawing/2010/main" val="0"/>
+              </a:ext>
+            </a:extLst>
+          </a:blip>
+          <a:stretch>
+            <a:fillRect/>
+          </a:stretch>
+        </p:blipFill>
+        <p:spPr>
+          <a:xfrm>
+            <a:off x="1403648" y="5085184"/>
+            <a:ext cx="6005031" cy="1152128"/>
+          </a:xfrm>
+          <a:prstGeom prst="rect">
+            <a:avLst/>
+          </a:prstGeom>
+        </p:spPr>
+      </p:pic>
     </p:spTree>
   </p:cSld>
   <p:clrMapOvr>

--- a/docs/groovy-tdd-installation.pptx
+++ b/docs/groovy-tdd-installation.pptx
@@ -7,6 +7,9 @@
   <p:notesMasterIdLst>
     <p:notesMasterId r:id="rId15"/>
   </p:notesMasterIdLst>
+  <p:handoutMasterIdLst>
+    <p:handoutMasterId r:id="rId16"/>
+  </p:handoutMasterIdLst>
   <p:sldIdLst>
     <p:sldId id="256" r:id="rId2"/>
     <p:sldId id="257" r:id="rId3"/>
@@ -161,6 +164,235 @@
 </p:presentation>
 </file>
 
+<file path=ppt/handoutMasters/handoutMaster1.xml><?xml version="1.0" encoding="utf-8"?>
+<p:handoutMaster xmlns:a="http://schemas.openxmlformats.org/drawingml/2006/main" xmlns:r="http://schemas.openxmlformats.org/officeDocument/2006/relationships" xmlns:p="http://schemas.openxmlformats.org/presentationml/2006/main">
+  <p:cSld>
+    <p:bg>
+      <p:bgPr>
+        <a:solidFill>
+          <a:schemeClr val="bg1"/>
+        </a:solidFill>
+        <a:effectLst/>
+      </p:bgPr>
+    </p:bg>
+    <p:spTree>
+      <p:nvGrpSpPr>
+        <p:cNvPr id="1" name=""/>
+        <p:cNvGrpSpPr/>
+        <p:nvPr/>
+      </p:nvGrpSpPr>
+      <p:grpSpPr>
+        <a:xfrm>
+          <a:off x="0" y="0"/>
+          <a:ext cx="0" cy="0"/>
+          <a:chOff x="0" y="0"/>
+          <a:chExt cx="0" cy="0"/>
+        </a:xfrm>
+      </p:grpSpPr>
+      <p:sp>
+        <p:nvSpPr>
+          <p:cNvPr id="36866" name="Rectangle 2"/>
+          <p:cNvSpPr>
+            <a:spLocks noGrp="1" noChangeArrowheads="1"/>
+          </p:cNvSpPr>
+          <p:nvPr>
+            <p:ph type="hdr" sz="quarter"/>
+          </p:nvPr>
+        </p:nvSpPr>
+        <p:spPr bwMode="auto">
+          <a:xfrm>
+            <a:off x="0" y="0"/>
+            <a:ext cx="3170238" cy="479425"/>
+          </a:xfrm>
+          <a:prstGeom prst="rect">
+            <a:avLst/>
+          </a:prstGeom>
+          <a:noFill/>
+          <a:ln w="9525">
+            <a:noFill/>
+            <a:miter lim="800000"/>
+            <a:headEnd/>
+            <a:tailEnd/>
+          </a:ln>
+          <a:effectLst/>
+        </p:spPr>
+        <p:txBody>
+          <a:bodyPr vert="horz" wrap="square" lIns="91440" tIns="45720" rIns="91440" bIns="45720" numCol="1" anchor="t" anchorCtr="0" compatLnSpc="1">
+            <a:prstTxWarp prst="textNoShape">
+              <a:avLst/>
+            </a:prstTxWarp>
+          </a:bodyPr>
+          <a:lstStyle>
+            <a:lvl1pPr>
+              <a:defRPr sz="1200"/>
+            </a:lvl1pPr>
+          </a:lstStyle>
+          <a:p>
+            <a:pPr>
+              <a:defRPr/>
+            </a:pPr>
+            <a:endParaRPr lang="en-US"/>
+          </a:p>
+        </p:txBody>
+      </p:sp>
+      <p:sp>
+        <p:nvSpPr>
+          <p:cNvPr id="36867" name="Rectangle 3"/>
+          <p:cNvSpPr>
+            <a:spLocks noGrp="1" noChangeArrowheads="1"/>
+          </p:cNvSpPr>
+          <p:nvPr>
+            <p:ph type="dt" sz="quarter" idx="1"/>
+          </p:nvPr>
+        </p:nvSpPr>
+        <p:spPr bwMode="auto">
+          <a:xfrm>
+            <a:off x="4143375" y="0"/>
+            <a:ext cx="3170238" cy="479425"/>
+          </a:xfrm>
+          <a:prstGeom prst="rect">
+            <a:avLst/>
+          </a:prstGeom>
+          <a:noFill/>
+          <a:ln w="9525">
+            <a:noFill/>
+            <a:miter lim="800000"/>
+            <a:headEnd/>
+            <a:tailEnd/>
+          </a:ln>
+          <a:effectLst/>
+        </p:spPr>
+        <p:txBody>
+          <a:bodyPr vert="horz" wrap="square" lIns="91440" tIns="45720" rIns="91440" bIns="45720" numCol="1" anchor="t" anchorCtr="0" compatLnSpc="1">
+            <a:prstTxWarp prst="textNoShape">
+              <a:avLst/>
+            </a:prstTxWarp>
+          </a:bodyPr>
+          <a:lstStyle>
+            <a:lvl1pPr algn="r">
+              <a:defRPr sz="1200"/>
+            </a:lvl1pPr>
+          </a:lstStyle>
+          <a:p>
+            <a:pPr>
+              <a:defRPr/>
+            </a:pPr>
+            <a:fld id="{7ABD0E3B-E301-4B35-AA32-91A0F8EF0421}" type="datetimeFigureOut">
+              <a:rPr lang="en-US"/>
+              <a:pPr>
+                <a:defRPr/>
+              </a:pPr>
+              <a:t>1/24/2015</a:t>
+            </a:fld>
+            <a:endParaRPr lang="en-US"/>
+          </a:p>
+        </p:txBody>
+      </p:sp>
+      <p:sp>
+        <p:nvSpPr>
+          <p:cNvPr id="36868" name="Rectangle 4"/>
+          <p:cNvSpPr>
+            <a:spLocks noGrp="1" noChangeArrowheads="1"/>
+          </p:cNvSpPr>
+          <p:nvPr>
+            <p:ph type="ftr" sz="quarter" idx="2"/>
+          </p:nvPr>
+        </p:nvSpPr>
+        <p:spPr bwMode="auto">
+          <a:xfrm>
+            <a:off x="0" y="9120188"/>
+            <a:ext cx="3170238" cy="479425"/>
+          </a:xfrm>
+          <a:prstGeom prst="rect">
+            <a:avLst/>
+          </a:prstGeom>
+          <a:noFill/>
+          <a:ln w="9525">
+            <a:noFill/>
+            <a:miter lim="800000"/>
+            <a:headEnd/>
+            <a:tailEnd/>
+          </a:ln>
+          <a:effectLst/>
+        </p:spPr>
+        <p:txBody>
+          <a:bodyPr vert="horz" wrap="square" lIns="91440" tIns="45720" rIns="91440" bIns="45720" numCol="1" anchor="b" anchorCtr="0" compatLnSpc="1">
+            <a:prstTxWarp prst="textNoShape">
+              <a:avLst/>
+            </a:prstTxWarp>
+          </a:bodyPr>
+          <a:lstStyle>
+            <a:lvl1pPr>
+              <a:defRPr sz="1200"/>
+            </a:lvl1pPr>
+          </a:lstStyle>
+          <a:p>
+            <a:pPr>
+              <a:defRPr/>
+            </a:pPr>
+            <a:endParaRPr lang="en-US"/>
+          </a:p>
+        </p:txBody>
+      </p:sp>
+      <p:sp>
+        <p:nvSpPr>
+          <p:cNvPr id="36869" name="Rectangle 5"/>
+          <p:cNvSpPr>
+            <a:spLocks noGrp="1" noChangeArrowheads="1"/>
+          </p:cNvSpPr>
+          <p:nvPr>
+            <p:ph type="sldNum" sz="quarter" idx="3"/>
+          </p:nvPr>
+        </p:nvSpPr>
+        <p:spPr bwMode="auto">
+          <a:xfrm>
+            <a:off x="4143375" y="9120188"/>
+            <a:ext cx="3170238" cy="479425"/>
+          </a:xfrm>
+          <a:prstGeom prst="rect">
+            <a:avLst/>
+          </a:prstGeom>
+          <a:noFill/>
+          <a:ln w="9525">
+            <a:noFill/>
+            <a:miter lim="800000"/>
+            <a:headEnd/>
+            <a:tailEnd/>
+          </a:ln>
+          <a:effectLst/>
+        </p:spPr>
+        <p:txBody>
+          <a:bodyPr vert="horz" wrap="square" lIns="91440" tIns="45720" rIns="91440" bIns="45720" numCol="1" anchor="b" anchorCtr="0" compatLnSpc="1">
+            <a:prstTxWarp prst="textNoShape">
+              <a:avLst/>
+            </a:prstTxWarp>
+          </a:bodyPr>
+          <a:lstStyle>
+            <a:lvl1pPr algn="r">
+              <a:defRPr sz="1200"/>
+            </a:lvl1pPr>
+          </a:lstStyle>
+          <a:p>
+            <a:pPr>
+              <a:defRPr/>
+            </a:pPr>
+            <a:fld id="{AE752A54-8270-4289-9CB2-D1E261AFA7D4}" type="slidenum">
+              <a:rPr lang="en-US"/>
+              <a:pPr>
+                <a:defRPr/>
+              </a:pPr>
+              <a:t>‹#›</a:t>
+            </a:fld>
+            <a:endParaRPr lang="en-US"/>
+          </a:p>
+        </p:txBody>
+      </p:sp>
+    </p:spTree>
+  </p:cSld>
+  <p:clrMap bg1="lt1" tx1="dk1" bg2="lt2" tx2="dk2" accent1="accent1" accent2="accent2" accent3="accent3" accent4="accent4" accent5="accent5" accent6="accent6" hlink="hlink" folHlink="folHlink"/>
+</p:handoutMaster>
+</file>
+
 <file path=ppt/notesMasters/notesMaster1.xml><?xml version="1.0" encoding="utf-8"?>
 <p:notesMaster xmlns:a="http://schemas.openxmlformats.org/drawingml/2006/main" xmlns:r="http://schemas.openxmlformats.org/officeDocument/2006/relationships" xmlns:p="http://schemas.openxmlformats.org/presentationml/2006/main">
   <p:cSld>
@@ -285,11 +517,6 @@
         </p:txBody>
       </p:sp>
     </p:spTree>
-    <p:extLst>
-      <p:ext uri="{BB962C8B-B14F-4D97-AF65-F5344CB8AC3E}">
-        <p14:creationId xmlns:p14="http://schemas.microsoft.com/office/powerpoint/2010/main" val="232425920"/>
-      </p:ext>
-    </p:extLst>
   </p:cSld>
   <p:clrMap bg1="lt1" tx1="dk1" bg2="lt2" tx2="dk2" accent1="accent1" accent2="accent2" accent3="accent3" accent4="accent4" accent5="accent5" accent6="accent6" hlink="hlink" folHlink="folHlink"/>
   <p:notesStyle>
@@ -3470,7 +3697,7 @@
               <a:buNone/>
               <a:defRPr/>
             </a:pPr>
-            <a:fld id="{3E1E53BC-DA73-455B-9EE7-476C3513FF5A}" type="slidenum">
+            <a:fld id="{F4D15BD1-6617-42D8-B33D-016D31605DDB}" type="slidenum">
               <a:rPr lang="en-US" sz="1100" smtClean="0">
                 <a:solidFill>
                   <a:schemeClr val="bg1"/>
@@ -3517,7 +3744,7 @@
   <p:hf hdr="0" ftr="0" dt="0"/>
   <p:txStyles>
     <p:titleStyle>
-      <a:lvl1pPr algn="l" defTabSz="457200" rtl="0" fontAlgn="base">
+      <a:lvl1pPr algn="l" defTabSz="457200" rtl="0" eaLnBrk="0" fontAlgn="base" hangingPunct="0">
         <a:spcBef>
           <a:spcPct val="0"/>
         </a:spcBef>
@@ -3533,7 +3760,7 @@
           <a:cs typeface="Cambria Bold"/>
         </a:defRPr>
       </a:lvl1pPr>
-      <a:lvl2pPr algn="l" defTabSz="457200" rtl="0" fontAlgn="base">
+      <a:lvl2pPr algn="l" defTabSz="457200" rtl="0" eaLnBrk="0" fontAlgn="base" hangingPunct="0">
         <a:spcBef>
           <a:spcPct val="0"/>
         </a:spcBef>
@@ -3549,7 +3776,7 @@
           <a:cs typeface="Cambria Bold" pitchFamily="18" charset="0"/>
         </a:defRPr>
       </a:lvl2pPr>
-      <a:lvl3pPr algn="l" defTabSz="457200" rtl="0" fontAlgn="base">
+      <a:lvl3pPr algn="l" defTabSz="457200" rtl="0" eaLnBrk="0" fontAlgn="base" hangingPunct="0">
         <a:spcBef>
           <a:spcPct val="0"/>
         </a:spcBef>
@@ -3565,7 +3792,7 @@
           <a:cs typeface="Cambria Bold" pitchFamily="18" charset="0"/>
         </a:defRPr>
       </a:lvl3pPr>
-      <a:lvl4pPr algn="l" defTabSz="457200" rtl="0" fontAlgn="base">
+      <a:lvl4pPr algn="l" defTabSz="457200" rtl="0" eaLnBrk="0" fontAlgn="base" hangingPunct="0">
         <a:spcBef>
           <a:spcPct val="0"/>
         </a:spcBef>
@@ -3581,7 +3808,7 @@
           <a:cs typeface="Cambria Bold" pitchFamily="18" charset="0"/>
         </a:defRPr>
       </a:lvl4pPr>
-      <a:lvl5pPr algn="l" defTabSz="457200" rtl="0" fontAlgn="base">
+      <a:lvl5pPr algn="l" defTabSz="457200" rtl="0" eaLnBrk="0" fontAlgn="base" hangingPunct="0">
         <a:spcBef>
           <a:spcPct val="0"/>
         </a:spcBef>
@@ -3663,7 +3890,7 @@
       </a:lvl9pPr>
     </p:titleStyle>
     <p:bodyStyle>
-      <a:lvl1pPr marL="342900" indent="-342900" algn="l" defTabSz="457200" rtl="0" fontAlgn="base">
+      <a:lvl1pPr marL="342900" indent="-342900" algn="l" defTabSz="457200" rtl="0" eaLnBrk="0" fontAlgn="base" hangingPunct="0">
         <a:spcBef>
           <a:spcPct val="20000"/>
         </a:spcBef>
@@ -3681,7 +3908,7 @@
           <a:cs typeface="ＭＳ Ｐゴシック" pitchFamily="-111" charset="-128"/>
         </a:defRPr>
       </a:lvl1pPr>
-      <a:lvl2pPr marL="742950" indent="-285750" algn="l" defTabSz="457200" rtl="0" fontAlgn="base">
+      <a:lvl2pPr marL="742950" indent="-285750" algn="l" defTabSz="457200" rtl="0" eaLnBrk="0" fontAlgn="base" hangingPunct="0">
         <a:spcBef>
           <a:spcPct val="20000"/>
         </a:spcBef>
@@ -3699,7 +3926,7 @@
           <a:cs typeface="ＭＳ Ｐゴシック"/>
         </a:defRPr>
       </a:lvl2pPr>
-      <a:lvl3pPr marL="1143000" indent="-228600" algn="l" defTabSz="457200" rtl="0" fontAlgn="base">
+      <a:lvl3pPr marL="1143000" indent="-228600" algn="l" defTabSz="457200" rtl="0" eaLnBrk="0" fontAlgn="base" hangingPunct="0">
         <a:spcBef>
           <a:spcPct val="20000"/>
         </a:spcBef>
@@ -3717,7 +3944,7 @@
           <a:cs typeface="ＭＳ Ｐゴシック"/>
         </a:defRPr>
       </a:lvl3pPr>
-      <a:lvl4pPr marL="1600200" indent="-228600" algn="l" defTabSz="457200" rtl="0" fontAlgn="base">
+      <a:lvl4pPr marL="1600200" indent="-228600" algn="l" defTabSz="457200" rtl="0" eaLnBrk="0" fontAlgn="base" hangingPunct="0">
         <a:spcBef>
           <a:spcPct val="20000"/>
         </a:spcBef>
@@ -3735,7 +3962,7 @@
           <a:cs typeface="ＭＳ Ｐゴシック"/>
         </a:defRPr>
       </a:lvl4pPr>
-      <a:lvl5pPr marL="2057400" indent="-228600" algn="l" defTabSz="457200" rtl="0" fontAlgn="base">
+      <a:lvl5pPr marL="2057400" indent="-228600" algn="l" defTabSz="457200" rtl="0" eaLnBrk="0" fontAlgn="base" hangingPunct="0">
         <a:spcBef>
           <a:spcPct val="20000"/>
         </a:spcBef>
@@ -3932,7 +4159,7 @@
       </p:grpSpPr>
       <p:sp>
         <p:nvSpPr>
-          <p:cNvPr id="13313" name="Title 1"/>
+          <p:cNvPr id="14337" name="Title 1"/>
           <p:cNvSpPr>
             <a:spLocks noGrp="1"/>
           </p:cNvSpPr>
@@ -3960,6 +4187,7 @@
           </a:bodyPr>
           <a:lstStyle/>
           <a:p>
+            <a:pPr eaLnBrk="1" hangingPunct="1"/>
             <a:r>
               <a:rPr lang="en-US" smtClean="0">
                 <a:latin typeface="Cambria" pitchFamily="18" charset="0"/>
@@ -3991,7 +4219,7 @@
           <a:bodyPr/>
           <a:lstStyle/>
           <a:p>
-            <a:pPr>
+            <a:pPr eaLnBrk="1" hangingPunct="1">
               <a:defRPr/>
             </a:pPr>
             <a:r>
@@ -4007,17 +4235,11 @@
           <p:cNvGraphicFramePr>
             <a:graphicFrameLocks noGrp="1"/>
           </p:cNvGraphicFramePr>
-          <p:nvPr>
-            <p:extLst>
-              <p:ext uri="{D42A27DB-BD31-4B8C-83A1-F6EECF244321}">
-                <p14:modId xmlns:p14="http://schemas.microsoft.com/office/powerpoint/2010/main" val="1421915502"/>
-              </p:ext>
-            </p:extLst>
-          </p:nvPr>
+          <p:nvPr/>
         </p:nvGraphicFramePr>
         <p:xfrm>
           <a:off x="827088" y="3522663"/>
-          <a:ext cx="4968552" cy="457200"/>
+          <a:ext cx="4968875" cy="457200"/>
         </p:xfrm>
         <a:graphic>
           <a:graphicData uri="http://schemas.openxmlformats.org/drawingml/2006/table">
@@ -4086,15 +4308,7 @@
                       </a:pPr>
                       <a:r>
                         <a:rPr lang="sv-SE" sz="1000" spc="0" dirty="0" smtClean="0"/>
-                        <a:t>2015-</a:t>
-                      </a:r>
-                      <a:r>
-                        <a:rPr lang="sv-SE" sz="1000" spc="0" dirty="0" smtClean="0"/>
-                        <a:t>01</a:t>
-                      </a:r>
-                      <a:r>
-                        <a:rPr lang="sv-SE" sz="1000" spc="0" dirty="0" smtClean="0"/>
-                        <a:t>-11</a:t>
+                        <a:t>2015-01-11</a:t>
                       </a:r>
                       <a:endParaRPr lang="en-US" sz="1000" spc="0" dirty="0"/>
                     </a:p>
@@ -4220,7 +4434,7 @@
   <p:timing>
     <p:tnLst>
       <p:par>
-        <p:cTn xmlns:p14="http://schemas.microsoft.com/office/powerpoint/2010/main" id="1" dur="indefinite" restart="never" nodeType="tmRoot"/>
+        <p:cTn id="1" dur="indefinite" restart="never" nodeType="tmRoot"/>
       </p:par>
     </p:tnLst>
   </p:timing>
@@ -4254,14 +4468,19 @@
             <p:ph type="ctrTitle"/>
           </p:nvPr>
         </p:nvSpPr>
-        <p:spPr/>
+        <p:spPr>
+          <a:xfrm>
+            <a:off x="685800" y="571500"/>
+            <a:ext cx="7772400" cy="757238"/>
+          </a:xfrm>
+        </p:spPr>
         <p:txBody>
           <a:bodyPr anchor="t">
             <a:normAutofit fontScale="90000"/>
           </a:bodyPr>
           <a:lstStyle/>
           <a:p>
-            <a:pPr>
+            <a:pPr eaLnBrk="1" hangingPunct="1">
               <a:defRPr/>
             </a:pPr>
             <a:r>
@@ -4289,7 +4508,7 @@
       </p:sp>
       <p:sp>
         <p:nvSpPr>
-          <p:cNvPr id="3" name="Text Placeholder 2"/>
+          <p:cNvPr id="23554" name="Text Placeholder 2"/>
           <p:cNvSpPr>
             <a:spLocks noGrp="1"/>
           </p:cNvSpPr>
@@ -4297,7 +4516,18 @@
             <p:ph type="body" sz="quarter" idx="13"/>
           </p:nvPr>
         </p:nvSpPr>
-        <p:spPr/>
+        <p:spPr bwMode="auto">
+          <a:xfrm>
+            <a:off x="685800" y="1557338"/>
+            <a:ext cx="7721600" cy="4679950"/>
+          </a:xfrm>
+          <a:noFill/>
+          <a:ln>
+            <a:miter lim="800000"/>
+            <a:headEnd/>
+            <a:tailEnd/>
+          </a:ln>
+        </p:spPr>
         <p:txBody>
           <a:bodyPr vert="horz" wrap="square" lIns="91440" tIns="45720" rIns="91440" bIns="45720" numCol="1" anchor="t" anchorCtr="0" compatLnSpc="1">
             <a:prstTxWarp prst="textNoShape">
@@ -4306,7 +4536,7 @@
           </a:bodyPr>
           <a:lstStyle/>
           <a:p>
-            <a:pPr marL="57150" indent="0">
+            <a:pPr marL="57150" indent="0" eaLnBrk="1" hangingPunct="1">
               <a:lnSpc>
                 <a:spcPct val="90000"/>
               </a:lnSpc>
@@ -4350,7 +4580,7 @@
             </a:r>
           </a:p>
           <a:p>
-            <a:pPr marL="57150" indent="0">
+            <a:pPr marL="57150" indent="0" eaLnBrk="1" hangingPunct="1">
               <a:lnSpc>
                 <a:spcPct val="90000"/>
               </a:lnSpc>
@@ -4363,7 +4593,7 @@
             </a:endParaRPr>
           </a:p>
           <a:p>
-            <a:pPr marL="57150" indent="0">
+            <a:pPr marL="57150" indent="0" eaLnBrk="1" hangingPunct="1">
               <a:lnSpc>
                 <a:spcPct val="90000"/>
               </a:lnSpc>
@@ -4377,7 +4607,7 @@
             </a:r>
           </a:p>
           <a:p>
-            <a:pPr marL="57150" indent="0">
+            <a:pPr marL="57150" indent="0" eaLnBrk="1" hangingPunct="1">
               <a:lnSpc>
                 <a:spcPct val="90000"/>
               </a:lnSpc>
@@ -4391,7 +4621,7 @@
             </a:r>
           </a:p>
           <a:p>
-            <a:pPr marL="57150" indent="0">
+            <a:pPr marL="57150" indent="0" eaLnBrk="1" hangingPunct="1">
               <a:lnSpc>
                 <a:spcPct val="90000"/>
               </a:lnSpc>
@@ -4402,7 +4632,7 @@
             </a:endParaRPr>
           </a:p>
           <a:p>
-            <a:pPr marL="857250" lvl="1" indent="-342900">
+            <a:pPr marL="857250" lvl="1" indent="-342900" eaLnBrk="1" hangingPunct="1">
               <a:lnSpc>
                 <a:spcPct val="90000"/>
               </a:lnSpc>
@@ -4414,14 +4644,14 @@
                 <a:ea typeface="ＭＳ Ｐゴシック"/>
                 <a:sym typeface="Arial" charset="0"/>
               </a:rPr>
-              <a:t>http://download.eclipse.org/technology/m2e/releases</a:t>
+              <a:t>download.eclipse.org/technology/m2e/releases</a:t>
             </a:r>
             <a:endParaRPr lang="en-US" sz="1800" smtClean="0">
               <a:ea typeface="ＭＳ Ｐゴシック"/>
             </a:endParaRPr>
           </a:p>
           <a:p>
-            <a:pPr marL="57150" indent="0">
+            <a:pPr marL="57150" indent="0" eaLnBrk="1" hangingPunct="1">
               <a:lnSpc>
                 <a:spcPct val="90000"/>
               </a:lnSpc>
@@ -4432,7 +4662,7 @@
             </a:endParaRPr>
           </a:p>
           <a:p>
-            <a:pPr marL="57150" indent="0">
+            <a:pPr marL="57150" indent="0" eaLnBrk="1" hangingPunct="1">
               <a:lnSpc>
                 <a:spcPct val="90000"/>
               </a:lnSpc>
@@ -4446,7 +4676,7 @@
             </a:r>
           </a:p>
           <a:p>
-            <a:pPr marL="857250" lvl="1" indent="-342900">
+            <a:pPr marL="857250" lvl="1" indent="-342900" eaLnBrk="1" hangingPunct="1">
               <a:lnSpc>
                 <a:spcPct val="90000"/>
               </a:lnSpc>
@@ -4461,7 +4691,7 @@
             </a:r>
           </a:p>
           <a:p>
-            <a:pPr marL="1314450" lvl="2" indent="-342900">
+            <a:pPr marL="1314450" lvl="2" indent="-342900" eaLnBrk="1" hangingPunct="1">
               <a:lnSpc>
                 <a:spcPct val="90000"/>
               </a:lnSpc>
@@ -4476,7 +4706,7 @@
             </a:r>
           </a:p>
           <a:p>
-            <a:pPr marL="1314450" lvl="2" indent="-342900">
+            <a:pPr marL="1314450" lvl="2" indent="-342900" eaLnBrk="1" hangingPunct="1">
               <a:lnSpc>
                 <a:spcPct val="90000"/>
               </a:lnSpc>
@@ -4491,7 +4721,7 @@
             </a:r>
           </a:p>
           <a:p>
-            <a:pPr marL="1314450" lvl="2" indent="-342900">
+            <a:pPr marL="1314450" lvl="2" indent="-342900" eaLnBrk="1" hangingPunct="1">
               <a:lnSpc>
                 <a:spcPct val="90000"/>
               </a:lnSpc>
@@ -4509,7 +4739,7 @@
   <p:clrMapOvr>
     <a:masterClrMapping/>
   </p:clrMapOvr>
-  <p:transition xmlns:p14="http://schemas.microsoft.com/office/powerpoint/2010/main" spd="slow"/>
+  <p:transition spd="slow"/>
 </p:sld>
 </file>
 
@@ -4532,7 +4762,7 @@
       </p:grpSpPr>
       <p:sp>
         <p:nvSpPr>
-          <p:cNvPr id="23553" name="Title 1"/>
+          <p:cNvPr id="24577" name="Title 1"/>
           <p:cNvSpPr>
             <a:spLocks noGrp="1"/>
           </p:cNvSpPr>
@@ -4541,6 +4771,10 @@
           </p:nvPr>
         </p:nvSpPr>
         <p:spPr bwMode="auto">
+          <a:xfrm>
+            <a:off x="685800" y="571500"/>
+            <a:ext cx="7772400" cy="757238"/>
+          </a:xfrm>
           <a:noFill/>
           <a:ln>
             <a:miter lim="800000"/>
@@ -4556,6 +4790,7 @@
           </a:bodyPr>
           <a:lstStyle/>
           <a:p>
+            <a:pPr eaLnBrk="1" hangingPunct="1"/>
             <a:r>
               <a:rPr lang="en-US" smtClean="0">
                 <a:latin typeface="Cambria" pitchFamily="18" charset="0"/>
@@ -4569,7 +4804,7 @@
       </p:sp>
       <p:sp>
         <p:nvSpPr>
-          <p:cNvPr id="23554" name="Text Placeholder 2"/>
+          <p:cNvPr id="24578" name="Text Placeholder 2"/>
           <p:cNvSpPr>
             <a:spLocks noGrp="1"/>
           </p:cNvSpPr>
@@ -4578,6 +4813,10 @@
           </p:nvPr>
         </p:nvSpPr>
         <p:spPr bwMode="auto">
+          <a:xfrm>
+            <a:off x="685800" y="1557338"/>
+            <a:ext cx="8350250" cy="4679950"/>
+          </a:xfrm>
           <a:noFill/>
           <a:ln>
             <a:miter lim="800000"/>
@@ -4593,6 +4832,7 @@
           </a:bodyPr>
           <a:lstStyle/>
           <a:p>
+            <a:pPr eaLnBrk="1" hangingPunct="1"/>
             <a:r>
               <a:rPr lang="en-US" sz="2000" smtClean="0">
                 <a:ea typeface="ＭＳ Ｐゴシック"/>
@@ -4602,25 +4842,27 @@
             </a:r>
           </a:p>
           <a:p>
+            <a:pPr eaLnBrk="1" hangingPunct="1"/>
+            <a:endParaRPr lang="sv-SE" sz="2000" smtClean="0">
+              <a:ea typeface="ＭＳ Ｐゴシック"/>
+              <a:cs typeface="ＭＳ Ｐゴシック"/>
+            </a:endParaRPr>
+          </a:p>
+          <a:p>
+            <a:pPr eaLnBrk="1" hangingPunct="1"/>
             <a:endParaRPr lang="en-US" sz="2000" smtClean="0">
               <a:ea typeface="ＭＳ Ｐゴシック"/>
               <a:cs typeface="ＭＳ Ｐゴシック"/>
             </a:endParaRPr>
           </a:p>
           <a:p>
-            <a:endParaRPr lang="en-US" sz="2000" smtClean="0">
-              <a:ea typeface="ＭＳ Ｐゴシック"/>
-              <a:cs typeface="ＭＳ Ｐゴシック"/>
-            </a:endParaRPr>
-          </a:p>
-          <a:p>
-            <a:pPr lvl="1"/>
+            <a:pPr marL="457200" lvl="1" indent="0" eaLnBrk="1" hangingPunct="1"/>
             <a:endParaRPr lang="en-US" sz="2000" smtClean="0">
               <a:ea typeface="ＭＳ Ｐゴシック"/>
             </a:endParaRPr>
           </a:p>
           <a:p>
-            <a:pPr lvl="1"/>
+            <a:pPr marL="457200" lvl="1" indent="0" eaLnBrk="1" hangingPunct="1"/>
             <a:r>
               <a:rPr lang="en-US" sz="1800" smtClean="0">
                 <a:ea typeface="ＭＳ Ｐゴシック"/>
@@ -4629,6 +4871,7 @@
             </a:r>
           </a:p>
           <a:p>
+            <a:pPr eaLnBrk="1" hangingPunct="1"/>
             <a:r>
               <a:rPr lang="en-US" sz="2000" smtClean="0">
                 <a:ea typeface="ＭＳ Ｐゴシック"/>
@@ -4638,6 +4881,7 @@
             </a:r>
           </a:p>
           <a:p>
+            <a:pPr eaLnBrk="1" hangingPunct="1"/>
             <a:r>
               <a:rPr lang="en-US" sz="2000" smtClean="0">
                 <a:ea typeface="ＭＳ Ｐゴシック"/>
@@ -4647,7 +4891,7 @@
             </a:r>
           </a:p>
           <a:p>
-            <a:pPr lvl="1"/>
+            <a:pPr marL="457200" lvl="1" indent="0" eaLnBrk="1" hangingPunct="1"/>
             <a:r>
               <a:rPr lang="en-US" sz="1800" smtClean="0">
                 <a:ea typeface="ＭＳ Ｐゴシック"/>
@@ -4656,7 +4900,7 @@
             </a:r>
           </a:p>
           <a:p>
-            <a:pPr lvl="1"/>
+            <a:pPr marL="457200" lvl="1" indent="0" eaLnBrk="1" hangingPunct="1"/>
             <a:r>
               <a:rPr lang="en-US" sz="1800" smtClean="0">
                 <a:ea typeface="ＭＳ Ｐゴシック"/>
@@ -4665,7 +4909,7 @@
             </a:r>
           </a:p>
           <a:p>
-            <a:pPr lvl="1"/>
+            <a:pPr marL="457200" lvl="1" indent="0" eaLnBrk="1" hangingPunct="1"/>
             <a:r>
               <a:rPr lang="en-US" sz="1800" smtClean="0">
                 <a:ea typeface="ＭＳ Ｐゴシック"/>
@@ -4686,7 +4930,7 @@
             </a:r>
           </a:p>
           <a:p>
-            <a:pPr lvl="1"/>
+            <a:pPr marL="457200" lvl="1" indent="0" eaLnBrk="1" hangingPunct="1"/>
             <a:r>
               <a:rPr lang="en-US" sz="1800" smtClean="0">
                 <a:ea typeface="ＭＳ Ｐゴシック"/>
@@ -4695,6 +4939,7 @@
             </a:r>
           </a:p>
           <a:p>
+            <a:pPr eaLnBrk="1" hangingPunct="1"/>
             <a:endParaRPr lang="en-US" sz="2000" smtClean="0">
               <a:ea typeface="ＭＳ Ｐゴシック"/>
               <a:cs typeface="ＭＳ Ｐゴシック"/>
@@ -4712,8 +4957,8 @@
         </p:nvSpPr>
         <p:spPr>
           <a:xfrm>
-            <a:off x="1116013" y="2060575"/>
-            <a:ext cx="6048375" cy="809625"/>
+            <a:off x="900113" y="2205038"/>
+            <a:ext cx="7993062" cy="576262"/>
           </a:xfrm>
           <a:prstGeom prst="roundRect">
             <a:avLst/>
@@ -4741,177 +4986,29 @@
         </p:spPr>
         <p:txBody>
           <a:bodyPr anchor="ctr"/>
-          <a:lstStyle>
-            <a:lvl1pPr marL="342900" indent="-342900" algn="l" defTabSz="457200" rtl="0" eaLnBrk="1" fontAlgn="base" hangingPunct="1">
+          <a:lstStyle/>
+          <a:p>
+            <a:pPr defTabSz="457200">
               <a:spcBef>
                 <a:spcPct val="20000"/>
               </a:spcBef>
-              <a:spcAft>
-                <a:spcPct val="0"/>
-              </a:spcAft>
-              <a:buFont typeface="Arial" charset="0"/>
-              <a:buChar char="•"/>
-              <a:defRPr sz="2400" kern="1200">
-                <a:solidFill>
-                  <a:schemeClr val="tx1"/>
-                </a:solidFill>
-                <a:latin typeface="+mn-lt"/>
-                <a:ea typeface="ＭＳ Ｐゴシック" pitchFamily="-111" charset="-128"/>
-                <a:cs typeface="ＭＳ Ｐゴシック" pitchFamily="-111" charset="-128"/>
-              </a:defRPr>
-            </a:lvl1pPr>
-            <a:lvl2pPr marL="742950" indent="-285750" algn="l" defTabSz="457200" rtl="0" eaLnBrk="1" fontAlgn="base" hangingPunct="1">
-              <a:spcBef>
-                <a:spcPct val="20000"/>
-              </a:spcBef>
-              <a:spcAft>
-                <a:spcPct val="0"/>
-              </a:spcAft>
-              <a:buFont typeface="Arial" charset="0"/>
-              <a:buChar char="–"/>
-              <a:defRPr sz="2200" kern="1200">
-                <a:solidFill>
-                  <a:schemeClr val="tx1"/>
-                </a:solidFill>
-                <a:latin typeface="+mn-lt"/>
-                <a:ea typeface="ＭＳ Ｐゴシック" pitchFamily="-111" charset="-128"/>
-                <a:cs typeface="ＭＳ Ｐゴシック"/>
-              </a:defRPr>
-            </a:lvl2pPr>
-            <a:lvl3pPr marL="1143000" indent="-228600" algn="l" defTabSz="457200" rtl="0" eaLnBrk="1" fontAlgn="base" hangingPunct="1">
-              <a:spcBef>
-                <a:spcPct val="20000"/>
-              </a:spcBef>
-              <a:spcAft>
-                <a:spcPct val="0"/>
-              </a:spcAft>
-              <a:buFont typeface="Calibri" pitchFamily="34" charset="0"/>
-              <a:buChar char="»"/>
-              <a:defRPr sz="2000" kern="1200">
-                <a:solidFill>
-                  <a:schemeClr val="tx1"/>
-                </a:solidFill>
-                <a:latin typeface="+mn-lt"/>
-                <a:ea typeface="ＭＳ Ｐゴシック" pitchFamily="-111" charset="-128"/>
-                <a:cs typeface="ＭＳ Ｐゴシック"/>
-              </a:defRPr>
-            </a:lvl3pPr>
-            <a:lvl4pPr marL="1600200" indent="-228600" algn="l" defTabSz="457200" rtl="0" eaLnBrk="1" fontAlgn="base" hangingPunct="1">
-              <a:spcBef>
-                <a:spcPct val="20000"/>
-              </a:spcBef>
-              <a:spcAft>
-                <a:spcPct val="0"/>
-              </a:spcAft>
-              <a:buFont typeface="Arial" charset="0"/>
-              <a:buChar char="–"/>
-              <a:defRPr sz="1800" kern="1200">
-                <a:solidFill>
-                  <a:schemeClr val="tx1">
-                    <a:lumMod val="75000"/>
-                    <a:lumOff val="25000"/>
-                  </a:schemeClr>
-                </a:solidFill>
-                <a:latin typeface="+mn-lt"/>
-                <a:ea typeface="ＭＳ Ｐゴシック" pitchFamily="-111" charset="-128"/>
-                <a:cs typeface="ＭＳ Ｐゴシック"/>
-              </a:defRPr>
-            </a:lvl4pPr>
-            <a:lvl5pPr marL="2057400" indent="-228600" algn="l" defTabSz="457200" rtl="0" eaLnBrk="1" fontAlgn="base" hangingPunct="1">
-              <a:spcBef>
-                <a:spcPct val="20000"/>
-              </a:spcBef>
-              <a:spcAft>
-                <a:spcPct val="0"/>
-              </a:spcAft>
-              <a:buFont typeface="Arial" charset="0"/>
-              <a:buChar char="»"/>
-              <a:defRPr sz="1800" kern="1200">
-                <a:solidFill>
-                  <a:schemeClr val="tx1">
-                    <a:lumMod val="75000"/>
-                    <a:lumOff val="25000"/>
-                  </a:schemeClr>
-                </a:solidFill>
-                <a:latin typeface="+mn-lt"/>
-                <a:ea typeface="ＭＳ Ｐゴシック" pitchFamily="-111" charset="-128"/>
-                <a:cs typeface="ＭＳ Ｐゴシック"/>
-              </a:defRPr>
-            </a:lvl5pPr>
-            <a:lvl6pPr marL="2514600" indent="-228600" algn="l" defTabSz="457200" rtl="0" eaLnBrk="1" latinLnBrk="0" hangingPunct="1">
-              <a:spcBef>
-                <a:spcPct val="20000"/>
-              </a:spcBef>
-              <a:buFont typeface="Arial"/>
-              <a:buChar char="•"/>
-              <a:defRPr sz="2000" kern="1200">
-                <a:solidFill>
-                  <a:schemeClr val="tx1"/>
-                </a:solidFill>
-                <a:latin typeface="+mn-lt"/>
-                <a:ea typeface="+mn-ea"/>
-                <a:cs typeface="+mn-cs"/>
-              </a:defRPr>
-            </a:lvl6pPr>
-            <a:lvl7pPr marL="2971800" indent="-228600" algn="l" defTabSz="457200" rtl="0" eaLnBrk="1" latinLnBrk="0" hangingPunct="1">
-              <a:spcBef>
-                <a:spcPct val="20000"/>
-              </a:spcBef>
-              <a:buFont typeface="Arial"/>
-              <a:buChar char="•"/>
-              <a:defRPr sz="2000" kern="1200">
-                <a:solidFill>
-                  <a:schemeClr val="tx1"/>
-                </a:solidFill>
-                <a:latin typeface="+mn-lt"/>
-                <a:ea typeface="+mn-ea"/>
-                <a:cs typeface="+mn-cs"/>
-              </a:defRPr>
-            </a:lvl7pPr>
-            <a:lvl8pPr marL="3429000" indent="-228600" algn="l" defTabSz="457200" rtl="0" eaLnBrk="1" latinLnBrk="0" hangingPunct="1">
-              <a:spcBef>
-                <a:spcPct val="20000"/>
-              </a:spcBef>
-              <a:buFont typeface="Arial"/>
-              <a:buChar char="•"/>
-              <a:defRPr sz="2000" kern="1200">
-                <a:solidFill>
-                  <a:schemeClr val="tx1"/>
-                </a:solidFill>
-                <a:latin typeface="+mn-lt"/>
-                <a:ea typeface="+mn-ea"/>
-                <a:cs typeface="+mn-cs"/>
-              </a:defRPr>
-            </a:lvl8pPr>
-            <a:lvl9pPr marL="3886200" indent="-228600" algn="l" defTabSz="457200" rtl="0" eaLnBrk="1" latinLnBrk="0" hangingPunct="1">
-              <a:spcBef>
-                <a:spcPct val="20000"/>
-              </a:spcBef>
-              <a:buFont typeface="Arial"/>
-              <a:buChar char="•"/>
-              <a:defRPr sz="2000" kern="1200">
-                <a:solidFill>
-                  <a:schemeClr val="tx1"/>
-                </a:solidFill>
-                <a:latin typeface="+mn-lt"/>
-                <a:ea typeface="+mn-ea"/>
-                <a:cs typeface="+mn-cs"/>
-              </a:defRPr>
-            </a:lvl9pPr>
-          </a:lstStyle>
-          <a:p>
-            <a:pPr marL="0" lvl="1" indent="0">
               <a:buFont typeface="Arial" charset="0"/>
               <a:buNone/>
-              <a:defRPr/>
             </a:pPr>
             <a:r>
-              <a:rPr lang="en-US" sz="2000" dirty="0" smtClean="0">
+              <a:rPr lang="sv-SE" sz="1400">
+                <a:solidFill>
+                  <a:schemeClr val="tx1"/>
+                </a:solidFill>
                 <a:hlinkClick r:id="rId2"/>
               </a:rPr>
-              <a:t>https://callistaenterprise.atlassian.net/wiki/download/attachments/12288001/groovy-tdd-cadec.zip</a:t>
-            </a:r>
-            <a:endParaRPr lang="en-US" sz="2000" dirty="0"/>
+              <a:t>http://callistaenterprise.atlassian.net/wiki/download/attachments/12288001/groovy-tdd-cadec.zip</a:t>
+            </a:r>
+            <a:endParaRPr lang="sv-SE" sz="1400">
+              <a:solidFill>
+                <a:schemeClr val="tx1"/>
+              </a:solidFill>
+            </a:endParaRPr>
           </a:p>
         </p:txBody>
       </p:sp>
@@ -4950,14 +5047,19 @@
             <p:ph type="ctrTitle"/>
           </p:nvPr>
         </p:nvSpPr>
-        <p:spPr/>
+        <p:spPr>
+          <a:xfrm>
+            <a:off x="685800" y="571500"/>
+            <a:ext cx="7772400" cy="757238"/>
+          </a:xfrm>
+        </p:spPr>
         <p:txBody>
           <a:bodyPr anchor="t">
             <a:normAutofit fontScale="90000"/>
           </a:bodyPr>
           <a:lstStyle/>
           <a:p>
-            <a:pPr>
+            <a:pPr eaLnBrk="1" hangingPunct="1">
               <a:defRPr/>
             </a:pPr>
             <a:r>
@@ -4988,12 +5090,17 @@
             <p:ph type="body" sz="quarter" idx="13"/>
           </p:nvPr>
         </p:nvSpPr>
-        <p:spPr/>
+        <p:spPr>
+          <a:xfrm>
+            <a:off x="685800" y="1557338"/>
+            <a:ext cx="7721600" cy="4679950"/>
+          </a:xfrm>
+        </p:spPr>
         <p:txBody>
           <a:bodyPr/>
           <a:lstStyle/>
           <a:p>
-            <a:pPr marL="0" indent="0">
+            <a:pPr marL="0" indent="0" eaLnBrk="1" hangingPunct="1">
               <a:buFont typeface="Arial" charset="0"/>
               <a:buNone/>
               <a:defRPr/>
@@ -5012,7 +5119,7 @@
             </a:r>
           </a:p>
           <a:p>
-            <a:pPr marL="457200" indent="-457200">
+            <a:pPr marL="457200" indent="-457200" eaLnBrk="1" hangingPunct="1">
               <a:buFont typeface="+mj-lt"/>
               <a:buAutoNum type="arabicPeriod"/>
               <a:defRPr/>
@@ -5044,7 +5151,7 @@
             <a:endParaRPr lang="en-US" sz="1800" dirty="0" smtClean="0"/>
           </a:p>
           <a:p>
-            <a:pPr marL="457200" indent="-457200">
+            <a:pPr marL="457200" indent="-457200" eaLnBrk="1" hangingPunct="1">
               <a:buFont typeface="+mj-lt"/>
               <a:buAutoNum type="arabicPeriod"/>
               <a:defRPr/>
@@ -5065,7 +5172,7 @@
             </a:r>
           </a:p>
           <a:p>
-            <a:pPr marL="457200" indent="-457200">
+            <a:pPr marL="457200" indent="-457200" eaLnBrk="1" hangingPunct="1">
               <a:buFont typeface="+mj-lt"/>
               <a:buAutoNum type="arabicPeriod"/>
               <a:defRPr/>
@@ -5090,7 +5197,7 @@
       </p:sp>
       <p:pic>
         <p:nvPicPr>
-          <p:cNvPr id="24579" name="Picture 4"/>
+          <p:cNvPr id="25603" name="Picture 4"/>
           <p:cNvPicPr>
             <a:picLocks noChangeAspect="1"/>
           </p:cNvPicPr>
@@ -5155,14 +5262,19 @@
             <p:ph type="ctrTitle"/>
           </p:nvPr>
         </p:nvSpPr>
-        <p:spPr/>
+        <p:spPr>
+          <a:xfrm>
+            <a:off x="685800" y="571500"/>
+            <a:ext cx="7772400" cy="757238"/>
+          </a:xfrm>
+        </p:spPr>
         <p:txBody>
           <a:bodyPr anchor="t">
             <a:normAutofit fontScale="90000"/>
           </a:bodyPr>
           <a:lstStyle/>
           <a:p>
-            <a:pPr>
+            <a:pPr eaLnBrk="1" hangingPunct="1">
               <a:defRPr/>
             </a:pPr>
             <a:r>
@@ -5190,12 +5302,17 @@
             <p:ph type="body" sz="quarter" idx="13"/>
           </p:nvPr>
         </p:nvSpPr>
-        <p:spPr/>
+        <p:spPr>
+          <a:xfrm>
+            <a:off x="685800" y="1557338"/>
+            <a:ext cx="7721600" cy="4679950"/>
+          </a:xfrm>
+        </p:spPr>
         <p:txBody>
           <a:bodyPr/>
           <a:lstStyle/>
           <a:p>
-            <a:pPr marL="457200" indent="-457200">
+            <a:pPr marL="457200" indent="-457200" eaLnBrk="1" hangingPunct="1">
               <a:buFont typeface="+mj-lt"/>
               <a:buAutoNum type="arabicPeriod"/>
               <a:defRPr/>
@@ -5235,7 +5352,7 @@
             <a:endParaRPr lang="en-US" sz="2000" dirty="0" smtClean="0"/>
           </a:p>
           <a:p>
-            <a:pPr marL="457200" indent="-457200">
+            <a:pPr marL="457200" indent="-457200" eaLnBrk="1" hangingPunct="1">
               <a:buFont typeface="+mj-lt"/>
               <a:buAutoNum type="arabicPeriod"/>
               <a:defRPr/>
@@ -5271,7 +5388,7 @@
             <a:endParaRPr lang="en-US" sz="2000" dirty="0" smtClean="0"/>
           </a:p>
           <a:p>
-            <a:pPr marL="457200" indent="-457200">
+            <a:pPr marL="457200" indent="-457200" eaLnBrk="1" hangingPunct="1">
               <a:buFont typeface="+mj-lt"/>
               <a:buAutoNum type="arabicPeriod"/>
               <a:defRPr/>
@@ -5287,7 +5404,7 @@
             <a:endParaRPr lang="en-US" sz="2000" dirty="0" smtClean="0"/>
           </a:p>
           <a:p>
-            <a:pPr marL="0" indent="0">
+            <a:pPr marL="0" indent="0" eaLnBrk="1" hangingPunct="1">
               <a:buFont typeface="Arial" charset="0"/>
               <a:buNone/>
               <a:defRPr/>
@@ -5335,189 +5452,32 @@
         </p:spPr>
         <p:txBody>
           <a:bodyPr anchor="ctr"/>
-          <a:lstStyle>
-            <a:lvl1pPr marL="342900" indent="-342900" algn="l" defTabSz="457200" rtl="0" eaLnBrk="1" fontAlgn="base" hangingPunct="1">
+          <a:lstStyle/>
+          <a:p>
+            <a:pPr marL="0" lvl="1" defTabSz="457200">
               <a:spcBef>
                 <a:spcPct val="20000"/>
               </a:spcBef>
-              <a:spcAft>
-                <a:spcPct val="0"/>
-              </a:spcAft>
-              <a:buFont typeface="Arial" charset="0"/>
-              <a:buChar char="•"/>
-              <a:defRPr sz="2400" kern="1200">
-                <a:solidFill>
-                  <a:schemeClr val="tx1"/>
-                </a:solidFill>
-                <a:latin typeface="+mn-lt"/>
-                <a:ea typeface="ＭＳ Ｐゴシック" pitchFamily="-111" charset="-128"/>
-                <a:cs typeface="ＭＳ Ｐゴシック" pitchFamily="-111" charset="-128"/>
-              </a:defRPr>
-            </a:lvl1pPr>
-            <a:lvl2pPr marL="742950" indent="-285750" algn="l" defTabSz="457200" rtl="0" eaLnBrk="1" fontAlgn="base" hangingPunct="1">
-              <a:spcBef>
-                <a:spcPct val="20000"/>
-              </a:spcBef>
-              <a:spcAft>
-                <a:spcPct val="0"/>
-              </a:spcAft>
-              <a:buFont typeface="Arial" charset="0"/>
-              <a:buChar char="–"/>
-              <a:defRPr sz="2200" kern="1200">
-                <a:solidFill>
-                  <a:schemeClr val="tx1"/>
-                </a:solidFill>
-                <a:latin typeface="+mn-lt"/>
-                <a:ea typeface="ＭＳ Ｐゴシック" pitchFamily="-111" charset="-128"/>
-                <a:cs typeface="ＭＳ Ｐゴシック"/>
-              </a:defRPr>
-            </a:lvl2pPr>
-            <a:lvl3pPr marL="1143000" indent="-228600" algn="l" defTabSz="457200" rtl="0" eaLnBrk="1" fontAlgn="base" hangingPunct="1">
-              <a:spcBef>
-                <a:spcPct val="20000"/>
-              </a:spcBef>
-              <a:spcAft>
-                <a:spcPct val="0"/>
-              </a:spcAft>
-              <a:buFont typeface="Calibri" pitchFamily="34" charset="0"/>
-              <a:buChar char="»"/>
-              <a:defRPr sz="2000" kern="1200">
-                <a:solidFill>
-                  <a:schemeClr val="tx1"/>
-                </a:solidFill>
-                <a:latin typeface="+mn-lt"/>
-                <a:ea typeface="ＭＳ Ｐゴシック" pitchFamily="-111" charset="-128"/>
-                <a:cs typeface="ＭＳ Ｐゴシック"/>
-              </a:defRPr>
-            </a:lvl3pPr>
-            <a:lvl4pPr marL="1600200" indent="-228600" algn="l" defTabSz="457200" rtl="0" eaLnBrk="1" fontAlgn="base" hangingPunct="1">
-              <a:spcBef>
-                <a:spcPct val="20000"/>
-              </a:spcBef>
-              <a:spcAft>
-                <a:spcPct val="0"/>
-              </a:spcAft>
-              <a:buFont typeface="Arial" charset="0"/>
-              <a:buChar char="–"/>
-              <a:defRPr sz="1800" kern="1200">
-                <a:solidFill>
-                  <a:schemeClr val="tx1">
-                    <a:lumMod val="75000"/>
-                    <a:lumOff val="25000"/>
-                  </a:schemeClr>
-                </a:solidFill>
-                <a:latin typeface="+mn-lt"/>
-                <a:ea typeface="ＭＳ Ｐゴシック" pitchFamily="-111" charset="-128"/>
-                <a:cs typeface="ＭＳ Ｐゴシック"/>
-              </a:defRPr>
-            </a:lvl4pPr>
-            <a:lvl5pPr marL="2057400" indent="-228600" algn="l" defTabSz="457200" rtl="0" eaLnBrk="1" fontAlgn="base" hangingPunct="1">
-              <a:spcBef>
-                <a:spcPct val="20000"/>
-              </a:spcBef>
-              <a:spcAft>
-                <a:spcPct val="0"/>
-              </a:spcAft>
-              <a:buFont typeface="Arial" charset="0"/>
-              <a:buChar char="»"/>
-              <a:defRPr sz="1800" kern="1200">
-                <a:solidFill>
-                  <a:schemeClr val="tx1">
-                    <a:lumMod val="75000"/>
-                    <a:lumOff val="25000"/>
-                  </a:schemeClr>
-                </a:solidFill>
-                <a:latin typeface="+mn-lt"/>
-                <a:ea typeface="ＭＳ Ｐゴシック" pitchFamily="-111" charset="-128"/>
-                <a:cs typeface="ＭＳ Ｐゴシック"/>
-              </a:defRPr>
-            </a:lvl5pPr>
-            <a:lvl6pPr marL="2514600" indent="-228600" algn="l" defTabSz="457200" rtl="0" eaLnBrk="1" latinLnBrk="0" hangingPunct="1">
-              <a:spcBef>
-                <a:spcPct val="20000"/>
-              </a:spcBef>
-              <a:buFont typeface="Arial"/>
-              <a:buChar char="•"/>
-              <a:defRPr sz="2000" kern="1200">
-                <a:solidFill>
-                  <a:schemeClr val="tx1"/>
-                </a:solidFill>
-                <a:latin typeface="+mn-lt"/>
-                <a:ea typeface="+mn-ea"/>
-                <a:cs typeface="+mn-cs"/>
-              </a:defRPr>
-            </a:lvl6pPr>
-            <a:lvl7pPr marL="2971800" indent="-228600" algn="l" defTabSz="457200" rtl="0" eaLnBrk="1" latinLnBrk="0" hangingPunct="1">
-              <a:spcBef>
-                <a:spcPct val="20000"/>
-              </a:spcBef>
-              <a:buFont typeface="Arial"/>
-              <a:buChar char="•"/>
-              <a:defRPr sz="2000" kern="1200">
-                <a:solidFill>
-                  <a:schemeClr val="tx1"/>
-                </a:solidFill>
-                <a:latin typeface="+mn-lt"/>
-                <a:ea typeface="+mn-ea"/>
-                <a:cs typeface="+mn-cs"/>
-              </a:defRPr>
-            </a:lvl7pPr>
-            <a:lvl8pPr marL="3429000" indent="-228600" algn="l" defTabSz="457200" rtl="0" eaLnBrk="1" latinLnBrk="0" hangingPunct="1">
-              <a:spcBef>
-                <a:spcPct val="20000"/>
-              </a:spcBef>
-              <a:buFont typeface="Arial"/>
-              <a:buChar char="•"/>
-              <a:defRPr sz="2000" kern="1200">
-                <a:solidFill>
-                  <a:schemeClr val="tx1"/>
-                </a:solidFill>
-                <a:latin typeface="+mn-lt"/>
-                <a:ea typeface="+mn-ea"/>
-                <a:cs typeface="+mn-cs"/>
-              </a:defRPr>
-            </a:lvl8pPr>
-            <a:lvl9pPr marL="3886200" indent="-228600" algn="l" defTabSz="457200" rtl="0" eaLnBrk="1" latinLnBrk="0" hangingPunct="1">
-              <a:spcBef>
-                <a:spcPct val="20000"/>
-              </a:spcBef>
-              <a:buFont typeface="Arial"/>
-              <a:buChar char="•"/>
-              <a:defRPr sz="2000" kern="1200">
-                <a:solidFill>
-                  <a:schemeClr val="tx1"/>
-                </a:solidFill>
-                <a:latin typeface="+mn-lt"/>
-                <a:ea typeface="+mn-ea"/>
-                <a:cs typeface="+mn-cs"/>
-              </a:defRPr>
-            </a:lvl9pPr>
-          </a:lstStyle>
-          <a:p>
-            <a:pPr marL="0" lvl="1" indent="0">
               <a:buFont typeface="Arial" charset="0"/>
               <a:buNone/>
               <a:defRPr/>
             </a:pPr>
             <a:r>
-              <a:rPr lang="en-US" sz="1800" dirty="0">
+              <a:rPr lang="sv-SE">
+                <a:solidFill>
+                  <a:schemeClr val="tx1"/>
+                </a:solidFill>
+                <a:latin typeface="Calibri" pitchFamily="34" charset="0"/>
                 <a:hlinkClick r:id="rId2"/>
               </a:rPr>
-              <a:t>http://localhost:9966/</a:t>
-            </a:r>
-            <a:r>
-              <a:rPr lang="en-US" sz="1800" dirty="0" err="1">
-                <a:hlinkClick r:id="rId2"/>
-              </a:rPr>
-              <a:t>petclinic</a:t>
-            </a:r>
-            <a:r>
-              <a:rPr lang="en-US" sz="1800" dirty="0" smtClean="0">
-                <a:hlinkClick r:id="rId2"/>
-              </a:rPr>
-              <a:t>/</a:t>
-            </a:r>
-            <a:endParaRPr lang="en-US" sz="1800" dirty="0"/>
+              <a:t>http://localhost:9966/petclinic/</a:t>
+            </a:r>
+            <a:endParaRPr lang="sv-SE">
+              <a:solidFill>
+                <a:schemeClr val="tx1"/>
+              </a:solidFill>
+              <a:latin typeface="Calibri" pitchFamily="34" charset="0"/>
+            </a:endParaRPr>
           </a:p>
         </p:txBody>
       </p:sp>
@@ -5548,7 +5508,7 @@
       </p:grpSpPr>
       <p:sp>
         <p:nvSpPr>
-          <p:cNvPr id="14337" name="Title 1"/>
+          <p:cNvPr id="15361" name="Title 1"/>
           <p:cNvSpPr>
             <a:spLocks noGrp="1"/>
           </p:cNvSpPr>
@@ -5557,6 +5517,10 @@
           </p:nvPr>
         </p:nvSpPr>
         <p:spPr bwMode="auto">
+          <a:xfrm>
+            <a:off x="685800" y="571500"/>
+            <a:ext cx="7772400" cy="757238"/>
+          </a:xfrm>
           <a:noFill/>
           <a:ln>
             <a:miter lim="800000"/>
@@ -5572,6 +5536,7 @@
           </a:bodyPr>
           <a:lstStyle/>
           <a:p>
+            <a:pPr eaLnBrk="1" hangingPunct="1"/>
             <a:r>
               <a:rPr lang="en-US" smtClean="0">
                 <a:latin typeface="Cambria" pitchFamily="18" charset="0"/>
@@ -5593,12 +5558,17 @@
             <p:ph type="body" sz="quarter" idx="13"/>
           </p:nvPr>
         </p:nvSpPr>
-        <p:spPr/>
+        <p:spPr>
+          <a:xfrm>
+            <a:off x="685800" y="1557338"/>
+            <a:ext cx="7721600" cy="4679950"/>
+          </a:xfrm>
+        </p:spPr>
         <p:txBody>
           <a:bodyPr/>
           <a:lstStyle/>
           <a:p>
-            <a:pPr>
+            <a:pPr eaLnBrk="1" hangingPunct="1">
               <a:defRPr/>
             </a:pPr>
             <a:r>
@@ -5607,7 +5577,7 @@
             </a:r>
           </a:p>
           <a:p>
-            <a:pPr marL="857250" lvl="1" indent="-457200">
+            <a:pPr marL="857250" lvl="1" indent="-457200" eaLnBrk="1" hangingPunct="1">
               <a:defRPr/>
             </a:pPr>
             <a:r>
@@ -5616,7 +5586,7 @@
             </a:r>
           </a:p>
           <a:p>
-            <a:pPr marL="857250" lvl="1" indent="-457200">
+            <a:pPr marL="857250" lvl="1" indent="-457200" eaLnBrk="1" hangingPunct="1">
               <a:defRPr/>
             </a:pPr>
             <a:r>
@@ -5625,7 +5595,7 @@
             </a:r>
           </a:p>
           <a:p>
-            <a:pPr marL="857250" lvl="1" indent="-457200">
+            <a:pPr marL="857250" lvl="1" indent="-457200" eaLnBrk="1" hangingPunct="1">
               <a:defRPr/>
             </a:pPr>
             <a:r>
@@ -5634,7 +5604,7 @@
             </a:r>
           </a:p>
           <a:p>
-            <a:pPr>
+            <a:pPr eaLnBrk="1" hangingPunct="1">
               <a:defRPr/>
             </a:pPr>
             <a:r>
@@ -5643,7 +5613,7 @@
             </a:r>
           </a:p>
           <a:p>
-            <a:pPr lvl="1">
+            <a:pPr lvl="1" eaLnBrk="1" hangingPunct="1">
               <a:defRPr/>
             </a:pPr>
             <a:r>
@@ -5652,7 +5622,7 @@
             </a:r>
           </a:p>
           <a:p>
-            <a:pPr lvl="1">
+            <a:pPr lvl="1" eaLnBrk="1" hangingPunct="1">
               <a:defRPr/>
             </a:pPr>
             <a:r>
@@ -5665,7 +5635,7 @@
             </a:r>
           </a:p>
           <a:p>
-            <a:pPr lvl="1">
+            <a:pPr lvl="1" eaLnBrk="1" hangingPunct="1">
               <a:defRPr/>
             </a:pPr>
             <a:r>
@@ -5674,7 +5644,7 @@
             </a:r>
           </a:p>
           <a:p>
-            <a:pPr>
+            <a:pPr eaLnBrk="1" hangingPunct="1">
               <a:defRPr/>
             </a:pPr>
             <a:r>
@@ -5683,7 +5653,7 @@
             </a:r>
           </a:p>
           <a:p>
-            <a:pPr lvl="1">
+            <a:pPr lvl="1" eaLnBrk="1" hangingPunct="1">
               <a:defRPr/>
             </a:pPr>
             <a:r>
@@ -5692,7 +5662,7 @@
             </a:r>
           </a:p>
           <a:p>
-            <a:pPr lvl="1">
+            <a:pPr lvl="1" eaLnBrk="1" hangingPunct="1">
               <a:defRPr/>
             </a:pPr>
             <a:r>
@@ -5701,7 +5671,7 @@
             </a:r>
           </a:p>
           <a:p>
-            <a:pPr>
+            <a:pPr eaLnBrk="1" hangingPunct="1">
               <a:defRPr/>
             </a:pPr>
             <a:r>
@@ -5710,7 +5680,7 @@
             </a:r>
           </a:p>
           <a:p>
-            <a:pPr>
+            <a:pPr eaLnBrk="1" hangingPunct="1">
               <a:defRPr/>
             </a:pPr>
             <a:r>
@@ -5719,7 +5689,7 @@
             </a:r>
           </a:p>
           <a:p>
-            <a:pPr>
+            <a:pPr eaLnBrk="1" hangingPunct="1">
               <a:defRPr/>
             </a:pPr>
             <a:r>
@@ -5737,7 +5707,7 @@
   <p:timing>
     <p:tnLst>
       <p:par>
-        <p:cTn xmlns:p14="http://schemas.microsoft.com/office/powerpoint/2010/main" id="1" dur="indefinite" restart="never" nodeType="tmRoot"/>
+        <p:cTn id="1" dur="indefinite" restart="never" nodeType="tmRoot"/>
       </p:par>
     </p:tnLst>
   </p:timing>
@@ -5771,14 +5741,19 @@
             <p:ph type="ctrTitle"/>
           </p:nvPr>
         </p:nvSpPr>
-        <p:spPr/>
+        <p:spPr>
+          <a:xfrm>
+            <a:off x="685800" y="571500"/>
+            <a:ext cx="7772400" cy="757238"/>
+          </a:xfrm>
+        </p:spPr>
         <p:txBody>
           <a:bodyPr anchor="t">
             <a:normAutofit fontScale="90000"/>
           </a:bodyPr>
           <a:lstStyle/>
           <a:p>
-            <a:pPr>
+            <a:pPr eaLnBrk="1" hangingPunct="1">
               <a:defRPr/>
             </a:pPr>
             <a:r>
@@ -5798,7 +5773,7 @@
       </p:sp>
       <p:sp>
         <p:nvSpPr>
-          <p:cNvPr id="15362" name="Text Placeholder 2"/>
+          <p:cNvPr id="16386" name="Text Placeholder 2"/>
           <p:cNvSpPr>
             <a:spLocks noGrp="1"/>
           </p:cNvSpPr>
@@ -5807,6 +5782,10 @@
           </p:nvPr>
         </p:nvSpPr>
         <p:spPr bwMode="auto">
+          <a:xfrm>
+            <a:off x="685800" y="1557338"/>
+            <a:ext cx="7721600" cy="4679950"/>
+          </a:xfrm>
           <a:noFill/>
           <a:ln>
             <a:miter lim="800000"/>
@@ -5822,8 +5801,9 @@
           </a:bodyPr>
           <a:lstStyle/>
           <a:p>
-            <a:r>
-              <a:rPr lang="en-US" sz="2000" dirty="0" smtClean="0">
+            <a:pPr eaLnBrk="1" hangingPunct="1"/>
+            <a:r>
+              <a:rPr lang="en-US" sz="2000" smtClean="0">
                 <a:ea typeface="ＭＳ Ｐゴシック"/>
                 <a:cs typeface="ＭＳ Ｐゴシック"/>
               </a:rPr>
@@ -5831,8 +5811,9 @@
             </a:r>
           </a:p>
           <a:p>
-            <a:r>
-              <a:rPr lang="en-US" sz="2000" dirty="0" smtClean="0">
+            <a:pPr eaLnBrk="1" hangingPunct="1"/>
+            <a:r>
+              <a:rPr lang="en-US" sz="2000" smtClean="0">
                 <a:ea typeface="ＭＳ Ｐゴシック"/>
                 <a:cs typeface="ＭＳ Ｐゴシック"/>
               </a:rPr>
@@ -5840,8 +5821,9 @@
             </a:r>
           </a:p>
           <a:p>
-            <a:r>
-              <a:rPr lang="en-US" sz="2000" dirty="0" smtClean="0">
+            <a:pPr eaLnBrk="1" hangingPunct="1"/>
+            <a:r>
+              <a:rPr lang="en-US" sz="2000" smtClean="0">
                 <a:ea typeface="ＭＳ Ｐゴシック"/>
                 <a:cs typeface="ＭＳ Ｐゴシック"/>
               </a:rPr>
@@ -5849,8 +5831,9 @@
             </a:r>
           </a:p>
           <a:p>
-            <a:r>
-              <a:rPr lang="en-US" sz="2000" dirty="0" smtClean="0">
+            <a:pPr eaLnBrk="1" hangingPunct="1"/>
+            <a:r>
+              <a:rPr lang="en-US" sz="2000" smtClean="0">
                 <a:ea typeface="ＭＳ Ｐゴシック"/>
                 <a:cs typeface="ＭＳ Ｐゴシック"/>
               </a:rPr>
@@ -5858,20 +5841,22 @@
             </a:r>
           </a:p>
           <a:p>
-            <a:r>
-              <a:rPr lang="en-US" sz="2000" dirty="0" smtClean="0">
+            <a:pPr eaLnBrk="1" hangingPunct="1"/>
+            <a:r>
+              <a:rPr lang="en-US" sz="2000" smtClean="0">
                 <a:ea typeface="ＭＳ Ｐゴシック"/>
                 <a:cs typeface="ＭＳ Ｐゴシック"/>
               </a:rPr>
               <a:t>For this tutorial, you should use Java JDK in version 7 or higher.</a:t>
             </a:r>
-            <a:endParaRPr lang="en-US" dirty="0" smtClean="0">
+            <a:endParaRPr lang="en-US" smtClean="0">
               <a:ea typeface="ＭＳ Ｐゴシック"/>
               <a:cs typeface="ＭＳ Ｐゴシック"/>
             </a:endParaRPr>
           </a:p>
           <a:p>
-            <a:endParaRPr lang="en-US" dirty="0" smtClean="0">
+            <a:pPr eaLnBrk="1" hangingPunct="1"/>
+            <a:endParaRPr lang="en-US" smtClean="0">
               <a:ea typeface="ＭＳ Ｐゴシック"/>
               <a:cs typeface="ＭＳ Ｐゴシック"/>
             </a:endParaRPr>
@@ -5886,7 +5871,7 @@
   <p:timing>
     <p:tnLst>
       <p:par>
-        <p:cTn xmlns:p14="http://schemas.microsoft.com/office/powerpoint/2010/main" id="1" dur="indefinite" restart="never" nodeType="tmRoot"/>
+        <p:cTn id="1" dur="indefinite" restart="never" nodeType="tmRoot"/>
       </p:par>
     </p:tnLst>
   </p:timing>
@@ -5920,14 +5905,19 @@
             <p:ph type="ctrTitle"/>
           </p:nvPr>
         </p:nvSpPr>
-        <p:spPr/>
+        <p:spPr>
+          <a:xfrm>
+            <a:off x="685800" y="571500"/>
+            <a:ext cx="7772400" cy="757238"/>
+          </a:xfrm>
+        </p:spPr>
         <p:txBody>
           <a:bodyPr anchor="t">
             <a:normAutofit fontScale="90000"/>
           </a:bodyPr>
           <a:lstStyle/>
           <a:p>
-            <a:pPr>
+            <a:pPr eaLnBrk="1" hangingPunct="1">
               <a:defRPr/>
             </a:pPr>
             <a:r>
@@ -5947,7 +5937,7 @@
       </p:sp>
       <p:sp>
         <p:nvSpPr>
-          <p:cNvPr id="16386" name="Text Placeholder 2"/>
+          <p:cNvPr id="17410" name="Text Placeholder 2"/>
           <p:cNvSpPr>
             <a:spLocks noGrp="1"/>
           </p:cNvSpPr>
@@ -5956,6 +5946,10 @@
           </p:nvPr>
         </p:nvSpPr>
         <p:spPr bwMode="auto">
+          <a:xfrm>
+            <a:off x="685800" y="1557338"/>
+            <a:ext cx="7721600" cy="4679950"/>
+          </a:xfrm>
           <a:noFill/>
           <a:ln>
             <a:miter lim="800000"/>
@@ -5971,7 +5965,7 @@
           </a:bodyPr>
           <a:lstStyle/>
           <a:p>
-            <a:pPr marL="0" indent="0">
+            <a:pPr marL="0" indent="0" eaLnBrk="1" hangingPunct="1">
               <a:buFont typeface="Arial" charset="0"/>
               <a:buNone/>
             </a:pPr>
@@ -5984,7 +5978,7 @@
             </a:r>
           </a:p>
           <a:p>
-            <a:pPr marL="0" indent="0">
+            <a:pPr marL="0" indent="0" eaLnBrk="1" hangingPunct="1">
               <a:buFont typeface="Arial" charset="0"/>
               <a:buNone/>
             </a:pPr>
@@ -5997,7 +5991,7 @@
             </a:r>
           </a:p>
           <a:p>
-            <a:pPr marL="0" indent="0">
+            <a:pPr marL="0" indent="0" eaLnBrk="1" hangingPunct="1">
               <a:buFont typeface="Arial" charset="0"/>
               <a:buNone/>
             </a:pPr>
@@ -6038,7 +6032,7 @@
             </a:r>
           </a:p>
           <a:p>
-            <a:pPr marL="457200" lvl="1" indent="0">
+            <a:pPr marL="457200" lvl="1" indent="0" eaLnBrk="1" hangingPunct="1">
               <a:buFont typeface="Arial" charset="0"/>
               <a:buNone/>
             </a:pPr>
@@ -6252,22 +6246,8 @@
               <a:defRPr/>
             </a:pPr>
             <a:r>
-              <a:rPr lang="en-US" sz="1800" dirty="0" smtClean="0">
-                <a:hlinkClick r:id="rId2"/>
-              </a:rPr>
-              <a:t>http://</a:t>
-            </a:r>
-            <a:r>
-              <a:rPr lang="en-US" sz="1800" dirty="0" err="1" smtClean="0">
-                <a:hlinkClick r:id="rId2"/>
-              </a:rPr>
-              <a:t>www.eclipse.org</a:t>
-            </a:r>
-            <a:r>
-              <a:rPr lang="en-US" sz="1800" dirty="0" smtClean="0">
-                <a:hlinkClick r:id="rId2"/>
-              </a:rPr>
-              <a:t>/downloads</a:t>
+              <a:rPr lang="en-US" sz="1800" dirty="0" smtClean="0"/>
+              <a:t>www.eclipse.org/downloads</a:t>
             </a:r>
             <a:endParaRPr lang="en-US" sz="1800" dirty="0"/>
           </a:p>
@@ -6281,7 +6261,7 @@
   <p:timing>
     <p:tnLst>
       <p:par>
-        <p:cTn xmlns:p14="http://schemas.microsoft.com/office/powerpoint/2010/main" id="1" dur="indefinite" restart="never" nodeType="tmRoot"/>
+        <p:cTn id="1" dur="indefinite" restart="never" nodeType="tmRoot"/>
       </p:par>
     </p:tnLst>
   </p:timing>
@@ -6315,14 +6295,19 @@
             <p:ph type="ctrTitle"/>
           </p:nvPr>
         </p:nvSpPr>
-        <p:spPr/>
+        <p:spPr>
+          <a:xfrm>
+            <a:off x="685800" y="571500"/>
+            <a:ext cx="7772400" cy="757238"/>
+          </a:xfrm>
+        </p:spPr>
         <p:txBody>
           <a:bodyPr anchor="t">
             <a:normAutofit fontScale="90000"/>
           </a:bodyPr>
           <a:lstStyle/>
           <a:p>
-            <a:pPr>
+            <a:pPr eaLnBrk="1" hangingPunct="1">
               <a:defRPr/>
             </a:pPr>
             <a:r>
@@ -6342,7 +6327,7 @@
       </p:sp>
       <p:sp>
         <p:nvSpPr>
-          <p:cNvPr id="17410" name="Text Placeholder 2"/>
+          <p:cNvPr id="18434" name="Text Placeholder 2"/>
           <p:cNvSpPr>
             <a:spLocks noGrp="1"/>
           </p:cNvSpPr>
@@ -6351,6 +6336,10 @@
           </p:nvPr>
         </p:nvSpPr>
         <p:spPr bwMode="auto">
+          <a:xfrm>
+            <a:off x="685800" y="1557338"/>
+            <a:ext cx="7721600" cy="4679950"/>
+          </a:xfrm>
           <a:noFill/>
           <a:ln>
             <a:miter lim="800000"/>
@@ -6366,7 +6355,7 @@
           </a:bodyPr>
           <a:lstStyle/>
           <a:p>
-            <a:pPr marL="57150" indent="0">
+            <a:pPr marL="57150" indent="0" eaLnBrk="1" hangingPunct="1">
               <a:buFont typeface="Arial" charset="0"/>
               <a:buNone/>
             </a:pPr>
@@ -6397,32 +6386,34 @@
       </p:sp>
       <p:pic>
         <p:nvPicPr>
-          <p:cNvPr id="4" name="Picture 3" descr="Screen Shot 2015-01-11 at 01.37.26.png"/>
+          <p:cNvPr id="18435" name="Picture 3" descr="Screen Shot 2015-01-11 at 01.37.26.png"/>
           <p:cNvPicPr>
             <a:picLocks noChangeAspect="1"/>
           </p:cNvPicPr>
           <p:nvPr/>
         </p:nvPicPr>
         <p:blipFill>
-          <a:blip r:embed="rId2">
-            <a:extLst>
-              <a:ext uri="{28A0092B-C50C-407E-A947-70E740481C1C}">
-                <a14:useLocalDpi xmlns:a14="http://schemas.microsoft.com/office/drawing/2010/main" val="0"/>
-              </a:ext>
-            </a:extLst>
-          </a:blip>
+          <a:blip r:embed="rId2"/>
+          <a:srcRect/>
           <a:stretch>
             <a:fillRect/>
           </a:stretch>
         </p:blipFill>
-        <p:spPr>
+        <p:spPr bwMode="auto">
           <a:xfrm>
-            <a:off x="755576" y="2852937"/>
-            <a:ext cx="6408712" cy="2925078"/>
+            <a:off x="755650" y="2852738"/>
+            <a:ext cx="6408738" cy="2925762"/>
           </a:xfrm>
           <a:prstGeom prst="rect">
             <a:avLst/>
           </a:prstGeom>
+          <a:noFill/>
+          <a:ln w="9525">
+            <a:noFill/>
+            <a:miter lim="800000"/>
+            <a:headEnd/>
+            <a:tailEnd/>
+          </a:ln>
         </p:spPr>
       </p:pic>
     </p:spTree>
@@ -6433,7 +6424,7 @@
   <p:timing>
     <p:tnLst>
       <p:par>
-        <p:cTn xmlns:p14="http://schemas.microsoft.com/office/powerpoint/2010/main" id="1" dur="indefinite" restart="never" nodeType="tmRoot"/>
+        <p:cTn id="1" dur="indefinite" restart="never" nodeType="tmRoot"/>
       </p:par>
     </p:tnLst>
   </p:timing>
@@ -6467,14 +6458,19 @@
             <p:ph type="ctrTitle"/>
           </p:nvPr>
         </p:nvSpPr>
-        <p:spPr/>
+        <p:spPr>
+          <a:xfrm>
+            <a:off x="685800" y="571500"/>
+            <a:ext cx="7772400" cy="757238"/>
+          </a:xfrm>
+        </p:spPr>
         <p:txBody>
           <a:bodyPr anchor="t">
             <a:normAutofit fontScale="90000"/>
           </a:bodyPr>
           <a:lstStyle/>
           <a:p>
-            <a:pPr>
+            <a:pPr eaLnBrk="1" hangingPunct="1">
               <a:defRPr/>
             </a:pPr>
             <a:r>
@@ -6494,7 +6490,7 @@
       </p:sp>
       <p:sp>
         <p:nvSpPr>
-          <p:cNvPr id="18434" name="Text Placeholder 2"/>
+          <p:cNvPr id="19458" name="Text Placeholder 2"/>
           <p:cNvSpPr>
             <a:spLocks noGrp="1"/>
           </p:cNvSpPr>
@@ -6503,6 +6499,10 @@
           </p:nvPr>
         </p:nvSpPr>
         <p:spPr bwMode="auto">
+          <a:xfrm>
+            <a:off x="685800" y="1557338"/>
+            <a:ext cx="7721600" cy="4679950"/>
+          </a:xfrm>
           <a:noFill/>
           <a:ln>
             <a:miter lim="800000"/>
@@ -6518,7 +6518,7 @@
           </a:bodyPr>
           <a:lstStyle/>
           <a:p>
-            <a:pPr marL="0" indent="0">
+            <a:pPr marL="0" indent="0" eaLnBrk="1" hangingPunct="1">
               <a:buFont typeface="Arial" charset="0"/>
               <a:buNone/>
             </a:pPr>
@@ -6546,7 +6546,7 @@
             </a:r>
           </a:p>
           <a:p>
-            <a:pPr marL="0" indent="0">
+            <a:pPr marL="0" indent="0" eaLnBrk="1" hangingPunct="1">
               <a:buFont typeface="Arial" charset="0"/>
               <a:buNone/>
             </a:pPr>
@@ -6556,7 +6556,7 @@
             </a:endParaRPr>
           </a:p>
           <a:p>
-            <a:pPr marL="0" indent="0">
+            <a:pPr marL="0" indent="0" eaLnBrk="1" hangingPunct="1">
               <a:buFont typeface="Arial" charset="0"/>
               <a:buNone/>
             </a:pPr>
@@ -6569,7 +6569,7 @@
             </a:r>
           </a:p>
           <a:p>
-            <a:pPr marL="0" indent="0">
+            <a:pPr marL="0" indent="0" eaLnBrk="1" hangingPunct="1">
               <a:buFont typeface="Arial" charset="0"/>
               <a:buNone/>
             </a:pPr>
@@ -6579,7 +6579,7 @@
             </a:endParaRPr>
           </a:p>
           <a:p>
-            <a:pPr marL="0" indent="0">
+            <a:pPr marL="0" indent="0" eaLnBrk="1" hangingPunct="1">
               <a:buFont typeface="Arial" charset="0"/>
               <a:buNone/>
             </a:pPr>
@@ -6592,7 +6592,7 @@
             </a:r>
           </a:p>
           <a:p>
-            <a:pPr marL="0" indent="0">
+            <a:pPr marL="0" indent="0" eaLnBrk="1" hangingPunct="1">
               <a:buFont typeface="Arial" charset="0"/>
               <a:buNone/>
             </a:pPr>
@@ -6602,7 +6602,7 @@
             </a:endParaRPr>
           </a:p>
           <a:p>
-            <a:pPr marL="0" indent="0">
+            <a:pPr marL="0" indent="0" eaLnBrk="1" hangingPunct="1">
               <a:buFont typeface="Arial" charset="0"/>
               <a:buNone/>
             </a:pPr>
@@ -6654,7 +6654,7 @@
   <p:timing>
     <p:tnLst>
       <p:par>
-        <p:cTn xmlns:p14="http://schemas.microsoft.com/office/powerpoint/2010/main" id="1" dur="indefinite" restart="never" nodeType="tmRoot"/>
+        <p:cTn id="1" dur="indefinite" restart="never" nodeType="tmRoot"/>
       </p:par>
     </p:tnLst>
   </p:timing>
@@ -6688,14 +6688,19 @@
             <p:ph type="ctrTitle"/>
           </p:nvPr>
         </p:nvSpPr>
-        <p:spPr/>
+        <p:spPr>
+          <a:xfrm>
+            <a:off x="685800" y="571500"/>
+            <a:ext cx="7772400" cy="757238"/>
+          </a:xfrm>
+        </p:spPr>
         <p:txBody>
           <a:bodyPr anchor="t">
             <a:normAutofit fontScale="90000"/>
           </a:bodyPr>
           <a:lstStyle/>
           <a:p>
-            <a:pPr>
+            <a:pPr eaLnBrk="1" hangingPunct="1">
               <a:defRPr/>
             </a:pPr>
             <a:r>
@@ -6715,7 +6720,7 @@
       </p:sp>
       <p:sp>
         <p:nvSpPr>
-          <p:cNvPr id="19458" name="Text Placeholder 2"/>
+          <p:cNvPr id="20482" name="Text Placeholder 2"/>
           <p:cNvSpPr>
             <a:spLocks noGrp="1"/>
           </p:cNvSpPr>
@@ -6724,6 +6729,10 @@
           </p:nvPr>
         </p:nvSpPr>
         <p:spPr bwMode="auto">
+          <a:xfrm>
+            <a:off x="685800" y="1557338"/>
+            <a:ext cx="7721600" cy="4679950"/>
+          </a:xfrm>
           <a:noFill/>
           <a:ln>
             <a:miter lim="800000"/>
@@ -6739,7 +6748,7 @@
           </a:bodyPr>
           <a:lstStyle/>
           <a:p>
-            <a:pPr marL="0" indent="0">
+            <a:pPr marL="0" indent="0" eaLnBrk="1" hangingPunct="1">
               <a:buFont typeface="Arial" charset="0"/>
               <a:buNone/>
             </a:pPr>
@@ -6755,7 +6764,7 @@
       </p:sp>
       <p:pic>
         <p:nvPicPr>
-          <p:cNvPr id="19459" name="Picture 3"/>
+          <p:cNvPr id="20483" name="Picture 3"/>
           <p:cNvPicPr>
             <a:picLocks noChangeAspect="1"/>
           </p:cNvPicPr>
@@ -6793,7 +6802,7 @@
   <p:timing>
     <p:tnLst>
       <p:par>
-        <p:cTn xmlns:p14="http://schemas.microsoft.com/office/powerpoint/2010/main" id="1" dur="indefinite" restart="never" nodeType="tmRoot"/>
+        <p:cTn id="1" dur="indefinite" restart="never" nodeType="tmRoot"/>
       </p:par>
     </p:tnLst>
   </p:timing>
@@ -6827,14 +6836,19 @@
             <p:ph type="ctrTitle"/>
           </p:nvPr>
         </p:nvSpPr>
-        <p:spPr/>
+        <p:spPr>
+          <a:xfrm>
+            <a:off x="685800" y="571500"/>
+            <a:ext cx="7772400" cy="757238"/>
+          </a:xfrm>
+        </p:spPr>
         <p:txBody>
           <a:bodyPr anchor="t">
             <a:normAutofit fontScale="90000"/>
           </a:bodyPr>
           <a:lstStyle/>
           <a:p>
-            <a:pPr>
+            <a:pPr eaLnBrk="1" hangingPunct="1">
               <a:defRPr/>
             </a:pPr>
             <a:r>
@@ -6862,7 +6876,7 @@
       </p:sp>
       <p:sp>
         <p:nvSpPr>
-          <p:cNvPr id="20482" name="Text Placeholder 2"/>
+          <p:cNvPr id="21506" name="Text Placeholder 2"/>
           <p:cNvSpPr>
             <a:spLocks noGrp="1"/>
           </p:cNvSpPr>
@@ -6871,6 +6885,10 @@
           </p:nvPr>
         </p:nvSpPr>
         <p:spPr bwMode="auto">
+          <a:xfrm>
+            <a:off x="685800" y="1557338"/>
+            <a:ext cx="7721600" cy="4679950"/>
+          </a:xfrm>
           <a:noFill/>
           <a:ln>
             <a:miter lim="800000"/>
@@ -6886,9 +6904,9 @@
           </a:bodyPr>
           <a:lstStyle/>
           <a:p>
-            <a:pPr marL="400050"/>
-            <a:r>
-              <a:rPr lang="en-US" sz="2000" dirty="0" smtClean="0">
+            <a:pPr marL="400050" eaLnBrk="1" hangingPunct="1"/>
+            <a:r>
+              <a:rPr lang="en-US" sz="2000" smtClean="0">
                 <a:ea typeface="ＭＳ Ｐゴシック"/>
                 <a:cs typeface="ＭＳ Ｐゴシック"/>
               </a:rPr>
@@ -6896,63 +6914,36 @@
             </a:r>
           </a:p>
           <a:p>
-            <a:pPr marL="800100" lvl="1"/>
-            <a:r>
-              <a:rPr lang="en-US" sz="1800" dirty="0">
+            <a:pPr marL="800100" lvl="1" eaLnBrk="1" hangingPunct="1"/>
+            <a:r>
+              <a:rPr lang="en-US" sz="1800" smtClean="0">
                 <a:ea typeface="ＭＳ Ｐゴシック"/>
-                <a:hlinkClick r:id="rId2"/>
               </a:rPr>
-              <a:t>http://dist.springsource.org/release/GRECLIPSE/</a:t>
-            </a:r>
-            <a:r>
-              <a:rPr lang="en-US" sz="1800" dirty="0" smtClean="0">
+              <a:t>dist.springsource.org/release/GRECLIPSE/e4.4/</a:t>
+            </a:r>
+          </a:p>
+          <a:p>
+            <a:pPr marL="800100" lvl="1" eaLnBrk="1" hangingPunct="1"/>
+            <a:r>
+              <a:rPr lang="en-US" sz="1800" smtClean="0">
                 <a:ea typeface="ＭＳ Ｐゴシック"/>
-                <a:hlinkClick r:id="rId2"/>
               </a:rPr>
-              <a:t>e4.4/</a:t>
-            </a:r>
-            <a:endParaRPr lang="en-US" sz="1800" dirty="0" smtClean="0">
-              <a:ea typeface="ＭＳ Ｐゴシック"/>
-            </a:endParaRPr>
-          </a:p>
-          <a:p>
-            <a:pPr marL="800100" lvl="1"/>
-            <a:r>
-              <a:rPr lang="en-US" sz="1800" dirty="0">
+              <a:t>dist.springsource.org/release/GRECLIPSE/e4.3/</a:t>
+            </a:r>
+          </a:p>
+          <a:p>
+            <a:pPr marL="800100" lvl="1" eaLnBrk="1" hangingPunct="1"/>
+            <a:r>
+              <a:rPr lang="en-US" sz="1800" smtClean="0">
                 <a:ea typeface="ＭＳ Ｐゴシック"/>
-                <a:hlinkClick r:id="rId2"/>
               </a:rPr>
-              <a:t>http://dist.springsource.org/release/GRECLIPSE/e4.3/</a:t>
-            </a:r>
-            <a:endParaRPr lang="en-US" sz="1800" dirty="0">
-              <a:ea typeface="ＭＳ Ｐゴシック"/>
-            </a:endParaRPr>
-          </a:p>
-          <a:p>
-            <a:pPr marL="800100" lvl="1"/>
-            <a:r>
-              <a:rPr lang="en-US" sz="1800" dirty="0">
-                <a:ea typeface="ＭＳ Ｐゴシック"/>
-                <a:hlinkClick r:id="rId2"/>
-              </a:rPr>
-              <a:t>http://dist.springsource.org/release/GRECLIPSE/</a:t>
-            </a:r>
-            <a:r>
-              <a:rPr lang="en-US" sz="1800" dirty="0" smtClean="0">
-                <a:ea typeface="ＭＳ Ｐゴシック"/>
-                <a:hlinkClick r:id="rId2"/>
-              </a:rPr>
-              <a:t>e4.2/</a:t>
-            </a:r>
-            <a:endParaRPr lang="en-US" sz="1800" dirty="0" smtClean="0">
-              <a:ea typeface="ＭＳ Ｐゴシック"/>
-              <a:cs typeface="ＭＳ Ｐゴシック"/>
-            </a:endParaRPr>
-          </a:p>
-          <a:p>
-            <a:pPr marL="400050"/>
-            <a:r>
-              <a:rPr lang="en-US" sz="2000" dirty="0" smtClean="0">
+              <a:t>dist.springsource.org/release/GRECLIPSE/e4.2/</a:t>
+            </a:r>
+          </a:p>
+          <a:p>
+            <a:pPr marL="400050" eaLnBrk="1" hangingPunct="1"/>
+            <a:r>
+              <a:rPr lang="en-US" sz="2000" smtClean="0">
                 <a:ea typeface="ＭＳ Ｐゴシック"/>
                 <a:cs typeface="ＭＳ Ｐゴシック"/>
               </a:rPr>
@@ -6960,9 +6951,9 @@
             </a:r>
           </a:p>
           <a:p>
-            <a:pPr marL="400050"/>
-            <a:r>
-              <a:rPr lang="en-US" sz="2000" dirty="0" smtClean="0">
+            <a:pPr marL="400050" eaLnBrk="1" hangingPunct="1"/>
+            <a:r>
+              <a:rPr lang="en-US" sz="2000" smtClean="0">
                 <a:ea typeface="ＭＳ Ｐゴシック"/>
                 <a:cs typeface="ＭＳ Ｐゴシック"/>
               </a:rPr>
@@ -6970,9 +6961,9 @@
             </a:r>
           </a:p>
           <a:p>
-            <a:pPr marL="400050"/>
-            <a:r>
-              <a:rPr lang="en-US" sz="2000" dirty="0" smtClean="0">
+            <a:pPr marL="400050" eaLnBrk="1" hangingPunct="1"/>
+            <a:r>
+              <a:rPr lang="en-US" sz="2000" smtClean="0">
                 <a:ea typeface="ＭＳ Ｐゴシック"/>
                 <a:cs typeface="ＭＳ Ｐゴシック"/>
               </a:rPr>
@@ -6980,11 +6971,11 @@
             </a:r>
           </a:p>
           <a:p>
-            <a:pPr marL="400050">
+            <a:pPr marL="400050" eaLnBrk="1" hangingPunct="1">
               <a:buFont typeface="Lucida Grande"/>
               <a:buChar char="-"/>
             </a:pPr>
-            <a:endParaRPr lang="en-US" sz="2000" dirty="0" smtClean="0">
+            <a:endParaRPr lang="en-US" sz="2000" smtClean="0">
               <a:ea typeface="ＭＳ Ｐゴシック"/>
               <a:cs typeface="ＭＳ Ｐゴシック"/>
             </a:endParaRPr>
@@ -6993,32 +6984,34 @@
       </p:sp>
       <p:pic>
         <p:nvPicPr>
-          <p:cNvPr id="3" name="Picture 2" descr="Screen Shot 2015-01-11 at 01.42.51.png"/>
+          <p:cNvPr id="21507" name="Picture 2" descr="Screen Shot 2015-01-11 at 01.42.51.png"/>
           <p:cNvPicPr>
             <a:picLocks noChangeAspect="1"/>
           </p:cNvPicPr>
           <p:nvPr/>
         </p:nvPicPr>
         <p:blipFill>
-          <a:blip r:embed="rId3">
-            <a:extLst>
-              <a:ext uri="{28A0092B-C50C-407E-A947-70E740481C1C}">
-                <a14:useLocalDpi xmlns:a14="http://schemas.microsoft.com/office/drawing/2010/main" val="0"/>
-              </a:ext>
-            </a:extLst>
-          </a:blip>
+          <a:blip r:embed="rId2"/>
+          <a:srcRect/>
           <a:stretch>
             <a:fillRect/>
           </a:stretch>
         </p:blipFill>
-        <p:spPr>
+        <p:spPr bwMode="auto">
           <a:xfrm>
-            <a:off x="1403648" y="4797152"/>
-            <a:ext cx="6379375" cy="936104"/>
+            <a:off x="1403350" y="4797425"/>
+            <a:ext cx="6380163" cy="935038"/>
           </a:xfrm>
           <a:prstGeom prst="rect">
             <a:avLst/>
           </a:prstGeom>
+          <a:noFill/>
+          <a:ln w="9525">
+            <a:noFill/>
+            <a:miter lim="800000"/>
+            <a:headEnd/>
+            <a:tailEnd/>
+          </a:ln>
         </p:spPr>
       </p:pic>
     </p:spTree>
@@ -7029,7 +7022,7 @@
   <p:timing>
     <p:tnLst>
       <p:par>
-        <p:cTn xmlns:p14="http://schemas.microsoft.com/office/powerpoint/2010/main" id="1" dur="indefinite" restart="never" nodeType="tmRoot"/>
+        <p:cTn id="1" dur="indefinite" restart="never" nodeType="tmRoot"/>
       </p:par>
     </p:tnLst>
   </p:timing>
@@ -7063,14 +7056,19 @@
             <p:ph type="ctrTitle"/>
           </p:nvPr>
         </p:nvSpPr>
-        <p:spPr/>
+        <p:spPr>
+          <a:xfrm>
+            <a:off x="685800" y="571500"/>
+            <a:ext cx="7772400" cy="757238"/>
+          </a:xfrm>
+        </p:spPr>
         <p:txBody>
           <a:bodyPr anchor="t">
             <a:normAutofit fontScale="90000"/>
           </a:bodyPr>
           <a:lstStyle/>
           <a:p>
-            <a:pPr>
+            <a:pPr eaLnBrk="1" hangingPunct="1">
               <a:defRPr/>
             </a:pPr>
             <a:r>
@@ -7106,7 +7104,7 @@
       </p:sp>
       <p:sp>
         <p:nvSpPr>
-          <p:cNvPr id="21506" name="Text Placeholder 2"/>
+          <p:cNvPr id="22530" name="Text Placeholder 2"/>
           <p:cNvSpPr>
             <a:spLocks noGrp="1"/>
           </p:cNvSpPr>
@@ -7116,8 +7114,8 @@
         </p:nvSpPr>
         <p:spPr bwMode="auto">
           <a:xfrm>
-            <a:off x="685803" y="2060847"/>
-            <a:ext cx="8278685" cy="4176465"/>
+            <a:off x="685800" y="2060575"/>
+            <a:ext cx="8278813" cy="4176713"/>
           </a:xfrm>
           <a:noFill/>
           <a:ln>
@@ -7134,9 +7132,9 @@
           </a:bodyPr>
           <a:lstStyle/>
           <a:p>
-            <a:pPr marL="400050"/>
-            <a:r>
-              <a:rPr lang="en-US" dirty="0" smtClean="0">
+            <a:pPr marL="400050" eaLnBrk="1" hangingPunct="1"/>
+            <a:r>
+              <a:rPr lang="en-US" smtClean="0">
                 <a:ea typeface="ＭＳ Ｐゴシック"/>
                 <a:cs typeface="ＭＳ Ｐゴシック"/>
               </a:rPr>
@@ -7144,9 +7142,9 @@
             </a:r>
           </a:p>
           <a:p>
-            <a:pPr marL="400050"/>
-            <a:r>
-              <a:rPr lang="en-US" dirty="0" smtClean="0">
+            <a:pPr marL="400050" eaLnBrk="1" hangingPunct="1"/>
+            <a:r>
+              <a:rPr lang="en-US" smtClean="0">
                 <a:ea typeface="ＭＳ Ｐゴシック"/>
                 <a:cs typeface="ＭＳ Ｐゴシック"/>
               </a:rPr>
@@ -7154,53 +7152,40 @@
             </a:r>
           </a:p>
           <a:p>
-            <a:pPr marL="400050"/>
-            <a:endParaRPr lang="en-US" dirty="0" smtClean="0">
+            <a:pPr marL="400050" eaLnBrk="1" hangingPunct="1"/>
+            <a:endParaRPr lang="en-US" smtClean="0">
               <a:ea typeface="ＭＳ Ｐゴシック"/>
               <a:cs typeface="ＭＳ Ｐゴシック"/>
             </a:endParaRPr>
           </a:p>
           <a:p>
-            <a:pPr marL="400050">
+            <a:pPr marL="400050" eaLnBrk="1" hangingPunct="1">
+              <a:buFont typeface="Arial" charset="0"/>
               <a:buNone/>
             </a:pPr>
             <a:r>
-              <a:rPr lang="en-US" sz="1400" dirty="0">
+              <a:rPr lang="en-US" sz="1400" smtClean="0">
                 <a:ea typeface="ＭＳ Ｐゴシック"/>
                 <a:cs typeface="ＭＳ Ｐゴシック"/>
                 <a:sym typeface="Arial" charset="0"/>
-                <a:hlinkClick r:id="rId2"/>
               </a:rPr>
-              <a:t>http://repo1.maven.org/maven2/.m2e/connectors/m2eclipse-buildhelper/0.15.0/N/0.15.0.201405280027</a:t>
-            </a:r>
-            <a:r>
-              <a:rPr lang="en-US" sz="1400" dirty="0" smtClean="0">
-                <a:ea typeface="ＭＳ Ｐゴシック"/>
-                <a:cs typeface="ＭＳ Ｐゴシック"/>
-                <a:sym typeface="Arial" charset="0"/>
-                <a:hlinkClick r:id="rId2"/>
-              </a:rPr>
-              <a:t>/</a:t>
-            </a:r>
-            <a:endParaRPr lang="en-US" sz="1400" dirty="0" smtClean="0">
-              <a:ea typeface="ＭＳ Ｐゴシック"/>
-              <a:cs typeface="ＭＳ Ｐゴシック"/>
-              <a:sym typeface="Arial" charset="0"/>
-            </a:endParaRPr>
-          </a:p>
-          <a:p>
-            <a:pPr marL="400050">
+              <a:t>repo1.maven.org/maven2/.m2e/connectors/m2eclipse-buildhelper/0.15.0/N/0.15.0.201405280027/</a:t>
+            </a:r>
+          </a:p>
+          <a:p>
+            <a:pPr marL="400050" eaLnBrk="1" hangingPunct="1">
+              <a:buFont typeface="Arial" charset="0"/>
               <a:buNone/>
             </a:pPr>
-            <a:endParaRPr lang="en-US" dirty="0" smtClean="0">
+            <a:endParaRPr lang="en-US" smtClean="0">
               <a:ea typeface="ＭＳ Ｐゴシック"/>
               <a:cs typeface="ＭＳ Ｐゴシック"/>
             </a:endParaRPr>
           </a:p>
           <a:p>
-            <a:pPr marL="400050"/>
-            <a:r>
-              <a:rPr lang="en-US" dirty="0" smtClean="0">
+            <a:pPr marL="400050" eaLnBrk="1" hangingPunct="1"/>
+            <a:r>
+              <a:rPr lang="en-US" smtClean="0">
                 <a:ea typeface="ＭＳ Ｐゴシック"/>
                 <a:cs typeface="ＭＳ Ｐゴシック"/>
               </a:rPr>
@@ -7211,32 +7196,34 @@
       </p:sp>
       <p:pic>
         <p:nvPicPr>
-          <p:cNvPr id="3" name="Picture 2" descr="Screen Shot 2015-01-11 at 01.51.25.png"/>
+          <p:cNvPr id="22531" name="Picture 2" descr="Screen Shot 2015-01-11 at 01.51.25.png"/>
           <p:cNvPicPr>
             <a:picLocks noChangeAspect="1"/>
           </p:cNvPicPr>
           <p:nvPr/>
         </p:nvPicPr>
         <p:blipFill>
-          <a:blip r:embed="rId3">
-            <a:extLst>
-              <a:ext uri="{28A0092B-C50C-407E-A947-70E740481C1C}">
-                <a14:useLocalDpi xmlns:a14="http://schemas.microsoft.com/office/drawing/2010/main" val="0"/>
-              </a:ext>
-            </a:extLst>
-          </a:blip>
+          <a:blip r:embed="rId2"/>
+          <a:srcRect/>
           <a:stretch>
             <a:fillRect/>
           </a:stretch>
         </p:blipFill>
-        <p:spPr>
+        <p:spPr bwMode="auto">
           <a:xfrm>
-            <a:off x="1403648" y="5085184"/>
-            <a:ext cx="6005031" cy="1152128"/>
+            <a:off x="1403350" y="5084763"/>
+            <a:ext cx="6005513" cy="1152525"/>
           </a:xfrm>
           <a:prstGeom prst="rect">
             <a:avLst/>
           </a:prstGeom>
+          <a:noFill/>
+          <a:ln w="9525">
+            <a:noFill/>
+            <a:miter lim="800000"/>
+            <a:headEnd/>
+            <a:tailEnd/>
+          </a:ln>
         </p:spPr>
       </p:pic>
     </p:spTree>
@@ -7848,4 +7835,287 @@
   <a:objectDefaults/>
   <a:extraClrSchemeLst/>
 </a:theme>
+</file>
+
+<file path=ppt/theme/theme3.xml><?xml version="1.0" encoding="utf-8"?>
+<a:theme xmlns:a="http://schemas.openxmlformats.org/drawingml/2006/main" name="Office Theme">
+  <a:themeElements>
+    <a:clrScheme name="">
+      <a:dk1>
+        <a:srgbClr val="000000"/>
+      </a:dk1>
+      <a:lt1>
+        <a:srgbClr val="FFFFFF"/>
+      </a:lt1>
+      <a:dk2>
+        <a:srgbClr val="000000"/>
+      </a:dk2>
+      <a:lt2>
+        <a:srgbClr val="808080"/>
+      </a:lt2>
+      <a:accent1>
+        <a:srgbClr val="BBE0E3"/>
+      </a:accent1>
+      <a:accent2>
+        <a:srgbClr val="333399"/>
+      </a:accent2>
+      <a:accent3>
+        <a:srgbClr val="FFFFFF"/>
+      </a:accent3>
+      <a:accent4>
+        <a:srgbClr val="000000"/>
+      </a:accent4>
+      <a:accent5>
+        <a:srgbClr val="DAEDEF"/>
+      </a:accent5>
+      <a:accent6>
+        <a:srgbClr val="2D2D8A"/>
+      </a:accent6>
+      <a:hlink>
+        <a:srgbClr val="009999"/>
+      </a:hlink>
+      <a:folHlink>
+        <a:srgbClr val="99CC00"/>
+      </a:folHlink>
+    </a:clrScheme>
+    <a:fontScheme name="Office">
+      <a:majorFont>
+        <a:latin typeface="Calibri"/>
+        <a:ea typeface=""/>
+        <a:cs typeface=""/>
+        <a:font script="Jpan" typeface="ＭＳ Ｐゴシック"/>
+        <a:font script="Hang" typeface="맑은 고딕"/>
+        <a:font script="Hans" typeface="宋体"/>
+        <a:font script="Hant" typeface="新細明體"/>
+        <a:font script="Arab" typeface="Times New Roman"/>
+        <a:font script="Hebr" typeface="Times New Roman"/>
+        <a:font script="Thai" typeface="Angsana New"/>
+        <a:font script="Ethi" typeface="Nyala"/>
+        <a:font script="Beng" typeface="Vrinda"/>
+        <a:font script="Gujr" typeface="Shruti"/>
+        <a:font script="Khmr" typeface="MoolBoran"/>
+        <a:font script="Knda" typeface="Tunga"/>
+        <a:font script="Guru" typeface="Raavi"/>
+        <a:font script="Cans" typeface="Euphemia"/>
+        <a:font script="Cher" typeface="Plantagenet Cherokee"/>
+        <a:font script="Yiii" typeface="Microsoft Yi Baiti"/>
+        <a:font script="Tibt" typeface="Microsoft Himalaya"/>
+        <a:font script="Thaa" typeface="MV Boli"/>
+        <a:font script="Deva" typeface="Mangal"/>
+        <a:font script="Telu" typeface="Gautami"/>
+        <a:font script="Taml" typeface="Latha"/>
+        <a:font script="Syrc" typeface="Estrangelo Edessa"/>
+        <a:font script="Orya" typeface="Kalinga"/>
+        <a:font script="Mlym" typeface="Kartika"/>
+        <a:font script="Laoo" typeface="DokChampa"/>
+        <a:font script="Sinh" typeface="Iskoola Pota"/>
+        <a:font script="Mong" typeface="Mongolian Baiti"/>
+        <a:font script="Viet" typeface="Times New Roman"/>
+        <a:font script="Uigh" typeface="Microsoft Uighur"/>
+      </a:majorFont>
+      <a:minorFont>
+        <a:latin typeface="Calibri"/>
+        <a:ea typeface=""/>
+        <a:cs typeface=""/>
+        <a:font script="Jpan" typeface="ＭＳ Ｐゴシック"/>
+        <a:font script="Hang" typeface="맑은 고딕"/>
+        <a:font script="Hans" typeface="宋体"/>
+        <a:font script="Hant" typeface="新細明體"/>
+        <a:font script="Arab" typeface="Arial"/>
+        <a:font script="Hebr" typeface="Arial"/>
+        <a:font script="Thai" typeface="Cordia New"/>
+        <a:font script="Ethi" typeface="Nyala"/>
+        <a:font script="Beng" typeface="Vrinda"/>
+        <a:font script="Gujr" typeface="Shruti"/>
+        <a:font script="Khmr" typeface="DaunPenh"/>
+        <a:font script="Knda" typeface="Tunga"/>
+        <a:font script="Guru" typeface="Raavi"/>
+        <a:font script="Cans" typeface="Euphemia"/>
+        <a:font script="Cher" typeface="Plantagenet Cherokee"/>
+        <a:font script="Yiii" typeface="Microsoft Yi Baiti"/>
+        <a:font script="Tibt" typeface="Microsoft Himalaya"/>
+        <a:font script="Thaa" typeface="MV Boli"/>
+        <a:font script="Deva" typeface="Mangal"/>
+        <a:font script="Telu" typeface="Gautami"/>
+        <a:font script="Taml" typeface="Latha"/>
+        <a:font script="Syrc" typeface="Estrangelo Edessa"/>
+        <a:font script="Orya" typeface="Kalinga"/>
+        <a:font script="Mlym" typeface="Kartika"/>
+        <a:font script="Laoo" typeface="DokChampa"/>
+        <a:font script="Sinh" typeface="Iskoola Pota"/>
+        <a:font script="Mong" typeface="Mongolian Baiti"/>
+        <a:font script="Viet" typeface="Arial"/>
+        <a:font script="Uigh" typeface="Microsoft Uighur"/>
+      </a:minorFont>
+    </a:fontScheme>
+    <a:fmtScheme name="Office">
+      <a:fillStyleLst>
+        <a:solidFill>
+          <a:schemeClr val="phClr"/>
+        </a:solidFill>
+        <a:gradFill rotWithShape="1">
+          <a:gsLst>
+            <a:gs pos="0">
+              <a:schemeClr val="phClr">
+                <a:tint val="50000"/>
+                <a:satMod val="300000"/>
+              </a:schemeClr>
+            </a:gs>
+            <a:gs pos="35000">
+              <a:schemeClr val="phClr">
+                <a:tint val="37000"/>
+                <a:satMod val="300000"/>
+              </a:schemeClr>
+            </a:gs>
+            <a:gs pos="100000">
+              <a:schemeClr val="phClr">
+                <a:tint val="15000"/>
+                <a:satMod val="350000"/>
+              </a:schemeClr>
+            </a:gs>
+          </a:gsLst>
+          <a:lin ang="16200000" scaled="1"/>
+        </a:gradFill>
+        <a:gradFill rotWithShape="1">
+          <a:gsLst>
+            <a:gs pos="0">
+              <a:schemeClr val="phClr">
+                <a:shade val="51000"/>
+                <a:satMod val="130000"/>
+              </a:schemeClr>
+            </a:gs>
+            <a:gs pos="80000">
+              <a:schemeClr val="phClr">
+                <a:shade val="93000"/>
+                <a:satMod val="130000"/>
+              </a:schemeClr>
+            </a:gs>
+            <a:gs pos="100000">
+              <a:schemeClr val="phClr">
+                <a:shade val="94000"/>
+                <a:satMod val="135000"/>
+              </a:schemeClr>
+            </a:gs>
+          </a:gsLst>
+          <a:lin ang="16200000" scaled="0"/>
+        </a:gradFill>
+      </a:fillStyleLst>
+      <a:lnStyleLst>
+        <a:ln w="9525" cap="flat" cmpd="sng" algn="ctr">
+          <a:solidFill>
+            <a:schemeClr val="phClr">
+              <a:shade val="95000"/>
+              <a:satMod val="105000"/>
+            </a:schemeClr>
+          </a:solidFill>
+          <a:prstDash val="solid"/>
+        </a:ln>
+        <a:ln w="25400" cap="flat" cmpd="sng" algn="ctr">
+          <a:solidFill>
+            <a:schemeClr val="phClr"/>
+          </a:solidFill>
+          <a:prstDash val="solid"/>
+        </a:ln>
+        <a:ln w="38100" cap="flat" cmpd="sng" algn="ctr">
+          <a:solidFill>
+            <a:schemeClr val="phClr"/>
+          </a:solidFill>
+          <a:prstDash val="solid"/>
+        </a:ln>
+      </a:lnStyleLst>
+      <a:effectStyleLst>
+        <a:effectStyle>
+          <a:effectLst>
+            <a:outerShdw blurRad="40000" dist="20000" dir="5400000" rotWithShape="0">
+              <a:srgbClr val="000000">
+                <a:alpha val="38000"/>
+              </a:srgbClr>
+            </a:outerShdw>
+          </a:effectLst>
+        </a:effectStyle>
+        <a:effectStyle>
+          <a:effectLst>
+            <a:outerShdw blurRad="40000" dist="23000" dir="5400000" rotWithShape="0">
+              <a:srgbClr val="000000">
+                <a:alpha val="35000"/>
+              </a:srgbClr>
+            </a:outerShdw>
+          </a:effectLst>
+        </a:effectStyle>
+        <a:effectStyle>
+          <a:effectLst>
+            <a:outerShdw blurRad="40000" dist="23000" dir="5400000" rotWithShape="0">
+              <a:srgbClr val="000000">
+                <a:alpha val="35000"/>
+              </a:srgbClr>
+            </a:outerShdw>
+          </a:effectLst>
+          <a:scene3d>
+            <a:camera prst="orthographicFront">
+              <a:rot lat="0" lon="0" rev="0"/>
+            </a:camera>
+            <a:lightRig rig="threePt" dir="t">
+              <a:rot lat="0" lon="0" rev="1200000"/>
+            </a:lightRig>
+          </a:scene3d>
+          <a:sp3d>
+            <a:bevelT w="63500" h="25400"/>
+          </a:sp3d>
+        </a:effectStyle>
+      </a:effectStyleLst>
+      <a:bgFillStyleLst>
+        <a:solidFill>
+          <a:schemeClr val="phClr"/>
+        </a:solidFill>
+        <a:gradFill rotWithShape="1">
+          <a:gsLst>
+            <a:gs pos="0">
+              <a:schemeClr val="phClr">
+                <a:tint val="40000"/>
+                <a:satMod val="350000"/>
+              </a:schemeClr>
+            </a:gs>
+            <a:gs pos="40000">
+              <a:schemeClr val="phClr">
+                <a:tint val="45000"/>
+                <a:shade val="99000"/>
+                <a:satMod val="350000"/>
+              </a:schemeClr>
+            </a:gs>
+            <a:gs pos="100000">
+              <a:schemeClr val="phClr">
+                <a:shade val="20000"/>
+                <a:satMod val="255000"/>
+              </a:schemeClr>
+            </a:gs>
+          </a:gsLst>
+          <a:path path="circle">
+            <a:fillToRect l="50000" t="-80000" r="50000" b="180000"/>
+          </a:path>
+        </a:gradFill>
+        <a:gradFill rotWithShape="1">
+          <a:gsLst>
+            <a:gs pos="0">
+              <a:schemeClr val="phClr">
+                <a:tint val="80000"/>
+                <a:satMod val="300000"/>
+              </a:schemeClr>
+            </a:gs>
+            <a:gs pos="100000">
+              <a:schemeClr val="phClr">
+                <a:shade val="30000"/>
+                <a:satMod val="200000"/>
+              </a:schemeClr>
+            </a:gs>
+          </a:gsLst>
+          <a:path path="circle">
+            <a:fillToRect l="50000" t="50000" r="50000" b="50000"/>
+          </a:path>
+        </a:gradFill>
+      </a:bgFillStyleLst>
+    </a:fmtScheme>
+  </a:themeElements>
+  <a:objectDefaults/>
+  <a:extraClrSchemeLst/>
+</a:theme>
 </file>